--- a/001_Things.pptx
+++ b/001_Things.pptx
@@ -5,18 +5,19 @@
     <p:sldMasterId id="2147483686" r:id="rId1"/>
   </p:sldMasterIdLst>
   <p:notesMasterIdLst>
-    <p:notesMasterId r:id="rId8"/>
+    <p:notesMasterId r:id="rId9"/>
   </p:notesMasterIdLst>
   <p:handoutMasterIdLst>
-    <p:handoutMasterId r:id="rId9"/>
+    <p:handoutMasterId r:id="rId10"/>
   </p:handoutMasterIdLst>
   <p:sldIdLst>
     <p:sldId id="859" r:id="rId2"/>
     <p:sldId id="869" r:id="rId3"/>
     <p:sldId id="873" r:id="rId4"/>
-    <p:sldId id="871" r:id="rId5"/>
-    <p:sldId id="872" r:id="rId6"/>
-    <p:sldId id="870" r:id="rId7"/>
+    <p:sldId id="874" r:id="rId5"/>
+    <p:sldId id="871" r:id="rId6"/>
+    <p:sldId id="872" r:id="rId7"/>
+    <p:sldId id="870" r:id="rId8"/>
   </p:sldIdLst>
   <p:sldSz cx="9144000" cy="6858000" type="screen4x3"/>
   <p:notesSz cx="6797675" cy="9926638"/>
@@ -285,7 +286,7 @@
               <a:pPr>
                 <a:defRPr/>
               </a:pPr>
-              <a:t>14.08.2019</a:t>
+              <a:t>16.08.2019</a:t>
             </a:fld>
             <a:endParaRPr lang="de-AT"/>
           </a:p>
@@ -500,7 +501,7 @@
               <a:pPr>
                 <a:defRPr/>
               </a:pPr>
-              <a:t>14.08.2019</a:t>
+              <a:t>16.08.2019</a:t>
             </a:fld>
             <a:endParaRPr lang="de-AT"/>
           </a:p>
@@ -2255,11 +2256,11 @@
               <a:rPr lang="de-DE" sz="1600" dirty="0">
                 <a:hlinkClick r:id="rId8"/>
               </a:rPr>
-              <a:t>http://192.168.0.72/setconfig</a:t>
+              <a:t>http://192.168.0.72/setconfig?mqttuser=openhabian&amp;mqttpassword=piKla87Sie57</a:t>
             </a:r>
             <a:r>
               <a:rPr lang="de-DE" sz="1600" dirty="0"/>
-              <a:t>?mqttuser=openhabian&amp;mqttpassword=piKla87Sie57</a:t>
+              <a:t> </a:t>
             </a:r>
           </a:p>
           <a:p>
@@ -2591,6 +2592,189 @@
 </file>
 
 <file path=ppt/slides/slide4.xml><?xml version="1.0" encoding="utf-8"?>
+<p:sld xmlns:a="http://schemas.openxmlformats.org/drawingml/2006/main" xmlns:r="http://schemas.openxmlformats.org/officeDocument/2006/relationships" xmlns:p="http://schemas.openxmlformats.org/presentationml/2006/main">
+  <p:cSld>
+    <p:spTree>
+      <p:nvGrpSpPr>
+        <p:cNvPr id="1" name=""/>
+        <p:cNvGrpSpPr/>
+        <p:nvPr/>
+      </p:nvGrpSpPr>
+      <p:grpSpPr>
+        <a:xfrm>
+          <a:off x="0" y="0"/>
+          <a:ext cx="0" cy="0"/>
+          <a:chOff x="0" y="0"/>
+          <a:chExt cx="0" cy="0"/>
+        </a:xfrm>
+      </p:grpSpPr>
+      <p:sp>
+        <p:nvSpPr>
+          <p:cNvPr id="2" name="Titel 1">
+            <a:extLst>
+              <a:ext uri="{FF2B5EF4-FFF2-40B4-BE49-F238E27FC236}">
+                <a16:creationId xmlns:a16="http://schemas.microsoft.com/office/drawing/2014/main" id="{17296256-048F-4D15-9FF7-37241709E82B}"/>
+              </a:ext>
+            </a:extLst>
+          </p:cNvPr>
+          <p:cNvSpPr>
+            <a:spLocks noGrp="1"/>
+          </p:cNvSpPr>
+          <p:nvPr>
+            <p:ph type="title"/>
+          </p:nvPr>
+        </p:nvSpPr>
+        <p:spPr/>
+        <p:txBody>
+          <a:bodyPr/>
+          <a:lstStyle/>
+          <a:p>
+            <a:r>
+              <a:rPr lang="de-DE" dirty="0" err="1"/>
+              <a:t>Gardenhouse</a:t>
+            </a:r>
+            <a:endParaRPr lang="de-DE" dirty="0"/>
+          </a:p>
+        </p:txBody>
+      </p:sp>
+      <p:sp>
+        <p:nvSpPr>
+          <p:cNvPr id="3" name="Textplatzhalter 2">
+            <a:extLst>
+              <a:ext uri="{FF2B5EF4-FFF2-40B4-BE49-F238E27FC236}">
+                <a16:creationId xmlns:a16="http://schemas.microsoft.com/office/drawing/2014/main" id="{AE9CEDFF-D8DF-414B-82EC-65DA6495BFAA}"/>
+              </a:ext>
+            </a:extLst>
+          </p:cNvPr>
+          <p:cNvSpPr>
+            <a:spLocks noGrp="1"/>
+          </p:cNvSpPr>
+          <p:nvPr>
+            <p:ph type="body" sz="quarter" idx="10"/>
+          </p:nvPr>
+        </p:nvSpPr>
+        <p:spPr/>
+        <p:txBody>
+          <a:bodyPr/>
+          <a:lstStyle/>
+          <a:p>
+            <a:r>
+              <a:rPr lang="de-DE" sz="1600" dirty="0">
+                <a:hlinkClick r:id="rId2"/>
+              </a:rPr>
+              <a:t>http://192.168.0.50/getconfig</a:t>
+            </a:r>
+            <a:endParaRPr lang="de-DE" sz="1600" dirty="0"/>
+          </a:p>
+          <a:p>
+            <a:endParaRPr lang="de-DE" sz="1600" dirty="0"/>
+          </a:p>
+          <a:p>
+            <a:r>
+              <a:rPr lang="de-DE" sz="1600" dirty="0">
+                <a:hlinkClick r:id="rId3"/>
+              </a:rPr>
+              <a:t>http://192.168.0.50/setconfig?mqttbroker=ssdpi&amp;mqttport=8883</a:t>
+            </a:r>
+            <a:endParaRPr lang="de-DE" sz="1600" dirty="0"/>
+          </a:p>
+          <a:p>
+            <a:r>
+              <a:rPr lang="de-DE" sz="1600" dirty="0">
+                <a:hlinkClick r:id="rId4"/>
+              </a:rPr>
+              <a:t>http://192.168.0.50/setconfig?mqttuser=openhabian&amp;mqttpassword=piKla87Sie57</a:t>
+            </a:r>
+            <a:r>
+              <a:rPr lang="de-DE" sz="1600" dirty="0"/>
+              <a:t> </a:t>
+            </a:r>
+          </a:p>
+          <a:p>
+            <a:r>
+              <a:rPr lang="de-DE" sz="1600" dirty="0">
+                <a:hlinkClick r:id="rId5"/>
+              </a:rPr>
+              <a:t>http://192.168.0.50/setconfig?mqttuser=openhabian&amp;loggerip=192.168.0.6</a:t>
+            </a:r>
+            <a:r>
+              <a:rPr lang="de-DE" sz="1600" dirty="0"/>
+              <a:t> </a:t>
+            </a:r>
+          </a:p>
+          <a:p>
+            <a:endParaRPr lang="de-DE" sz="1600" dirty="0"/>
+          </a:p>
+          <a:p>
+            <a:r>
+              <a:rPr lang="de-DE" sz="1600" dirty="0">
+                <a:hlinkClick r:id="rId6"/>
+              </a:rPr>
+              <a:t>http://192.168.0.50/setactor?powerpump=1</a:t>
+            </a:r>
+            <a:r>
+              <a:rPr lang="de-DE" sz="1600" dirty="0"/>
+              <a:t> </a:t>
+            </a:r>
+          </a:p>
+          <a:p>
+            <a:r>
+              <a:rPr lang="de-DE" sz="1600" dirty="0">
+                <a:hlinkClick r:id="rId7"/>
+              </a:rPr>
+              <a:t>http://192.168.0.50/setactor?powermiddle=1</a:t>
+            </a:r>
+            <a:r>
+              <a:rPr lang="de-DE" sz="1600" dirty="0"/>
+              <a:t> </a:t>
+            </a:r>
+          </a:p>
+          <a:p>
+            <a:r>
+              <a:rPr lang="de-DE" sz="1600" dirty="0">
+                <a:hlinkClick r:id="rId8"/>
+              </a:rPr>
+              <a:t>http://192.168.0.50/setactor?powerright=1</a:t>
+            </a:r>
+            <a:r>
+              <a:rPr lang="de-DE" sz="1600" dirty="0"/>
+              <a:t> </a:t>
+            </a:r>
+          </a:p>
+          <a:p>
+            <a:endParaRPr lang="de-DE" sz="1600" dirty="0"/>
+          </a:p>
+          <a:p>
+            <a:r>
+              <a:rPr lang="de-DE" sz="1600" dirty="0">
+                <a:hlinkClick r:id="rId9"/>
+              </a:rPr>
+              <a:t>http://192.168.0.50/getsensor?waterlevel</a:t>
+            </a:r>
+            <a:r>
+              <a:rPr lang="de-DE" sz="1600" dirty="0"/>
+              <a:t> </a:t>
+            </a:r>
+          </a:p>
+          <a:p>
+            <a:endParaRPr lang="de-DE" sz="1800" dirty="0"/>
+          </a:p>
+        </p:txBody>
+      </p:sp>
+    </p:spTree>
+    <p:extLst>
+      <p:ext uri="{BB962C8B-B14F-4D97-AF65-F5344CB8AC3E}">
+        <p14:creationId xmlns:p14="http://schemas.microsoft.com/office/powerpoint/2010/main" val="64974923"/>
+      </p:ext>
+    </p:extLst>
+  </p:cSld>
+  <p:clrMapOvr>
+    <a:masterClrMapping/>
+  </p:clrMapOvr>
+</p:sld>
+</file>
+
+<file path=ppt/slides/slide5.xml><?xml version="1.0" encoding="utf-8"?>
 <p:sld xmlns:a="http://schemas.openxmlformats.org/drawingml/2006/main" xmlns:r="http://schemas.openxmlformats.org/officeDocument/2006/relationships" xmlns:p="http://schemas.openxmlformats.org/presentationml/2006/main">
   <p:cSld>
     <p:spTree>
@@ -2854,7 +3038,7 @@
 </p:sld>
 </file>
 
-<file path=ppt/slides/slide5.xml><?xml version="1.0" encoding="utf-8"?>
+<file path=ppt/slides/slide6.xml><?xml version="1.0" encoding="utf-8"?>
 <p:sld xmlns:a="http://schemas.openxmlformats.org/drawingml/2006/main" xmlns:r="http://schemas.openxmlformats.org/officeDocument/2006/relationships" xmlns:p="http://schemas.openxmlformats.org/presentationml/2006/main">
   <p:cSld>
     <p:spTree>
@@ -2985,7 +3169,7 @@
 </p:sld>
 </file>
 
-<file path=ppt/slides/slide6.xml><?xml version="1.0" encoding="utf-8"?>
+<file path=ppt/slides/slide7.xml><?xml version="1.0" encoding="utf-8"?>
 <p:sld xmlns:a="http://schemas.openxmlformats.org/drawingml/2006/main" xmlns:r="http://schemas.openxmlformats.org/officeDocument/2006/relationships" xmlns:p="http://schemas.openxmlformats.org/presentationml/2006/main">
   <p:cSld>
     <p:spTree>

--- a/001_Things.pptx
+++ b/001_Things.pptx
@@ -5,19 +5,22 @@
     <p:sldMasterId id="2147483686" r:id="rId1"/>
   </p:sldMasterIdLst>
   <p:notesMasterIdLst>
-    <p:notesMasterId r:id="rId9"/>
+    <p:notesMasterId r:id="rId12"/>
   </p:notesMasterIdLst>
   <p:handoutMasterIdLst>
-    <p:handoutMasterId r:id="rId10"/>
+    <p:handoutMasterId r:id="rId13"/>
   </p:handoutMasterIdLst>
   <p:sldIdLst>
     <p:sldId id="859" r:id="rId2"/>
     <p:sldId id="869" r:id="rId3"/>
     <p:sldId id="873" r:id="rId4"/>
     <p:sldId id="874" r:id="rId5"/>
-    <p:sldId id="871" r:id="rId6"/>
-    <p:sldId id="872" r:id="rId7"/>
-    <p:sldId id="870" r:id="rId8"/>
+    <p:sldId id="877" r:id="rId6"/>
+    <p:sldId id="875" r:id="rId7"/>
+    <p:sldId id="876" r:id="rId8"/>
+    <p:sldId id="871" r:id="rId9"/>
+    <p:sldId id="872" r:id="rId10"/>
+    <p:sldId id="870" r:id="rId11"/>
   </p:sldIdLst>
   <p:sldSz cx="9144000" cy="6858000" type="screen4x3"/>
   <p:notesSz cx="6797675" cy="9926638"/>
@@ -286,7 +289,7 @@
               <a:pPr>
                 <a:defRPr/>
               </a:pPr>
-              <a:t>16.08.2019</a:t>
+              <a:t>20.08.2019</a:t>
             </a:fld>
             <a:endParaRPr lang="de-AT"/>
           </a:p>
@@ -501,7 +504,7 @@
               <a:pPr>
                 <a:defRPr/>
               </a:pPr>
-              <a:t>16.08.2019</a:t>
+              <a:t>19.08.2019</a:t>
             </a:fld>
             <a:endParaRPr lang="de-AT"/>
           </a:p>
@@ -2195,7 +2198,7 @@
               <a:rPr lang="de-DE" sz="1600" dirty="0">
                 <a:hlinkClick r:id="rId3"/>
               </a:rPr>
-              <a:t>http://192.168.10.1/setconfig?mqttbroker=192.168.0.10&amp;mqttport=8883</a:t>
+              <a:t>http://192.168.10.1/setconfig?mqttbroker=ssdpi&amp;mqttport=8883</a:t>
             </a:r>
             <a:endParaRPr lang="de-DE" sz="1600" dirty="0"/>
           </a:p>
@@ -2204,20 +2207,23 @@
               <a:rPr lang="de-DE" sz="1600" dirty="0">
                 <a:hlinkClick r:id="rId4"/>
               </a:rPr>
-              <a:t>http://192.168.10.1/setconfig?ntpserver=192.168.0.1</a:t>
-            </a:r>
-            <a:endParaRPr lang="de-DE" sz="1600" dirty="0"/>
+              <a:t>http://192.168.10.1/setconfig?mqttuser=openhabian&amp;mqttpassword=piKla87Sie57</a:t>
+            </a:r>
+            <a:r>
+              <a:rPr lang="de-DE" sz="1600" dirty="0"/>
+              <a:t> </a:t>
+            </a:r>
           </a:p>
           <a:p>
             <a:r>
               <a:rPr lang="de-DE" sz="1600" dirty="0">
                 <a:hlinkClick r:id="rId5"/>
               </a:rPr>
-              <a:t>http://192.168.10.1/setconfig</a:t>
+              <a:t>http://192.168.10.1/setconfig?ntpserver=192.168.0.2&amp;thingname=ssrdemo</a:t>
             </a:r>
             <a:r>
               <a:rPr lang="de-DE" sz="1600" dirty="0"/>
-              <a:t>?mqttuser=openhabian&amp;mqttpassword=piKla87Sie57</a:t>
+              <a:t>  </a:t>
             </a:r>
           </a:p>
           <a:p>
@@ -2278,6 +2284,86 @@
     <p:extLst>
       <p:ext uri="{BB962C8B-B14F-4D97-AF65-F5344CB8AC3E}">
         <p14:creationId xmlns:p14="http://schemas.microsoft.com/office/powerpoint/2010/main" val="500606022"/>
+      </p:ext>
+    </p:extLst>
+  </p:cSld>
+  <p:clrMapOvr>
+    <a:masterClrMapping/>
+  </p:clrMapOvr>
+</p:sld>
+</file>
+
+<file path=ppt/slides/slide10.xml><?xml version="1.0" encoding="utf-8"?>
+<p:sld xmlns:a="http://schemas.openxmlformats.org/drawingml/2006/main" xmlns:r="http://schemas.openxmlformats.org/officeDocument/2006/relationships" xmlns:p="http://schemas.openxmlformats.org/presentationml/2006/main">
+  <p:cSld>
+    <p:spTree>
+      <p:nvGrpSpPr>
+        <p:cNvPr id="1" name=""/>
+        <p:cNvGrpSpPr/>
+        <p:nvPr/>
+      </p:nvGrpSpPr>
+      <p:grpSpPr>
+        <a:xfrm>
+          <a:off x="0" y="0"/>
+          <a:ext cx="0" cy="0"/>
+          <a:chOff x="0" y="0"/>
+          <a:chExt cx="0" cy="0"/>
+        </a:xfrm>
+      </p:grpSpPr>
+      <p:sp>
+        <p:nvSpPr>
+          <p:cNvPr id="2" name="Titel 1">
+            <a:extLst>
+              <a:ext uri="{FF2B5EF4-FFF2-40B4-BE49-F238E27FC236}">
+                <a16:creationId xmlns:a16="http://schemas.microsoft.com/office/drawing/2014/main" id="{FBBE7205-2FDE-4F86-B371-5476BFD082F0}"/>
+              </a:ext>
+            </a:extLst>
+          </p:cNvPr>
+          <p:cNvSpPr>
+            <a:spLocks noGrp="1"/>
+          </p:cNvSpPr>
+          <p:nvPr>
+            <p:ph type="title"/>
+          </p:nvPr>
+        </p:nvSpPr>
+        <p:spPr/>
+        <p:txBody>
+          <a:bodyPr/>
+          <a:lstStyle/>
+          <a:p>
+            <a:endParaRPr lang="de-DE"/>
+          </a:p>
+        </p:txBody>
+      </p:sp>
+      <p:sp>
+        <p:nvSpPr>
+          <p:cNvPr id="3" name="Textplatzhalter 2">
+            <a:extLst>
+              <a:ext uri="{FF2B5EF4-FFF2-40B4-BE49-F238E27FC236}">
+                <a16:creationId xmlns:a16="http://schemas.microsoft.com/office/drawing/2014/main" id="{8830C36F-B053-4F61-9060-7E5023852281}"/>
+              </a:ext>
+            </a:extLst>
+          </p:cNvPr>
+          <p:cNvSpPr>
+            <a:spLocks noGrp="1"/>
+          </p:cNvSpPr>
+          <p:nvPr>
+            <p:ph type="body" sz="quarter" idx="10"/>
+          </p:nvPr>
+        </p:nvSpPr>
+        <p:spPr/>
+        <p:txBody>
+          <a:bodyPr/>
+          <a:lstStyle/>
+          <a:p>
+            <a:endParaRPr lang="de-DE"/>
+          </a:p>
+        </p:txBody>
+      </p:sp>
+    </p:spTree>
+    <p:extLst>
+      <p:ext uri="{BB962C8B-B14F-4D97-AF65-F5344CB8AC3E}">
+        <p14:creationId xmlns:p14="http://schemas.microsoft.com/office/powerpoint/2010/main" val="1863643312"/>
       </p:ext>
     </p:extLst>
   </p:cSld>
@@ -2354,66 +2440,156 @@
           <a:lstStyle/>
           <a:p>
             <a:r>
-              <a:rPr lang="de-DE" sz="2800" dirty="0">
+              <a:rPr lang="de-DE" sz="2000" dirty="0">
                 <a:hlinkClick r:id="rId2"/>
               </a:rPr>
-              <a:t>http://192.168.0.72/getconfig</a:t>
-            </a:r>
-            <a:endParaRPr lang="de-DE" sz="2800" dirty="0"/>
-          </a:p>
-          <a:p>
-            <a:endParaRPr lang="de-DE" sz="2800" dirty="0"/>
-          </a:p>
-          <a:p>
-            <a:r>
-              <a:rPr lang="de-DE" sz="2800" dirty="0">
+              <a:t>http://192.168.0.74/getconfig</a:t>
+            </a:r>
+            <a:endParaRPr lang="de-DE" sz="2000" dirty="0"/>
+          </a:p>
+          <a:p>
+            <a:endParaRPr lang="de-DE" sz="2000" dirty="0"/>
+          </a:p>
+          <a:p>
+            <a:r>
+              <a:rPr lang="de-DE" sz="2000" dirty="0">
                 <a:hlinkClick r:id="rId3"/>
               </a:rPr>
-              <a:t>http://192.168.0.72/getsensor?pressure</a:t>
-            </a:r>
-            <a:endParaRPr lang="de-DE" sz="2800" dirty="0"/>
-          </a:p>
-          <a:p>
-            <a:r>
-              <a:rPr lang="de-DE" sz="2800" dirty="0">
+              <a:t>http://192.168.0.74/getsensor?pressure</a:t>
+            </a:r>
+            <a:endParaRPr lang="de-DE" sz="2000" dirty="0"/>
+          </a:p>
+          <a:p>
+            <a:r>
+              <a:rPr lang="de-DE" sz="2000" dirty="0">
                 <a:hlinkClick r:id="rId4"/>
               </a:rPr>
-              <a:t>http://192.168.0.72/getsensor?temperature</a:t>
-            </a:r>
-            <a:endParaRPr lang="de-DE" sz="2800" dirty="0"/>
-          </a:p>
-          <a:p>
-            <a:r>
-              <a:rPr lang="de-DE" sz="2800" dirty="0">
+              <a:t>http://192.168.0.74/getsensor?temperature</a:t>
+            </a:r>
+            <a:endParaRPr lang="de-DE" sz="2000" dirty="0"/>
+          </a:p>
+          <a:p>
+            <a:r>
+              <a:rPr lang="de-DE" sz="2000" dirty="0">
                 <a:hlinkClick r:id="rId5"/>
               </a:rPr>
-              <a:t>http://192.168.0.72/getsensor?humidity</a:t>
-            </a:r>
-            <a:endParaRPr lang="de-DE" sz="2800" dirty="0"/>
-          </a:p>
-          <a:p>
-            <a:endParaRPr lang="de-DE" sz="2800" dirty="0"/>
-          </a:p>
-          <a:p>
-            <a:endParaRPr lang="de-DE" sz="2800" dirty="0"/>
-          </a:p>
-          <a:p>
-            <a:endParaRPr lang="de-DE" sz="2800" dirty="0"/>
-          </a:p>
-          <a:p>
-            <a:endParaRPr lang="de-DE" sz="2800" dirty="0"/>
+              <a:t>http://192.168.0.74/getsensor?humidity</a:t>
+            </a:r>
+            <a:endParaRPr lang="de-DE" sz="2000" dirty="0"/>
+          </a:p>
+          <a:p>
+            <a:endParaRPr lang="de-DE" sz="2000" dirty="0"/>
+          </a:p>
+          <a:p>
+            <a:r>
+              <a:rPr lang="de-DE" sz="2000" dirty="0">
+                <a:hlinkClick r:id="rId6"/>
+              </a:rPr>
+              <a:t>http://192.168.0.74/getconfigvalue?mqttbroker</a:t>
+            </a:r>
+            <a:r>
+              <a:rPr lang="de-DE" sz="2000" dirty="0"/>
+              <a:t> </a:t>
+            </a:r>
+          </a:p>
+          <a:p>
+            <a:r>
+              <a:rPr lang="de-DE" sz="2000" dirty="0">
+                <a:hlinkClick r:id="rId7"/>
+              </a:rPr>
+              <a:t>http://192.168.0.74/getconfigvalue?mqttport</a:t>
+            </a:r>
+            <a:r>
+              <a:rPr lang="de-DE" sz="2000" dirty="0"/>
+              <a:t> </a:t>
+            </a:r>
+          </a:p>
+          <a:p>
+            <a:r>
+              <a:rPr lang="de-DE" sz="2000" dirty="0">
+                <a:hlinkClick r:id="rId8"/>
+              </a:rPr>
+              <a:t>http://192.168.0.74/getconfigvalue?mqttuser</a:t>
+            </a:r>
+            <a:r>
+              <a:rPr lang="de-DE" sz="2000" dirty="0"/>
+              <a:t> </a:t>
+            </a:r>
+          </a:p>
+          <a:p>
+            <a:r>
+              <a:rPr lang="de-DE" sz="2000" dirty="0">
+                <a:hlinkClick r:id="rId9"/>
+              </a:rPr>
+              <a:t>http://192.168.0.74/getconfigvalue?mqttpassword</a:t>
+            </a:r>
+            <a:r>
+              <a:rPr lang="de-DE" sz="2000" dirty="0"/>
+              <a:t> </a:t>
+            </a:r>
+          </a:p>
+          <a:p>
+            <a:r>
+              <a:rPr lang="de-DE" sz="2000" dirty="0">
+                <a:hlinkClick r:id="rId10"/>
+              </a:rPr>
+              <a:t>http://192.168.0.74/getconfigvalue?ssid</a:t>
+            </a:r>
+            <a:r>
+              <a:rPr lang="de-DE" sz="2000" dirty="0"/>
+              <a:t>  </a:t>
+            </a:r>
+          </a:p>
+          <a:p>
+            <a:r>
+              <a:rPr lang="de-DE" sz="2000" dirty="0">
+                <a:hlinkClick r:id="rId11"/>
+              </a:rPr>
+              <a:t>http</a:t>
+            </a:r>
+            <a:r>
+              <a:rPr lang="de-DE" sz="2000">
+                <a:hlinkClick r:id="rId11"/>
+              </a:rPr>
+              <a:t>://192.168.0.74/</a:t>
+            </a:r>
+            <a:r>
+              <a:rPr lang="de-DE" sz="2000" dirty="0">
+                <a:hlinkClick r:id="rId11"/>
+              </a:rPr>
+              <a:t>getconfigvalue?password</a:t>
+            </a:r>
+            <a:r>
+              <a:rPr lang="de-DE" sz="2000" dirty="0"/>
+              <a:t> </a:t>
+            </a:r>
+          </a:p>
+          <a:p>
+            <a:endParaRPr lang="de-DE" sz="2000" dirty="0"/>
+          </a:p>
+          <a:p>
+            <a:endParaRPr lang="de-DE" sz="2000" dirty="0"/>
+          </a:p>
+          <a:p>
+            <a:endParaRPr lang="de-DE" sz="2000" dirty="0"/>
+          </a:p>
+          <a:p>
+            <a:endParaRPr lang="de-DE" sz="2000" dirty="0"/>
+          </a:p>
+          <a:p>
+            <a:endParaRPr lang="de-DE" sz="2000" dirty="0"/>
           </a:p>
           <a:p>
             <a:pPr marL="0" indent="0">
               <a:buNone/>
             </a:pPr>
-            <a:endParaRPr lang="de-DE" sz="2800" dirty="0"/>
-          </a:p>
-          <a:p>
-            <a:endParaRPr lang="de-DE" sz="2800" dirty="0"/>
-          </a:p>
-          <a:p>
-            <a:endParaRPr lang="de-DE" dirty="0"/>
+            <a:endParaRPr lang="de-DE" sz="2000" dirty="0"/>
+          </a:p>
+          <a:p>
+            <a:endParaRPr lang="de-DE" sz="2000" dirty="0"/>
+          </a:p>
+          <a:p>
+            <a:endParaRPr lang="de-DE" sz="2000" dirty="0"/>
           </a:p>
         </p:txBody>
       </p:sp>
@@ -2695,7 +2871,7 @@
               <a:rPr lang="de-DE" sz="1600" dirty="0">
                 <a:hlinkClick r:id="rId5"/>
               </a:rPr>
-              <a:t>http://192.168.0.50/setconfig?mqttuser=openhabian&amp;loggerip=192.168.0.6</a:t>
+              <a:t>http://192.168.0.50/setconfig?thingname=gardenhouse&amp;loggerip=192.168.0.6</a:t>
             </a:r>
             <a:r>
               <a:rPr lang="de-DE" sz="1600" dirty="0"/>
@@ -2710,7 +2886,7 @@
               <a:rPr lang="de-DE" sz="1600" dirty="0">
                 <a:hlinkClick r:id="rId6"/>
               </a:rPr>
-              <a:t>http://192.168.0.50/setactor?powerpump=1</a:t>
+              <a:t>http://192.168.0.50/getconfig?loggerip</a:t>
             </a:r>
             <a:r>
               <a:rPr lang="de-DE" sz="1600" dirty="0"/>
@@ -2718,11 +2894,14 @@
             </a:r>
           </a:p>
           <a:p>
+            <a:endParaRPr lang="de-DE" sz="1600" dirty="0"/>
+          </a:p>
+          <a:p>
             <a:r>
               <a:rPr lang="de-DE" sz="1600" dirty="0">
                 <a:hlinkClick r:id="rId7"/>
               </a:rPr>
-              <a:t>http://192.168.0.50/setactor?powermiddle=1</a:t>
+              <a:t>http://192.168.0.50/setactor?powerpump=1</a:t>
             </a:r>
             <a:r>
               <a:rPr lang="de-DE" sz="1600" dirty="0"/>
@@ -2734,7 +2913,7 @@
               <a:rPr lang="de-DE" sz="1600" dirty="0">
                 <a:hlinkClick r:id="rId8"/>
               </a:rPr>
-              <a:t>http://192.168.0.50/setactor?powerright=1</a:t>
+              <a:t>http://192.168.0.50/setactor?powermiddle=1</a:t>
             </a:r>
             <a:r>
               <a:rPr lang="de-DE" sz="1600" dirty="0"/>
@@ -2742,12 +2921,63 @@
             </a:r>
           </a:p>
           <a:p>
-            <a:endParaRPr lang="de-DE" sz="1600" dirty="0"/>
-          </a:p>
-          <a:p>
             <a:r>
               <a:rPr lang="de-DE" sz="1600" dirty="0">
                 <a:hlinkClick r:id="rId9"/>
+              </a:rPr>
+              <a:t>http://192.168.0.50/setactor?powerright=1</a:t>
+            </a:r>
+            <a:r>
+              <a:rPr lang="de-DE" sz="1600" dirty="0"/>
+              <a:t> </a:t>
+            </a:r>
+          </a:p>
+          <a:p>
+            <a:endParaRPr lang="de-DE" sz="1600" dirty="0"/>
+          </a:p>
+          <a:p>
+            <a:r>
+              <a:rPr lang="de-DE" sz="1600" dirty="0">
+                <a:hlinkClick r:id="rId10"/>
+              </a:rPr>
+              <a:t>http://192.168.0.50/getactor?powerpump</a:t>
+            </a:r>
+            <a:r>
+              <a:rPr lang="de-DE" sz="1600" dirty="0"/>
+              <a:t>  </a:t>
+            </a:r>
+          </a:p>
+          <a:p>
+            <a:r>
+              <a:rPr lang="de-DE" sz="1600" dirty="0">
+                <a:hlinkClick r:id="rId8"/>
+              </a:rPr>
+              <a:t>http://192.168.0.50/getactor?powermiddle</a:t>
+            </a:r>
+            <a:r>
+              <a:rPr lang="de-DE" sz="1600" dirty="0"/>
+              <a:t> </a:t>
+            </a:r>
+          </a:p>
+          <a:p>
+            <a:r>
+              <a:rPr lang="de-DE" sz="1600" dirty="0">
+                <a:hlinkClick r:id="rId9"/>
+              </a:rPr>
+              <a:t>http://192.168.0.50/getactor?powerright</a:t>
+            </a:r>
+            <a:r>
+              <a:rPr lang="de-DE" sz="1600" dirty="0"/>
+              <a:t> </a:t>
+            </a:r>
+          </a:p>
+          <a:p>
+            <a:endParaRPr lang="de-DE" sz="1600" dirty="0"/>
+          </a:p>
+          <a:p>
+            <a:r>
+              <a:rPr lang="de-DE" sz="1600" dirty="0">
+                <a:hlinkClick r:id="rId11"/>
               </a:rPr>
               <a:t>http://192.168.0.50/getsensor?waterlevel</a:t>
             </a:r>
@@ -2775,6 +3005,584 @@
 </file>
 
 <file path=ppt/slides/slide5.xml><?xml version="1.0" encoding="utf-8"?>
+<p:sld xmlns:a="http://schemas.openxmlformats.org/drawingml/2006/main" xmlns:r="http://schemas.openxmlformats.org/officeDocument/2006/relationships" xmlns:p="http://schemas.openxmlformats.org/presentationml/2006/main">
+  <p:cSld>
+    <p:spTree>
+      <p:nvGrpSpPr>
+        <p:cNvPr id="1" name=""/>
+        <p:cNvGrpSpPr/>
+        <p:nvPr/>
+      </p:nvGrpSpPr>
+      <p:grpSpPr>
+        <a:xfrm>
+          <a:off x="0" y="0"/>
+          <a:ext cx="0" cy="0"/>
+          <a:chOff x="0" y="0"/>
+          <a:chExt cx="0" cy="0"/>
+        </a:xfrm>
+      </p:grpSpPr>
+      <p:sp>
+        <p:nvSpPr>
+          <p:cNvPr id="2" name="Titel 1">
+            <a:extLst>
+              <a:ext uri="{FF2B5EF4-FFF2-40B4-BE49-F238E27FC236}">
+                <a16:creationId xmlns:a16="http://schemas.microsoft.com/office/drawing/2014/main" id="{17296256-048F-4D15-9FF7-37241709E82B}"/>
+              </a:ext>
+            </a:extLst>
+          </p:cNvPr>
+          <p:cNvSpPr>
+            <a:spLocks noGrp="1"/>
+          </p:cNvSpPr>
+          <p:nvPr>
+            <p:ph type="title"/>
+          </p:nvPr>
+        </p:nvSpPr>
+        <p:spPr/>
+        <p:txBody>
+          <a:bodyPr/>
+          <a:lstStyle/>
+          <a:p>
+            <a:r>
+              <a:rPr lang="de-DE" dirty="0" err="1"/>
+              <a:t>SsrDemo</a:t>
+            </a:r>
+            <a:endParaRPr lang="de-DE" dirty="0"/>
+          </a:p>
+        </p:txBody>
+      </p:sp>
+      <p:sp>
+        <p:nvSpPr>
+          <p:cNvPr id="3" name="Textplatzhalter 2">
+            <a:extLst>
+              <a:ext uri="{FF2B5EF4-FFF2-40B4-BE49-F238E27FC236}">
+                <a16:creationId xmlns:a16="http://schemas.microsoft.com/office/drawing/2014/main" id="{AE9CEDFF-D8DF-414B-82EC-65DA6495BFAA}"/>
+              </a:ext>
+            </a:extLst>
+          </p:cNvPr>
+          <p:cNvSpPr>
+            <a:spLocks noGrp="1"/>
+          </p:cNvSpPr>
+          <p:nvPr>
+            <p:ph type="body" sz="quarter" idx="10"/>
+          </p:nvPr>
+        </p:nvSpPr>
+        <p:spPr/>
+        <p:txBody>
+          <a:bodyPr/>
+          <a:lstStyle/>
+          <a:p>
+            <a:r>
+              <a:rPr lang="de-DE" sz="1600" dirty="0">
+                <a:hlinkClick r:id="rId2"/>
+              </a:rPr>
+              <a:t>http://192.168.0.79/getconfig</a:t>
+            </a:r>
+            <a:endParaRPr lang="de-DE" sz="1600" dirty="0"/>
+          </a:p>
+          <a:p>
+            <a:endParaRPr lang="de-DE" sz="1600" dirty="0"/>
+          </a:p>
+          <a:p>
+            <a:r>
+              <a:rPr lang="de-DE" sz="1600" dirty="0">
+                <a:hlinkClick r:id="rId3"/>
+              </a:rPr>
+              <a:t>http://192.168.0.79/setconfig?mqttbroker=ssdpi&amp;mqttport=8883</a:t>
+            </a:r>
+            <a:endParaRPr lang="de-DE" sz="1600" dirty="0"/>
+          </a:p>
+          <a:p>
+            <a:r>
+              <a:rPr lang="de-DE" sz="1600" dirty="0">
+                <a:hlinkClick r:id="rId4"/>
+              </a:rPr>
+              <a:t>http://192.168.0.79/setconfig?mqttuser=openhabian&amp;mqttpassword=piKla87Sie57</a:t>
+            </a:r>
+            <a:r>
+              <a:rPr lang="de-DE" sz="1600" dirty="0"/>
+              <a:t> </a:t>
+            </a:r>
+          </a:p>
+          <a:p>
+            <a:r>
+              <a:rPr lang="de-DE" sz="1600" dirty="0">
+                <a:hlinkClick r:id="rId5"/>
+              </a:rPr>
+              <a:t>http://192.168.0.79/setconfig?ntpserver=192.168.0.2&amp;thingname=ssrdemo</a:t>
+            </a:r>
+            <a:endParaRPr lang="de-DE" sz="1600" dirty="0"/>
+          </a:p>
+          <a:p>
+            <a:endParaRPr lang="de-DE" sz="1600" dirty="0"/>
+          </a:p>
+          <a:p>
+            <a:r>
+              <a:rPr lang="de-DE" sz="1600" dirty="0">
+                <a:hlinkClick r:id="rId6"/>
+              </a:rPr>
+              <a:t>http://192.168.0.79/setactor?switch=1</a:t>
+            </a:r>
+            <a:r>
+              <a:rPr lang="de-DE" sz="1600" dirty="0"/>
+              <a:t> </a:t>
+            </a:r>
+          </a:p>
+          <a:p>
+            <a:r>
+              <a:rPr lang="de-DE" sz="1800" dirty="0">
+                <a:hlinkClick r:id="rId7"/>
+              </a:rPr>
+              <a:t>http://192.168.0.79/getactor?switch</a:t>
+            </a:r>
+            <a:r>
+              <a:rPr lang="de-DE" sz="1800" dirty="0"/>
+              <a:t> </a:t>
+            </a:r>
+          </a:p>
+          <a:p>
+            <a:endParaRPr lang="de-DE" sz="1800" dirty="0"/>
+          </a:p>
+          <a:p>
+            <a:r>
+              <a:rPr lang="de-DE" sz="1800" dirty="0">
+                <a:hlinkClick r:id="rId8"/>
+              </a:rPr>
+              <a:t>http://192.168.0.79/getconfig?thingname</a:t>
+            </a:r>
+            <a:r>
+              <a:rPr lang="de-DE" sz="1800" dirty="0"/>
+              <a:t> </a:t>
+            </a:r>
+          </a:p>
+          <a:p>
+            <a:endParaRPr lang="de-DE" sz="1800" dirty="0"/>
+          </a:p>
+        </p:txBody>
+      </p:sp>
+    </p:spTree>
+    <p:extLst>
+      <p:ext uri="{BB962C8B-B14F-4D97-AF65-F5344CB8AC3E}">
+        <p14:creationId xmlns:p14="http://schemas.microsoft.com/office/powerpoint/2010/main" val="3504643302"/>
+      </p:ext>
+    </p:extLst>
+  </p:cSld>
+  <p:clrMapOvr>
+    <a:masterClrMapping/>
+  </p:clrMapOvr>
+</p:sld>
+</file>
+
+<file path=ppt/slides/slide6.xml><?xml version="1.0" encoding="utf-8"?>
+<p:sld xmlns:a="http://schemas.openxmlformats.org/drawingml/2006/main" xmlns:r="http://schemas.openxmlformats.org/officeDocument/2006/relationships" xmlns:p="http://schemas.openxmlformats.org/presentationml/2006/main">
+  <p:cSld>
+    <p:spTree>
+      <p:nvGrpSpPr>
+        <p:cNvPr id="1" name=""/>
+        <p:cNvGrpSpPr/>
+        <p:nvPr/>
+      </p:nvGrpSpPr>
+      <p:grpSpPr>
+        <a:xfrm>
+          <a:off x="0" y="0"/>
+          <a:ext cx="0" cy="0"/>
+          <a:chOff x="0" y="0"/>
+          <a:chExt cx="0" cy="0"/>
+        </a:xfrm>
+      </p:grpSpPr>
+      <p:sp>
+        <p:nvSpPr>
+          <p:cNvPr id="2" name="Titel 1">
+            <a:extLst>
+              <a:ext uri="{FF2B5EF4-FFF2-40B4-BE49-F238E27FC236}">
+                <a16:creationId xmlns:a16="http://schemas.microsoft.com/office/drawing/2014/main" id="{17296256-048F-4D15-9FF7-37241709E82B}"/>
+              </a:ext>
+            </a:extLst>
+          </p:cNvPr>
+          <p:cNvSpPr>
+            <a:spLocks noGrp="1"/>
+          </p:cNvSpPr>
+          <p:nvPr>
+            <p:ph type="title"/>
+          </p:nvPr>
+        </p:nvSpPr>
+        <p:spPr/>
+        <p:txBody>
+          <a:bodyPr/>
+          <a:lstStyle/>
+          <a:p>
+            <a:r>
+              <a:rPr lang="de-DE" dirty="0" err="1"/>
+              <a:t>Miflora</a:t>
+            </a:r>
+            <a:r>
+              <a:rPr lang="de-DE" dirty="0"/>
+              <a:t> </a:t>
+            </a:r>
+            <a:r>
+              <a:rPr lang="de-DE" dirty="0" err="1"/>
+              <a:t>Hellmonsödt</a:t>
+            </a:r>
+            <a:endParaRPr lang="de-DE" dirty="0"/>
+          </a:p>
+        </p:txBody>
+      </p:sp>
+      <p:sp>
+        <p:nvSpPr>
+          <p:cNvPr id="3" name="Textplatzhalter 2">
+            <a:extLst>
+              <a:ext uri="{FF2B5EF4-FFF2-40B4-BE49-F238E27FC236}">
+                <a16:creationId xmlns:a16="http://schemas.microsoft.com/office/drawing/2014/main" id="{AE9CEDFF-D8DF-414B-82EC-65DA6495BFAA}"/>
+              </a:ext>
+            </a:extLst>
+          </p:cNvPr>
+          <p:cNvSpPr>
+            <a:spLocks noGrp="1"/>
+          </p:cNvSpPr>
+          <p:nvPr>
+            <p:ph type="body" sz="quarter" idx="10"/>
+          </p:nvPr>
+        </p:nvSpPr>
+        <p:spPr/>
+        <p:txBody>
+          <a:bodyPr/>
+          <a:lstStyle/>
+          <a:p>
+            <a:r>
+              <a:rPr lang="de-DE" sz="1600" dirty="0">
+                <a:hlinkClick r:id="rId2"/>
+              </a:rPr>
+              <a:t>http://192.168.1.73/getconfig</a:t>
+            </a:r>
+            <a:endParaRPr lang="de-DE" sz="1600" dirty="0"/>
+          </a:p>
+          <a:p>
+            <a:endParaRPr lang="de-DE" sz="1600" dirty="0"/>
+          </a:p>
+          <a:p>
+            <a:r>
+              <a:rPr lang="de-DE" sz="1600" dirty="0">
+                <a:hlinkClick r:id="rId3"/>
+              </a:rPr>
+              <a:t>http://192.168.1.73/setconfig?mqttbroker=leonding.synology.me&amp;mqttport=8883</a:t>
+            </a:r>
+            <a:endParaRPr lang="de-DE" sz="1600" dirty="0"/>
+          </a:p>
+          <a:p>
+            <a:r>
+              <a:rPr lang="de-DE" sz="1600" dirty="0">
+                <a:hlinkClick r:id="rId4"/>
+              </a:rPr>
+              <a:t>http://192.168.1.73/setconfig?mqttbroker=leonding.synology.me&amp;mqttport=8883</a:t>
+            </a:r>
+            <a:endParaRPr lang="de-DE" sz="1600" dirty="0"/>
+          </a:p>
+          <a:p>
+            <a:r>
+              <a:rPr lang="de-DE" sz="1600" dirty="0">
+                <a:hlinkClick r:id="rId5"/>
+              </a:rPr>
+              <a:t>http://192.168.1.73/setconfig?mqttuser=openhabian&amp;mqttpassword=piKla87Sie57</a:t>
+            </a:r>
+            <a:r>
+              <a:rPr lang="de-DE" sz="1600" dirty="0"/>
+              <a:t> </a:t>
+            </a:r>
+          </a:p>
+          <a:p>
+            <a:endParaRPr lang="de-DE" sz="1600" dirty="0"/>
+          </a:p>
+          <a:p>
+            <a:r>
+              <a:rPr lang="de-DE" sz="1600" dirty="0">
+                <a:hlinkClick r:id="rId6"/>
+              </a:rPr>
+              <a:t>http://192.168.1.73/getconfigvalue?mqttbroker</a:t>
+            </a:r>
+            <a:r>
+              <a:rPr lang="de-DE" sz="1600" dirty="0"/>
+              <a:t> </a:t>
+            </a:r>
+          </a:p>
+          <a:p>
+            <a:r>
+              <a:rPr lang="de-DE" sz="1600" dirty="0">
+                <a:hlinkClick r:id="rId7"/>
+              </a:rPr>
+              <a:t>http://192.168.1.73/getconfigvalue?mqttpassword</a:t>
+            </a:r>
+            <a:r>
+              <a:rPr lang="de-DE" sz="1600" dirty="0"/>
+              <a:t> </a:t>
+            </a:r>
+          </a:p>
+          <a:p>
+            <a:r>
+              <a:rPr lang="de-DE" sz="1600" dirty="0">
+                <a:hlinkClick r:id="rId8"/>
+              </a:rPr>
+              <a:t>http://192.168.1.73/getconfigvalue?mqttport</a:t>
+            </a:r>
+            <a:r>
+              <a:rPr lang="de-DE" sz="1600" dirty="0"/>
+              <a:t> </a:t>
+            </a:r>
+          </a:p>
+          <a:p>
+            <a:r>
+              <a:rPr lang="de-DE" sz="1600" dirty="0">
+                <a:hlinkClick r:id="rId9"/>
+              </a:rPr>
+              <a:t>http://192.168.1.73/getconfigvalue?ssid</a:t>
+            </a:r>
+            <a:r>
+              <a:rPr lang="de-DE" sz="1600" dirty="0"/>
+              <a:t>  </a:t>
+            </a:r>
+          </a:p>
+          <a:p>
+            <a:r>
+              <a:rPr lang="de-DE" sz="1600" dirty="0">
+                <a:hlinkClick r:id="rId10"/>
+              </a:rPr>
+              <a:t>http://192.168.1.73/getconfigvalue?password</a:t>
+            </a:r>
+            <a:r>
+              <a:rPr lang="de-DE" sz="1600" dirty="0"/>
+              <a:t> </a:t>
+            </a:r>
+          </a:p>
+          <a:p>
+            <a:endParaRPr lang="de-DE" sz="1600" dirty="0"/>
+          </a:p>
+          <a:p>
+            <a:endParaRPr lang="de-DE" sz="1600" dirty="0"/>
+          </a:p>
+          <a:p>
+            <a:endParaRPr lang="de-DE" sz="1600" dirty="0"/>
+          </a:p>
+          <a:p>
+            <a:endParaRPr lang="de-DE" sz="1600" dirty="0"/>
+          </a:p>
+          <a:p>
+            <a:endParaRPr lang="de-DE" sz="1600" dirty="0"/>
+          </a:p>
+          <a:p>
+            <a:endParaRPr lang="de-DE" sz="1600" dirty="0"/>
+          </a:p>
+        </p:txBody>
+      </p:sp>
+    </p:spTree>
+    <p:extLst>
+      <p:ext uri="{BB962C8B-B14F-4D97-AF65-F5344CB8AC3E}">
+        <p14:creationId xmlns:p14="http://schemas.microsoft.com/office/powerpoint/2010/main" val="1108982593"/>
+      </p:ext>
+    </p:extLst>
+  </p:cSld>
+  <p:clrMapOvr>
+    <a:masterClrMapping/>
+  </p:clrMapOvr>
+</p:sld>
+</file>
+
+<file path=ppt/slides/slide7.xml><?xml version="1.0" encoding="utf-8"?>
+<p:sld xmlns:a="http://schemas.openxmlformats.org/drawingml/2006/main" xmlns:r="http://schemas.openxmlformats.org/officeDocument/2006/relationships" xmlns:p="http://schemas.openxmlformats.org/presentationml/2006/main">
+  <p:cSld>
+    <p:spTree>
+      <p:nvGrpSpPr>
+        <p:cNvPr id="1" name=""/>
+        <p:cNvGrpSpPr/>
+        <p:nvPr/>
+      </p:nvGrpSpPr>
+      <p:grpSpPr>
+        <a:xfrm>
+          <a:off x="0" y="0"/>
+          <a:ext cx="0" cy="0"/>
+          <a:chOff x="0" y="0"/>
+          <a:chExt cx="0" cy="0"/>
+        </a:xfrm>
+      </p:grpSpPr>
+      <p:sp>
+        <p:nvSpPr>
+          <p:cNvPr id="2" name="Titel 1">
+            <a:extLst>
+              <a:ext uri="{FF2B5EF4-FFF2-40B4-BE49-F238E27FC236}">
+                <a16:creationId xmlns:a16="http://schemas.microsoft.com/office/drawing/2014/main" id="{17296256-048F-4D15-9FF7-37241709E82B}"/>
+              </a:ext>
+            </a:extLst>
+          </p:cNvPr>
+          <p:cNvSpPr>
+            <a:spLocks noGrp="1"/>
+          </p:cNvSpPr>
+          <p:nvPr>
+            <p:ph type="title"/>
+          </p:nvPr>
+        </p:nvSpPr>
+        <p:spPr/>
+        <p:txBody>
+          <a:bodyPr/>
+          <a:lstStyle/>
+          <a:p>
+            <a:r>
+              <a:rPr lang="de-DE" dirty="0" err="1"/>
+              <a:t>Miflora</a:t>
+            </a:r>
+            <a:r>
+              <a:rPr lang="de-DE" dirty="0"/>
+              <a:t> Leonding</a:t>
+            </a:r>
+          </a:p>
+        </p:txBody>
+      </p:sp>
+      <p:sp>
+        <p:nvSpPr>
+          <p:cNvPr id="3" name="Textplatzhalter 2">
+            <a:extLst>
+              <a:ext uri="{FF2B5EF4-FFF2-40B4-BE49-F238E27FC236}">
+                <a16:creationId xmlns:a16="http://schemas.microsoft.com/office/drawing/2014/main" id="{AE9CEDFF-D8DF-414B-82EC-65DA6495BFAA}"/>
+              </a:ext>
+            </a:extLst>
+          </p:cNvPr>
+          <p:cNvSpPr>
+            <a:spLocks noGrp="1"/>
+          </p:cNvSpPr>
+          <p:nvPr>
+            <p:ph type="body" sz="quarter" idx="10"/>
+          </p:nvPr>
+        </p:nvSpPr>
+        <p:spPr/>
+        <p:txBody>
+          <a:bodyPr/>
+          <a:lstStyle/>
+          <a:p>
+            <a:r>
+              <a:rPr lang="de-DE" sz="1600" dirty="0">
+                <a:hlinkClick r:id="rId2"/>
+              </a:rPr>
+              <a:t>http://192.168.0.60/getconfig</a:t>
+            </a:r>
+            <a:endParaRPr lang="de-DE" sz="1600" dirty="0"/>
+          </a:p>
+          <a:p>
+            <a:endParaRPr lang="de-DE" sz="1600" dirty="0"/>
+          </a:p>
+          <a:p>
+            <a:r>
+              <a:rPr lang="de-DE" sz="1600" dirty="0">
+                <a:hlinkClick r:id="rId3"/>
+              </a:rPr>
+              <a:t>http://192.168.0.60/setconfig?mqttbroker=ssdpi&amp;mqttport=8883</a:t>
+            </a:r>
+            <a:endParaRPr lang="de-DE" sz="1600" dirty="0"/>
+          </a:p>
+          <a:p>
+            <a:r>
+              <a:rPr lang="de-DE" sz="1600" dirty="0">
+                <a:hlinkClick r:id="rId4"/>
+              </a:rPr>
+              <a:t>http://192.168.0.60/setconfig?mqttuser=openhabian&amp;mqttpassword=piKla87Sie57</a:t>
+            </a:r>
+            <a:r>
+              <a:rPr lang="de-DE" sz="1600" dirty="0"/>
+              <a:t> </a:t>
+            </a:r>
+          </a:p>
+          <a:p>
+            <a:endParaRPr lang="de-DE" sz="1600" dirty="0"/>
+          </a:p>
+          <a:p>
+            <a:r>
+              <a:rPr lang="de-DE" sz="1600" dirty="0">
+                <a:hlinkClick r:id="rId5"/>
+              </a:rPr>
+              <a:t>http://192.168.0.60/getconfigvalue?mqttbroker</a:t>
+            </a:r>
+            <a:r>
+              <a:rPr lang="de-DE" sz="1600" dirty="0"/>
+              <a:t> </a:t>
+            </a:r>
+          </a:p>
+          <a:p>
+            <a:r>
+              <a:rPr lang="de-DE" sz="1600" dirty="0">
+                <a:hlinkClick r:id="rId6"/>
+              </a:rPr>
+              <a:t>http://192.168.0.60/getconfigvalue?mqttpassword</a:t>
+            </a:r>
+            <a:r>
+              <a:rPr lang="de-DE" sz="1600" dirty="0"/>
+              <a:t> </a:t>
+            </a:r>
+          </a:p>
+          <a:p>
+            <a:r>
+              <a:rPr lang="de-DE" sz="1600" dirty="0">
+                <a:hlinkClick r:id="rId7"/>
+              </a:rPr>
+              <a:t>http://192.168.0.60/getconfigvalue?mqttport</a:t>
+            </a:r>
+            <a:r>
+              <a:rPr lang="de-DE" sz="1600" dirty="0"/>
+              <a:t> </a:t>
+            </a:r>
+          </a:p>
+          <a:p>
+            <a:r>
+              <a:rPr lang="de-DE" sz="1600" dirty="0">
+                <a:hlinkClick r:id="rId8"/>
+              </a:rPr>
+              <a:t>http://192.168.0.60/getconfigvalue?ssid</a:t>
+            </a:r>
+            <a:r>
+              <a:rPr lang="de-DE" sz="1600" dirty="0"/>
+              <a:t>  </a:t>
+            </a:r>
+          </a:p>
+          <a:p>
+            <a:r>
+              <a:rPr lang="de-DE" sz="1600" dirty="0">
+                <a:hlinkClick r:id="rId9"/>
+              </a:rPr>
+              <a:t>http://192.168.0.60/getconfigvalue?password</a:t>
+            </a:r>
+            <a:r>
+              <a:rPr lang="de-DE" sz="1600" dirty="0"/>
+              <a:t> </a:t>
+            </a:r>
+          </a:p>
+          <a:p>
+            <a:endParaRPr lang="de-DE" sz="1600" dirty="0"/>
+          </a:p>
+          <a:p>
+            <a:endParaRPr lang="de-DE" sz="1600" dirty="0"/>
+          </a:p>
+          <a:p>
+            <a:endParaRPr lang="de-DE" sz="1600" dirty="0"/>
+          </a:p>
+          <a:p>
+            <a:endParaRPr lang="de-DE" sz="1600" dirty="0"/>
+          </a:p>
+          <a:p>
+            <a:endParaRPr lang="de-DE" sz="1600" dirty="0"/>
+          </a:p>
+          <a:p>
+            <a:endParaRPr lang="de-DE" sz="1600" dirty="0"/>
+          </a:p>
+        </p:txBody>
+      </p:sp>
+    </p:spTree>
+    <p:extLst>
+      <p:ext uri="{BB962C8B-B14F-4D97-AF65-F5344CB8AC3E}">
+        <p14:creationId xmlns:p14="http://schemas.microsoft.com/office/powerpoint/2010/main" val="2009656255"/>
+      </p:ext>
+    </p:extLst>
+  </p:cSld>
+  <p:clrMapOvr>
+    <a:masterClrMapping/>
+  </p:clrMapOvr>
+</p:sld>
+</file>
+
+<file path=ppt/slides/slide8.xml><?xml version="1.0" encoding="utf-8"?>
 <p:sld xmlns:a="http://schemas.openxmlformats.org/drawingml/2006/main" xmlns:r="http://schemas.openxmlformats.org/officeDocument/2006/relationships" xmlns:p="http://schemas.openxmlformats.org/presentationml/2006/main">
   <p:cSld>
     <p:spTree>
@@ -3038,7 +3846,7 @@
 </p:sld>
 </file>
 
-<file path=ppt/slides/slide6.xml><?xml version="1.0" encoding="utf-8"?>
+<file path=ppt/slides/slide9.xml><?xml version="1.0" encoding="utf-8"?>
 <p:sld xmlns:a="http://schemas.openxmlformats.org/drawingml/2006/main" xmlns:r="http://schemas.openxmlformats.org/officeDocument/2006/relationships" xmlns:p="http://schemas.openxmlformats.org/presentationml/2006/main">
   <p:cSld>
     <p:spTree>
@@ -3160,86 +3968,6 @@
     <p:extLst>
       <p:ext uri="{BB962C8B-B14F-4D97-AF65-F5344CB8AC3E}">
         <p14:creationId xmlns:p14="http://schemas.microsoft.com/office/powerpoint/2010/main" val="3698000944"/>
-      </p:ext>
-    </p:extLst>
-  </p:cSld>
-  <p:clrMapOvr>
-    <a:masterClrMapping/>
-  </p:clrMapOvr>
-</p:sld>
-</file>
-
-<file path=ppt/slides/slide7.xml><?xml version="1.0" encoding="utf-8"?>
-<p:sld xmlns:a="http://schemas.openxmlformats.org/drawingml/2006/main" xmlns:r="http://schemas.openxmlformats.org/officeDocument/2006/relationships" xmlns:p="http://schemas.openxmlformats.org/presentationml/2006/main">
-  <p:cSld>
-    <p:spTree>
-      <p:nvGrpSpPr>
-        <p:cNvPr id="1" name=""/>
-        <p:cNvGrpSpPr/>
-        <p:nvPr/>
-      </p:nvGrpSpPr>
-      <p:grpSpPr>
-        <a:xfrm>
-          <a:off x="0" y="0"/>
-          <a:ext cx="0" cy="0"/>
-          <a:chOff x="0" y="0"/>
-          <a:chExt cx="0" cy="0"/>
-        </a:xfrm>
-      </p:grpSpPr>
-      <p:sp>
-        <p:nvSpPr>
-          <p:cNvPr id="2" name="Titel 1">
-            <a:extLst>
-              <a:ext uri="{FF2B5EF4-FFF2-40B4-BE49-F238E27FC236}">
-                <a16:creationId xmlns:a16="http://schemas.microsoft.com/office/drawing/2014/main" id="{FBBE7205-2FDE-4F86-B371-5476BFD082F0}"/>
-              </a:ext>
-            </a:extLst>
-          </p:cNvPr>
-          <p:cNvSpPr>
-            <a:spLocks noGrp="1"/>
-          </p:cNvSpPr>
-          <p:nvPr>
-            <p:ph type="title"/>
-          </p:nvPr>
-        </p:nvSpPr>
-        <p:spPr/>
-        <p:txBody>
-          <a:bodyPr/>
-          <a:lstStyle/>
-          <a:p>
-            <a:endParaRPr lang="de-DE"/>
-          </a:p>
-        </p:txBody>
-      </p:sp>
-      <p:sp>
-        <p:nvSpPr>
-          <p:cNvPr id="3" name="Textplatzhalter 2">
-            <a:extLst>
-              <a:ext uri="{FF2B5EF4-FFF2-40B4-BE49-F238E27FC236}">
-                <a16:creationId xmlns:a16="http://schemas.microsoft.com/office/drawing/2014/main" id="{8830C36F-B053-4F61-9060-7E5023852281}"/>
-              </a:ext>
-            </a:extLst>
-          </p:cNvPr>
-          <p:cNvSpPr>
-            <a:spLocks noGrp="1"/>
-          </p:cNvSpPr>
-          <p:nvPr>
-            <p:ph type="body" sz="quarter" idx="10"/>
-          </p:nvPr>
-        </p:nvSpPr>
-        <p:spPr/>
-        <p:txBody>
-          <a:bodyPr/>
-          <a:lstStyle/>
-          <a:p>
-            <a:endParaRPr lang="de-DE"/>
-          </a:p>
-        </p:txBody>
-      </p:sp>
-    </p:spTree>
-    <p:extLst>
-      <p:ext uri="{BB962C8B-B14F-4D97-AF65-F5344CB8AC3E}">
-        <p14:creationId xmlns:p14="http://schemas.microsoft.com/office/powerpoint/2010/main" val="1863643312"/>
       </p:ext>
     </p:extLst>
   </p:cSld>

--- a/001_Things.pptx
+++ b/001_Things.pptx
@@ -5,22 +5,23 @@
     <p:sldMasterId id="2147483686" r:id="rId1"/>
   </p:sldMasterIdLst>
   <p:notesMasterIdLst>
-    <p:notesMasterId r:id="rId12"/>
+    <p:notesMasterId r:id="rId13"/>
   </p:notesMasterIdLst>
   <p:handoutMasterIdLst>
-    <p:handoutMasterId r:id="rId13"/>
+    <p:handoutMasterId r:id="rId14"/>
   </p:handoutMasterIdLst>
   <p:sldIdLst>
     <p:sldId id="859" r:id="rId2"/>
     <p:sldId id="869" r:id="rId3"/>
     <p:sldId id="873" r:id="rId4"/>
     <p:sldId id="874" r:id="rId5"/>
-    <p:sldId id="877" r:id="rId6"/>
-    <p:sldId id="875" r:id="rId7"/>
-    <p:sldId id="876" r:id="rId8"/>
-    <p:sldId id="871" r:id="rId9"/>
-    <p:sldId id="872" r:id="rId10"/>
-    <p:sldId id="870" r:id="rId11"/>
+    <p:sldId id="878" r:id="rId6"/>
+    <p:sldId id="877" r:id="rId7"/>
+    <p:sldId id="875" r:id="rId8"/>
+    <p:sldId id="876" r:id="rId9"/>
+    <p:sldId id="871" r:id="rId10"/>
+    <p:sldId id="872" r:id="rId11"/>
+    <p:sldId id="870" r:id="rId12"/>
   </p:sldIdLst>
   <p:sldSz cx="9144000" cy="6858000" type="screen4x3"/>
   <p:notesSz cx="6797675" cy="9926638"/>
@@ -289,7 +290,7 @@
               <a:pPr>
                 <a:defRPr/>
               </a:pPr>
-              <a:t>20.08.2019</a:t>
+              <a:t>22.08.2019</a:t>
             </a:fld>
             <a:endParaRPr lang="de-AT"/>
           </a:p>
@@ -504,7 +505,7 @@
               <a:pPr>
                 <a:defRPr/>
               </a:pPr>
-              <a:t>19.08.2019</a:t>
+              <a:t>22.08.2019</a:t>
             </a:fld>
             <a:endParaRPr lang="de-AT"/>
           </a:p>
@@ -2315,6 +2316,137 @@
           <p:cNvPr id="2" name="Titel 1">
             <a:extLst>
               <a:ext uri="{FF2B5EF4-FFF2-40B4-BE49-F238E27FC236}">
+                <a16:creationId xmlns:a16="http://schemas.microsoft.com/office/drawing/2014/main" id="{E2726E83-49C9-4A59-A915-4170193B279A}"/>
+              </a:ext>
+            </a:extLst>
+          </p:cNvPr>
+          <p:cNvSpPr>
+            <a:spLocks noGrp="1"/>
+          </p:cNvSpPr>
+          <p:nvPr>
+            <p:ph type="title"/>
+          </p:nvPr>
+        </p:nvSpPr>
+        <p:spPr/>
+        <p:txBody>
+          <a:bodyPr/>
+          <a:lstStyle/>
+          <a:p>
+            <a:r>
+              <a:rPr lang="de-DE" dirty="0"/>
+              <a:t>Led per http setzen</a:t>
+            </a:r>
+          </a:p>
+        </p:txBody>
+      </p:sp>
+      <p:sp>
+        <p:nvSpPr>
+          <p:cNvPr id="3" name="Textplatzhalter 2">
+            <a:extLst>
+              <a:ext uri="{FF2B5EF4-FFF2-40B4-BE49-F238E27FC236}">
+                <a16:creationId xmlns:a16="http://schemas.microsoft.com/office/drawing/2014/main" id="{8B8C6D80-1417-411F-846C-28CFEC9FB4FD}"/>
+              </a:ext>
+            </a:extLst>
+          </p:cNvPr>
+          <p:cNvSpPr>
+            <a:spLocks noGrp="1"/>
+          </p:cNvSpPr>
+          <p:nvPr>
+            <p:ph type="body" sz="quarter" idx="10"/>
+          </p:nvPr>
+        </p:nvSpPr>
+        <p:spPr/>
+        <p:txBody>
+          <a:bodyPr/>
+          <a:lstStyle/>
+          <a:p>
+            <a:r>
+              <a:rPr lang="de-DE" sz="2400" dirty="0">
+                <a:hlinkClick r:id="rId2"/>
+              </a:rPr>
+              <a:t>http://192.168.0.64/setactor?rgbled=010</a:t>
+            </a:r>
+            <a:endParaRPr lang="de-DE" sz="2400" dirty="0"/>
+          </a:p>
+          <a:p>
+            <a:endParaRPr lang="de-DE" sz="2400" dirty="0"/>
+          </a:p>
+          <a:p>
+            <a:endParaRPr lang="de-DE" sz="2400" dirty="0"/>
+          </a:p>
+          <a:p>
+            <a:endParaRPr lang="de-DE" sz="2400" dirty="0"/>
+          </a:p>
+          <a:p>
+            <a:endParaRPr lang="de-DE" dirty="0"/>
+          </a:p>
+        </p:txBody>
+      </p:sp>
+      <p:pic>
+        <p:nvPicPr>
+          <p:cNvPr id="4" name="Grafik 3">
+            <a:extLst>
+              <a:ext uri="{FF2B5EF4-FFF2-40B4-BE49-F238E27FC236}">
+                <a16:creationId xmlns:a16="http://schemas.microsoft.com/office/drawing/2014/main" id="{BDCBE659-C5EF-4014-B409-7BF95B06FAB8}"/>
+              </a:ext>
+            </a:extLst>
+          </p:cNvPr>
+          <p:cNvPicPr>
+            <a:picLocks noChangeAspect="1"/>
+          </p:cNvPicPr>
+          <p:nvPr/>
+        </p:nvPicPr>
+        <p:blipFill>
+          <a:blip r:embed="rId3"/>
+          <a:stretch>
+            <a:fillRect/>
+          </a:stretch>
+        </p:blipFill>
+        <p:spPr>
+          <a:xfrm>
+            <a:off x="1043608" y="2276872"/>
+            <a:ext cx="5511336" cy="2376264"/>
+          </a:xfrm>
+          <a:prstGeom prst="rect">
+            <a:avLst/>
+          </a:prstGeom>
+        </p:spPr>
+      </p:pic>
+    </p:spTree>
+    <p:extLst>
+      <p:ext uri="{BB962C8B-B14F-4D97-AF65-F5344CB8AC3E}">
+        <p14:creationId xmlns:p14="http://schemas.microsoft.com/office/powerpoint/2010/main" val="3698000944"/>
+      </p:ext>
+    </p:extLst>
+  </p:cSld>
+  <p:clrMapOvr>
+    <a:masterClrMapping/>
+  </p:clrMapOvr>
+</p:sld>
+</file>
+
+<file path=ppt/slides/slide11.xml><?xml version="1.0" encoding="utf-8"?>
+<p:sld xmlns:a="http://schemas.openxmlformats.org/drawingml/2006/main" xmlns:r="http://schemas.openxmlformats.org/officeDocument/2006/relationships" xmlns:p="http://schemas.openxmlformats.org/presentationml/2006/main">
+  <p:cSld>
+    <p:spTree>
+      <p:nvGrpSpPr>
+        <p:cNvPr id="1" name=""/>
+        <p:cNvGrpSpPr/>
+        <p:nvPr/>
+      </p:nvGrpSpPr>
+      <p:grpSpPr>
+        <a:xfrm>
+          <a:off x="0" y="0"/>
+          <a:ext cx="0" cy="0"/>
+          <a:chOff x="0" y="0"/>
+          <a:chExt cx="0" cy="0"/>
+        </a:xfrm>
+      </p:grpSpPr>
+      <p:sp>
+        <p:nvSpPr>
+          <p:cNvPr id="2" name="Titel 1">
+            <a:extLst>
+              <a:ext uri="{FF2B5EF4-FFF2-40B4-BE49-F238E27FC236}">
                 <a16:creationId xmlns:a16="http://schemas.microsoft.com/office/drawing/2014/main" id="{FBBE7205-2FDE-4F86-B371-5476BFD082F0}"/>
               </a:ext>
             </a:extLst>
@@ -2835,159 +2967,168 @@
           <a:lstStyle/>
           <a:p>
             <a:r>
-              <a:rPr lang="de-DE" sz="1600" dirty="0">
+              <a:rPr lang="de-DE" sz="1400" dirty="0">
                 <a:hlinkClick r:id="rId2"/>
               </a:rPr>
               <a:t>http://192.168.0.50/getconfig</a:t>
             </a:r>
+            <a:endParaRPr lang="de-DE" sz="1400" dirty="0"/>
+          </a:p>
+          <a:p>
+            <a:endParaRPr lang="de-DE" sz="1400" dirty="0"/>
+          </a:p>
+          <a:p>
+            <a:r>
+              <a:rPr lang="de-DE" sz="1400" dirty="0">
+                <a:hlinkClick r:id="rId3"/>
+              </a:rPr>
+              <a:t>http://192.168.0.50/setconfig?mqttbroker=ssdpi&amp;mqttport=8883</a:t>
+            </a:r>
+            <a:endParaRPr lang="de-DE" sz="1400" dirty="0"/>
+          </a:p>
+          <a:p>
+            <a:r>
+              <a:rPr lang="de-DE" sz="1400" dirty="0">
+                <a:hlinkClick r:id="rId4"/>
+              </a:rPr>
+              <a:t>http://192.168.0.50/setconfig?mqttuser=openhabian&amp;mqttpassword=piKla87Sie57</a:t>
+            </a:r>
+            <a:r>
+              <a:rPr lang="de-DE" sz="1400" dirty="0"/>
+              <a:t> </a:t>
+            </a:r>
+          </a:p>
+          <a:p>
+            <a:r>
+              <a:rPr lang="de-DE" sz="1400" dirty="0">
+                <a:hlinkClick r:id="rId5"/>
+              </a:rPr>
+              <a:t>http://192.168.0.50/setconfig?loggerip=192.168.0.10</a:t>
+            </a:r>
+            <a:r>
+              <a:rPr lang="de-DE" sz="1400" dirty="0"/>
+              <a:t>   </a:t>
+            </a:r>
+          </a:p>
+          <a:p>
+            <a:r>
+              <a:rPr lang="de-DE" sz="1400" dirty="0">
+                <a:hlinkClick r:id="rId6"/>
+              </a:rPr>
+              <a:t>http://192.168.0.50/setconfig?thingname=gardenhouse</a:t>
+            </a:r>
+            <a:endParaRPr lang="de-DE" sz="1400" dirty="0"/>
+          </a:p>
+          <a:p>
+            <a:endParaRPr lang="de-DE" sz="1400" dirty="0"/>
+          </a:p>
+          <a:p>
+            <a:r>
+              <a:rPr lang="de-DE" sz="1400" dirty="0">
+                <a:hlinkClick r:id="rId7"/>
+              </a:rPr>
+              <a:t>http://192.168.0.50/getconfig?loggerip</a:t>
+            </a:r>
+            <a:r>
+              <a:rPr lang="de-DE" sz="1400" dirty="0"/>
+              <a:t> </a:t>
+            </a:r>
+          </a:p>
+          <a:p>
+            <a:endParaRPr lang="de-DE" sz="1400" dirty="0"/>
+          </a:p>
+          <a:p>
+            <a:r>
+              <a:rPr lang="de-DE" sz="1400" dirty="0">
+                <a:hlinkClick r:id="rId8"/>
+              </a:rPr>
+              <a:t>http://192.168.0.50/setactor?powerpump=1</a:t>
+            </a:r>
+            <a:r>
+              <a:rPr lang="de-DE" sz="1400" dirty="0"/>
+              <a:t> </a:t>
+            </a:r>
+          </a:p>
+          <a:p>
+            <a:r>
+              <a:rPr lang="de-DE" sz="1400" dirty="0">
+                <a:hlinkClick r:id="rId9"/>
+              </a:rPr>
+              <a:t>http://192.168.0.50/setactor?powermiddle=1</a:t>
+            </a:r>
+            <a:r>
+              <a:rPr lang="de-DE" sz="1400" dirty="0"/>
+              <a:t> </a:t>
+            </a:r>
+          </a:p>
+          <a:p>
+            <a:r>
+              <a:rPr lang="de-DE" sz="1400" dirty="0">
+                <a:hlinkClick r:id="rId10"/>
+              </a:rPr>
+              <a:t>http://192.168.0.50/setactor?powerright=1</a:t>
+            </a:r>
+            <a:r>
+              <a:rPr lang="de-DE" sz="1400" dirty="0"/>
+              <a:t> </a:t>
+            </a:r>
+          </a:p>
+          <a:p>
+            <a:endParaRPr lang="de-DE" sz="1400" dirty="0"/>
+          </a:p>
+          <a:p>
+            <a:r>
+              <a:rPr lang="de-DE" sz="1400" dirty="0">
+                <a:hlinkClick r:id="rId11"/>
+              </a:rPr>
+              <a:t>http://192.168.0.50/getactor?powerpump</a:t>
+            </a:r>
+            <a:r>
+              <a:rPr lang="de-DE" sz="1400" dirty="0"/>
+              <a:t>  </a:t>
+            </a:r>
+          </a:p>
+          <a:p>
+            <a:r>
+              <a:rPr lang="de-DE" sz="1400" dirty="0">
+                <a:hlinkClick r:id="rId9"/>
+              </a:rPr>
+              <a:t>http://192.168.0.50/getactor?powermiddle</a:t>
+            </a:r>
+            <a:r>
+              <a:rPr lang="de-DE" sz="1400" dirty="0"/>
+              <a:t> </a:t>
+            </a:r>
+          </a:p>
+          <a:p>
+            <a:r>
+              <a:rPr lang="de-DE" sz="1400" dirty="0">
+                <a:hlinkClick r:id="rId10"/>
+              </a:rPr>
+              <a:t>http://192.168.0.50/getactor?powerright</a:t>
+            </a:r>
+            <a:r>
+              <a:rPr lang="de-DE" sz="1400" dirty="0"/>
+              <a:t> </a:t>
+            </a:r>
+          </a:p>
+          <a:p>
+            <a:endParaRPr lang="de-DE" sz="1400" dirty="0"/>
+          </a:p>
+          <a:p>
+            <a:r>
+              <a:rPr lang="de-DE" sz="1400" dirty="0">
+                <a:hlinkClick r:id="rId12"/>
+              </a:rPr>
+              <a:t>http://192.168.0.50/getsensor?waterlevel</a:t>
+            </a:r>
+            <a:r>
+              <a:rPr lang="de-DE" sz="1400" dirty="0"/>
+              <a:t> </a:t>
+            </a:r>
+          </a:p>
+          <a:p>
             <a:endParaRPr lang="de-DE" sz="1600" dirty="0"/>
-          </a:p>
-          <a:p>
-            <a:endParaRPr lang="de-DE" sz="1600" dirty="0"/>
-          </a:p>
-          <a:p>
-            <a:r>
-              <a:rPr lang="de-DE" sz="1600" dirty="0">
-                <a:hlinkClick r:id="rId3"/>
-              </a:rPr>
-              <a:t>http://192.168.0.50/setconfig?mqttbroker=ssdpi&amp;mqttport=8883</a:t>
-            </a:r>
-            <a:endParaRPr lang="de-DE" sz="1600" dirty="0"/>
-          </a:p>
-          <a:p>
-            <a:r>
-              <a:rPr lang="de-DE" sz="1600" dirty="0">
-                <a:hlinkClick r:id="rId4"/>
-              </a:rPr>
-              <a:t>http://192.168.0.50/setconfig?mqttuser=openhabian&amp;mqttpassword=piKla87Sie57</a:t>
-            </a:r>
-            <a:r>
-              <a:rPr lang="de-DE" sz="1600" dirty="0"/>
-              <a:t> </a:t>
-            </a:r>
-          </a:p>
-          <a:p>
-            <a:r>
-              <a:rPr lang="de-DE" sz="1600" dirty="0">
-                <a:hlinkClick r:id="rId5"/>
-              </a:rPr>
-              <a:t>http://192.168.0.50/setconfig?thingname=gardenhouse&amp;loggerip=192.168.0.6</a:t>
-            </a:r>
-            <a:r>
-              <a:rPr lang="de-DE" sz="1600" dirty="0"/>
-              <a:t> </a:t>
-            </a:r>
-          </a:p>
-          <a:p>
-            <a:endParaRPr lang="de-DE" sz="1600" dirty="0"/>
-          </a:p>
-          <a:p>
-            <a:r>
-              <a:rPr lang="de-DE" sz="1600" dirty="0">
-                <a:hlinkClick r:id="rId6"/>
-              </a:rPr>
-              <a:t>http://192.168.0.50/getconfig?loggerip</a:t>
-            </a:r>
-            <a:r>
-              <a:rPr lang="de-DE" sz="1600" dirty="0"/>
-              <a:t> </a:t>
-            </a:r>
-          </a:p>
-          <a:p>
-            <a:endParaRPr lang="de-DE" sz="1600" dirty="0"/>
-          </a:p>
-          <a:p>
-            <a:r>
-              <a:rPr lang="de-DE" sz="1600" dirty="0">
-                <a:hlinkClick r:id="rId7"/>
-              </a:rPr>
-              <a:t>http://192.168.0.50/setactor?powerpump=1</a:t>
-            </a:r>
-            <a:r>
-              <a:rPr lang="de-DE" sz="1600" dirty="0"/>
-              <a:t> </a:t>
-            </a:r>
-          </a:p>
-          <a:p>
-            <a:r>
-              <a:rPr lang="de-DE" sz="1600" dirty="0">
-                <a:hlinkClick r:id="rId8"/>
-              </a:rPr>
-              <a:t>http://192.168.0.50/setactor?powermiddle=1</a:t>
-            </a:r>
-            <a:r>
-              <a:rPr lang="de-DE" sz="1600" dirty="0"/>
-              <a:t> </a:t>
-            </a:r>
-          </a:p>
-          <a:p>
-            <a:r>
-              <a:rPr lang="de-DE" sz="1600" dirty="0">
-                <a:hlinkClick r:id="rId9"/>
-              </a:rPr>
-              <a:t>http://192.168.0.50/setactor?powerright=1</a:t>
-            </a:r>
-            <a:r>
-              <a:rPr lang="de-DE" sz="1600" dirty="0"/>
-              <a:t> </a:t>
-            </a:r>
-          </a:p>
-          <a:p>
-            <a:endParaRPr lang="de-DE" sz="1600" dirty="0"/>
-          </a:p>
-          <a:p>
-            <a:r>
-              <a:rPr lang="de-DE" sz="1600" dirty="0">
-                <a:hlinkClick r:id="rId10"/>
-              </a:rPr>
-              <a:t>http://192.168.0.50/getactor?powerpump</a:t>
-            </a:r>
-            <a:r>
-              <a:rPr lang="de-DE" sz="1600" dirty="0"/>
-              <a:t>  </a:t>
-            </a:r>
-          </a:p>
-          <a:p>
-            <a:r>
-              <a:rPr lang="de-DE" sz="1600" dirty="0">
-                <a:hlinkClick r:id="rId8"/>
-              </a:rPr>
-              <a:t>http://192.168.0.50/getactor?powermiddle</a:t>
-            </a:r>
-            <a:r>
-              <a:rPr lang="de-DE" sz="1600" dirty="0"/>
-              <a:t> </a:t>
-            </a:r>
-          </a:p>
-          <a:p>
-            <a:r>
-              <a:rPr lang="de-DE" sz="1600" dirty="0">
-                <a:hlinkClick r:id="rId9"/>
-              </a:rPr>
-              <a:t>http://192.168.0.50/getactor?powerright</a:t>
-            </a:r>
-            <a:r>
-              <a:rPr lang="de-DE" sz="1600" dirty="0"/>
-              <a:t> </a:t>
-            </a:r>
-          </a:p>
-          <a:p>
-            <a:endParaRPr lang="de-DE" sz="1600" dirty="0"/>
-          </a:p>
-          <a:p>
-            <a:r>
-              <a:rPr lang="de-DE" sz="1600" dirty="0">
-                <a:hlinkClick r:id="rId11"/>
-              </a:rPr>
-              <a:t>http://192.168.0.50/getsensor?waterlevel</a:t>
-            </a:r>
-            <a:r>
-              <a:rPr lang="de-DE" sz="1600" dirty="0"/>
-              <a:t> </a:t>
-            </a:r>
-          </a:p>
-          <a:p>
-            <a:endParaRPr lang="de-DE" sz="1800" dirty="0"/>
           </a:p>
         </p:txBody>
       </p:sp>
@@ -3044,7 +3185,7 @@
           <a:p>
             <a:r>
               <a:rPr lang="de-DE" dirty="0" err="1"/>
-              <a:t>SsrDemo</a:t>
+              <a:t>Cistern</a:t>
             </a:r>
             <a:endParaRPr lang="de-DE" dirty="0"/>
           </a:p>
@@ -3072,97 +3213,166 @@
           <a:lstStyle/>
           <a:p>
             <a:r>
-              <a:rPr lang="de-DE" sz="1600" dirty="0">
+              <a:rPr lang="de-DE" sz="1400" dirty="0">
                 <a:hlinkClick r:id="rId2"/>
               </a:rPr>
-              <a:t>http://192.168.0.79/getconfig</a:t>
-            </a:r>
+              <a:t>http://192.168.0.45/getconfig</a:t>
+            </a:r>
+            <a:endParaRPr lang="de-DE" sz="1400" dirty="0"/>
+          </a:p>
+          <a:p>
+            <a:endParaRPr lang="de-DE" sz="1400" dirty="0"/>
+          </a:p>
+          <a:p>
+            <a:r>
+              <a:rPr lang="de-DE" sz="1400" dirty="0">
+                <a:hlinkClick r:id="rId3"/>
+              </a:rPr>
+              <a:t>http://192.168.0.45/setconfig?mqttbroker=ssdpi&amp;mqttport=8883</a:t>
+            </a:r>
+            <a:endParaRPr lang="de-DE" sz="1400" dirty="0"/>
+          </a:p>
+          <a:p>
+            <a:r>
+              <a:rPr lang="de-DE" sz="1400" dirty="0">
+                <a:hlinkClick r:id="rId4"/>
+              </a:rPr>
+              <a:t>http://192.168.0.45/setconfig?mqttuser=openhabian&amp;mqttpassword=piKla87Sie57</a:t>
+            </a:r>
+            <a:r>
+              <a:rPr lang="de-DE" sz="1400" dirty="0"/>
+              <a:t> </a:t>
+            </a:r>
+          </a:p>
+          <a:p>
+            <a:r>
+              <a:rPr lang="de-DE" sz="1400" dirty="0">
+                <a:hlinkClick r:id="rId5"/>
+              </a:rPr>
+              <a:t>http://192.168.0.45/setconfig?loggerip=192.168.0.10</a:t>
+            </a:r>
+            <a:r>
+              <a:rPr lang="de-DE" sz="1400" dirty="0"/>
+              <a:t>  </a:t>
+            </a:r>
+          </a:p>
+          <a:p>
+            <a:r>
+              <a:rPr lang="de-DE" sz="1400" dirty="0">
+                <a:hlinkClick r:id="rId6"/>
+              </a:rPr>
+              <a:t>http://192.168.0.45/setconfig?thingname=cistern</a:t>
+            </a:r>
+            <a:r>
+              <a:rPr lang="de-DE" sz="1400" dirty="0"/>
+              <a:t> </a:t>
+            </a:r>
+          </a:p>
+          <a:p>
+            <a:endParaRPr lang="de-DE" sz="1400" dirty="0"/>
+          </a:p>
+          <a:p>
+            <a:r>
+              <a:rPr lang="de-DE" sz="1400" dirty="0">
+                <a:hlinkClick r:id="rId7"/>
+              </a:rPr>
+              <a:t>http://192.168.0.50/getconfig?loggerip</a:t>
+            </a:r>
+            <a:r>
+              <a:rPr lang="de-DE" sz="1400" dirty="0"/>
+              <a:t> </a:t>
+            </a:r>
+          </a:p>
+          <a:p>
+            <a:endParaRPr lang="de-DE" sz="1400" dirty="0"/>
+          </a:p>
+          <a:p>
+            <a:r>
+              <a:rPr lang="de-DE" sz="1400" dirty="0">
+                <a:hlinkClick r:id="rId8"/>
+              </a:rPr>
+              <a:t>http://192.168.0.50/setactor?powerpump=1</a:t>
+            </a:r>
+            <a:r>
+              <a:rPr lang="de-DE" sz="1400" dirty="0"/>
+              <a:t> </a:t>
+            </a:r>
+          </a:p>
+          <a:p>
+            <a:r>
+              <a:rPr lang="de-DE" sz="1400" dirty="0">
+                <a:hlinkClick r:id="rId9"/>
+              </a:rPr>
+              <a:t>http://192.168.0.50/setactor?powervalve=1</a:t>
+            </a:r>
+            <a:r>
+              <a:rPr lang="de-DE" sz="1400" dirty="0"/>
+              <a:t> </a:t>
+            </a:r>
+          </a:p>
+          <a:p>
+            <a:endParaRPr lang="de-DE" sz="1400" dirty="0"/>
+          </a:p>
+          <a:p>
+            <a:r>
+              <a:rPr lang="de-DE" sz="1400" dirty="0">
+                <a:hlinkClick r:id="rId10"/>
+              </a:rPr>
+              <a:t>http://192.168.0.50/getactor?powerpump</a:t>
+            </a:r>
+            <a:r>
+              <a:rPr lang="de-DE" sz="1400" dirty="0"/>
+              <a:t>  </a:t>
+            </a:r>
+          </a:p>
+          <a:p>
+            <a:r>
+              <a:rPr lang="de-DE" sz="1400" dirty="0">
+                <a:hlinkClick r:id="rId11"/>
+              </a:rPr>
+              <a:t>http://192.168.0.50/getactor?powervalve</a:t>
+            </a:r>
+            <a:r>
+              <a:rPr lang="de-DE" sz="1400" dirty="0"/>
+              <a:t>  </a:t>
+            </a:r>
+          </a:p>
+          <a:p>
+            <a:endParaRPr lang="de-DE" sz="1400" dirty="0"/>
+          </a:p>
+          <a:p>
+            <a:r>
+              <a:rPr lang="de-DE" sz="1400" dirty="0">
+                <a:hlinkClick r:id="rId12"/>
+              </a:rPr>
+              <a:t>http://192.168.0.50/getsensor?weight</a:t>
+            </a:r>
+            <a:r>
+              <a:rPr lang="de-DE" sz="1400" dirty="0"/>
+              <a:t>  </a:t>
+            </a:r>
+          </a:p>
+          <a:p>
+            <a:r>
+              <a:rPr lang="de-DE" sz="1600">
+                <a:hlinkClick r:id="rId13"/>
+              </a:rPr>
+              <a:t>http://192.168.0.50/getsensor?power</a:t>
+            </a:r>
+            <a:r>
+              <a:rPr lang="de-DE" sz="1600"/>
+              <a:t>   </a:t>
+            </a:r>
+          </a:p>
+          <a:p>
             <a:endParaRPr lang="de-DE" sz="1600" dirty="0"/>
-          </a:p>
-          <a:p>
-            <a:endParaRPr lang="de-DE" sz="1600" dirty="0"/>
-          </a:p>
-          <a:p>
-            <a:r>
-              <a:rPr lang="de-DE" sz="1600" dirty="0">
-                <a:hlinkClick r:id="rId3"/>
-              </a:rPr>
-              <a:t>http://192.168.0.79/setconfig?mqttbroker=ssdpi&amp;mqttport=8883</a:t>
-            </a:r>
-            <a:endParaRPr lang="de-DE" sz="1600" dirty="0"/>
-          </a:p>
-          <a:p>
-            <a:r>
-              <a:rPr lang="de-DE" sz="1600" dirty="0">
-                <a:hlinkClick r:id="rId4"/>
-              </a:rPr>
-              <a:t>http://192.168.0.79/setconfig?mqttuser=openhabian&amp;mqttpassword=piKla87Sie57</a:t>
-            </a:r>
-            <a:r>
-              <a:rPr lang="de-DE" sz="1600" dirty="0"/>
-              <a:t> </a:t>
-            </a:r>
-          </a:p>
-          <a:p>
-            <a:r>
-              <a:rPr lang="de-DE" sz="1600" dirty="0">
-                <a:hlinkClick r:id="rId5"/>
-              </a:rPr>
-              <a:t>http://192.168.0.79/setconfig?ntpserver=192.168.0.2&amp;thingname=ssrdemo</a:t>
-            </a:r>
-            <a:endParaRPr lang="de-DE" sz="1600" dirty="0"/>
-          </a:p>
-          <a:p>
-            <a:endParaRPr lang="de-DE" sz="1600" dirty="0"/>
-          </a:p>
-          <a:p>
-            <a:r>
-              <a:rPr lang="de-DE" sz="1600" dirty="0">
-                <a:hlinkClick r:id="rId6"/>
-              </a:rPr>
-              <a:t>http://192.168.0.79/setactor?switch=1</a:t>
-            </a:r>
-            <a:r>
-              <a:rPr lang="de-DE" sz="1600" dirty="0"/>
-              <a:t> </a:t>
-            </a:r>
-          </a:p>
-          <a:p>
-            <a:r>
-              <a:rPr lang="de-DE" sz="1800" dirty="0">
-                <a:hlinkClick r:id="rId7"/>
-              </a:rPr>
-              <a:t>http://192.168.0.79/getactor?switch</a:t>
-            </a:r>
-            <a:r>
-              <a:rPr lang="de-DE" sz="1800" dirty="0"/>
-              <a:t> </a:t>
-            </a:r>
-          </a:p>
-          <a:p>
-            <a:endParaRPr lang="de-DE" sz="1800" dirty="0"/>
-          </a:p>
-          <a:p>
-            <a:r>
-              <a:rPr lang="de-DE" sz="1800" dirty="0">
-                <a:hlinkClick r:id="rId8"/>
-              </a:rPr>
-              <a:t>http://192.168.0.79/getconfig?thingname</a:t>
-            </a:r>
-            <a:r>
-              <a:rPr lang="de-DE" sz="1800" dirty="0"/>
-              <a:t> </a:t>
-            </a:r>
-          </a:p>
-          <a:p>
-            <a:endParaRPr lang="de-DE" sz="1800" dirty="0"/>
           </a:p>
         </p:txBody>
       </p:sp>
     </p:spTree>
     <p:extLst>
       <p:ext uri="{BB962C8B-B14F-4D97-AF65-F5344CB8AC3E}">
-        <p14:creationId xmlns:p14="http://schemas.microsoft.com/office/powerpoint/2010/main" val="3504643302"/>
+        <p14:creationId xmlns:p14="http://schemas.microsoft.com/office/powerpoint/2010/main" val="276220864"/>
       </p:ext>
     </p:extLst>
   </p:cSld>
@@ -3212,15 +3422,7 @@
           <a:p>
             <a:r>
               <a:rPr lang="de-DE" dirty="0" err="1"/>
-              <a:t>Miflora</a:t>
-            </a:r>
-            <a:r>
-              <a:rPr lang="de-DE" dirty="0"/>
-              <a:t> </a:t>
-            </a:r>
-            <a:r>
-              <a:rPr lang="de-DE" dirty="0" err="1"/>
-              <a:t>Hellmonsödt</a:t>
+              <a:t>SsrDemo</a:t>
             </a:r>
             <a:endParaRPr lang="de-DE" dirty="0"/>
           </a:p>
@@ -3251,7 +3453,7 @@
               <a:rPr lang="de-DE" sz="1600" dirty="0">
                 <a:hlinkClick r:id="rId2"/>
               </a:rPr>
-              <a:t>http://192.168.1.73/getconfig</a:t>
+              <a:t>http://192.168.0.79/getconfig</a:t>
             </a:r>
             <a:endParaRPr lang="de-DE" sz="1600" dirty="0"/>
           </a:p>
@@ -3263,7 +3465,7 @@
               <a:rPr lang="de-DE" sz="1600" dirty="0">
                 <a:hlinkClick r:id="rId3"/>
               </a:rPr>
-              <a:t>http://192.168.1.73/setconfig?mqttbroker=leonding.synology.me&amp;mqttport=8883</a:t>
+              <a:t>http://192.168.0.79/setconfig?mqttbroker=ssdpi&amp;mqttport=8883</a:t>
             </a:r>
             <a:endParaRPr lang="de-DE" sz="1600" dirty="0"/>
           </a:p>
@@ -3272,16 +3474,31 @@
               <a:rPr lang="de-DE" sz="1600" dirty="0">
                 <a:hlinkClick r:id="rId4"/>
               </a:rPr>
-              <a:t>http://192.168.1.73/setconfig?mqttbroker=leonding.synology.me&amp;mqttport=8883</a:t>
-            </a:r>
-            <a:endParaRPr lang="de-DE" sz="1600" dirty="0"/>
+              <a:t>http://192.168.0.79/setconfig?mqttuser=openhabian&amp;mqttpassword=piKla87Sie57</a:t>
+            </a:r>
+            <a:r>
+              <a:rPr lang="de-DE" sz="1600" dirty="0"/>
+              <a:t> </a:t>
+            </a:r>
           </a:p>
           <a:p>
             <a:r>
               <a:rPr lang="de-DE" sz="1600" dirty="0">
                 <a:hlinkClick r:id="rId5"/>
               </a:rPr>
-              <a:t>http://192.168.1.73/setconfig?mqttuser=openhabian&amp;mqttpassword=piKla87Sie57</a:t>
+              <a:t>http://192.168.0.79/setconfig?ntpserver=192.168.0.2&amp;thingname=ssrdemo</a:t>
+            </a:r>
+            <a:endParaRPr lang="de-DE" sz="1600" dirty="0"/>
+          </a:p>
+          <a:p>
+            <a:endParaRPr lang="de-DE" sz="1600" dirty="0"/>
+          </a:p>
+          <a:p>
+            <a:r>
+              <a:rPr lang="de-DE" sz="1600" dirty="0">
+                <a:hlinkClick r:id="rId6"/>
+              </a:rPr>
+              <a:t>http://192.168.0.79/setactor?switch=1</a:t>
             </a:r>
             <a:r>
               <a:rPr lang="de-DE" sz="1600" dirty="0"/>
@@ -3289,92 +3506,41 @@
             </a:r>
           </a:p>
           <a:p>
-            <a:endParaRPr lang="de-DE" sz="1600" dirty="0"/>
-          </a:p>
-          <a:p>
-            <a:r>
-              <a:rPr lang="de-DE" sz="1600" dirty="0">
-                <a:hlinkClick r:id="rId6"/>
-              </a:rPr>
-              <a:t>http://192.168.1.73/getconfigvalue?mqttbroker</a:t>
-            </a:r>
-            <a:r>
-              <a:rPr lang="de-DE" sz="1600" dirty="0"/>
+            <a:r>
+              <a:rPr lang="de-DE" sz="1800" dirty="0">
+                <a:hlinkClick r:id="rId7"/>
+              </a:rPr>
+              <a:t>http://192.168.0.79/getactor?switch</a:t>
+            </a:r>
+            <a:r>
+              <a:rPr lang="de-DE" sz="1800" dirty="0"/>
               <a:t> </a:t>
             </a:r>
           </a:p>
           <a:p>
-            <a:r>
-              <a:rPr lang="de-DE" sz="1600" dirty="0">
-                <a:hlinkClick r:id="rId7"/>
-              </a:rPr>
-              <a:t>http://192.168.1.73/getconfigvalue?mqttpassword</a:t>
-            </a:r>
-            <a:r>
-              <a:rPr lang="de-DE" sz="1600" dirty="0"/>
+            <a:endParaRPr lang="de-DE" sz="1800" dirty="0"/>
+          </a:p>
+          <a:p>
+            <a:r>
+              <a:rPr lang="de-DE" sz="1800" dirty="0">
+                <a:hlinkClick r:id="rId8"/>
+              </a:rPr>
+              <a:t>http://192.168.0.79/getconfig?thingname</a:t>
+            </a:r>
+            <a:r>
+              <a:rPr lang="de-DE" sz="1800" dirty="0"/>
               <a:t> </a:t>
             </a:r>
           </a:p>
           <a:p>
-            <a:r>
-              <a:rPr lang="de-DE" sz="1600" dirty="0">
-                <a:hlinkClick r:id="rId8"/>
-              </a:rPr>
-              <a:t>http://192.168.1.73/getconfigvalue?mqttport</a:t>
-            </a:r>
-            <a:r>
-              <a:rPr lang="de-DE" sz="1600" dirty="0"/>
-              <a:t> </a:t>
-            </a:r>
-          </a:p>
-          <a:p>
-            <a:r>
-              <a:rPr lang="de-DE" sz="1600" dirty="0">
-                <a:hlinkClick r:id="rId9"/>
-              </a:rPr>
-              <a:t>http://192.168.1.73/getconfigvalue?ssid</a:t>
-            </a:r>
-            <a:r>
-              <a:rPr lang="de-DE" sz="1600" dirty="0"/>
-              <a:t>  </a:t>
-            </a:r>
-          </a:p>
-          <a:p>
-            <a:r>
-              <a:rPr lang="de-DE" sz="1600" dirty="0">
-                <a:hlinkClick r:id="rId10"/>
-              </a:rPr>
-              <a:t>http://192.168.1.73/getconfigvalue?password</a:t>
-            </a:r>
-            <a:r>
-              <a:rPr lang="de-DE" sz="1600" dirty="0"/>
-              <a:t> </a:t>
-            </a:r>
-          </a:p>
-          <a:p>
-            <a:endParaRPr lang="de-DE" sz="1600" dirty="0"/>
-          </a:p>
-          <a:p>
-            <a:endParaRPr lang="de-DE" sz="1600" dirty="0"/>
-          </a:p>
-          <a:p>
-            <a:endParaRPr lang="de-DE" sz="1600" dirty="0"/>
-          </a:p>
-          <a:p>
-            <a:endParaRPr lang="de-DE" sz="1600" dirty="0"/>
-          </a:p>
-          <a:p>
-            <a:endParaRPr lang="de-DE" sz="1600" dirty="0"/>
-          </a:p>
-          <a:p>
-            <a:endParaRPr lang="de-DE" sz="1600" dirty="0"/>
+            <a:endParaRPr lang="de-DE" sz="1800" dirty="0"/>
           </a:p>
         </p:txBody>
       </p:sp>
     </p:spTree>
     <p:extLst>
       <p:ext uri="{BB962C8B-B14F-4D97-AF65-F5344CB8AC3E}">
-        <p14:creationId xmlns:p14="http://schemas.microsoft.com/office/powerpoint/2010/main" val="1108982593"/>
+        <p14:creationId xmlns:p14="http://schemas.microsoft.com/office/powerpoint/2010/main" val="3504643302"/>
       </p:ext>
     </p:extLst>
   </p:cSld>
@@ -3428,8 +3594,13 @@
             </a:r>
             <a:r>
               <a:rPr lang="de-DE" dirty="0"/>
-              <a:t> Leonding</a:t>
-            </a:r>
+              <a:t> </a:t>
+            </a:r>
+            <a:r>
+              <a:rPr lang="de-DE" dirty="0" err="1"/>
+              <a:t>Hellmonsödt</a:t>
+            </a:r>
+            <a:endParaRPr lang="de-DE" dirty="0"/>
           </a:p>
         </p:txBody>
       </p:sp>
@@ -3458,6 +3629,213 @@
               <a:rPr lang="de-DE" sz="1600" dirty="0">
                 <a:hlinkClick r:id="rId2"/>
               </a:rPr>
+              <a:t>http://192.168.1.73/getconfig</a:t>
+            </a:r>
+            <a:endParaRPr lang="de-DE" sz="1600" dirty="0"/>
+          </a:p>
+          <a:p>
+            <a:endParaRPr lang="de-DE" sz="1600" dirty="0"/>
+          </a:p>
+          <a:p>
+            <a:r>
+              <a:rPr lang="de-DE" sz="1600" dirty="0">
+                <a:hlinkClick r:id="rId3"/>
+              </a:rPr>
+              <a:t>http://192.168.1.73/setconfig?mqttbroker=leonding.synology.me&amp;mqttport=8883</a:t>
+            </a:r>
+            <a:endParaRPr lang="de-DE" sz="1600" dirty="0"/>
+          </a:p>
+          <a:p>
+            <a:r>
+              <a:rPr lang="de-DE" sz="1600" dirty="0">
+                <a:hlinkClick r:id="rId4"/>
+              </a:rPr>
+              <a:t>http://192.168.1.73/setconfig?mqttbroker=leonding.synology.me&amp;mqttport=8883</a:t>
+            </a:r>
+            <a:endParaRPr lang="de-DE" sz="1600" dirty="0"/>
+          </a:p>
+          <a:p>
+            <a:r>
+              <a:rPr lang="de-DE" sz="1600" dirty="0">
+                <a:hlinkClick r:id="rId5"/>
+              </a:rPr>
+              <a:t>http://192.168.1.73/setconfig?mqttuser=openhabian&amp;mqttpassword=piKla87Sie57</a:t>
+            </a:r>
+            <a:r>
+              <a:rPr lang="de-DE" sz="1600" dirty="0"/>
+              <a:t> </a:t>
+            </a:r>
+          </a:p>
+          <a:p>
+            <a:endParaRPr lang="de-DE" sz="1600" dirty="0"/>
+          </a:p>
+          <a:p>
+            <a:r>
+              <a:rPr lang="de-DE" sz="1600" dirty="0">
+                <a:hlinkClick r:id="rId6"/>
+              </a:rPr>
+              <a:t>http://192.168.1.73/getconfigvalue?mqttbroker</a:t>
+            </a:r>
+            <a:r>
+              <a:rPr lang="de-DE" sz="1600" dirty="0"/>
+              <a:t> </a:t>
+            </a:r>
+          </a:p>
+          <a:p>
+            <a:r>
+              <a:rPr lang="de-DE" sz="1600" dirty="0">
+                <a:hlinkClick r:id="rId7"/>
+              </a:rPr>
+              <a:t>http://192.168.1.73/getconfigvalue?mqttpassword</a:t>
+            </a:r>
+            <a:r>
+              <a:rPr lang="de-DE" sz="1600" dirty="0"/>
+              <a:t> </a:t>
+            </a:r>
+          </a:p>
+          <a:p>
+            <a:r>
+              <a:rPr lang="de-DE" sz="1600" dirty="0">
+                <a:hlinkClick r:id="rId8"/>
+              </a:rPr>
+              <a:t>http://192.168.1.73/getconfigvalue?mqttport</a:t>
+            </a:r>
+            <a:r>
+              <a:rPr lang="de-DE" sz="1600" dirty="0"/>
+              <a:t> </a:t>
+            </a:r>
+          </a:p>
+          <a:p>
+            <a:r>
+              <a:rPr lang="de-DE" sz="1600" dirty="0">
+                <a:hlinkClick r:id="rId9"/>
+              </a:rPr>
+              <a:t>http://192.168.1.73/getconfigvalue?ssid</a:t>
+            </a:r>
+            <a:r>
+              <a:rPr lang="de-DE" sz="1600" dirty="0"/>
+              <a:t>  </a:t>
+            </a:r>
+          </a:p>
+          <a:p>
+            <a:r>
+              <a:rPr lang="de-DE" sz="1600" dirty="0">
+                <a:hlinkClick r:id="rId10"/>
+              </a:rPr>
+              <a:t>http://192.168.1.73/getconfigvalue?password</a:t>
+            </a:r>
+            <a:r>
+              <a:rPr lang="de-DE" sz="1600" dirty="0"/>
+              <a:t> </a:t>
+            </a:r>
+          </a:p>
+          <a:p>
+            <a:endParaRPr lang="de-DE" sz="1600" dirty="0"/>
+          </a:p>
+          <a:p>
+            <a:endParaRPr lang="de-DE" sz="1600" dirty="0"/>
+          </a:p>
+          <a:p>
+            <a:endParaRPr lang="de-DE" sz="1600" dirty="0"/>
+          </a:p>
+          <a:p>
+            <a:endParaRPr lang="de-DE" sz="1600" dirty="0"/>
+          </a:p>
+          <a:p>
+            <a:endParaRPr lang="de-DE" sz="1600" dirty="0"/>
+          </a:p>
+          <a:p>
+            <a:endParaRPr lang="de-DE" sz="1600" dirty="0"/>
+          </a:p>
+        </p:txBody>
+      </p:sp>
+    </p:spTree>
+    <p:extLst>
+      <p:ext uri="{BB962C8B-B14F-4D97-AF65-F5344CB8AC3E}">
+        <p14:creationId xmlns:p14="http://schemas.microsoft.com/office/powerpoint/2010/main" val="1108982593"/>
+      </p:ext>
+    </p:extLst>
+  </p:cSld>
+  <p:clrMapOvr>
+    <a:masterClrMapping/>
+  </p:clrMapOvr>
+</p:sld>
+</file>
+
+<file path=ppt/slides/slide8.xml><?xml version="1.0" encoding="utf-8"?>
+<p:sld xmlns:a="http://schemas.openxmlformats.org/drawingml/2006/main" xmlns:r="http://schemas.openxmlformats.org/officeDocument/2006/relationships" xmlns:p="http://schemas.openxmlformats.org/presentationml/2006/main">
+  <p:cSld>
+    <p:spTree>
+      <p:nvGrpSpPr>
+        <p:cNvPr id="1" name=""/>
+        <p:cNvGrpSpPr/>
+        <p:nvPr/>
+      </p:nvGrpSpPr>
+      <p:grpSpPr>
+        <a:xfrm>
+          <a:off x="0" y="0"/>
+          <a:ext cx="0" cy="0"/>
+          <a:chOff x="0" y="0"/>
+          <a:chExt cx="0" cy="0"/>
+        </a:xfrm>
+      </p:grpSpPr>
+      <p:sp>
+        <p:nvSpPr>
+          <p:cNvPr id="2" name="Titel 1">
+            <a:extLst>
+              <a:ext uri="{FF2B5EF4-FFF2-40B4-BE49-F238E27FC236}">
+                <a16:creationId xmlns:a16="http://schemas.microsoft.com/office/drawing/2014/main" id="{17296256-048F-4D15-9FF7-37241709E82B}"/>
+              </a:ext>
+            </a:extLst>
+          </p:cNvPr>
+          <p:cNvSpPr>
+            <a:spLocks noGrp="1"/>
+          </p:cNvSpPr>
+          <p:nvPr>
+            <p:ph type="title"/>
+          </p:nvPr>
+        </p:nvSpPr>
+        <p:spPr/>
+        <p:txBody>
+          <a:bodyPr/>
+          <a:lstStyle/>
+          <a:p>
+            <a:r>
+              <a:rPr lang="de-DE" dirty="0" err="1"/>
+              <a:t>Miflora</a:t>
+            </a:r>
+            <a:r>
+              <a:rPr lang="de-DE" dirty="0"/>
+              <a:t> Leonding</a:t>
+            </a:r>
+          </a:p>
+        </p:txBody>
+      </p:sp>
+      <p:sp>
+        <p:nvSpPr>
+          <p:cNvPr id="3" name="Textplatzhalter 2">
+            <a:extLst>
+              <a:ext uri="{FF2B5EF4-FFF2-40B4-BE49-F238E27FC236}">
+                <a16:creationId xmlns:a16="http://schemas.microsoft.com/office/drawing/2014/main" id="{AE9CEDFF-D8DF-414B-82EC-65DA6495BFAA}"/>
+              </a:ext>
+            </a:extLst>
+          </p:cNvPr>
+          <p:cNvSpPr>
+            <a:spLocks noGrp="1"/>
+          </p:cNvSpPr>
+          <p:nvPr>
+            <p:ph type="body" sz="quarter" idx="10"/>
+          </p:nvPr>
+        </p:nvSpPr>
+        <p:spPr/>
+        <p:txBody>
+          <a:bodyPr/>
+          <a:lstStyle/>
+          <a:p>
+            <a:r>
+              <a:rPr lang="de-DE" sz="1600" dirty="0">
+                <a:hlinkClick r:id="rId2"/>
+              </a:rPr>
               <a:t>http://192.168.0.60/getconfig</a:t>
             </a:r>
             <a:endParaRPr lang="de-DE" sz="1600" dirty="0"/>
@@ -3582,7 +3960,7 @@
 </p:sld>
 </file>
 
-<file path=ppt/slides/slide8.xml><?xml version="1.0" encoding="utf-8"?>
+<file path=ppt/slides/slide9.xml><?xml version="1.0" encoding="utf-8"?>
 <p:sld xmlns:a="http://schemas.openxmlformats.org/drawingml/2006/main" xmlns:r="http://schemas.openxmlformats.org/officeDocument/2006/relationships" xmlns:p="http://schemas.openxmlformats.org/presentationml/2006/main">
   <p:cSld>
     <p:spTree>
@@ -3837,137 +4215,6 @@
     <p:extLst>
       <p:ext uri="{BB962C8B-B14F-4D97-AF65-F5344CB8AC3E}">
         <p14:creationId xmlns:p14="http://schemas.microsoft.com/office/powerpoint/2010/main" val="1942114781"/>
-      </p:ext>
-    </p:extLst>
-  </p:cSld>
-  <p:clrMapOvr>
-    <a:masterClrMapping/>
-  </p:clrMapOvr>
-</p:sld>
-</file>
-
-<file path=ppt/slides/slide9.xml><?xml version="1.0" encoding="utf-8"?>
-<p:sld xmlns:a="http://schemas.openxmlformats.org/drawingml/2006/main" xmlns:r="http://schemas.openxmlformats.org/officeDocument/2006/relationships" xmlns:p="http://schemas.openxmlformats.org/presentationml/2006/main">
-  <p:cSld>
-    <p:spTree>
-      <p:nvGrpSpPr>
-        <p:cNvPr id="1" name=""/>
-        <p:cNvGrpSpPr/>
-        <p:nvPr/>
-      </p:nvGrpSpPr>
-      <p:grpSpPr>
-        <a:xfrm>
-          <a:off x="0" y="0"/>
-          <a:ext cx="0" cy="0"/>
-          <a:chOff x="0" y="0"/>
-          <a:chExt cx="0" cy="0"/>
-        </a:xfrm>
-      </p:grpSpPr>
-      <p:sp>
-        <p:nvSpPr>
-          <p:cNvPr id="2" name="Titel 1">
-            <a:extLst>
-              <a:ext uri="{FF2B5EF4-FFF2-40B4-BE49-F238E27FC236}">
-                <a16:creationId xmlns:a16="http://schemas.microsoft.com/office/drawing/2014/main" id="{E2726E83-49C9-4A59-A915-4170193B279A}"/>
-              </a:ext>
-            </a:extLst>
-          </p:cNvPr>
-          <p:cNvSpPr>
-            <a:spLocks noGrp="1"/>
-          </p:cNvSpPr>
-          <p:nvPr>
-            <p:ph type="title"/>
-          </p:nvPr>
-        </p:nvSpPr>
-        <p:spPr/>
-        <p:txBody>
-          <a:bodyPr/>
-          <a:lstStyle/>
-          <a:p>
-            <a:r>
-              <a:rPr lang="de-DE" dirty="0"/>
-              <a:t>Led per http setzen</a:t>
-            </a:r>
-          </a:p>
-        </p:txBody>
-      </p:sp>
-      <p:sp>
-        <p:nvSpPr>
-          <p:cNvPr id="3" name="Textplatzhalter 2">
-            <a:extLst>
-              <a:ext uri="{FF2B5EF4-FFF2-40B4-BE49-F238E27FC236}">
-                <a16:creationId xmlns:a16="http://schemas.microsoft.com/office/drawing/2014/main" id="{8B8C6D80-1417-411F-846C-28CFEC9FB4FD}"/>
-              </a:ext>
-            </a:extLst>
-          </p:cNvPr>
-          <p:cNvSpPr>
-            <a:spLocks noGrp="1"/>
-          </p:cNvSpPr>
-          <p:nvPr>
-            <p:ph type="body" sz="quarter" idx="10"/>
-          </p:nvPr>
-        </p:nvSpPr>
-        <p:spPr/>
-        <p:txBody>
-          <a:bodyPr/>
-          <a:lstStyle/>
-          <a:p>
-            <a:r>
-              <a:rPr lang="de-DE" sz="2400" dirty="0">
-                <a:hlinkClick r:id="rId2"/>
-              </a:rPr>
-              <a:t>http://192.168.0.64/setactor?rgbled=010</a:t>
-            </a:r>
-            <a:endParaRPr lang="de-DE" sz="2400" dirty="0"/>
-          </a:p>
-          <a:p>
-            <a:endParaRPr lang="de-DE" sz="2400" dirty="0"/>
-          </a:p>
-          <a:p>
-            <a:endParaRPr lang="de-DE" sz="2400" dirty="0"/>
-          </a:p>
-          <a:p>
-            <a:endParaRPr lang="de-DE" sz="2400" dirty="0"/>
-          </a:p>
-          <a:p>
-            <a:endParaRPr lang="de-DE" dirty="0"/>
-          </a:p>
-        </p:txBody>
-      </p:sp>
-      <p:pic>
-        <p:nvPicPr>
-          <p:cNvPr id="4" name="Grafik 3">
-            <a:extLst>
-              <a:ext uri="{FF2B5EF4-FFF2-40B4-BE49-F238E27FC236}">
-                <a16:creationId xmlns:a16="http://schemas.microsoft.com/office/drawing/2014/main" id="{BDCBE659-C5EF-4014-B409-7BF95B06FAB8}"/>
-              </a:ext>
-            </a:extLst>
-          </p:cNvPr>
-          <p:cNvPicPr>
-            <a:picLocks noChangeAspect="1"/>
-          </p:cNvPicPr>
-          <p:nvPr/>
-        </p:nvPicPr>
-        <p:blipFill>
-          <a:blip r:embed="rId3"/>
-          <a:stretch>
-            <a:fillRect/>
-          </a:stretch>
-        </p:blipFill>
-        <p:spPr>
-          <a:xfrm>
-            <a:off x="1043608" y="2276872"/>
-            <a:ext cx="5511336" cy="2376264"/>
-          </a:xfrm>
-          <a:prstGeom prst="rect">
-            <a:avLst/>
-          </a:prstGeom>
-        </p:spPr>
-      </p:pic>
-    </p:spTree>
-    <p:extLst>
-      <p:ext uri="{BB962C8B-B14F-4D97-AF65-F5344CB8AC3E}">
-        <p14:creationId xmlns:p14="http://schemas.microsoft.com/office/powerpoint/2010/main" val="3698000944"/>
       </p:ext>
     </p:extLst>
   </p:cSld>

--- a/001_Things.pptx
+++ b/001_Things.pptx
@@ -290,7 +290,7 @@
               <a:pPr>
                 <a:defRPr/>
               </a:pPr>
-              <a:t>22.08.2019</a:t>
+              <a:t>23.08.2019</a:t>
             </a:fld>
             <a:endParaRPr lang="de-AT"/>
           </a:p>
@@ -505,7 +505,7 @@
               <a:pPr>
                 <a:defRPr/>
               </a:pPr>
-              <a:t>22.08.2019</a:t>
+              <a:t>23.08.2019</a:t>
             </a:fld>
             <a:endParaRPr lang="de-AT"/>
           </a:p>
@@ -2805,84 +2805,135 @@
           <a:lstStyle/>
           <a:p>
             <a:r>
-              <a:rPr lang="de-DE" sz="2800" dirty="0">
+              <a:rPr lang="de-DE" sz="1600" dirty="0">
                 <a:hlinkClick r:id="rId2"/>
               </a:rPr>
-              <a:t>http://192.168.0.64/getconfig</a:t>
-            </a:r>
-            <a:endParaRPr lang="de-DE" sz="2800" dirty="0"/>
-          </a:p>
-          <a:p>
-            <a:endParaRPr lang="de-DE" sz="2800" dirty="0"/>
-          </a:p>
-          <a:p>
-            <a:r>
-              <a:rPr lang="de-DE" sz="2800" dirty="0">
+              <a:t>http://192.168.0.84/getconfig</a:t>
+            </a:r>
+            <a:endParaRPr lang="de-DE" sz="1600" dirty="0"/>
+          </a:p>
+          <a:p>
+            <a:endParaRPr lang="de-DE" sz="1600" dirty="0"/>
+          </a:p>
+          <a:p>
+            <a:r>
+              <a:rPr lang="de-DE" sz="1600" dirty="0">
                 <a:hlinkClick r:id="rId3"/>
               </a:rPr>
-              <a:t>http://192.168.0.64/setactor?rgbled=010</a:t>
-            </a:r>
-            <a:endParaRPr lang="de-DE" sz="2800" dirty="0"/>
-          </a:p>
-          <a:p>
-            <a:r>
-              <a:rPr lang="de-DE" sz="2800" dirty="0">
+              <a:t>http://192.168.0.84/setconfig?mqttbroker=ssdpi&amp;mqttport=8883</a:t>
+            </a:r>
+            <a:endParaRPr lang="de-DE" sz="1600" dirty="0"/>
+          </a:p>
+          <a:p>
+            <a:r>
+              <a:rPr lang="de-DE" sz="1600" dirty="0">
                 <a:hlinkClick r:id="rId4"/>
               </a:rPr>
-              <a:t>http://192.168.0.64/getsensor?co2</a:t>
-            </a:r>
-            <a:endParaRPr lang="de-DE" sz="2800" dirty="0"/>
-          </a:p>
-          <a:p>
-            <a:r>
-              <a:rPr lang="de-DE" sz="2800" dirty="0">
+              <a:t>http://192.168.0.84/setconfig?mqttuser=openhabian&amp;mqttpassword=piKla87Sie57</a:t>
+            </a:r>
+            <a:r>
+              <a:rPr lang="de-DE" sz="1600" dirty="0"/>
+              <a:t> </a:t>
+            </a:r>
+          </a:p>
+          <a:p>
+            <a:r>
+              <a:rPr lang="de-DE" sz="1600" dirty="0">
                 <a:hlinkClick r:id="rId5"/>
               </a:rPr>
-              <a:t>http://192.168.0.64/getsensor?temperature</a:t>
-            </a:r>
-            <a:endParaRPr lang="de-DE" sz="2800" dirty="0"/>
-          </a:p>
-          <a:p>
-            <a:r>
-              <a:rPr lang="de-DE" sz="2800" dirty="0">
+              <a:t>http://192.168.0.84/setconfig?loggerip=192.168.0.10</a:t>
+            </a:r>
+            <a:r>
+              <a:rPr lang="de-DE" sz="1600" dirty="0"/>
+              <a:t>   </a:t>
+            </a:r>
+          </a:p>
+          <a:p>
+            <a:r>
+              <a:rPr lang="de-DE" sz="1600" dirty="0">
                 <a:hlinkClick r:id="rId6"/>
               </a:rPr>
-              <a:t>http://192.168.0.64/getsensor?humidity</a:t>
-            </a:r>
-            <a:endParaRPr lang="de-DE" sz="2800" dirty="0"/>
-          </a:p>
-          <a:p>
-            <a:r>
-              <a:rPr lang="de-DE" sz="2800" dirty="0">
+              <a:t>http://192.168.0.84/setconfig?thingname=esplivingroom</a:t>
+            </a:r>
+            <a:r>
+              <a:rPr lang="de-DE" sz="1600" dirty="0"/>
+              <a:t> </a:t>
+            </a:r>
+          </a:p>
+          <a:p>
+            <a:endParaRPr lang="de-DE" sz="1600" dirty="0"/>
+          </a:p>
+          <a:p>
+            <a:endParaRPr lang="de-DE" sz="1600" dirty="0"/>
+          </a:p>
+          <a:p>
+            <a:r>
+              <a:rPr lang="de-DE" sz="1600" dirty="0">
                 <a:hlinkClick r:id="rId7"/>
               </a:rPr>
-              <a:t>http://192.168.0.64/getsensor?pir</a:t>
-            </a:r>
-            <a:endParaRPr lang="de-DE" sz="2800" dirty="0"/>
-          </a:p>
-          <a:p>
-            <a:endParaRPr lang="de-DE" sz="2800" dirty="0"/>
-          </a:p>
-          <a:p>
-            <a:endParaRPr lang="de-DE" sz="2800" dirty="0"/>
-          </a:p>
-          <a:p>
-            <a:endParaRPr lang="de-DE" sz="2800" dirty="0"/>
-          </a:p>
-          <a:p>
-            <a:endParaRPr lang="de-DE" sz="2800" dirty="0"/>
+              <a:t>http://192.168.0.84/setactor?rgbled=010</a:t>
+            </a:r>
+            <a:endParaRPr lang="de-DE" sz="1600" dirty="0"/>
+          </a:p>
+          <a:p>
+            <a:r>
+              <a:rPr lang="de-DE" sz="1600" dirty="0">
+                <a:hlinkClick r:id="rId8"/>
+              </a:rPr>
+              <a:t>http://192.168.0.84/getsensor?co2</a:t>
+            </a:r>
+            <a:endParaRPr lang="de-DE" sz="1600" dirty="0"/>
+          </a:p>
+          <a:p>
+            <a:r>
+              <a:rPr lang="de-DE" sz="1600" dirty="0">
+                <a:hlinkClick r:id="rId9"/>
+              </a:rPr>
+              <a:t>http://192.168.0.84/getsensor?temperature</a:t>
+            </a:r>
+            <a:endParaRPr lang="de-DE" sz="1600" dirty="0"/>
+          </a:p>
+          <a:p>
+            <a:r>
+              <a:rPr lang="de-DE" sz="1600" dirty="0">
+                <a:hlinkClick r:id="rId10"/>
+              </a:rPr>
+              <a:t>http://192.168.0.84/getsensor?humidity</a:t>
+            </a:r>
+            <a:endParaRPr lang="de-DE" sz="1600" dirty="0"/>
+          </a:p>
+          <a:p>
+            <a:r>
+              <a:rPr lang="de-DE" sz="1600" dirty="0">
+                <a:hlinkClick r:id="rId11"/>
+              </a:rPr>
+              <a:t>http://192.168.0.84/getsensor?pir</a:t>
+            </a:r>
+            <a:endParaRPr lang="de-DE" sz="1600" dirty="0"/>
+          </a:p>
+          <a:p>
+            <a:endParaRPr lang="de-DE" sz="1600" dirty="0"/>
+          </a:p>
+          <a:p>
+            <a:endParaRPr lang="de-DE" sz="1600" dirty="0"/>
+          </a:p>
+          <a:p>
+            <a:endParaRPr lang="de-DE" sz="1600" dirty="0"/>
+          </a:p>
+          <a:p>
+            <a:endParaRPr lang="de-DE" sz="1600" dirty="0"/>
           </a:p>
           <a:p>
             <a:pPr marL="0" indent="0">
               <a:buNone/>
             </a:pPr>
-            <a:endParaRPr lang="de-DE" sz="2800" dirty="0"/>
-          </a:p>
-          <a:p>
-            <a:endParaRPr lang="de-DE" sz="2800" dirty="0"/>
-          </a:p>
-          <a:p>
-            <a:endParaRPr lang="de-DE" dirty="0"/>
+            <a:endParaRPr lang="de-DE" sz="1600" dirty="0"/>
+          </a:p>
+          <a:p>
+            <a:endParaRPr lang="de-DE" sz="1600" dirty="0"/>
+          </a:p>
+          <a:p>
+            <a:endParaRPr lang="de-DE" sz="1600" dirty="0"/>
           </a:p>
         </p:txBody>
       </p:sp>

--- a/001_Things.pptx
+++ b/001_Things.pptx
@@ -5,10 +5,10 @@
     <p:sldMasterId id="2147483686" r:id="rId1"/>
   </p:sldMasterIdLst>
   <p:notesMasterIdLst>
-    <p:notesMasterId r:id="rId13"/>
+    <p:notesMasterId r:id="rId14"/>
   </p:notesMasterIdLst>
   <p:handoutMasterIdLst>
-    <p:handoutMasterId r:id="rId14"/>
+    <p:handoutMasterId r:id="rId15"/>
   </p:handoutMasterIdLst>
   <p:sldIdLst>
     <p:sldId id="859" r:id="rId2"/>
@@ -19,9 +19,10 @@
     <p:sldId id="877" r:id="rId7"/>
     <p:sldId id="875" r:id="rId8"/>
     <p:sldId id="876" r:id="rId9"/>
-    <p:sldId id="871" r:id="rId10"/>
-    <p:sldId id="872" r:id="rId11"/>
-    <p:sldId id="870" r:id="rId12"/>
+    <p:sldId id="879" r:id="rId10"/>
+    <p:sldId id="871" r:id="rId11"/>
+    <p:sldId id="872" r:id="rId12"/>
+    <p:sldId id="870" r:id="rId13"/>
   </p:sldIdLst>
   <p:sldSz cx="9144000" cy="6858000" type="screen4x3"/>
   <p:notesSz cx="6797675" cy="9926638"/>
@@ -290,7 +291,7 @@
               <a:pPr>
                 <a:defRPr/>
               </a:pPr>
-              <a:t>23.08.2019</a:t>
+              <a:t>12.09.2019</a:t>
             </a:fld>
             <a:endParaRPr lang="de-AT"/>
           </a:p>
@@ -505,7 +506,7 @@
               <a:pPr>
                 <a:defRPr/>
               </a:pPr>
-              <a:t>23.08.2019</a:t>
+              <a:t>12.09.2019</a:t>
             </a:fld>
             <a:endParaRPr lang="de-AT"/>
           </a:p>
@@ -2190,7 +2191,17 @@
               <a:rPr lang="de-DE" sz="1600" dirty="0">
                 <a:hlinkClick r:id="rId2"/>
               </a:rPr>
-              <a:t>http://192.168.10.1/setconfig?ssid=A1-B5035B&amp;password=52809766B6</a:t>
+              <a:t>http://192.168.10.1/setconfig?ssid=linksysAtHome&amp;password</a:t>
+            </a:r>
+            <a:r>
+              <a:rPr lang="de-DE" sz="1600">
+                <a:hlinkClick r:id="rId2"/>
+              </a:rPr>
+              <a:t>=YJXPF4WAC7</a:t>
+            </a:r>
+            <a:r>
+              <a:rPr lang="de-DE" sz="1600"/>
+              <a:t> </a:t>
             </a:r>
             <a:endParaRPr lang="de-DE" sz="1600" dirty="0"/>
           </a:p>
@@ -2199,7 +2210,7 @@
               <a:rPr lang="de-DE" sz="1600" dirty="0">
                 <a:hlinkClick r:id="rId3"/>
               </a:rPr>
-              <a:t>http://192.168.10.1/setconfig?mqttbroker=ssdpi&amp;mqttport=8883</a:t>
+              <a:t>http://192.168.10.1/setconfig?ssid=A1-B5035B&amp;password=52809766B6</a:t>
             </a:r>
             <a:endParaRPr lang="de-DE" sz="1600" dirty="0"/>
           </a:p>
@@ -2208,6 +2219,15 @@
               <a:rPr lang="de-DE" sz="1600" dirty="0">
                 <a:hlinkClick r:id="rId4"/>
               </a:rPr>
+              <a:t>http://192.168.10.1/setconfig?mqttbroker=ssdpi&amp;mqttport=8883</a:t>
+            </a:r>
+            <a:endParaRPr lang="de-DE" sz="1600" dirty="0"/>
+          </a:p>
+          <a:p>
+            <a:r>
+              <a:rPr lang="de-DE" sz="1600" dirty="0">
+                <a:hlinkClick r:id="rId5"/>
+              </a:rPr>
               <a:t>http://192.168.10.1/setconfig?mqttuser=openhabian&amp;mqttpassword=piKla87Sie57</a:t>
             </a:r>
             <a:r>
@@ -2218,7 +2238,7 @@
           <a:p>
             <a:r>
               <a:rPr lang="de-DE" sz="1600" dirty="0">
-                <a:hlinkClick r:id="rId5"/>
+                <a:hlinkClick r:id="rId6"/>
               </a:rPr>
               <a:t>http://192.168.10.1/setconfig?ntpserver=192.168.0.2&amp;thingname=ssrdemo</a:t>
             </a:r>
@@ -2232,29 +2252,20 @@
           </a:p>
           <a:p>
             <a:endParaRPr lang="de-DE" sz="1600" dirty="0">
-              <a:hlinkClick r:id="rId6"/>
+              <a:hlinkClick r:id="rId7"/>
             </a:endParaRPr>
           </a:p>
           <a:p>
             <a:endParaRPr lang="de-DE" sz="1600" dirty="0">
-              <a:hlinkClick r:id="rId6"/>
+              <a:hlinkClick r:id="rId7"/>
             </a:endParaRPr>
-          </a:p>
-          <a:p>
-            <a:r>
-              <a:rPr lang="de-DE" sz="1600" dirty="0">
-                <a:hlinkClick r:id="rId6"/>
-              </a:rPr>
-              <a:t>http://192.168.0.72/getconfig</a:t>
-            </a:r>
-            <a:endParaRPr lang="de-DE" sz="1600" dirty="0"/>
           </a:p>
           <a:p>
             <a:r>
               <a:rPr lang="de-DE" sz="1600" dirty="0">
                 <a:hlinkClick r:id="rId7"/>
               </a:rPr>
-              <a:t>http://192.168.0.72/setconfig?mqttbroker=ssdpi&amp;mqttport=8883</a:t>
+              <a:t>http://192.168.0.72/getconfig</a:t>
             </a:r>
             <a:endParaRPr lang="de-DE" sz="1600" dirty="0"/>
           </a:p>
@@ -2262,6 +2273,15 @@
             <a:r>
               <a:rPr lang="de-DE" sz="1600" dirty="0">
                 <a:hlinkClick r:id="rId8"/>
+              </a:rPr>
+              <a:t>http://192.168.0.72/setconfig?mqttbroker=ssdpi&amp;mqttport=8883</a:t>
+            </a:r>
+            <a:endParaRPr lang="de-DE" sz="1600" dirty="0"/>
+          </a:p>
+          <a:p>
+            <a:r>
+              <a:rPr lang="de-DE" sz="1600" dirty="0">
+                <a:hlinkClick r:id="rId9"/>
               </a:rPr>
               <a:t>http://192.168.0.72/setconfig?mqttuser=openhabian&amp;mqttpassword=piKla87Sie57</a:t>
             </a:r>
@@ -2295,1723 +2315,6 @@
 </file>
 
 <file path=ppt/slides/slide10.xml><?xml version="1.0" encoding="utf-8"?>
-<p:sld xmlns:a="http://schemas.openxmlformats.org/drawingml/2006/main" xmlns:r="http://schemas.openxmlformats.org/officeDocument/2006/relationships" xmlns:p="http://schemas.openxmlformats.org/presentationml/2006/main">
-  <p:cSld>
-    <p:spTree>
-      <p:nvGrpSpPr>
-        <p:cNvPr id="1" name=""/>
-        <p:cNvGrpSpPr/>
-        <p:nvPr/>
-      </p:nvGrpSpPr>
-      <p:grpSpPr>
-        <a:xfrm>
-          <a:off x="0" y="0"/>
-          <a:ext cx="0" cy="0"/>
-          <a:chOff x="0" y="0"/>
-          <a:chExt cx="0" cy="0"/>
-        </a:xfrm>
-      </p:grpSpPr>
-      <p:sp>
-        <p:nvSpPr>
-          <p:cNvPr id="2" name="Titel 1">
-            <a:extLst>
-              <a:ext uri="{FF2B5EF4-FFF2-40B4-BE49-F238E27FC236}">
-                <a16:creationId xmlns:a16="http://schemas.microsoft.com/office/drawing/2014/main" id="{E2726E83-49C9-4A59-A915-4170193B279A}"/>
-              </a:ext>
-            </a:extLst>
-          </p:cNvPr>
-          <p:cNvSpPr>
-            <a:spLocks noGrp="1"/>
-          </p:cNvSpPr>
-          <p:nvPr>
-            <p:ph type="title"/>
-          </p:nvPr>
-        </p:nvSpPr>
-        <p:spPr/>
-        <p:txBody>
-          <a:bodyPr/>
-          <a:lstStyle/>
-          <a:p>
-            <a:r>
-              <a:rPr lang="de-DE" dirty="0"/>
-              <a:t>Led per http setzen</a:t>
-            </a:r>
-          </a:p>
-        </p:txBody>
-      </p:sp>
-      <p:sp>
-        <p:nvSpPr>
-          <p:cNvPr id="3" name="Textplatzhalter 2">
-            <a:extLst>
-              <a:ext uri="{FF2B5EF4-FFF2-40B4-BE49-F238E27FC236}">
-                <a16:creationId xmlns:a16="http://schemas.microsoft.com/office/drawing/2014/main" id="{8B8C6D80-1417-411F-846C-28CFEC9FB4FD}"/>
-              </a:ext>
-            </a:extLst>
-          </p:cNvPr>
-          <p:cNvSpPr>
-            <a:spLocks noGrp="1"/>
-          </p:cNvSpPr>
-          <p:nvPr>
-            <p:ph type="body" sz="quarter" idx="10"/>
-          </p:nvPr>
-        </p:nvSpPr>
-        <p:spPr/>
-        <p:txBody>
-          <a:bodyPr/>
-          <a:lstStyle/>
-          <a:p>
-            <a:r>
-              <a:rPr lang="de-DE" sz="2400" dirty="0">
-                <a:hlinkClick r:id="rId2"/>
-              </a:rPr>
-              <a:t>http://192.168.0.64/setactor?rgbled=010</a:t>
-            </a:r>
-            <a:endParaRPr lang="de-DE" sz="2400" dirty="0"/>
-          </a:p>
-          <a:p>
-            <a:endParaRPr lang="de-DE" sz="2400" dirty="0"/>
-          </a:p>
-          <a:p>
-            <a:endParaRPr lang="de-DE" sz="2400" dirty="0"/>
-          </a:p>
-          <a:p>
-            <a:endParaRPr lang="de-DE" sz="2400" dirty="0"/>
-          </a:p>
-          <a:p>
-            <a:endParaRPr lang="de-DE" dirty="0"/>
-          </a:p>
-        </p:txBody>
-      </p:sp>
-      <p:pic>
-        <p:nvPicPr>
-          <p:cNvPr id="4" name="Grafik 3">
-            <a:extLst>
-              <a:ext uri="{FF2B5EF4-FFF2-40B4-BE49-F238E27FC236}">
-                <a16:creationId xmlns:a16="http://schemas.microsoft.com/office/drawing/2014/main" id="{BDCBE659-C5EF-4014-B409-7BF95B06FAB8}"/>
-              </a:ext>
-            </a:extLst>
-          </p:cNvPr>
-          <p:cNvPicPr>
-            <a:picLocks noChangeAspect="1"/>
-          </p:cNvPicPr>
-          <p:nvPr/>
-        </p:nvPicPr>
-        <p:blipFill>
-          <a:blip r:embed="rId3"/>
-          <a:stretch>
-            <a:fillRect/>
-          </a:stretch>
-        </p:blipFill>
-        <p:spPr>
-          <a:xfrm>
-            <a:off x="1043608" y="2276872"/>
-            <a:ext cx="5511336" cy="2376264"/>
-          </a:xfrm>
-          <a:prstGeom prst="rect">
-            <a:avLst/>
-          </a:prstGeom>
-        </p:spPr>
-      </p:pic>
-    </p:spTree>
-    <p:extLst>
-      <p:ext uri="{BB962C8B-B14F-4D97-AF65-F5344CB8AC3E}">
-        <p14:creationId xmlns:p14="http://schemas.microsoft.com/office/powerpoint/2010/main" val="3698000944"/>
-      </p:ext>
-    </p:extLst>
-  </p:cSld>
-  <p:clrMapOvr>
-    <a:masterClrMapping/>
-  </p:clrMapOvr>
-</p:sld>
-</file>
-
-<file path=ppt/slides/slide11.xml><?xml version="1.0" encoding="utf-8"?>
-<p:sld xmlns:a="http://schemas.openxmlformats.org/drawingml/2006/main" xmlns:r="http://schemas.openxmlformats.org/officeDocument/2006/relationships" xmlns:p="http://schemas.openxmlformats.org/presentationml/2006/main">
-  <p:cSld>
-    <p:spTree>
-      <p:nvGrpSpPr>
-        <p:cNvPr id="1" name=""/>
-        <p:cNvGrpSpPr/>
-        <p:nvPr/>
-      </p:nvGrpSpPr>
-      <p:grpSpPr>
-        <a:xfrm>
-          <a:off x="0" y="0"/>
-          <a:ext cx="0" cy="0"/>
-          <a:chOff x="0" y="0"/>
-          <a:chExt cx="0" cy="0"/>
-        </a:xfrm>
-      </p:grpSpPr>
-      <p:sp>
-        <p:nvSpPr>
-          <p:cNvPr id="2" name="Titel 1">
-            <a:extLst>
-              <a:ext uri="{FF2B5EF4-FFF2-40B4-BE49-F238E27FC236}">
-                <a16:creationId xmlns:a16="http://schemas.microsoft.com/office/drawing/2014/main" id="{FBBE7205-2FDE-4F86-B371-5476BFD082F0}"/>
-              </a:ext>
-            </a:extLst>
-          </p:cNvPr>
-          <p:cNvSpPr>
-            <a:spLocks noGrp="1"/>
-          </p:cNvSpPr>
-          <p:nvPr>
-            <p:ph type="title"/>
-          </p:nvPr>
-        </p:nvSpPr>
-        <p:spPr/>
-        <p:txBody>
-          <a:bodyPr/>
-          <a:lstStyle/>
-          <a:p>
-            <a:endParaRPr lang="de-DE"/>
-          </a:p>
-        </p:txBody>
-      </p:sp>
-      <p:sp>
-        <p:nvSpPr>
-          <p:cNvPr id="3" name="Textplatzhalter 2">
-            <a:extLst>
-              <a:ext uri="{FF2B5EF4-FFF2-40B4-BE49-F238E27FC236}">
-                <a16:creationId xmlns:a16="http://schemas.microsoft.com/office/drawing/2014/main" id="{8830C36F-B053-4F61-9060-7E5023852281}"/>
-              </a:ext>
-            </a:extLst>
-          </p:cNvPr>
-          <p:cNvSpPr>
-            <a:spLocks noGrp="1"/>
-          </p:cNvSpPr>
-          <p:nvPr>
-            <p:ph type="body" sz="quarter" idx="10"/>
-          </p:nvPr>
-        </p:nvSpPr>
-        <p:spPr/>
-        <p:txBody>
-          <a:bodyPr/>
-          <a:lstStyle/>
-          <a:p>
-            <a:endParaRPr lang="de-DE"/>
-          </a:p>
-        </p:txBody>
-      </p:sp>
-    </p:spTree>
-    <p:extLst>
-      <p:ext uri="{BB962C8B-B14F-4D97-AF65-F5344CB8AC3E}">
-        <p14:creationId xmlns:p14="http://schemas.microsoft.com/office/powerpoint/2010/main" val="1863643312"/>
-      </p:ext>
-    </p:extLst>
-  </p:cSld>
-  <p:clrMapOvr>
-    <a:masterClrMapping/>
-  </p:clrMapOvr>
-</p:sld>
-</file>
-
-<file path=ppt/slides/slide2.xml><?xml version="1.0" encoding="utf-8"?>
-<p:sld xmlns:a="http://schemas.openxmlformats.org/drawingml/2006/main" xmlns:r="http://schemas.openxmlformats.org/officeDocument/2006/relationships" xmlns:p="http://schemas.openxmlformats.org/presentationml/2006/main">
-  <p:cSld>
-    <p:spTree>
-      <p:nvGrpSpPr>
-        <p:cNvPr id="1" name=""/>
-        <p:cNvGrpSpPr/>
-        <p:nvPr/>
-      </p:nvGrpSpPr>
-      <p:grpSpPr>
-        <a:xfrm>
-          <a:off x="0" y="0"/>
-          <a:ext cx="0" cy="0"/>
-          <a:chOff x="0" y="0"/>
-          <a:chExt cx="0" cy="0"/>
-        </a:xfrm>
-      </p:grpSpPr>
-      <p:sp>
-        <p:nvSpPr>
-          <p:cNvPr id="2" name="Titel 1">
-            <a:extLst>
-              <a:ext uri="{FF2B5EF4-FFF2-40B4-BE49-F238E27FC236}">
-                <a16:creationId xmlns:a16="http://schemas.microsoft.com/office/drawing/2014/main" id="{63EB5104-6D4F-4BD8-85CD-EB3E8036CBE8}"/>
-              </a:ext>
-            </a:extLst>
-          </p:cNvPr>
-          <p:cNvSpPr>
-            <a:spLocks noGrp="1"/>
-          </p:cNvSpPr>
-          <p:nvPr>
-            <p:ph type="title"/>
-          </p:nvPr>
-        </p:nvSpPr>
-        <p:spPr/>
-        <p:txBody>
-          <a:bodyPr/>
-          <a:lstStyle/>
-          <a:p>
-            <a:r>
-              <a:rPr lang="de-DE" dirty="0"/>
-              <a:t>Bmp280</a:t>
-            </a:r>
-          </a:p>
-        </p:txBody>
-      </p:sp>
-      <p:sp>
-        <p:nvSpPr>
-          <p:cNvPr id="3" name="Textplatzhalter 2">
-            <a:extLst>
-              <a:ext uri="{FF2B5EF4-FFF2-40B4-BE49-F238E27FC236}">
-                <a16:creationId xmlns:a16="http://schemas.microsoft.com/office/drawing/2014/main" id="{87AA78AF-1855-4EDA-A82A-99CA6571C224}"/>
-              </a:ext>
-            </a:extLst>
-          </p:cNvPr>
-          <p:cNvSpPr>
-            <a:spLocks noGrp="1"/>
-          </p:cNvSpPr>
-          <p:nvPr>
-            <p:ph type="body" sz="quarter" idx="10"/>
-          </p:nvPr>
-        </p:nvSpPr>
-        <p:spPr/>
-        <p:txBody>
-          <a:bodyPr/>
-          <a:lstStyle/>
-          <a:p>
-            <a:r>
-              <a:rPr lang="de-DE" sz="2000" dirty="0">
-                <a:hlinkClick r:id="rId2"/>
-              </a:rPr>
-              <a:t>http://192.168.0.74/getconfig</a:t>
-            </a:r>
-            <a:endParaRPr lang="de-DE" sz="2000" dirty="0"/>
-          </a:p>
-          <a:p>
-            <a:endParaRPr lang="de-DE" sz="2000" dirty="0"/>
-          </a:p>
-          <a:p>
-            <a:r>
-              <a:rPr lang="de-DE" sz="2000" dirty="0">
-                <a:hlinkClick r:id="rId3"/>
-              </a:rPr>
-              <a:t>http://192.168.0.74/getsensor?pressure</a:t>
-            </a:r>
-            <a:endParaRPr lang="de-DE" sz="2000" dirty="0"/>
-          </a:p>
-          <a:p>
-            <a:r>
-              <a:rPr lang="de-DE" sz="2000" dirty="0">
-                <a:hlinkClick r:id="rId4"/>
-              </a:rPr>
-              <a:t>http://192.168.0.74/getsensor?temperature</a:t>
-            </a:r>
-            <a:endParaRPr lang="de-DE" sz="2000" dirty="0"/>
-          </a:p>
-          <a:p>
-            <a:r>
-              <a:rPr lang="de-DE" sz="2000" dirty="0">
-                <a:hlinkClick r:id="rId5"/>
-              </a:rPr>
-              <a:t>http://192.168.0.74/getsensor?humidity</a:t>
-            </a:r>
-            <a:endParaRPr lang="de-DE" sz="2000" dirty="0"/>
-          </a:p>
-          <a:p>
-            <a:endParaRPr lang="de-DE" sz="2000" dirty="0"/>
-          </a:p>
-          <a:p>
-            <a:r>
-              <a:rPr lang="de-DE" sz="2000" dirty="0">
-                <a:hlinkClick r:id="rId6"/>
-              </a:rPr>
-              <a:t>http://192.168.0.74/getconfigvalue?mqttbroker</a:t>
-            </a:r>
-            <a:r>
-              <a:rPr lang="de-DE" sz="2000" dirty="0"/>
-              <a:t> </a:t>
-            </a:r>
-          </a:p>
-          <a:p>
-            <a:r>
-              <a:rPr lang="de-DE" sz="2000" dirty="0">
-                <a:hlinkClick r:id="rId7"/>
-              </a:rPr>
-              <a:t>http://192.168.0.74/getconfigvalue?mqttport</a:t>
-            </a:r>
-            <a:r>
-              <a:rPr lang="de-DE" sz="2000" dirty="0"/>
-              <a:t> </a:t>
-            </a:r>
-          </a:p>
-          <a:p>
-            <a:r>
-              <a:rPr lang="de-DE" sz="2000" dirty="0">
-                <a:hlinkClick r:id="rId8"/>
-              </a:rPr>
-              <a:t>http://192.168.0.74/getconfigvalue?mqttuser</a:t>
-            </a:r>
-            <a:r>
-              <a:rPr lang="de-DE" sz="2000" dirty="0"/>
-              <a:t> </a:t>
-            </a:r>
-          </a:p>
-          <a:p>
-            <a:r>
-              <a:rPr lang="de-DE" sz="2000" dirty="0">
-                <a:hlinkClick r:id="rId9"/>
-              </a:rPr>
-              <a:t>http://192.168.0.74/getconfigvalue?mqttpassword</a:t>
-            </a:r>
-            <a:r>
-              <a:rPr lang="de-DE" sz="2000" dirty="0"/>
-              <a:t> </a:t>
-            </a:r>
-          </a:p>
-          <a:p>
-            <a:r>
-              <a:rPr lang="de-DE" sz="2000" dirty="0">
-                <a:hlinkClick r:id="rId10"/>
-              </a:rPr>
-              <a:t>http://192.168.0.74/getconfigvalue?ssid</a:t>
-            </a:r>
-            <a:r>
-              <a:rPr lang="de-DE" sz="2000" dirty="0"/>
-              <a:t>  </a:t>
-            </a:r>
-          </a:p>
-          <a:p>
-            <a:r>
-              <a:rPr lang="de-DE" sz="2000" dirty="0">
-                <a:hlinkClick r:id="rId11"/>
-              </a:rPr>
-              <a:t>http</a:t>
-            </a:r>
-            <a:r>
-              <a:rPr lang="de-DE" sz="2000">
-                <a:hlinkClick r:id="rId11"/>
-              </a:rPr>
-              <a:t>://192.168.0.74/</a:t>
-            </a:r>
-            <a:r>
-              <a:rPr lang="de-DE" sz="2000" dirty="0">
-                <a:hlinkClick r:id="rId11"/>
-              </a:rPr>
-              <a:t>getconfigvalue?password</a:t>
-            </a:r>
-            <a:r>
-              <a:rPr lang="de-DE" sz="2000" dirty="0"/>
-              <a:t> </a:t>
-            </a:r>
-          </a:p>
-          <a:p>
-            <a:endParaRPr lang="de-DE" sz="2000" dirty="0"/>
-          </a:p>
-          <a:p>
-            <a:endParaRPr lang="de-DE" sz="2000" dirty="0"/>
-          </a:p>
-          <a:p>
-            <a:endParaRPr lang="de-DE" sz="2000" dirty="0"/>
-          </a:p>
-          <a:p>
-            <a:endParaRPr lang="de-DE" sz="2000" dirty="0"/>
-          </a:p>
-          <a:p>
-            <a:endParaRPr lang="de-DE" sz="2000" dirty="0"/>
-          </a:p>
-          <a:p>
-            <a:pPr marL="0" indent="0">
-              <a:buNone/>
-            </a:pPr>
-            <a:endParaRPr lang="de-DE" sz="2000" dirty="0"/>
-          </a:p>
-          <a:p>
-            <a:endParaRPr lang="de-DE" sz="2000" dirty="0"/>
-          </a:p>
-          <a:p>
-            <a:endParaRPr lang="de-DE" sz="2000" dirty="0"/>
-          </a:p>
-        </p:txBody>
-      </p:sp>
-    </p:spTree>
-    <p:extLst>
-      <p:ext uri="{BB962C8B-B14F-4D97-AF65-F5344CB8AC3E}">
-        <p14:creationId xmlns:p14="http://schemas.microsoft.com/office/powerpoint/2010/main" val="4163853595"/>
-      </p:ext>
-    </p:extLst>
-  </p:cSld>
-  <p:clrMapOvr>
-    <a:masterClrMapping/>
-  </p:clrMapOvr>
-</p:sld>
-</file>
-
-<file path=ppt/slides/slide3.xml><?xml version="1.0" encoding="utf-8"?>
-<p:sld xmlns:a="http://schemas.openxmlformats.org/drawingml/2006/main" xmlns:r="http://schemas.openxmlformats.org/officeDocument/2006/relationships" xmlns:p="http://schemas.openxmlformats.org/presentationml/2006/main">
-  <p:cSld>
-    <p:spTree>
-      <p:nvGrpSpPr>
-        <p:cNvPr id="1" name=""/>
-        <p:cNvGrpSpPr/>
-        <p:nvPr/>
-      </p:nvGrpSpPr>
-      <p:grpSpPr>
-        <a:xfrm>
-          <a:off x="0" y="0"/>
-          <a:ext cx="0" cy="0"/>
-          <a:chOff x="0" y="0"/>
-          <a:chExt cx="0" cy="0"/>
-        </a:xfrm>
-      </p:grpSpPr>
-      <p:sp>
-        <p:nvSpPr>
-          <p:cNvPr id="2" name="Titel 1">
-            <a:extLst>
-              <a:ext uri="{FF2B5EF4-FFF2-40B4-BE49-F238E27FC236}">
-                <a16:creationId xmlns:a16="http://schemas.microsoft.com/office/drawing/2014/main" id="{63EB5104-6D4F-4BD8-85CD-EB3E8036CBE8}"/>
-              </a:ext>
-            </a:extLst>
-          </p:cNvPr>
-          <p:cNvSpPr>
-            <a:spLocks noGrp="1"/>
-          </p:cNvSpPr>
-          <p:nvPr>
-            <p:ph type="title"/>
-          </p:nvPr>
-        </p:nvSpPr>
-        <p:spPr/>
-        <p:txBody>
-          <a:bodyPr/>
-          <a:lstStyle/>
-          <a:p>
-            <a:r>
-              <a:rPr lang="de-DE" dirty="0"/>
-              <a:t>RgbLed_Dht22_Pir_Mhz</a:t>
-            </a:r>
-          </a:p>
-        </p:txBody>
-      </p:sp>
-      <p:sp>
-        <p:nvSpPr>
-          <p:cNvPr id="3" name="Textplatzhalter 2">
-            <a:extLst>
-              <a:ext uri="{FF2B5EF4-FFF2-40B4-BE49-F238E27FC236}">
-                <a16:creationId xmlns:a16="http://schemas.microsoft.com/office/drawing/2014/main" id="{87AA78AF-1855-4EDA-A82A-99CA6571C224}"/>
-              </a:ext>
-            </a:extLst>
-          </p:cNvPr>
-          <p:cNvSpPr>
-            <a:spLocks noGrp="1"/>
-          </p:cNvSpPr>
-          <p:nvPr>
-            <p:ph type="body" sz="quarter" idx="10"/>
-          </p:nvPr>
-        </p:nvSpPr>
-        <p:spPr/>
-        <p:txBody>
-          <a:bodyPr/>
-          <a:lstStyle/>
-          <a:p>
-            <a:r>
-              <a:rPr lang="de-DE" sz="1600" dirty="0">
-                <a:hlinkClick r:id="rId2"/>
-              </a:rPr>
-              <a:t>http://192.168.0.84/getconfig</a:t>
-            </a:r>
-            <a:endParaRPr lang="de-DE" sz="1600" dirty="0"/>
-          </a:p>
-          <a:p>
-            <a:endParaRPr lang="de-DE" sz="1600" dirty="0"/>
-          </a:p>
-          <a:p>
-            <a:r>
-              <a:rPr lang="de-DE" sz="1600" dirty="0">
-                <a:hlinkClick r:id="rId3"/>
-              </a:rPr>
-              <a:t>http://192.168.0.84/setconfig?mqttbroker=ssdpi&amp;mqttport=8883</a:t>
-            </a:r>
-            <a:endParaRPr lang="de-DE" sz="1600" dirty="0"/>
-          </a:p>
-          <a:p>
-            <a:r>
-              <a:rPr lang="de-DE" sz="1600" dirty="0">
-                <a:hlinkClick r:id="rId4"/>
-              </a:rPr>
-              <a:t>http://192.168.0.84/setconfig?mqttuser=openhabian&amp;mqttpassword=piKla87Sie57</a:t>
-            </a:r>
-            <a:r>
-              <a:rPr lang="de-DE" sz="1600" dirty="0"/>
-              <a:t> </a:t>
-            </a:r>
-          </a:p>
-          <a:p>
-            <a:r>
-              <a:rPr lang="de-DE" sz="1600" dirty="0">
-                <a:hlinkClick r:id="rId5"/>
-              </a:rPr>
-              <a:t>http://192.168.0.84/setconfig?loggerip=192.168.0.10</a:t>
-            </a:r>
-            <a:r>
-              <a:rPr lang="de-DE" sz="1600" dirty="0"/>
-              <a:t>   </a:t>
-            </a:r>
-          </a:p>
-          <a:p>
-            <a:r>
-              <a:rPr lang="de-DE" sz="1600" dirty="0">
-                <a:hlinkClick r:id="rId6"/>
-              </a:rPr>
-              <a:t>http://192.168.0.84/setconfig?thingname=esplivingroom</a:t>
-            </a:r>
-            <a:r>
-              <a:rPr lang="de-DE" sz="1600" dirty="0"/>
-              <a:t> </a:t>
-            </a:r>
-          </a:p>
-          <a:p>
-            <a:endParaRPr lang="de-DE" sz="1600" dirty="0"/>
-          </a:p>
-          <a:p>
-            <a:endParaRPr lang="de-DE" sz="1600" dirty="0"/>
-          </a:p>
-          <a:p>
-            <a:r>
-              <a:rPr lang="de-DE" sz="1600" dirty="0">
-                <a:hlinkClick r:id="rId7"/>
-              </a:rPr>
-              <a:t>http://192.168.0.84/setactor?rgbled=010</a:t>
-            </a:r>
-            <a:endParaRPr lang="de-DE" sz="1600" dirty="0"/>
-          </a:p>
-          <a:p>
-            <a:r>
-              <a:rPr lang="de-DE" sz="1600" dirty="0">
-                <a:hlinkClick r:id="rId8"/>
-              </a:rPr>
-              <a:t>http://192.168.0.84/getsensor?co2</a:t>
-            </a:r>
-            <a:endParaRPr lang="de-DE" sz="1600" dirty="0"/>
-          </a:p>
-          <a:p>
-            <a:r>
-              <a:rPr lang="de-DE" sz="1600" dirty="0">
-                <a:hlinkClick r:id="rId9"/>
-              </a:rPr>
-              <a:t>http://192.168.0.84/getsensor?temperature</a:t>
-            </a:r>
-            <a:endParaRPr lang="de-DE" sz="1600" dirty="0"/>
-          </a:p>
-          <a:p>
-            <a:r>
-              <a:rPr lang="de-DE" sz="1600" dirty="0">
-                <a:hlinkClick r:id="rId10"/>
-              </a:rPr>
-              <a:t>http://192.168.0.84/getsensor?humidity</a:t>
-            </a:r>
-            <a:endParaRPr lang="de-DE" sz="1600" dirty="0"/>
-          </a:p>
-          <a:p>
-            <a:r>
-              <a:rPr lang="de-DE" sz="1600" dirty="0">
-                <a:hlinkClick r:id="rId11"/>
-              </a:rPr>
-              <a:t>http://192.168.0.84/getsensor?pir</a:t>
-            </a:r>
-            <a:endParaRPr lang="de-DE" sz="1600" dirty="0"/>
-          </a:p>
-          <a:p>
-            <a:endParaRPr lang="de-DE" sz="1600" dirty="0"/>
-          </a:p>
-          <a:p>
-            <a:endParaRPr lang="de-DE" sz="1600" dirty="0"/>
-          </a:p>
-          <a:p>
-            <a:endParaRPr lang="de-DE" sz="1600" dirty="0"/>
-          </a:p>
-          <a:p>
-            <a:endParaRPr lang="de-DE" sz="1600" dirty="0"/>
-          </a:p>
-          <a:p>
-            <a:pPr marL="0" indent="0">
-              <a:buNone/>
-            </a:pPr>
-            <a:endParaRPr lang="de-DE" sz="1600" dirty="0"/>
-          </a:p>
-          <a:p>
-            <a:endParaRPr lang="de-DE" sz="1600" dirty="0"/>
-          </a:p>
-          <a:p>
-            <a:endParaRPr lang="de-DE" sz="1600" dirty="0"/>
-          </a:p>
-        </p:txBody>
-      </p:sp>
-    </p:spTree>
-    <p:extLst>
-      <p:ext uri="{BB962C8B-B14F-4D97-AF65-F5344CB8AC3E}">
-        <p14:creationId xmlns:p14="http://schemas.microsoft.com/office/powerpoint/2010/main" val="2364123978"/>
-      </p:ext>
-    </p:extLst>
-  </p:cSld>
-  <p:clrMapOvr>
-    <a:masterClrMapping/>
-  </p:clrMapOvr>
-</p:sld>
-</file>
-
-<file path=ppt/slides/slide4.xml><?xml version="1.0" encoding="utf-8"?>
-<p:sld xmlns:a="http://schemas.openxmlformats.org/drawingml/2006/main" xmlns:r="http://schemas.openxmlformats.org/officeDocument/2006/relationships" xmlns:p="http://schemas.openxmlformats.org/presentationml/2006/main">
-  <p:cSld>
-    <p:spTree>
-      <p:nvGrpSpPr>
-        <p:cNvPr id="1" name=""/>
-        <p:cNvGrpSpPr/>
-        <p:nvPr/>
-      </p:nvGrpSpPr>
-      <p:grpSpPr>
-        <a:xfrm>
-          <a:off x="0" y="0"/>
-          <a:ext cx="0" cy="0"/>
-          <a:chOff x="0" y="0"/>
-          <a:chExt cx="0" cy="0"/>
-        </a:xfrm>
-      </p:grpSpPr>
-      <p:sp>
-        <p:nvSpPr>
-          <p:cNvPr id="2" name="Titel 1">
-            <a:extLst>
-              <a:ext uri="{FF2B5EF4-FFF2-40B4-BE49-F238E27FC236}">
-                <a16:creationId xmlns:a16="http://schemas.microsoft.com/office/drawing/2014/main" id="{17296256-048F-4D15-9FF7-37241709E82B}"/>
-              </a:ext>
-            </a:extLst>
-          </p:cNvPr>
-          <p:cNvSpPr>
-            <a:spLocks noGrp="1"/>
-          </p:cNvSpPr>
-          <p:nvPr>
-            <p:ph type="title"/>
-          </p:nvPr>
-        </p:nvSpPr>
-        <p:spPr/>
-        <p:txBody>
-          <a:bodyPr/>
-          <a:lstStyle/>
-          <a:p>
-            <a:r>
-              <a:rPr lang="de-DE" dirty="0" err="1"/>
-              <a:t>Gardenhouse</a:t>
-            </a:r>
-            <a:endParaRPr lang="de-DE" dirty="0"/>
-          </a:p>
-        </p:txBody>
-      </p:sp>
-      <p:sp>
-        <p:nvSpPr>
-          <p:cNvPr id="3" name="Textplatzhalter 2">
-            <a:extLst>
-              <a:ext uri="{FF2B5EF4-FFF2-40B4-BE49-F238E27FC236}">
-                <a16:creationId xmlns:a16="http://schemas.microsoft.com/office/drawing/2014/main" id="{AE9CEDFF-D8DF-414B-82EC-65DA6495BFAA}"/>
-              </a:ext>
-            </a:extLst>
-          </p:cNvPr>
-          <p:cNvSpPr>
-            <a:spLocks noGrp="1"/>
-          </p:cNvSpPr>
-          <p:nvPr>
-            <p:ph type="body" sz="quarter" idx="10"/>
-          </p:nvPr>
-        </p:nvSpPr>
-        <p:spPr/>
-        <p:txBody>
-          <a:bodyPr/>
-          <a:lstStyle/>
-          <a:p>
-            <a:r>
-              <a:rPr lang="de-DE" sz="1400" dirty="0">
-                <a:hlinkClick r:id="rId2"/>
-              </a:rPr>
-              <a:t>http://192.168.0.50/getconfig</a:t>
-            </a:r>
-            <a:endParaRPr lang="de-DE" sz="1400" dirty="0"/>
-          </a:p>
-          <a:p>
-            <a:endParaRPr lang="de-DE" sz="1400" dirty="0"/>
-          </a:p>
-          <a:p>
-            <a:r>
-              <a:rPr lang="de-DE" sz="1400" dirty="0">
-                <a:hlinkClick r:id="rId3"/>
-              </a:rPr>
-              <a:t>http://192.168.0.50/setconfig?mqttbroker=ssdpi&amp;mqttport=8883</a:t>
-            </a:r>
-            <a:endParaRPr lang="de-DE" sz="1400" dirty="0"/>
-          </a:p>
-          <a:p>
-            <a:r>
-              <a:rPr lang="de-DE" sz="1400" dirty="0">
-                <a:hlinkClick r:id="rId4"/>
-              </a:rPr>
-              <a:t>http://192.168.0.50/setconfig?mqttuser=openhabian&amp;mqttpassword=piKla87Sie57</a:t>
-            </a:r>
-            <a:r>
-              <a:rPr lang="de-DE" sz="1400" dirty="0"/>
-              <a:t> </a:t>
-            </a:r>
-          </a:p>
-          <a:p>
-            <a:r>
-              <a:rPr lang="de-DE" sz="1400" dirty="0">
-                <a:hlinkClick r:id="rId5"/>
-              </a:rPr>
-              <a:t>http://192.168.0.50/setconfig?loggerip=192.168.0.10</a:t>
-            </a:r>
-            <a:r>
-              <a:rPr lang="de-DE" sz="1400" dirty="0"/>
-              <a:t>   </a:t>
-            </a:r>
-          </a:p>
-          <a:p>
-            <a:r>
-              <a:rPr lang="de-DE" sz="1400" dirty="0">
-                <a:hlinkClick r:id="rId6"/>
-              </a:rPr>
-              <a:t>http://192.168.0.50/setconfig?thingname=gardenhouse</a:t>
-            </a:r>
-            <a:endParaRPr lang="de-DE" sz="1400" dirty="0"/>
-          </a:p>
-          <a:p>
-            <a:endParaRPr lang="de-DE" sz="1400" dirty="0"/>
-          </a:p>
-          <a:p>
-            <a:r>
-              <a:rPr lang="de-DE" sz="1400" dirty="0">
-                <a:hlinkClick r:id="rId7"/>
-              </a:rPr>
-              <a:t>http://192.168.0.50/getconfig?loggerip</a:t>
-            </a:r>
-            <a:r>
-              <a:rPr lang="de-DE" sz="1400" dirty="0"/>
-              <a:t> </a:t>
-            </a:r>
-          </a:p>
-          <a:p>
-            <a:endParaRPr lang="de-DE" sz="1400" dirty="0"/>
-          </a:p>
-          <a:p>
-            <a:r>
-              <a:rPr lang="de-DE" sz="1400" dirty="0">
-                <a:hlinkClick r:id="rId8"/>
-              </a:rPr>
-              <a:t>http://192.168.0.50/setactor?powerpump=1</a:t>
-            </a:r>
-            <a:r>
-              <a:rPr lang="de-DE" sz="1400" dirty="0"/>
-              <a:t> </a:t>
-            </a:r>
-          </a:p>
-          <a:p>
-            <a:r>
-              <a:rPr lang="de-DE" sz="1400" dirty="0">
-                <a:hlinkClick r:id="rId9"/>
-              </a:rPr>
-              <a:t>http://192.168.0.50/setactor?powermiddle=1</a:t>
-            </a:r>
-            <a:r>
-              <a:rPr lang="de-DE" sz="1400" dirty="0"/>
-              <a:t> </a:t>
-            </a:r>
-          </a:p>
-          <a:p>
-            <a:r>
-              <a:rPr lang="de-DE" sz="1400" dirty="0">
-                <a:hlinkClick r:id="rId10"/>
-              </a:rPr>
-              <a:t>http://192.168.0.50/setactor?powerright=1</a:t>
-            </a:r>
-            <a:r>
-              <a:rPr lang="de-DE" sz="1400" dirty="0"/>
-              <a:t> </a:t>
-            </a:r>
-          </a:p>
-          <a:p>
-            <a:endParaRPr lang="de-DE" sz="1400" dirty="0"/>
-          </a:p>
-          <a:p>
-            <a:r>
-              <a:rPr lang="de-DE" sz="1400" dirty="0">
-                <a:hlinkClick r:id="rId11"/>
-              </a:rPr>
-              <a:t>http://192.168.0.50/getactor?powerpump</a:t>
-            </a:r>
-            <a:r>
-              <a:rPr lang="de-DE" sz="1400" dirty="0"/>
-              <a:t>  </a:t>
-            </a:r>
-          </a:p>
-          <a:p>
-            <a:r>
-              <a:rPr lang="de-DE" sz="1400" dirty="0">
-                <a:hlinkClick r:id="rId9"/>
-              </a:rPr>
-              <a:t>http://192.168.0.50/getactor?powermiddle</a:t>
-            </a:r>
-            <a:r>
-              <a:rPr lang="de-DE" sz="1400" dirty="0"/>
-              <a:t> </a:t>
-            </a:r>
-          </a:p>
-          <a:p>
-            <a:r>
-              <a:rPr lang="de-DE" sz="1400" dirty="0">
-                <a:hlinkClick r:id="rId10"/>
-              </a:rPr>
-              <a:t>http://192.168.0.50/getactor?powerright</a:t>
-            </a:r>
-            <a:r>
-              <a:rPr lang="de-DE" sz="1400" dirty="0"/>
-              <a:t> </a:t>
-            </a:r>
-          </a:p>
-          <a:p>
-            <a:endParaRPr lang="de-DE" sz="1400" dirty="0"/>
-          </a:p>
-          <a:p>
-            <a:r>
-              <a:rPr lang="de-DE" sz="1400" dirty="0">
-                <a:hlinkClick r:id="rId12"/>
-              </a:rPr>
-              <a:t>http://192.168.0.50/getsensor?waterlevel</a:t>
-            </a:r>
-            <a:r>
-              <a:rPr lang="de-DE" sz="1400" dirty="0"/>
-              <a:t> </a:t>
-            </a:r>
-          </a:p>
-          <a:p>
-            <a:endParaRPr lang="de-DE" sz="1600" dirty="0"/>
-          </a:p>
-        </p:txBody>
-      </p:sp>
-    </p:spTree>
-    <p:extLst>
-      <p:ext uri="{BB962C8B-B14F-4D97-AF65-F5344CB8AC3E}">
-        <p14:creationId xmlns:p14="http://schemas.microsoft.com/office/powerpoint/2010/main" val="64974923"/>
-      </p:ext>
-    </p:extLst>
-  </p:cSld>
-  <p:clrMapOvr>
-    <a:masterClrMapping/>
-  </p:clrMapOvr>
-</p:sld>
-</file>
-
-<file path=ppt/slides/slide5.xml><?xml version="1.0" encoding="utf-8"?>
-<p:sld xmlns:a="http://schemas.openxmlformats.org/drawingml/2006/main" xmlns:r="http://schemas.openxmlformats.org/officeDocument/2006/relationships" xmlns:p="http://schemas.openxmlformats.org/presentationml/2006/main">
-  <p:cSld>
-    <p:spTree>
-      <p:nvGrpSpPr>
-        <p:cNvPr id="1" name=""/>
-        <p:cNvGrpSpPr/>
-        <p:nvPr/>
-      </p:nvGrpSpPr>
-      <p:grpSpPr>
-        <a:xfrm>
-          <a:off x="0" y="0"/>
-          <a:ext cx="0" cy="0"/>
-          <a:chOff x="0" y="0"/>
-          <a:chExt cx="0" cy="0"/>
-        </a:xfrm>
-      </p:grpSpPr>
-      <p:sp>
-        <p:nvSpPr>
-          <p:cNvPr id="2" name="Titel 1">
-            <a:extLst>
-              <a:ext uri="{FF2B5EF4-FFF2-40B4-BE49-F238E27FC236}">
-                <a16:creationId xmlns:a16="http://schemas.microsoft.com/office/drawing/2014/main" id="{17296256-048F-4D15-9FF7-37241709E82B}"/>
-              </a:ext>
-            </a:extLst>
-          </p:cNvPr>
-          <p:cNvSpPr>
-            <a:spLocks noGrp="1"/>
-          </p:cNvSpPr>
-          <p:nvPr>
-            <p:ph type="title"/>
-          </p:nvPr>
-        </p:nvSpPr>
-        <p:spPr/>
-        <p:txBody>
-          <a:bodyPr/>
-          <a:lstStyle/>
-          <a:p>
-            <a:r>
-              <a:rPr lang="de-DE" dirty="0" err="1"/>
-              <a:t>Cistern</a:t>
-            </a:r>
-            <a:endParaRPr lang="de-DE" dirty="0"/>
-          </a:p>
-        </p:txBody>
-      </p:sp>
-      <p:sp>
-        <p:nvSpPr>
-          <p:cNvPr id="3" name="Textplatzhalter 2">
-            <a:extLst>
-              <a:ext uri="{FF2B5EF4-FFF2-40B4-BE49-F238E27FC236}">
-                <a16:creationId xmlns:a16="http://schemas.microsoft.com/office/drawing/2014/main" id="{AE9CEDFF-D8DF-414B-82EC-65DA6495BFAA}"/>
-              </a:ext>
-            </a:extLst>
-          </p:cNvPr>
-          <p:cNvSpPr>
-            <a:spLocks noGrp="1"/>
-          </p:cNvSpPr>
-          <p:nvPr>
-            <p:ph type="body" sz="quarter" idx="10"/>
-          </p:nvPr>
-        </p:nvSpPr>
-        <p:spPr/>
-        <p:txBody>
-          <a:bodyPr/>
-          <a:lstStyle/>
-          <a:p>
-            <a:r>
-              <a:rPr lang="de-DE" sz="1400" dirty="0">
-                <a:hlinkClick r:id="rId2"/>
-              </a:rPr>
-              <a:t>http://192.168.0.45/getconfig</a:t>
-            </a:r>
-            <a:endParaRPr lang="de-DE" sz="1400" dirty="0"/>
-          </a:p>
-          <a:p>
-            <a:endParaRPr lang="de-DE" sz="1400" dirty="0"/>
-          </a:p>
-          <a:p>
-            <a:r>
-              <a:rPr lang="de-DE" sz="1400" dirty="0">
-                <a:hlinkClick r:id="rId3"/>
-              </a:rPr>
-              <a:t>http://192.168.0.45/setconfig?mqttbroker=ssdpi&amp;mqttport=8883</a:t>
-            </a:r>
-            <a:endParaRPr lang="de-DE" sz="1400" dirty="0"/>
-          </a:p>
-          <a:p>
-            <a:r>
-              <a:rPr lang="de-DE" sz="1400" dirty="0">
-                <a:hlinkClick r:id="rId4"/>
-              </a:rPr>
-              <a:t>http://192.168.0.45/setconfig?mqttuser=openhabian&amp;mqttpassword=piKla87Sie57</a:t>
-            </a:r>
-            <a:r>
-              <a:rPr lang="de-DE" sz="1400" dirty="0"/>
-              <a:t> </a:t>
-            </a:r>
-          </a:p>
-          <a:p>
-            <a:r>
-              <a:rPr lang="de-DE" sz="1400" dirty="0">
-                <a:hlinkClick r:id="rId5"/>
-              </a:rPr>
-              <a:t>http://192.168.0.45/setconfig?loggerip=192.168.0.10</a:t>
-            </a:r>
-            <a:r>
-              <a:rPr lang="de-DE" sz="1400" dirty="0"/>
-              <a:t>  </a:t>
-            </a:r>
-          </a:p>
-          <a:p>
-            <a:r>
-              <a:rPr lang="de-DE" sz="1400" dirty="0">
-                <a:hlinkClick r:id="rId6"/>
-              </a:rPr>
-              <a:t>http://192.168.0.45/setconfig?thingname=cistern</a:t>
-            </a:r>
-            <a:r>
-              <a:rPr lang="de-DE" sz="1400" dirty="0"/>
-              <a:t> </a:t>
-            </a:r>
-          </a:p>
-          <a:p>
-            <a:endParaRPr lang="de-DE" sz="1400" dirty="0"/>
-          </a:p>
-          <a:p>
-            <a:r>
-              <a:rPr lang="de-DE" sz="1400" dirty="0">
-                <a:hlinkClick r:id="rId7"/>
-              </a:rPr>
-              <a:t>http://192.168.0.50/getconfig?loggerip</a:t>
-            </a:r>
-            <a:r>
-              <a:rPr lang="de-DE" sz="1400" dirty="0"/>
-              <a:t> </a:t>
-            </a:r>
-          </a:p>
-          <a:p>
-            <a:endParaRPr lang="de-DE" sz="1400" dirty="0"/>
-          </a:p>
-          <a:p>
-            <a:r>
-              <a:rPr lang="de-DE" sz="1400" dirty="0">
-                <a:hlinkClick r:id="rId8"/>
-              </a:rPr>
-              <a:t>http://192.168.0.50/setactor?powerpump=1</a:t>
-            </a:r>
-            <a:r>
-              <a:rPr lang="de-DE" sz="1400" dirty="0"/>
-              <a:t> </a:t>
-            </a:r>
-          </a:p>
-          <a:p>
-            <a:r>
-              <a:rPr lang="de-DE" sz="1400" dirty="0">
-                <a:hlinkClick r:id="rId9"/>
-              </a:rPr>
-              <a:t>http://192.168.0.50/setactor?powervalve=1</a:t>
-            </a:r>
-            <a:r>
-              <a:rPr lang="de-DE" sz="1400" dirty="0"/>
-              <a:t> </a:t>
-            </a:r>
-          </a:p>
-          <a:p>
-            <a:endParaRPr lang="de-DE" sz="1400" dirty="0"/>
-          </a:p>
-          <a:p>
-            <a:r>
-              <a:rPr lang="de-DE" sz="1400" dirty="0">
-                <a:hlinkClick r:id="rId10"/>
-              </a:rPr>
-              <a:t>http://192.168.0.50/getactor?powerpump</a:t>
-            </a:r>
-            <a:r>
-              <a:rPr lang="de-DE" sz="1400" dirty="0"/>
-              <a:t>  </a:t>
-            </a:r>
-          </a:p>
-          <a:p>
-            <a:r>
-              <a:rPr lang="de-DE" sz="1400" dirty="0">
-                <a:hlinkClick r:id="rId11"/>
-              </a:rPr>
-              <a:t>http://192.168.0.50/getactor?powervalve</a:t>
-            </a:r>
-            <a:r>
-              <a:rPr lang="de-DE" sz="1400" dirty="0"/>
-              <a:t>  </a:t>
-            </a:r>
-          </a:p>
-          <a:p>
-            <a:endParaRPr lang="de-DE" sz="1400" dirty="0"/>
-          </a:p>
-          <a:p>
-            <a:r>
-              <a:rPr lang="de-DE" sz="1400" dirty="0">
-                <a:hlinkClick r:id="rId12"/>
-              </a:rPr>
-              <a:t>http://192.168.0.50/getsensor?weight</a:t>
-            </a:r>
-            <a:r>
-              <a:rPr lang="de-DE" sz="1400" dirty="0"/>
-              <a:t>  </a:t>
-            </a:r>
-          </a:p>
-          <a:p>
-            <a:r>
-              <a:rPr lang="de-DE" sz="1600">
-                <a:hlinkClick r:id="rId13"/>
-              </a:rPr>
-              <a:t>http://192.168.0.50/getsensor?power</a:t>
-            </a:r>
-            <a:r>
-              <a:rPr lang="de-DE" sz="1600"/>
-              <a:t>   </a:t>
-            </a:r>
-          </a:p>
-          <a:p>
-            <a:endParaRPr lang="de-DE" sz="1600" dirty="0"/>
-          </a:p>
-        </p:txBody>
-      </p:sp>
-    </p:spTree>
-    <p:extLst>
-      <p:ext uri="{BB962C8B-B14F-4D97-AF65-F5344CB8AC3E}">
-        <p14:creationId xmlns:p14="http://schemas.microsoft.com/office/powerpoint/2010/main" val="276220864"/>
-      </p:ext>
-    </p:extLst>
-  </p:cSld>
-  <p:clrMapOvr>
-    <a:masterClrMapping/>
-  </p:clrMapOvr>
-</p:sld>
-</file>
-
-<file path=ppt/slides/slide6.xml><?xml version="1.0" encoding="utf-8"?>
-<p:sld xmlns:a="http://schemas.openxmlformats.org/drawingml/2006/main" xmlns:r="http://schemas.openxmlformats.org/officeDocument/2006/relationships" xmlns:p="http://schemas.openxmlformats.org/presentationml/2006/main">
-  <p:cSld>
-    <p:spTree>
-      <p:nvGrpSpPr>
-        <p:cNvPr id="1" name=""/>
-        <p:cNvGrpSpPr/>
-        <p:nvPr/>
-      </p:nvGrpSpPr>
-      <p:grpSpPr>
-        <a:xfrm>
-          <a:off x="0" y="0"/>
-          <a:ext cx="0" cy="0"/>
-          <a:chOff x="0" y="0"/>
-          <a:chExt cx="0" cy="0"/>
-        </a:xfrm>
-      </p:grpSpPr>
-      <p:sp>
-        <p:nvSpPr>
-          <p:cNvPr id="2" name="Titel 1">
-            <a:extLst>
-              <a:ext uri="{FF2B5EF4-FFF2-40B4-BE49-F238E27FC236}">
-                <a16:creationId xmlns:a16="http://schemas.microsoft.com/office/drawing/2014/main" id="{17296256-048F-4D15-9FF7-37241709E82B}"/>
-              </a:ext>
-            </a:extLst>
-          </p:cNvPr>
-          <p:cNvSpPr>
-            <a:spLocks noGrp="1"/>
-          </p:cNvSpPr>
-          <p:nvPr>
-            <p:ph type="title"/>
-          </p:nvPr>
-        </p:nvSpPr>
-        <p:spPr/>
-        <p:txBody>
-          <a:bodyPr/>
-          <a:lstStyle/>
-          <a:p>
-            <a:r>
-              <a:rPr lang="de-DE" dirty="0" err="1"/>
-              <a:t>SsrDemo</a:t>
-            </a:r>
-            <a:endParaRPr lang="de-DE" dirty="0"/>
-          </a:p>
-        </p:txBody>
-      </p:sp>
-      <p:sp>
-        <p:nvSpPr>
-          <p:cNvPr id="3" name="Textplatzhalter 2">
-            <a:extLst>
-              <a:ext uri="{FF2B5EF4-FFF2-40B4-BE49-F238E27FC236}">
-                <a16:creationId xmlns:a16="http://schemas.microsoft.com/office/drawing/2014/main" id="{AE9CEDFF-D8DF-414B-82EC-65DA6495BFAA}"/>
-              </a:ext>
-            </a:extLst>
-          </p:cNvPr>
-          <p:cNvSpPr>
-            <a:spLocks noGrp="1"/>
-          </p:cNvSpPr>
-          <p:nvPr>
-            <p:ph type="body" sz="quarter" idx="10"/>
-          </p:nvPr>
-        </p:nvSpPr>
-        <p:spPr/>
-        <p:txBody>
-          <a:bodyPr/>
-          <a:lstStyle/>
-          <a:p>
-            <a:r>
-              <a:rPr lang="de-DE" sz="1600" dirty="0">
-                <a:hlinkClick r:id="rId2"/>
-              </a:rPr>
-              <a:t>http://192.168.0.79/getconfig</a:t>
-            </a:r>
-            <a:endParaRPr lang="de-DE" sz="1600" dirty="0"/>
-          </a:p>
-          <a:p>
-            <a:endParaRPr lang="de-DE" sz="1600" dirty="0"/>
-          </a:p>
-          <a:p>
-            <a:r>
-              <a:rPr lang="de-DE" sz="1600" dirty="0">
-                <a:hlinkClick r:id="rId3"/>
-              </a:rPr>
-              <a:t>http://192.168.0.79/setconfig?mqttbroker=ssdpi&amp;mqttport=8883</a:t>
-            </a:r>
-            <a:endParaRPr lang="de-DE" sz="1600" dirty="0"/>
-          </a:p>
-          <a:p>
-            <a:r>
-              <a:rPr lang="de-DE" sz="1600" dirty="0">
-                <a:hlinkClick r:id="rId4"/>
-              </a:rPr>
-              <a:t>http://192.168.0.79/setconfig?mqttuser=openhabian&amp;mqttpassword=piKla87Sie57</a:t>
-            </a:r>
-            <a:r>
-              <a:rPr lang="de-DE" sz="1600" dirty="0"/>
-              <a:t> </a:t>
-            </a:r>
-          </a:p>
-          <a:p>
-            <a:r>
-              <a:rPr lang="de-DE" sz="1600" dirty="0">
-                <a:hlinkClick r:id="rId5"/>
-              </a:rPr>
-              <a:t>http://192.168.0.79/setconfig?ntpserver=192.168.0.2&amp;thingname=ssrdemo</a:t>
-            </a:r>
-            <a:endParaRPr lang="de-DE" sz="1600" dirty="0"/>
-          </a:p>
-          <a:p>
-            <a:endParaRPr lang="de-DE" sz="1600" dirty="0"/>
-          </a:p>
-          <a:p>
-            <a:r>
-              <a:rPr lang="de-DE" sz="1600" dirty="0">
-                <a:hlinkClick r:id="rId6"/>
-              </a:rPr>
-              <a:t>http://192.168.0.79/setactor?switch=1</a:t>
-            </a:r>
-            <a:r>
-              <a:rPr lang="de-DE" sz="1600" dirty="0"/>
-              <a:t> </a:t>
-            </a:r>
-          </a:p>
-          <a:p>
-            <a:r>
-              <a:rPr lang="de-DE" sz="1800" dirty="0">
-                <a:hlinkClick r:id="rId7"/>
-              </a:rPr>
-              <a:t>http://192.168.0.79/getactor?switch</a:t>
-            </a:r>
-            <a:r>
-              <a:rPr lang="de-DE" sz="1800" dirty="0"/>
-              <a:t> </a:t>
-            </a:r>
-          </a:p>
-          <a:p>
-            <a:endParaRPr lang="de-DE" sz="1800" dirty="0"/>
-          </a:p>
-          <a:p>
-            <a:r>
-              <a:rPr lang="de-DE" sz="1800" dirty="0">
-                <a:hlinkClick r:id="rId8"/>
-              </a:rPr>
-              <a:t>http://192.168.0.79/getconfig?thingname</a:t>
-            </a:r>
-            <a:r>
-              <a:rPr lang="de-DE" sz="1800" dirty="0"/>
-              <a:t> </a:t>
-            </a:r>
-          </a:p>
-          <a:p>
-            <a:endParaRPr lang="de-DE" sz="1800" dirty="0"/>
-          </a:p>
-        </p:txBody>
-      </p:sp>
-    </p:spTree>
-    <p:extLst>
-      <p:ext uri="{BB962C8B-B14F-4D97-AF65-F5344CB8AC3E}">
-        <p14:creationId xmlns:p14="http://schemas.microsoft.com/office/powerpoint/2010/main" val="3504643302"/>
-      </p:ext>
-    </p:extLst>
-  </p:cSld>
-  <p:clrMapOvr>
-    <a:masterClrMapping/>
-  </p:clrMapOvr>
-</p:sld>
-</file>
-
-<file path=ppt/slides/slide7.xml><?xml version="1.0" encoding="utf-8"?>
-<p:sld xmlns:a="http://schemas.openxmlformats.org/drawingml/2006/main" xmlns:r="http://schemas.openxmlformats.org/officeDocument/2006/relationships" xmlns:p="http://schemas.openxmlformats.org/presentationml/2006/main">
-  <p:cSld>
-    <p:spTree>
-      <p:nvGrpSpPr>
-        <p:cNvPr id="1" name=""/>
-        <p:cNvGrpSpPr/>
-        <p:nvPr/>
-      </p:nvGrpSpPr>
-      <p:grpSpPr>
-        <a:xfrm>
-          <a:off x="0" y="0"/>
-          <a:ext cx="0" cy="0"/>
-          <a:chOff x="0" y="0"/>
-          <a:chExt cx="0" cy="0"/>
-        </a:xfrm>
-      </p:grpSpPr>
-      <p:sp>
-        <p:nvSpPr>
-          <p:cNvPr id="2" name="Titel 1">
-            <a:extLst>
-              <a:ext uri="{FF2B5EF4-FFF2-40B4-BE49-F238E27FC236}">
-                <a16:creationId xmlns:a16="http://schemas.microsoft.com/office/drawing/2014/main" id="{17296256-048F-4D15-9FF7-37241709E82B}"/>
-              </a:ext>
-            </a:extLst>
-          </p:cNvPr>
-          <p:cNvSpPr>
-            <a:spLocks noGrp="1"/>
-          </p:cNvSpPr>
-          <p:nvPr>
-            <p:ph type="title"/>
-          </p:nvPr>
-        </p:nvSpPr>
-        <p:spPr/>
-        <p:txBody>
-          <a:bodyPr/>
-          <a:lstStyle/>
-          <a:p>
-            <a:r>
-              <a:rPr lang="de-DE" dirty="0" err="1"/>
-              <a:t>Miflora</a:t>
-            </a:r>
-            <a:r>
-              <a:rPr lang="de-DE" dirty="0"/>
-              <a:t> </a:t>
-            </a:r>
-            <a:r>
-              <a:rPr lang="de-DE" dirty="0" err="1"/>
-              <a:t>Hellmonsödt</a:t>
-            </a:r>
-            <a:endParaRPr lang="de-DE" dirty="0"/>
-          </a:p>
-        </p:txBody>
-      </p:sp>
-      <p:sp>
-        <p:nvSpPr>
-          <p:cNvPr id="3" name="Textplatzhalter 2">
-            <a:extLst>
-              <a:ext uri="{FF2B5EF4-FFF2-40B4-BE49-F238E27FC236}">
-                <a16:creationId xmlns:a16="http://schemas.microsoft.com/office/drawing/2014/main" id="{AE9CEDFF-D8DF-414B-82EC-65DA6495BFAA}"/>
-              </a:ext>
-            </a:extLst>
-          </p:cNvPr>
-          <p:cNvSpPr>
-            <a:spLocks noGrp="1"/>
-          </p:cNvSpPr>
-          <p:nvPr>
-            <p:ph type="body" sz="quarter" idx="10"/>
-          </p:nvPr>
-        </p:nvSpPr>
-        <p:spPr/>
-        <p:txBody>
-          <a:bodyPr/>
-          <a:lstStyle/>
-          <a:p>
-            <a:r>
-              <a:rPr lang="de-DE" sz="1600" dirty="0">
-                <a:hlinkClick r:id="rId2"/>
-              </a:rPr>
-              <a:t>http://192.168.1.73/getconfig</a:t>
-            </a:r>
-            <a:endParaRPr lang="de-DE" sz="1600" dirty="0"/>
-          </a:p>
-          <a:p>
-            <a:endParaRPr lang="de-DE" sz="1600" dirty="0"/>
-          </a:p>
-          <a:p>
-            <a:r>
-              <a:rPr lang="de-DE" sz="1600" dirty="0">
-                <a:hlinkClick r:id="rId3"/>
-              </a:rPr>
-              <a:t>http://192.168.1.73/setconfig?mqttbroker=leonding.synology.me&amp;mqttport=8883</a:t>
-            </a:r>
-            <a:endParaRPr lang="de-DE" sz="1600" dirty="0"/>
-          </a:p>
-          <a:p>
-            <a:r>
-              <a:rPr lang="de-DE" sz="1600" dirty="0">
-                <a:hlinkClick r:id="rId4"/>
-              </a:rPr>
-              <a:t>http://192.168.1.73/setconfig?mqttbroker=leonding.synology.me&amp;mqttport=8883</a:t>
-            </a:r>
-            <a:endParaRPr lang="de-DE" sz="1600" dirty="0"/>
-          </a:p>
-          <a:p>
-            <a:r>
-              <a:rPr lang="de-DE" sz="1600" dirty="0">
-                <a:hlinkClick r:id="rId5"/>
-              </a:rPr>
-              <a:t>http://192.168.1.73/setconfig?mqttuser=openhabian&amp;mqttpassword=piKla87Sie57</a:t>
-            </a:r>
-            <a:r>
-              <a:rPr lang="de-DE" sz="1600" dirty="0"/>
-              <a:t> </a:t>
-            </a:r>
-          </a:p>
-          <a:p>
-            <a:endParaRPr lang="de-DE" sz="1600" dirty="0"/>
-          </a:p>
-          <a:p>
-            <a:r>
-              <a:rPr lang="de-DE" sz="1600" dirty="0">
-                <a:hlinkClick r:id="rId6"/>
-              </a:rPr>
-              <a:t>http://192.168.1.73/getconfigvalue?mqttbroker</a:t>
-            </a:r>
-            <a:r>
-              <a:rPr lang="de-DE" sz="1600" dirty="0"/>
-              <a:t> </a:t>
-            </a:r>
-          </a:p>
-          <a:p>
-            <a:r>
-              <a:rPr lang="de-DE" sz="1600" dirty="0">
-                <a:hlinkClick r:id="rId7"/>
-              </a:rPr>
-              <a:t>http://192.168.1.73/getconfigvalue?mqttpassword</a:t>
-            </a:r>
-            <a:r>
-              <a:rPr lang="de-DE" sz="1600" dirty="0"/>
-              <a:t> </a:t>
-            </a:r>
-          </a:p>
-          <a:p>
-            <a:r>
-              <a:rPr lang="de-DE" sz="1600" dirty="0">
-                <a:hlinkClick r:id="rId8"/>
-              </a:rPr>
-              <a:t>http://192.168.1.73/getconfigvalue?mqttport</a:t>
-            </a:r>
-            <a:r>
-              <a:rPr lang="de-DE" sz="1600" dirty="0"/>
-              <a:t> </a:t>
-            </a:r>
-          </a:p>
-          <a:p>
-            <a:r>
-              <a:rPr lang="de-DE" sz="1600" dirty="0">
-                <a:hlinkClick r:id="rId9"/>
-              </a:rPr>
-              <a:t>http://192.168.1.73/getconfigvalue?ssid</a:t>
-            </a:r>
-            <a:r>
-              <a:rPr lang="de-DE" sz="1600" dirty="0"/>
-              <a:t>  </a:t>
-            </a:r>
-          </a:p>
-          <a:p>
-            <a:r>
-              <a:rPr lang="de-DE" sz="1600" dirty="0">
-                <a:hlinkClick r:id="rId10"/>
-              </a:rPr>
-              <a:t>http://192.168.1.73/getconfigvalue?password</a:t>
-            </a:r>
-            <a:r>
-              <a:rPr lang="de-DE" sz="1600" dirty="0"/>
-              <a:t> </a:t>
-            </a:r>
-          </a:p>
-          <a:p>
-            <a:endParaRPr lang="de-DE" sz="1600" dirty="0"/>
-          </a:p>
-          <a:p>
-            <a:endParaRPr lang="de-DE" sz="1600" dirty="0"/>
-          </a:p>
-          <a:p>
-            <a:endParaRPr lang="de-DE" sz="1600" dirty="0"/>
-          </a:p>
-          <a:p>
-            <a:endParaRPr lang="de-DE" sz="1600" dirty="0"/>
-          </a:p>
-          <a:p>
-            <a:endParaRPr lang="de-DE" sz="1600" dirty="0"/>
-          </a:p>
-          <a:p>
-            <a:endParaRPr lang="de-DE" sz="1600" dirty="0"/>
-          </a:p>
-        </p:txBody>
-      </p:sp>
-    </p:spTree>
-    <p:extLst>
-      <p:ext uri="{BB962C8B-B14F-4D97-AF65-F5344CB8AC3E}">
-        <p14:creationId xmlns:p14="http://schemas.microsoft.com/office/powerpoint/2010/main" val="1108982593"/>
-      </p:ext>
-    </p:extLst>
-  </p:cSld>
-  <p:clrMapOvr>
-    <a:masterClrMapping/>
-  </p:clrMapOvr>
-</p:sld>
-</file>
-
-<file path=ppt/slides/slide8.xml><?xml version="1.0" encoding="utf-8"?>
-<p:sld xmlns:a="http://schemas.openxmlformats.org/drawingml/2006/main" xmlns:r="http://schemas.openxmlformats.org/officeDocument/2006/relationships" xmlns:p="http://schemas.openxmlformats.org/presentationml/2006/main">
-  <p:cSld>
-    <p:spTree>
-      <p:nvGrpSpPr>
-        <p:cNvPr id="1" name=""/>
-        <p:cNvGrpSpPr/>
-        <p:nvPr/>
-      </p:nvGrpSpPr>
-      <p:grpSpPr>
-        <a:xfrm>
-          <a:off x="0" y="0"/>
-          <a:ext cx="0" cy="0"/>
-          <a:chOff x="0" y="0"/>
-          <a:chExt cx="0" cy="0"/>
-        </a:xfrm>
-      </p:grpSpPr>
-      <p:sp>
-        <p:nvSpPr>
-          <p:cNvPr id="2" name="Titel 1">
-            <a:extLst>
-              <a:ext uri="{FF2B5EF4-FFF2-40B4-BE49-F238E27FC236}">
-                <a16:creationId xmlns:a16="http://schemas.microsoft.com/office/drawing/2014/main" id="{17296256-048F-4D15-9FF7-37241709E82B}"/>
-              </a:ext>
-            </a:extLst>
-          </p:cNvPr>
-          <p:cNvSpPr>
-            <a:spLocks noGrp="1"/>
-          </p:cNvSpPr>
-          <p:nvPr>
-            <p:ph type="title"/>
-          </p:nvPr>
-        </p:nvSpPr>
-        <p:spPr/>
-        <p:txBody>
-          <a:bodyPr/>
-          <a:lstStyle/>
-          <a:p>
-            <a:r>
-              <a:rPr lang="de-DE" dirty="0" err="1"/>
-              <a:t>Miflora</a:t>
-            </a:r>
-            <a:r>
-              <a:rPr lang="de-DE" dirty="0"/>
-              <a:t> Leonding</a:t>
-            </a:r>
-          </a:p>
-        </p:txBody>
-      </p:sp>
-      <p:sp>
-        <p:nvSpPr>
-          <p:cNvPr id="3" name="Textplatzhalter 2">
-            <a:extLst>
-              <a:ext uri="{FF2B5EF4-FFF2-40B4-BE49-F238E27FC236}">
-                <a16:creationId xmlns:a16="http://schemas.microsoft.com/office/drawing/2014/main" id="{AE9CEDFF-D8DF-414B-82EC-65DA6495BFAA}"/>
-              </a:ext>
-            </a:extLst>
-          </p:cNvPr>
-          <p:cNvSpPr>
-            <a:spLocks noGrp="1"/>
-          </p:cNvSpPr>
-          <p:nvPr>
-            <p:ph type="body" sz="quarter" idx="10"/>
-          </p:nvPr>
-        </p:nvSpPr>
-        <p:spPr/>
-        <p:txBody>
-          <a:bodyPr/>
-          <a:lstStyle/>
-          <a:p>
-            <a:r>
-              <a:rPr lang="de-DE" sz="1600" dirty="0">
-                <a:hlinkClick r:id="rId2"/>
-              </a:rPr>
-              <a:t>http://192.168.0.60/getconfig</a:t>
-            </a:r>
-            <a:endParaRPr lang="de-DE" sz="1600" dirty="0"/>
-          </a:p>
-          <a:p>
-            <a:endParaRPr lang="de-DE" sz="1600" dirty="0"/>
-          </a:p>
-          <a:p>
-            <a:r>
-              <a:rPr lang="de-DE" sz="1600" dirty="0">
-                <a:hlinkClick r:id="rId3"/>
-              </a:rPr>
-              <a:t>http://192.168.0.60/setconfig?mqttbroker=ssdpi&amp;mqttport=8883</a:t>
-            </a:r>
-            <a:endParaRPr lang="de-DE" sz="1600" dirty="0"/>
-          </a:p>
-          <a:p>
-            <a:r>
-              <a:rPr lang="de-DE" sz="1600" dirty="0">
-                <a:hlinkClick r:id="rId4"/>
-              </a:rPr>
-              <a:t>http://192.168.0.60/setconfig?mqttuser=openhabian&amp;mqttpassword=piKla87Sie57</a:t>
-            </a:r>
-            <a:r>
-              <a:rPr lang="de-DE" sz="1600" dirty="0"/>
-              <a:t> </a:t>
-            </a:r>
-          </a:p>
-          <a:p>
-            <a:endParaRPr lang="de-DE" sz="1600" dirty="0"/>
-          </a:p>
-          <a:p>
-            <a:r>
-              <a:rPr lang="de-DE" sz="1600" dirty="0">
-                <a:hlinkClick r:id="rId5"/>
-              </a:rPr>
-              <a:t>http://192.168.0.60/getconfigvalue?mqttbroker</a:t>
-            </a:r>
-            <a:r>
-              <a:rPr lang="de-DE" sz="1600" dirty="0"/>
-              <a:t> </a:t>
-            </a:r>
-          </a:p>
-          <a:p>
-            <a:r>
-              <a:rPr lang="de-DE" sz="1600" dirty="0">
-                <a:hlinkClick r:id="rId6"/>
-              </a:rPr>
-              <a:t>http://192.168.0.60/getconfigvalue?mqttpassword</a:t>
-            </a:r>
-            <a:r>
-              <a:rPr lang="de-DE" sz="1600" dirty="0"/>
-              <a:t> </a:t>
-            </a:r>
-          </a:p>
-          <a:p>
-            <a:r>
-              <a:rPr lang="de-DE" sz="1600" dirty="0">
-                <a:hlinkClick r:id="rId7"/>
-              </a:rPr>
-              <a:t>http://192.168.0.60/getconfigvalue?mqttport</a:t>
-            </a:r>
-            <a:r>
-              <a:rPr lang="de-DE" sz="1600" dirty="0"/>
-              <a:t> </a:t>
-            </a:r>
-          </a:p>
-          <a:p>
-            <a:r>
-              <a:rPr lang="de-DE" sz="1600" dirty="0">
-                <a:hlinkClick r:id="rId8"/>
-              </a:rPr>
-              <a:t>http://192.168.0.60/getconfigvalue?ssid</a:t>
-            </a:r>
-            <a:r>
-              <a:rPr lang="de-DE" sz="1600" dirty="0"/>
-              <a:t>  </a:t>
-            </a:r>
-          </a:p>
-          <a:p>
-            <a:r>
-              <a:rPr lang="de-DE" sz="1600" dirty="0">
-                <a:hlinkClick r:id="rId9"/>
-              </a:rPr>
-              <a:t>http://192.168.0.60/getconfigvalue?password</a:t>
-            </a:r>
-            <a:r>
-              <a:rPr lang="de-DE" sz="1600" dirty="0"/>
-              <a:t> </a:t>
-            </a:r>
-          </a:p>
-          <a:p>
-            <a:endParaRPr lang="de-DE" sz="1600" dirty="0"/>
-          </a:p>
-          <a:p>
-            <a:endParaRPr lang="de-DE" sz="1600" dirty="0"/>
-          </a:p>
-          <a:p>
-            <a:endParaRPr lang="de-DE" sz="1600" dirty="0"/>
-          </a:p>
-          <a:p>
-            <a:endParaRPr lang="de-DE" sz="1600" dirty="0"/>
-          </a:p>
-          <a:p>
-            <a:endParaRPr lang="de-DE" sz="1600" dirty="0"/>
-          </a:p>
-          <a:p>
-            <a:endParaRPr lang="de-DE" sz="1600" dirty="0"/>
-          </a:p>
-        </p:txBody>
-      </p:sp>
-    </p:spTree>
-    <p:extLst>
-      <p:ext uri="{BB962C8B-B14F-4D97-AF65-F5344CB8AC3E}">
-        <p14:creationId xmlns:p14="http://schemas.microsoft.com/office/powerpoint/2010/main" val="2009656255"/>
-      </p:ext>
-    </p:extLst>
-  </p:cSld>
-  <p:clrMapOvr>
-    <a:masterClrMapping/>
-  </p:clrMapOvr>
-</p:sld>
-</file>
-
-<file path=ppt/slides/slide9.xml><?xml version="1.0" encoding="utf-8"?>
 <p:sld xmlns:a="http://schemas.openxmlformats.org/drawingml/2006/main" xmlns:r="http://schemas.openxmlformats.org/officeDocument/2006/relationships" xmlns:p="http://schemas.openxmlformats.org/presentationml/2006/main">
   <p:cSld>
     <p:spTree>
@@ -4266,6 +2569,1833 @@
     <p:extLst>
       <p:ext uri="{BB962C8B-B14F-4D97-AF65-F5344CB8AC3E}">
         <p14:creationId xmlns:p14="http://schemas.microsoft.com/office/powerpoint/2010/main" val="1942114781"/>
+      </p:ext>
+    </p:extLst>
+  </p:cSld>
+  <p:clrMapOvr>
+    <a:masterClrMapping/>
+  </p:clrMapOvr>
+</p:sld>
+</file>
+
+<file path=ppt/slides/slide11.xml><?xml version="1.0" encoding="utf-8"?>
+<p:sld xmlns:a="http://schemas.openxmlformats.org/drawingml/2006/main" xmlns:r="http://schemas.openxmlformats.org/officeDocument/2006/relationships" xmlns:p="http://schemas.openxmlformats.org/presentationml/2006/main">
+  <p:cSld>
+    <p:spTree>
+      <p:nvGrpSpPr>
+        <p:cNvPr id="1" name=""/>
+        <p:cNvGrpSpPr/>
+        <p:nvPr/>
+      </p:nvGrpSpPr>
+      <p:grpSpPr>
+        <a:xfrm>
+          <a:off x="0" y="0"/>
+          <a:ext cx="0" cy="0"/>
+          <a:chOff x="0" y="0"/>
+          <a:chExt cx="0" cy="0"/>
+        </a:xfrm>
+      </p:grpSpPr>
+      <p:sp>
+        <p:nvSpPr>
+          <p:cNvPr id="2" name="Titel 1">
+            <a:extLst>
+              <a:ext uri="{FF2B5EF4-FFF2-40B4-BE49-F238E27FC236}">
+                <a16:creationId xmlns:a16="http://schemas.microsoft.com/office/drawing/2014/main" id="{E2726E83-49C9-4A59-A915-4170193B279A}"/>
+              </a:ext>
+            </a:extLst>
+          </p:cNvPr>
+          <p:cNvSpPr>
+            <a:spLocks noGrp="1"/>
+          </p:cNvSpPr>
+          <p:nvPr>
+            <p:ph type="title"/>
+          </p:nvPr>
+        </p:nvSpPr>
+        <p:spPr/>
+        <p:txBody>
+          <a:bodyPr/>
+          <a:lstStyle/>
+          <a:p>
+            <a:r>
+              <a:rPr lang="de-DE" dirty="0"/>
+              <a:t>Led per http setzen</a:t>
+            </a:r>
+          </a:p>
+        </p:txBody>
+      </p:sp>
+      <p:sp>
+        <p:nvSpPr>
+          <p:cNvPr id="3" name="Textplatzhalter 2">
+            <a:extLst>
+              <a:ext uri="{FF2B5EF4-FFF2-40B4-BE49-F238E27FC236}">
+                <a16:creationId xmlns:a16="http://schemas.microsoft.com/office/drawing/2014/main" id="{8B8C6D80-1417-411F-846C-28CFEC9FB4FD}"/>
+              </a:ext>
+            </a:extLst>
+          </p:cNvPr>
+          <p:cNvSpPr>
+            <a:spLocks noGrp="1"/>
+          </p:cNvSpPr>
+          <p:nvPr>
+            <p:ph type="body" sz="quarter" idx="10"/>
+          </p:nvPr>
+        </p:nvSpPr>
+        <p:spPr/>
+        <p:txBody>
+          <a:bodyPr/>
+          <a:lstStyle/>
+          <a:p>
+            <a:r>
+              <a:rPr lang="de-DE" sz="2400" dirty="0">
+                <a:hlinkClick r:id="rId2"/>
+              </a:rPr>
+              <a:t>http://192.168.0.64/setactor?rgbled=010</a:t>
+            </a:r>
+            <a:endParaRPr lang="de-DE" sz="2400" dirty="0"/>
+          </a:p>
+          <a:p>
+            <a:endParaRPr lang="de-DE" sz="2400" dirty="0"/>
+          </a:p>
+          <a:p>
+            <a:endParaRPr lang="de-DE" sz="2400" dirty="0"/>
+          </a:p>
+          <a:p>
+            <a:endParaRPr lang="de-DE" sz="2400" dirty="0"/>
+          </a:p>
+          <a:p>
+            <a:endParaRPr lang="de-DE" dirty="0"/>
+          </a:p>
+        </p:txBody>
+      </p:sp>
+      <p:pic>
+        <p:nvPicPr>
+          <p:cNvPr id="4" name="Grafik 3">
+            <a:extLst>
+              <a:ext uri="{FF2B5EF4-FFF2-40B4-BE49-F238E27FC236}">
+                <a16:creationId xmlns:a16="http://schemas.microsoft.com/office/drawing/2014/main" id="{BDCBE659-C5EF-4014-B409-7BF95B06FAB8}"/>
+              </a:ext>
+            </a:extLst>
+          </p:cNvPr>
+          <p:cNvPicPr>
+            <a:picLocks noChangeAspect="1"/>
+          </p:cNvPicPr>
+          <p:nvPr/>
+        </p:nvPicPr>
+        <p:blipFill>
+          <a:blip r:embed="rId3"/>
+          <a:stretch>
+            <a:fillRect/>
+          </a:stretch>
+        </p:blipFill>
+        <p:spPr>
+          <a:xfrm>
+            <a:off x="1043608" y="2276872"/>
+            <a:ext cx="5511336" cy="2376264"/>
+          </a:xfrm>
+          <a:prstGeom prst="rect">
+            <a:avLst/>
+          </a:prstGeom>
+        </p:spPr>
+      </p:pic>
+    </p:spTree>
+    <p:extLst>
+      <p:ext uri="{BB962C8B-B14F-4D97-AF65-F5344CB8AC3E}">
+        <p14:creationId xmlns:p14="http://schemas.microsoft.com/office/powerpoint/2010/main" val="3698000944"/>
+      </p:ext>
+    </p:extLst>
+  </p:cSld>
+  <p:clrMapOvr>
+    <a:masterClrMapping/>
+  </p:clrMapOvr>
+</p:sld>
+</file>
+
+<file path=ppt/slides/slide12.xml><?xml version="1.0" encoding="utf-8"?>
+<p:sld xmlns:a="http://schemas.openxmlformats.org/drawingml/2006/main" xmlns:r="http://schemas.openxmlformats.org/officeDocument/2006/relationships" xmlns:p="http://schemas.openxmlformats.org/presentationml/2006/main">
+  <p:cSld>
+    <p:spTree>
+      <p:nvGrpSpPr>
+        <p:cNvPr id="1" name=""/>
+        <p:cNvGrpSpPr/>
+        <p:nvPr/>
+      </p:nvGrpSpPr>
+      <p:grpSpPr>
+        <a:xfrm>
+          <a:off x="0" y="0"/>
+          <a:ext cx="0" cy="0"/>
+          <a:chOff x="0" y="0"/>
+          <a:chExt cx="0" cy="0"/>
+        </a:xfrm>
+      </p:grpSpPr>
+      <p:sp>
+        <p:nvSpPr>
+          <p:cNvPr id="2" name="Titel 1">
+            <a:extLst>
+              <a:ext uri="{FF2B5EF4-FFF2-40B4-BE49-F238E27FC236}">
+                <a16:creationId xmlns:a16="http://schemas.microsoft.com/office/drawing/2014/main" id="{FBBE7205-2FDE-4F86-B371-5476BFD082F0}"/>
+              </a:ext>
+            </a:extLst>
+          </p:cNvPr>
+          <p:cNvSpPr>
+            <a:spLocks noGrp="1"/>
+          </p:cNvSpPr>
+          <p:nvPr>
+            <p:ph type="title"/>
+          </p:nvPr>
+        </p:nvSpPr>
+        <p:spPr/>
+        <p:txBody>
+          <a:bodyPr/>
+          <a:lstStyle/>
+          <a:p>
+            <a:endParaRPr lang="de-DE"/>
+          </a:p>
+        </p:txBody>
+      </p:sp>
+      <p:sp>
+        <p:nvSpPr>
+          <p:cNvPr id="3" name="Textplatzhalter 2">
+            <a:extLst>
+              <a:ext uri="{FF2B5EF4-FFF2-40B4-BE49-F238E27FC236}">
+                <a16:creationId xmlns:a16="http://schemas.microsoft.com/office/drawing/2014/main" id="{8830C36F-B053-4F61-9060-7E5023852281}"/>
+              </a:ext>
+            </a:extLst>
+          </p:cNvPr>
+          <p:cNvSpPr>
+            <a:spLocks noGrp="1"/>
+          </p:cNvSpPr>
+          <p:nvPr>
+            <p:ph type="body" sz="quarter" idx="10"/>
+          </p:nvPr>
+        </p:nvSpPr>
+        <p:spPr/>
+        <p:txBody>
+          <a:bodyPr/>
+          <a:lstStyle/>
+          <a:p>
+            <a:endParaRPr lang="de-DE"/>
+          </a:p>
+        </p:txBody>
+      </p:sp>
+    </p:spTree>
+    <p:extLst>
+      <p:ext uri="{BB962C8B-B14F-4D97-AF65-F5344CB8AC3E}">
+        <p14:creationId xmlns:p14="http://schemas.microsoft.com/office/powerpoint/2010/main" val="1863643312"/>
+      </p:ext>
+    </p:extLst>
+  </p:cSld>
+  <p:clrMapOvr>
+    <a:masterClrMapping/>
+  </p:clrMapOvr>
+</p:sld>
+</file>
+
+<file path=ppt/slides/slide2.xml><?xml version="1.0" encoding="utf-8"?>
+<p:sld xmlns:a="http://schemas.openxmlformats.org/drawingml/2006/main" xmlns:r="http://schemas.openxmlformats.org/officeDocument/2006/relationships" xmlns:p="http://schemas.openxmlformats.org/presentationml/2006/main">
+  <p:cSld>
+    <p:spTree>
+      <p:nvGrpSpPr>
+        <p:cNvPr id="1" name=""/>
+        <p:cNvGrpSpPr/>
+        <p:nvPr/>
+      </p:nvGrpSpPr>
+      <p:grpSpPr>
+        <a:xfrm>
+          <a:off x="0" y="0"/>
+          <a:ext cx="0" cy="0"/>
+          <a:chOff x="0" y="0"/>
+          <a:chExt cx="0" cy="0"/>
+        </a:xfrm>
+      </p:grpSpPr>
+      <p:sp>
+        <p:nvSpPr>
+          <p:cNvPr id="2" name="Titel 1">
+            <a:extLst>
+              <a:ext uri="{FF2B5EF4-FFF2-40B4-BE49-F238E27FC236}">
+                <a16:creationId xmlns:a16="http://schemas.microsoft.com/office/drawing/2014/main" id="{63EB5104-6D4F-4BD8-85CD-EB3E8036CBE8}"/>
+              </a:ext>
+            </a:extLst>
+          </p:cNvPr>
+          <p:cNvSpPr>
+            <a:spLocks noGrp="1"/>
+          </p:cNvSpPr>
+          <p:nvPr>
+            <p:ph type="title"/>
+          </p:nvPr>
+        </p:nvSpPr>
+        <p:spPr/>
+        <p:txBody>
+          <a:bodyPr/>
+          <a:lstStyle/>
+          <a:p>
+            <a:r>
+              <a:rPr lang="de-DE" dirty="0"/>
+              <a:t>Bmp280</a:t>
+            </a:r>
+          </a:p>
+        </p:txBody>
+      </p:sp>
+      <p:sp>
+        <p:nvSpPr>
+          <p:cNvPr id="3" name="Textplatzhalter 2">
+            <a:extLst>
+              <a:ext uri="{FF2B5EF4-FFF2-40B4-BE49-F238E27FC236}">
+                <a16:creationId xmlns:a16="http://schemas.microsoft.com/office/drawing/2014/main" id="{87AA78AF-1855-4EDA-A82A-99CA6571C224}"/>
+              </a:ext>
+            </a:extLst>
+          </p:cNvPr>
+          <p:cNvSpPr>
+            <a:spLocks noGrp="1"/>
+          </p:cNvSpPr>
+          <p:nvPr>
+            <p:ph type="body" sz="quarter" idx="10"/>
+          </p:nvPr>
+        </p:nvSpPr>
+        <p:spPr/>
+        <p:txBody>
+          <a:bodyPr/>
+          <a:lstStyle/>
+          <a:p>
+            <a:r>
+              <a:rPr lang="de-DE" sz="2000" dirty="0">
+                <a:hlinkClick r:id="rId2"/>
+              </a:rPr>
+              <a:t>http://192.168.0.74/getconfig</a:t>
+            </a:r>
+            <a:endParaRPr lang="de-DE" sz="2000" dirty="0"/>
+          </a:p>
+          <a:p>
+            <a:endParaRPr lang="de-DE" sz="2000" dirty="0"/>
+          </a:p>
+          <a:p>
+            <a:r>
+              <a:rPr lang="de-DE" sz="2000" dirty="0">
+                <a:hlinkClick r:id="rId3"/>
+              </a:rPr>
+              <a:t>http://192.168.0.74/getsensor?pressure</a:t>
+            </a:r>
+            <a:endParaRPr lang="de-DE" sz="2000" dirty="0"/>
+          </a:p>
+          <a:p>
+            <a:r>
+              <a:rPr lang="de-DE" sz="2000" dirty="0">
+                <a:hlinkClick r:id="rId4"/>
+              </a:rPr>
+              <a:t>http://192.168.0.74/getsensor?temperature</a:t>
+            </a:r>
+            <a:endParaRPr lang="de-DE" sz="2000" dirty="0"/>
+          </a:p>
+          <a:p>
+            <a:r>
+              <a:rPr lang="de-DE" sz="2000" dirty="0">
+                <a:hlinkClick r:id="rId5"/>
+              </a:rPr>
+              <a:t>http://192.168.0.74/getsensor?humidity</a:t>
+            </a:r>
+            <a:endParaRPr lang="de-DE" sz="2000" dirty="0"/>
+          </a:p>
+          <a:p>
+            <a:endParaRPr lang="de-DE" sz="2000" dirty="0"/>
+          </a:p>
+          <a:p>
+            <a:r>
+              <a:rPr lang="de-DE" sz="2000" dirty="0">
+                <a:hlinkClick r:id="rId6"/>
+              </a:rPr>
+              <a:t>http://192.168.0.74/getconfigvalue?mqttbroker</a:t>
+            </a:r>
+            <a:r>
+              <a:rPr lang="de-DE" sz="2000" dirty="0"/>
+              <a:t> </a:t>
+            </a:r>
+          </a:p>
+          <a:p>
+            <a:r>
+              <a:rPr lang="de-DE" sz="2000" dirty="0">
+                <a:hlinkClick r:id="rId7"/>
+              </a:rPr>
+              <a:t>http://192.168.0.74/getconfigvalue?mqttport</a:t>
+            </a:r>
+            <a:r>
+              <a:rPr lang="de-DE" sz="2000" dirty="0"/>
+              <a:t> </a:t>
+            </a:r>
+          </a:p>
+          <a:p>
+            <a:r>
+              <a:rPr lang="de-DE" sz="2000" dirty="0">
+                <a:hlinkClick r:id="rId8"/>
+              </a:rPr>
+              <a:t>http://192.168.0.74/getconfigvalue?mqttuser</a:t>
+            </a:r>
+            <a:r>
+              <a:rPr lang="de-DE" sz="2000" dirty="0"/>
+              <a:t> </a:t>
+            </a:r>
+          </a:p>
+          <a:p>
+            <a:r>
+              <a:rPr lang="de-DE" sz="2000" dirty="0">
+                <a:hlinkClick r:id="rId9"/>
+              </a:rPr>
+              <a:t>http://192.168.0.74/getconfigvalue?mqttpassword</a:t>
+            </a:r>
+            <a:r>
+              <a:rPr lang="de-DE" sz="2000" dirty="0"/>
+              <a:t> </a:t>
+            </a:r>
+          </a:p>
+          <a:p>
+            <a:r>
+              <a:rPr lang="de-DE" sz="2000" dirty="0">
+                <a:hlinkClick r:id="rId10"/>
+              </a:rPr>
+              <a:t>http://192.168.0.74/getconfigvalue?ssid</a:t>
+            </a:r>
+            <a:r>
+              <a:rPr lang="de-DE" sz="2000" dirty="0"/>
+              <a:t>  </a:t>
+            </a:r>
+          </a:p>
+          <a:p>
+            <a:r>
+              <a:rPr lang="de-DE" sz="2000" dirty="0">
+                <a:hlinkClick r:id="rId11"/>
+              </a:rPr>
+              <a:t>http</a:t>
+            </a:r>
+            <a:r>
+              <a:rPr lang="de-DE" sz="2000">
+                <a:hlinkClick r:id="rId11"/>
+              </a:rPr>
+              <a:t>://192.168.0.74/</a:t>
+            </a:r>
+            <a:r>
+              <a:rPr lang="de-DE" sz="2000" dirty="0">
+                <a:hlinkClick r:id="rId11"/>
+              </a:rPr>
+              <a:t>getconfigvalue?password</a:t>
+            </a:r>
+            <a:r>
+              <a:rPr lang="de-DE" sz="2000" dirty="0"/>
+              <a:t> </a:t>
+            </a:r>
+          </a:p>
+          <a:p>
+            <a:endParaRPr lang="de-DE" sz="2000" dirty="0"/>
+          </a:p>
+          <a:p>
+            <a:endParaRPr lang="de-DE" sz="2000" dirty="0"/>
+          </a:p>
+          <a:p>
+            <a:endParaRPr lang="de-DE" sz="2000" dirty="0"/>
+          </a:p>
+          <a:p>
+            <a:endParaRPr lang="de-DE" sz="2000" dirty="0"/>
+          </a:p>
+          <a:p>
+            <a:endParaRPr lang="de-DE" sz="2000" dirty="0"/>
+          </a:p>
+          <a:p>
+            <a:pPr marL="0" indent="0">
+              <a:buNone/>
+            </a:pPr>
+            <a:endParaRPr lang="de-DE" sz="2000" dirty="0"/>
+          </a:p>
+          <a:p>
+            <a:endParaRPr lang="de-DE" sz="2000" dirty="0"/>
+          </a:p>
+          <a:p>
+            <a:endParaRPr lang="de-DE" sz="2000" dirty="0"/>
+          </a:p>
+        </p:txBody>
+      </p:sp>
+    </p:spTree>
+    <p:extLst>
+      <p:ext uri="{BB962C8B-B14F-4D97-AF65-F5344CB8AC3E}">
+        <p14:creationId xmlns:p14="http://schemas.microsoft.com/office/powerpoint/2010/main" val="4163853595"/>
+      </p:ext>
+    </p:extLst>
+  </p:cSld>
+  <p:clrMapOvr>
+    <a:masterClrMapping/>
+  </p:clrMapOvr>
+</p:sld>
+</file>
+
+<file path=ppt/slides/slide3.xml><?xml version="1.0" encoding="utf-8"?>
+<p:sld xmlns:a="http://schemas.openxmlformats.org/drawingml/2006/main" xmlns:r="http://schemas.openxmlformats.org/officeDocument/2006/relationships" xmlns:p="http://schemas.openxmlformats.org/presentationml/2006/main">
+  <p:cSld>
+    <p:spTree>
+      <p:nvGrpSpPr>
+        <p:cNvPr id="1" name=""/>
+        <p:cNvGrpSpPr/>
+        <p:nvPr/>
+      </p:nvGrpSpPr>
+      <p:grpSpPr>
+        <a:xfrm>
+          <a:off x="0" y="0"/>
+          <a:ext cx="0" cy="0"/>
+          <a:chOff x="0" y="0"/>
+          <a:chExt cx="0" cy="0"/>
+        </a:xfrm>
+      </p:grpSpPr>
+      <p:sp>
+        <p:nvSpPr>
+          <p:cNvPr id="2" name="Titel 1">
+            <a:extLst>
+              <a:ext uri="{FF2B5EF4-FFF2-40B4-BE49-F238E27FC236}">
+                <a16:creationId xmlns:a16="http://schemas.microsoft.com/office/drawing/2014/main" id="{63EB5104-6D4F-4BD8-85CD-EB3E8036CBE8}"/>
+              </a:ext>
+            </a:extLst>
+          </p:cNvPr>
+          <p:cNvSpPr>
+            <a:spLocks noGrp="1"/>
+          </p:cNvSpPr>
+          <p:nvPr>
+            <p:ph type="title"/>
+          </p:nvPr>
+        </p:nvSpPr>
+        <p:spPr/>
+        <p:txBody>
+          <a:bodyPr/>
+          <a:lstStyle/>
+          <a:p>
+            <a:r>
+              <a:rPr lang="de-DE" dirty="0"/>
+              <a:t>RgbLed_Dht22_Pir_Mhz</a:t>
+            </a:r>
+          </a:p>
+        </p:txBody>
+      </p:sp>
+      <p:sp>
+        <p:nvSpPr>
+          <p:cNvPr id="3" name="Textplatzhalter 2">
+            <a:extLst>
+              <a:ext uri="{FF2B5EF4-FFF2-40B4-BE49-F238E27FC236}">
+                <a16:creationId xmlns:a16="http://schemas.microsoft.com/office/drawing/2014/main" id="{87AA78AF-1855-4EDA-A82A-99CA6571C224}"/>
+              </a:ext>
+            </a:extLst>
+          </p:cNvPr>
+          <p:cNvSpPr>
+            <a:spLocks noGrp="1"/>
+          </p:cNvSpPr>
+          <p:nvPr>
+            <p:ph type="body" sz="quarter" idx="10"/>
+          </p:nvPr>
+        </p:nvSpPr>
+        <p:spPr/>
+        <p:txBody>
+          <a:bodyPr/>
+          <a:lstStyle/>
+          <a:p>
+            <a:r>
+              <a:rPr lang="de-DE" sz="1600" dirty="0">
+                <a:hlinkClick r:id="rId2"/>
+              </a:rPr>
+              <a:t>http://192.168.0.84/getconfig</a:t>
+            </a:r>
+            <a:endParaRPr lang="de-DE" sz="1600" dirty="0"/>
+          </a:p>
+          <a:p>
+            <a:endParaRPr lang="de-DE" sz="1600" dirty="0"/>
+          </a:p>
+          <a:p>
+            <a:r>
+              <a:rPr lang="de-DE" sz="1600" dirty="0">
+                <a:hlinkClick r:id="rId3"/>
+              </a:rPr>
+              <a:t>http://192.168.0.84/setconfig?mqttbroker=ssdpi&amp;mqttport=8883</a:t>
+            </a:r>
+            <a:endParaRPr lang="de-DE" sz="1600" dirty="0"/>
+          </a:p>
+          <a:p>
+            <a:r>
+              <a:rPr lang="de-DE" sz="1600" dirty="0">
+                <a:hlinkClick r:id="rId4"/>
+              </a:rPr>
+              <a:t>http://192.168.0.84/setconfig?mqttuser=openhabian&amp;mqttpassword=piKla87Sie57</a:t>
+            </a:r>
+            <a:r>
+              <a:rPr lang="de-DE" sz="1600" dirty="0"/>
+              <a:t> </a:t>
+            </a:r>
+          </a:p>
+          <a:p>
+            <a:r>
+              <a:rPr lang="de-DE" sz="1600" dirty="0">
+                <a:hlinkClick r:id="rId5"/>
+              </a:rPr>
+              <a:t>http://192.168.0.84/setconfig?loggerip=192.168.0.10</a:t>
+            </a:r>
+            <a:r>
+              <a:rPr lang="de-DE" sz="1600" dirty="0"/>
+              <a:t>   </a:t>
+            </a:r>
+          </a:p>
+          <a:p>
+            <a:r>
+              <a:rPr lang="de-DE" sz="1600" dirty="0">
+                <a:hlinkClick r:id="rId6"/>
+              </a:rPr>
+              <a:t>http://192.168.0.84/setconfig?thingname=esplivingroom</a:t>
+            </a:r>
+            <a:r>
+              <a:rPr lang="de-DE" sz="1600" dirty="0"/>
+              <a:t> </a:t>
+            </a:r>
+          </a:p>
+          <a:p>
+            <a:endParaRPr lang="de-DE" sz="1600" dirty="0"/>
+          </a:p>
+          <a:p>
+            <a:endParaRPr lang="de-DE" sz="1600" dirty="0"/>
+          </a:p>
+          <a:p>
+            <a:r>
+              <a:rPr lang="de-DE" sz="1600" dirty="0">
+                <a:hlinkClick r:id="rId7"/>
+              </a:rPr>
+              <a:t>http://192.168.0.84/setactor?rgbled=010</a:t>
+            </a:r>
+            <a:endParaRPr lang="de-DE" sz="1600" dirty="0"/>
+          </a:p>
+          <a:p>
+            <a:r>
+              <a:rPr lang="de-DE" sz="1600" dirty="0">
+                <a:hlinkClick r:id="rId8"/>
+              </a:rPr>
+              <a:t>http://192.168.0.84/getsensor?co2</a:t>
+            </a:r>
+            <a:endParaRPr lang="de-DE" sz="1600" dirty="0"/>
+          </a:p>
+          <a:p>
+            <a:r>
+              <a:rPr lang="de-DE" sz="1600" dirty="0">
+                <a:hlinkClick r:id="rId9"/>
+              </a:rPr>
+              <a:t>http://192.168.0.84/getsensor?temperature</a:t>
+            </a:r>
+            <a:endParaRPr lang="de-DE" sz="1600" dirty="0"/>
+          </a:p>
+          <a:p>
+            <a:r>
+              <a:rPr lang="de-DE" sz="1600" dirty="0">
+                <a:hlinkClick r:id="rId10"/>
+              </a:rPr>
+              <a:t>http://192.168.0.84/getsensor?humidity</a:t>
+            </a:r>
+            <a:endParaRPr lang="de-DE" sz="1600" dirty="0"/>
+          </a:p>
+          <a:p>
+            <a:r>
+              <a:rPr lang="de-DE" sz="1600" dirty="0">
+                <a:hlinkClick r:id="rId11"/>
+              </a:rPr>
+              <a:t>http://192.168.0.84/getsensor?pir</a:t>
+            </a:r>
+            <a:endParaRPr lang="de-DE" sz="1600" dirty="0"/>
+          </a:p>
+          <a:p>
+            <a:endParaRPr lang="de-DE" sz="1600" dirty="0"/>
+          </a:p>
+          <a:p>
+            <a:endParaRPr lang="de-DE" sz="1600" dirty="0"/>
+          </a:p>
+          <a:p>
+            <a:endParaRPr lang="de-DE" sz="1600" dirty="0"/>
+          </a:p>
+          <a:p>
+            <a:endParaRPr lang="de-DE" sz="1600" dirty="0"/>
+          </a:p>
+          <a:p>
+            <a:pPr marL="0" indent="0">
+              <a:buNone/>
+            </a:pPr>
+            <a:endParaRPr lang="de-DE" sz="1600" dirty="0"/>
+          </a:p>
+          <a:p>
+            <a:endParaRPr lang="de-DE" sz="1600" dirty="0"/>
+          </a:p>
+          <a:p>
+            <a:endParaRPr lang="de-DE" sz="1600" dirty="0"/>
+          </a:p>
+        </p:txBody>
+      </p:sp>
+    </p:spTree>
+    <p:extLst>
+      <p:ext uri="{BB962C8B-B14F-4D97-AF65-F5344CB8AC3E}">
+        <p14:creationId xmlns:p14="http://schemas.microsoft.com/office/powerpoint/2010/main" val="2364123978"/>
+      </p:ext>
+    </p:extLst>
+  </p:cSld>
+  <p:clrMapOvr>
+    <a:masterClrMapping/>
+  </p:clrMapOvr>
+</p:sld>
+</file>
+
+<file path=ppt/slides/slide4.xml><?xml version="1.0" encoding="utf-8"?>
+<p:sld xmlns:a="http://schemas.openxmlformats.org/drawingml/2006/main" xmlns:r="http://schemas.openxmlformats.org/officeDocument/2006/relationships" xmlns:p="http://schemas.openxmlformats.org/presentationml/2006/main">
+  <p:cSld>
+    <p:spTree>
+      <p:nvGrpSpPr>
+        <p:cNvPr id="1" name=""/>
+        <p:cNvGrpSpPr/>
+        <p:nvPr/>
+      </p:nvGrpSpPr>
+      <p:grpSpPr>
+        <a:xfrm>
+          <a:off x="0" y="0"/>
+          <a:ext cx="0" cy="0"/>
+          <a:chOff x="0" y="0"/>
+          <a:chExt cx="0" cy="0"/>
+        </a:xfrm>
+      </p:grpSpPr>
+      <p:sp>
+        <p:nvSpPr>
+          <p:cNvPr id="2" name="Titel 1">
+            <a:extLst>
+              <a:ext uri="{FF2B5EF4-FFF2-40B4-BE49-F238E27FC236}">
+                <a16:creationId xmlns:a16="http://schemas.microsoft.com/office/drawing/2014/main" id="{17296256-048F-4D15-9FF7-37241709E82B}"/>
+              </a:ext>
+            </a:extLst>
+          </p:cNvPr>
+          <p:cNvSpPr>
+            <a:spLocks noGrp="1"/>
+          </p:cNvSpPr>
+          <p:nvPr>
+            <p:ph type="title"/>
+          </p:nvPr>
+        </p:nvSpPr>
+        <p:spPr/>
+        <p:txBody>
+          <a:bodyPr/>
+          <a:lstStyle/>
+          <a:p>
+            <a:r>
+              <a:rPr lang="de-DE" dirty="0" err="1"/>
+              <a:t>Gardenhouse</a:t>
+            </a:r>
+            <a:endParaRPr lang="de-DE" dirty="0"/>
+          </a:p>
+        </p:txBody>
+      </p:sp>
+      <p:sp>
+        <p:nvSpPr>
+          <p:cNvPr id="3" name="Textplatzhalter 2">
+            <a:extLst>
+              <a:ext uri="{FF2B5EF4-FFF2-40B4-BE49-F238E27FC236}">
+                <a16:creationId xmlns:a16="http://schemas.microsoft.com/office/drawing/2014/main" id="{AE9CEDFF-D8DF-414B-82EC-65DA6495BFAA}"/>
+              </a:ext>
+            </a:extLst>
+          </p:cNvPr>
+          <p:cNvSpPr>
+            <a:spLocks noGrp="1"/>
+          </p:cNvSpPr>
+          <p:nvPr>
+            <p:ph type="body" sz="quarter" idx="10"/>
+          </p:nvPr>
+        </p:nvSpPr>
+        <p:spPr/>
+        <p:txBody>
+          <a:bodyPr/>
+          <a:lstStyle/>
+          <a:p>
+            <a:r>
+              <a:rPr lang="de-DE" sz="1400" dirty="0">
+                <a:hlinkClick r:id="rId2"/>
+              </a:rPr>
+              <a:t>http://192.168.0.50/getconfig</a:t>
+            </a:r>
+            <a:endParaRPr lang="de-DE" sz="1400" dirty="0"/>
+          </a:p>
+          <a:p>
+            <a:endParaRPr lang="de-DE" sz="1400" dirty="0"/>
+          </a:p>
+          <a:p>
+            <a:r>
+              <a:rPr lang="de-DE" sz="1400" dirty="0">
+                <a:hlinkClick r:id="rId3"/>
+              </a:rPr>
+              <a:t>http://192.168.0.50/setconfig?mqttbroker=ssdpi&amp;mqttport=8883</a:t>
+            </a:r>
+            <a:endParaRPr lang="de-DE" sz="1400" dirty="0"/>
+          </a:p>
+          <a:p>
+            <a:r>
+              <a:rPr lang="de-DE" sz="1400" dirty="0">
+                <a:hlinkClick r:id="rId4"/>
+              </a:rPr>
+              <a:t>http://192.168.0.50/setconfig?mqttuser=openhabian&amp;mqttpassword=piKla87Sie57</a:t>
+            </a:r>
+            <a:r>
+              <a:rPr lang="de-DE" sz="1400" dirty="0"/>
+              <a:t> </a:t>
+            </a:r>
+          </a:p>
+          <a:p>
+            <a:r>
+              <a:rPr lang="de-DE" sz="1400" dirty="0">
+                <a:hlinkClick r:id="rId5"/>
+              </a:rPr>
+              <a:t>http://192.168.0.50/setconfig?loggerip=192.168.0.10</a:t>
+            </a:r>
+            <a:r>
+              <a:rPr lang="de-DE" sz="1400" dirty="0"/>
+              <a:t>   </a:t>
+            </a:r>
+          </a:p>
+          <a:p>
+            <a:r>
+              <a:rPr lang="de-DE" sz="1400" dirty="0">
+                <a:hlinkClick r:id="rId6"/>
+              </a:rPr>
+              <a:t>http://192.168.0.50/setconfig?thingname=gardenhouse</a:t>
+            </a:r>
+            <a:endParaRPr lang="de-DE" sz="1400" dirty="0"/>
+          </a:p>
+          <a:p>
+            <a:endParaRPr lang="de-DE" sz="1400" dirty="0"/>
+          </a:p>
+          <a:p>
+            <a:r>
+              <a:rPr lang="de-DE" sz="1400" dirty="0">
+                <a:hlinkClick r:id="rId7"/>
+              </a:rPr>
+              <a:t>http://192.168.0.50/getconfig?loggerip</a:t>
+            </a:r>
+            <a:r>
+              <a:rPr lang="de-DE" sz="1400" dirty="0"/>
+              <a:t> </a:t>
+            </a:r>
+          </a:p>
+          <a:p>
+            <a:endParaRPr lang="de-DE" sz="1400" dirty="0"/>
+          </a:p>
+          <a:p>
+            <a:r>
+              <a:rPr lang="de-DE" sz="1400" dirty="0">
+                <a:hlinkClick r:id="rId8"/>
+              </a:rPr>
+              <a:t>http://192.168.0.50/setactor?powerpump=1</a:t>
+            </a:r>
+            <a:r>
+              <a:rPr lang="de-DE" sz="1400" dirty="0"/>
+              <a:t> </a:t>
+            </a:r>
+          </a:p>
+          <a:p>
+            <a:r>
+              <a:rPr lang="de-DE" sz="1400" dirty="0">
+                <a:hlinkClick r:id="rId9"/>
+              </a:rPr>
+              <a:t>http://192.168.0.50/setactor?powermiddle=1</a:t>
+            </a:r>
+            <a:r>
+              <a:rPr lang="de-DE" sz="1400" dirty="0"/>
+              <a:t> </a:t>
+            </a:r>
+          </a:p>
+          <a:p>
+            <a:r>
+              <a:rPr lang="de-DE" sz="1400" dirty="0">
+                <a:hlinkClick r:id="rId10"/>
+              </a:rPr>
+              <a:t>http://192.168.0.50/setactor?powerright=1</a:t>
+            </a:r>
+            <a:r>
+              <a:rPr lang="de-DE" sz="1400" dirty="0"/>
+              <a:t> </a:t>
+            </a:r>
+          </a:p>
+          <a:p>
+            <a:endParaRPr lang="de-DE" sz="1400" dirty="0"/>
+          </a:p>
+          <a:p>
+            <a:r>
+              <a:rPr lang="de-DE" sz="1400" dirty="0">
+                <a:hlinkClick r:id="rId11"/>
+              </a:rPr>
+              <a:t>http://192.168.0.50/getactor?powerpump</a:t>
+            </a:r>
+            <a:r>
+              <a:rPr lang="de-DE" sz="1400" dirty="0"/>
+              <a:t>  </a:t>
+            </a:r>
+          </a:p>
+          <a:p>
+            <a:r>
+              <a:rPr lang="de-DE" sz="1400" dirty="0">
+                <a:hlinkClick r:id="rId9"/>
+              </a:rPr>
+              <a:t>http://192.168.0.50/getactor?powermiddle</a:t>
+            </a:r>
+            <a:r>
+              <a:rPr lang="de-DE" sz="1400" dirty="0"/>
+              <a:t> </a:t>
+            </a:r>
+          </a:p>
+          <a:p>
+            <a:r>
+              <a:rPr lang="de-DE" sz="1400" dirty="0">
+                <a:hlinkClick r:id="rId10"/>
+              </a:rPr>
+              <a:t>http://192.168.0.50/getactor?powerright</a:t>
+            </a:r>
+            <a:r>
+              <a:rPr lang="de-DE" sz="1400" dirty="0"/>
+              <a:t> </a:t>
+            </a:r>
+          </a:p>
+          <a:p>
+            <a:endParaRPr lang="de-DE" sz="1400" dirty="0"/>
+          </a:p>
+          <a:p>
+            <a:r>
+              <a:rPr lang="de-DE" sz="1400" dirty="0">
+                <a:hlinkClick r:id="rId12"/>
+              </a:rPr>
+              <a:t>http://192.168.0.50/getsensor?waterlevel</a:t>
+            </a:r>
+            <a:r>
+              <a:rPr lang="de-DE" sz="1400" dirty="0"/>
+              <a:t> </a:t>
+            </a:r>
+          </a:p>
+          <a:p>
+            <a:endParaRPr lang="de-DE" sz="1600" dirty="0"/>
+          </a:p>
+        </p:txBody>
+      </p:sp>
+    </p:spTree>
+    <p:extLst>
+      <p:ext uri="{BB962C8B-B14F-4D97-AF65-F5344CB8AC3E}">
+        <p14:creationId xmlns:p14="http://schemas.microsoft.com/office/powerpoint/2010/main" val="64974923"/>
+      </p:ext>
+    </p:extLst>
+  </p:cSld>
+  <p:clrMapOvr>
+    <a:masterClrMapping/>
+  </p:clrMapOvr>
+</p:sld>
+</file>
+
+<file path=ppt/slides/slide5.xml><?xml version="1.0" encoding="utf-8"?>
+<p:sld xmlns:a="http://schemas.openxmlformats.org/drawingml/2006/main" xmlns:r="http://schemas.openxmlformats.org/officeDocument/2006/relationships" xmlns:p="http://schemas.openxmlformats.org/presentationml/2006/main">
+  <p:cSld>
+    <p:spTree>
+      <p:nvGrpSpPr>
+        <p:cNvPr id="1" name=""/>
+        <p:cNvGrpSpPr/>
+        <p:nvPr/>
+      </p:nvGrpSpPr>
+      <p:grpSpPr>
+        <a:xfrm>
+          <a:off x="0" y="0"/>
+          <a:ext cx="0" cy="0"/>
+          <a:chOff x="0" y="0"/>
+          <a:chExt cx="0" cy="0"/>
+        </a:xfrm>
+      </p:grpSpPr>
+      <p:sp>
+        <p:nvSpPr>
+          <p:cNvPr id="2" name="Titel 1">
+            <a:extLst>
+              <a:ext uri="{FF2B5EF4-FFF2-40B4-BE49-F238E27FC236}">
+                <a16:creationId xmlns:a16="http://schemas.microsoft.com/office/drawing/2014/main" id="{17296256-048F-4D15-9FF7-37241709E82B}"/>
+              </a:ext>
+            </a:extLst>
+          </p:cNvPr>
+          <p:cNvSpPr>
+            <a:spLocks noGrp="1"/>
+          </p:cNvSpPr>
+          <p:nvPr>
+            <p:ph type="title"/>
+          </p:nvPr>
+        </p:nvSpPr>
+        <p:spPr/>
+        <p:txBody>
+          <a:bodyPr/>
+          <a:lstStyle/>
+          <a:p>
+            <a:r>
+              <a:rPr lang="de-DE" dirty="0" err="1"/>
+              <a:t>Cistern</a:t>
+            </a:r>
+            <a:endParaRPr lang="de-DE" dirty="0"/>
+          </a:p>
+        </p:txBody>
+      </p:sp>
+      <p:sp>
+        <p:nvSpPr>
+          <p:cNvPr id="3" name="Textplatzhalter 2">
+            <a:extLst>
+              <a:ext uri="{FF2B5EF4-FFF2-40B4-BE49-F238E27FC236}">
+                <a16:creationId xmlns:a16="http://schemas.microsoft.com/office/drawing/2014/main" id="{AE9CEDFF-D8DF-414B-82EC-65DA6495BFAA}"/>
+              </a:ext>
+            </a:extLst>
+          </p:cNvPr>
+          <p:cNvSpPr>
+            <a:spLocks noGrp="1"/>
+          </p:cNvSpPr>
+          <p:nvPr>
+            <p:ph type="body" sz="quarter" idx="10"/>
+          </p:nvPr>
+        </p:nvSpPr>
+        <p:spPr/>
+        <p:txBody>
+          <a:bodyPr/>
+          <a:lstStyle/>
+          <a:p>
+            <a:r>
+              <a:rPr lang="de-DE" sz="1400" dirty="0">
+                <a:hlinkClick r:id="rId2"/>
+              </a:rPr>
+              <a:t>http://192.168.0.45/getconfig</a:t>
+            </a:r>
+            <a:endParaRPr lang="de-DE" sz="1400" dirty="0"/>
+          </a:p>
+          <a:p>
+            <a:endParaRPr lang="de-DE" sz="1400" dirty="0"/>
+          </a:p>
+          <a:p>
+            <a:r>
+              <a:rPr lang="de-DE" sz="1400" dirty="0">
+                <a:hlinkClick r:id="rId3"/>
+              </a:rPr>
+              <a:t>http://192.168.0.45/setconfig?mqttbroker=ssdpi&amp;mqttport=8883</a:t>
+            </a:r>
+            <a:endParaRPr lang="de-DE" sz="1400" dirty="0"/>
+          </a:p>
+          <a:p>
+            <a:r>
+              <a:rPr lang="de-DE" sz="1400" dirty="0">
+                <a:hlinkClick r:id="rId4"/>
+              </a:rPr>
+              <a:t>http://192.168.0.45/setconfig?mqttuser=openhabian&amp;mqttpassword=piKla87Sie57</a:t>
+            </a:r>
+            <a:r>
+              <a:rPr lang="de-DE" sz="1400" dirty="0"/>
+              <a:t> </a:t>
+            </a:r>
+          </a:p>
+          <a:p>
+            <a:r>
+              <a:rPr lang="de-DE" sz="1400" dirty="0">
+                <a:hlinkClick r:id="rId5"/>
+              </a:rPr>
+              <a:t>http://192.168.0.45/setconfig?loggerip=192.168.0.10</a:t>
+            </a:r>
+            <a:r>
+              <a:rPr lang="de-DE" sz="1400" dirty="0"/>
+              <a:t>  </a:t>
+            </a:r>
+          </a:p>
+          <a:p>
+            <a:r>
+              <a:rPr lang="de-DE" sz="1400" dirty="0">
+                <a:hlinkClick r:id="rId6"/>
+              </a:rPr>
+              <a:t>http://192.168.0.45/setconfig?thingname=cistern</a:t>
+            </a:r>
+            <a:r>
+              <a:rPr lang="de-DE" sz="1400" dirty="0"/>
+              <a:t> </a:t>
+            </a:r>
+          </a:p>
+          <a:p>
+            <a:endParaRPr lang="de-DE" sz="1400" dirty="0"/>
+          </a:p>
+          <a:p>
+            <a:r>
+              <a:rPr lang="de-DE" sz="1400" dirty="0">
+                <a:hlinkClick r:id="rId7"/>
+              </a:rPr>
+              <a:t>http://192.168.0.50/getconfig?loggerip</a:t>
+            </a:r>
+            <a:r>
+              <a:rPr lang="de-DE" sz="1400" dirty="0"/>
+              <a:t> </a:t>
+            </a:r>
+          </a:p>
+          <a:p>
+            <a:endParaRPr lang="de-DE" sz="1400" dirty="0"/>
+          </a:p>
+          <a:p>
+            <a:r>
+              <a:rPr lang="de-DE" sz="1400" dirty="0">
+                <a:hlinkClick r:id="rId8"/>
+              </a:rPr>
+              <a:t>http://192.168.0.50/setactor?powerpump=1</a:t>
+            </a:r>
+            <a:r>
+              <a:rPr lang="de-DE" sz="1400" dirty="0"/>
+              <a:t> </a:t>
+            </a:r>
+          </a:p>
+          <a:p>
+            <a:r>
+              <a:rPr lang="de-DE" sz="1400" dirty="0">
+                <a:hlinkClick r:id="rId9"/>
+              </a:rPr>
+              <a:t>http://192.168.0.50/setactor?powervalve=1</a:t>
+            </a:r>
+            <a:r>
+              <a:rPr lang="de-DE" sz="1400" dirty="0"/>
+              <a:t> </a:t>
+            </a:r>
+          </a:p>
+          <a:p>
+            <a:endParaRPr lang="de-DE" sz="1400" dirty="0"/>
+          </a:p>
+          <a:p>
+            <a:r>
+              <a:rPr lang="de-DE" sz="1400" dirty="0">
+                <a:hlinkClick r:id="rId10"/>
+              </a:rPr>
+              <a:t>http://192.168.0.50/getactor?powerpump</a:t>
+            </a:r>
+            <a:r>
+              <a:rPr lang="de-DE" sz="1400" dirty="0"/>
+              <a:t>  </a:t>
+            </a:r>
+          </a:p>
+          <a:p>
+            <a:r>
+              <a:rPr lang="de-DE" sz="1400" dirty="0">
+                <a:hlinkClick r:id="rId11"/>
+              </a:rPr>
+              <a:t>http://192.168.0.50/getactor?powervalve</a:t>
+            </a:r>
+            <a:r>
+              <a:rPr lang="de-DE" sz="1400" dirty="0"/>
+              <a:t>  </a:t>
+            </a:r>
+          </a:p>
+          <a:p>
+            <a:endParaRPr lang="de-DE" sz="1400" dirty="0"/>
+          </a:p>
+          <a:p>
+            <a:r>
+              <a:rPr lang="de-DE" sz="1400" dirty="0">
+                <a:hlinkClick r:id="rId12"/>
+              </a:rPr>
+              <a:t>http://192.168.0.50/getsensor?weight</a:t>
+            </a:r>
+            <a:r>
+              <a:rPr lang="de-DE" sz="1400" dirty="0"/>
+              <a:t>  </a:t>
+            </a:r>
+          </a:p>
+          <a:p>
+            <a:r>
+              <a:rPr lang="de-DE" sz="1600">
+                <a:hlinkClick r:id="rId13"/>
+              </a:rPr>
+              <a:t>http://192.168.0.50/getsensor?power</a:t>
+            </a:r>
+            <a:r>
+              <a:rPr lang="de-DE" sz="1600"/>
+              <a:t>   </a:t>
+            </a:r>
+          </a:p>
+          <a:p>
+            <a:endParaRPr lang="de-DE" sz="1600" dirty="0"/>
+          </a:p>
+        </p:txBody>
+      </p:sp>
+    </p:spTree>
+    <p:extLst>
+      <p:ext uri="{BB962C8B-B14F-4D97-AF65-F5344CB8AC3E}">
+        <p14:creationId xmlns:p14="http://schemas.microsoft.com/office/powerpoint/2010/main" val="276220864"/>
+      </p:ext>
+    </p:extLst>
+  </p:cSld>
+  <p:clrMapOvr>
+    <a:masterClrMapping/>
+  </p:clrMapOvr>
+</p:sld>
+</file>
+
+<file path=ppt/slides/slide6.xml><?xml version="1.0" encoding="utf-8"?>
+<p:sld xmlns:a="http://schemas.openxmlformats.org/drawingml/2006/main" xmlns:r="http://schemas.openxmlformats.org/officeDocument/2006/relationships" xmlns:p="http://schemas.openxmlformats.org/presentationml/2006/main">
+  <p:cSld>
+    <p:spTree>
+      <p:nvGrpSpPr>
+        <p:cNvPr id="1" name=""/>
+        <p:cNvGrpSpPr/>
+        <p:nvPr/>
+      </p:nvGrpSpPr>
+      <p:grpSpPr>
+        <a:xfrm>
+          <a:off x="0" y="0"/>
+          <a:ext cx="0" cy="0"/>
+          <a:chOff x="0" y="0"/>
+          <a:chExt cx="0" cy="0"/>
+        </a:xfrm>
+      </p:grpSpPr>
+      <p:sp>
+        <p:nvSpPr>
+          <p:cNvPr id="2" name="Titel 1">
+            <a:extLst>
+              <a:ext uri="{FF2B5EF4-FFF2-40B4-BE49-F238E27FC236}">
+                <a16:creationId xmlns:a16="http://schemas.microsoft.com/office/drawing/2014/main" id="{17296256-048F-4D15-9FF7-37241709E82B}"/>
+              </a:ext>
+            </a:extLst>
+          </p:cNvPr>
+          <p:cNvSpPr>
+            <a:spLocks noGrp="1"/>
+          </p:cNvSpPr>
+          <p:nvPr>
+            <p:ph type="title"/>
+          </p:nvPr>
+        </p:nvSpPr>
+        <p:spPr/>
+        <p:txBody>
+          <a:bodyPr/>
+          <a:lstStyle/>
+          <a:p>
+            <a:r>
+              <a:rPr lang="de-DE" dirty="0" err="1"/>
+              <a:t>SsrDemo</a:t>
+            </a:r>
+            <a:endParaRPr lang="de-DE" dirty="0"/>
+          </a:p>
+        </p:txBody>
+      </p:sp>
+      <p:sp>
+        <p:nvSpPr>
+          <p:cNvPr id="3" name="Textplatzhalter 2">
+            <a:extLst>
+              <a:ext uri="{FF2B5EF4-FFF2-40B4-BE49-F238E27FC236}">
+                <a16:creationId xmlns:a16="http://schemas.microsoft.com/office/drawing/2014/main" id="{AE9CEDFF-D8DF-414B-82EC-65DA6495BFAA}"/>
+              </a:ext>
+            </a:extLst>
+          </p:cNvPr>
+          <p:cNvSpPr>
+            <a:spLocks noGrp="1"/>
+          </p:cNvSpPr>
+          <p:nvPr>
+            <p:ph type="body" sz="quarter" idx="10"/>
+          </p:nvPr>
+        </p:nvSpPr>
+        <p:spPr/>
+        <p:txBody>
+          <a:bodyPr/>
+          <a:lstStyle/>
+          <a:p>
+            <a:r>
+              <a:rPr lang="de-DE" sz="1600" dirty="0">
+                <a:hlinkClick r:id="rId2"/>
+              </a:rPr>
+              <a:t>http://192.168.0.79/getconfig</a:t>
+            </a:r>
+            <a:endParaRPr lang="de-DE" sz="1600" dirty="0"/>
+          </a:p>
+          <a:p>
+            <a:endParaRPr lang="de-DE" sz="1600" dirty="0"/>
+          </a:p>
+          <a:p>
+            <a:r>
+              <a:rPr lang="de-DE" sz="1600" dirty="0">
+                <a:hlinkClick r:id="rId3"/>
+              </a:rPr>
+              <a:t>http://192.168.0.79/setconfig?mqttbroker=ssdpi&amp;mqttport=8883</a:t>
+            </a:r>
+            <a:endParaRPr lang="de-DE" sz="1600" dirty="0"/>
+          </a:p>
+          <a:p>
+            <a:r>
+              <a:rPr lang="de-DE" sz="1600" dirty="0">
+                <a:hlinkClick r:id="rId4"/>
+              </a:rPr>
+              <a:t>http://192.168.0.79/setconfig?mqttuser=openhabian&amp;mqttpassword=piKla87Sie57</a:t>
+            </a:r>
+            <a:r>
+              <a:rPr lang="de-DE" sz="1600" dirty="0"/>
+              <a:t> </a:t>
+            </a:r>
+          </a:p>
+          <a:p>
+            <a:r>
+              <a:rPr lang="de-DE" sz="1600" dirty="0">
+                <a:hlinkClick r:id="rId5"/>
+              </a:rPr>
+              <a:t>http://192.168.0.79/setconfig?ntpserver=192.168.0.2&amp;thingname=ssrdemo</a:t>
+            </a:r>
+            <a:endParaRPr lang="de-DE" sz="1600" dirty="0"/>
+          </a:p>
+          <a:p>
+            <a:endParaRPr lang="de-DE" sz="1600" dirty="0"/>
+          </a:p>
+          <a:p>
+            <a:r>
+              <a:rPr lang="de-DE" sz="1600" dirty="0">
+                <a:hlinkClick r:id="rId6"/>
+              </a:rPr>
+              <a:t>http://192.168.0.79/setactor?switch=1</a:t>
+            </a:r>
+            <a:r>
+              <a:rPr lang="de-DE" sz="1600" dirty="0"/>
+              <a:t> </a:t>
+            </a:r>
+          </a:p>
+          <a:p>
+            <a:r>
+              <a:rPr lang="de-DE" sz="1800" dirty="0">
+                <a:hlinkClick r:id="rId7"/>
+              </a:rPr>
+              <a:t>http://192.168.0.79/getactor?switch</a:t>
+            </a:r>
+            <a:r>
+              <a:rPr lang="de-DE" sz="1800" dirty="0"/>
+              <a:t> </a:t>
+            </a:r>
+          </a:p>
+          <a:p>
+            <a:endParaRPr lang="de-DE" sz="1800" dirty="0"/>
+          </a:p>
+          <a:p>
+            <a:r>
+              <a:rPr lang="de-DE" sz="1800" dirty="0">
+                <a:hlinkClick r:id="rId8"/>
+              </a:rPr>
+              <a:t>http://192.168.0.79/getconfig?thingname</a:t>
+            </a:r>
+            <a:r>
+              <a:rPr lang="de-DE" sz="1800" dirty="0"/>
+              <a:t> </a:t>
+            </a:r>
+          </a:p>
+          <a:p>
+            <a:endParaRPr lang="de-DE" sz="1800" dirty="0"/>
+          </a:p>
+        </p:txBody>
+      </p:sp>
+    </p:spTree>
+    <p:extLst>
+      <p:ext uri="{BB962C8B-B14F-4D97-AF65-F5344CB8AC3E}">
+        <p14:creationId xmlns:p14="http://schemas.microsoft.com/office/powerpoint/2010/main" val="3504643302"/>
+      </p:ext>
+    </p:extLst>
+  </p:cSld>
+  <p:clrMapOvr>
+    <a:masterClrMapping/>
+  </p:clrMapOvr>
+</p:sld>
+</file>
+
+<file path=ppt/slides/slide7.xml><?xml version="1.0" encoding="utf-8"?>
+<p:sld xmlns:a="http://schemas.openxmlformats.org/drawingml/2006/main" xmlns:r="http://schemas.openxmlformats.org/officeDocument/2006/relationships" xmlns:p="http://schemas.openxmlformats.org/presentationml/2006/main">
+  <p:cSld>
+    <p:spTree>
+      <p:nvGrpSpPr>
+        <p:cNvPr id="1" name=""/>
+        <p:cNvGrpSpPr/>
+        <p:nvPr/>
+      </p:nvGrpSpPr>
+      <p:grpSpPr>
+        <a:xfrm>
+          <a:off x="0" y="0"/>
+          <a:ext cx="0" cy="0"/>
+          <a:chOff x="0" y="0"/>
+          <a:chExt cx="0" cy="0"/>
+        </a:xfrm>
+      </p:grpSpPr>
+      <p:sp>
+        <p:nvSpPr>
+          <p:cNvPr id="2" name="Titel 1">
+            <a:extLst>
+              <a:ext uri="{FF2B5EF4-FFF2-40B4-BE49-F238E27FC236}">
+                <a16:creationId xmlns:a16="http://schemas.microsoft.com/office/drawing/2014/main" id="{17296256-048F-4D15-9FF7-37241709E82B}"/>
+              </a:ext>
+            </a:extLst>
+          </p:cNvPr>
+          <p:cNvSpPr>
+            <a:spLocks noGrp="1"/>
+          </p:cNvSpPr>
+          <p:nvPr>
+            <p:ph type="title"/>
+          </p:nvPr>
+        </p:nvSpPr>
+        <p:spPr/>
+        <p:txBody>
+          <a:bodyPr/>
+          <a:lstStyle/>
+          <a:p>
+            <a:r>
+              <a:rPr lang="de-DE" dirty="0" err="1"/>
+              <a:t>Miflora</a:t>
+            </a:r>
+            <a:r>
+              <a:rPr lang="de-DE" dirty="0"/>
+              <a:t> </a:t>
+            </a:r>
+            <a:r>
+              <a:rPr lang="de-DE" dirty="0" err="1"/>
+              <a:t>Hellmonsödt</a:t>
+            </a:r>
+            <a:endParaRPr lang="de-DE" dirty="0"/>
+          </a:p>
+        </p:txBody>
+      </p:sp>
+      <p:sp>
+        <p:nvSpPr>
+          <p:cNvPr id="3" name="Textplatzhalter 2">
+            <a:extLst>
+              <a:ext uri="{FF2B5EF4-FFF2-40B4-BE49-F238E27FC236}">
+                <a16:creationId xmlns:a16="http://schemas.microsoft.com/office/drawing/2014/main" id="{AE9CEDFF-D8DF-414B-82EC-65DA6495BFAA}"/>
+              </a:ext>
+            </a:extLst>
+          </p:cNvPr>
+          <p:cNvSpPr>
+            <a:spLocks noGrp="1"/>
+          </p:cNvSpPr>
+          <p:nvPr>
+            <p:ph type="body" sz="quarter" idx="10"/>
+          </p:nvPr>
+        </p:nvSpPr>
+        <p:spPr/>
+        <p:txBody>
+          <a:bodyPr/>
+          <a:lstStyle/>
+          <a:p>
+            <a:r>
+              <a:rPr lang="de-DE" sz="1600" dirty="0">
+                <a:hlinkClick r:id="rId2"/>
+              </a:rPr>
+              <a:t>http://192.168.1.73/getconfig</a:t>
+            </a:r>
+            <a:endParaRPr lang="de-DE" sz="1600" dirty="0"/>
+          </a:p>
+          <a:p>
+            <a:endParaRPr lang="de-DE" sz="1600" dirty="0"/>
+          </a:p>
+          <a:p>
+            <a:r>
+              <a:rPr lang="de-DE" sz="1600" dirty="0">
+                <a:hlinkClick r:id="rId3"/>
+              </a:rPr>
+              <a:t>http://192.168.1.73/setconfig?mqttbroker=leonding.synology.me&amp;mqttport=8883</a:t>
+            </a:r>
+            <a:endParaRPr lang="de-DE" sz="1600" dirty="0"/>
+          </a:p>
+          <a:p>
+            <a:r>
+              <a:rPr lang="de-DE" sz="1600" dirty="0">
+                <a:hlinkClick r:id="rId4"/>
+              </a:rPr>
+              <a:t>http://192.168.1.73/setconfig?mqttbroker=leonding.synology.me&amp;mqttport=8883</a:t>
+            </a:r>
+            <a:endParaRPr lang="de-DE" sz="1600" dirty="0"/>
+          </a:p>
+          <a:p>
+            <a:r>
+              <a:rPr lang="de-DE" sz="1600" dirty="0">
+                <a:hlinkClick r:id="rId5"/>
+              </a:rPr>
+              <a:t>http://192.168.1.73/setconfig?mqttuser=openhabian&amp;mqttpassword=piKla87Sie57</a:t>
+            </a:r>
+            <a:r>
+              <a:rPr lang="de-DE" sz="1600" dirty="0"/>
+              <a:t> </a:t>
+            </a:r>
+          </a:p>
+          <a:p>
+            <a:endParaRPr lang="de-DE" sz="1600" dirty="0"/>
+          </a:p>
+          <a:p>
+            <a:r>
+              <a:rPr lang="de-DE" sz="1600" dirty="0">
+                <a:hlinkClick r:id="rId6"/>
+              </a:rPr>
+              <a:t>http://192.168.1.73/getconfigvalue?mqttbroker</a:t>
+            </a:r>
+            <a:r>
+              <a:rPr lang="de-DE" sz="1600" dirty="0"/>
+              <a:t> </a:t>
+            </a:r>
+          </a:p>
+          <a:p>
+            <a:r>
+              <a:rPr lang="de-DE" sz="1600" dirty="0">
+                <a:hlinkClick r:id="rId7"/>
+              </a:rPr>
+              <a:t>http://192.168.1.73/getconfigvalue?mqttpassword</a:t>
+            </a:r>
+            <a:r>
+              <a:rPr lang="de-DE" sz="1600" dirty="0"/>
+              <a:t> </a:t>
+            </a:r>
+          </a:p>
+          <a:p>
+            <a:r>
+              <a:rPr lang="de-DE" sz="1600" dirty="0">
+                <a:hlinkClick r:id="rId8"/>
+              </a:rPr>
+              <a:t>http://192.168.1.73/getconfigvalue?mqttport</a:t>
+            </a:r>
+            <a:r>
+              <a:rPr lang="de-DE" sz="1600" dirty="0"/>
+              <a:t> </a:t>
+            </a:r>
+          </a:p>
+          <a:p>
+            <a:r>
+              <a:rPr lang="de-DE" sz="1600" dirty="0">
+                <a:hlinkClick r:id="rId9"/>
+              </a:rPr>
+              <a:t>http://192.168.1.73/getconfigvalue?ssid</a:t>
+            </a:r>
+            <a:r>
+              <a:rPr lang="de-DE" sz="1600" dirty="0"/>
+              <a:t>  </a:t>
+            </a:r>
+          </a:p>
+          <a:p>
+            <a:r>
+              <a:rPr lang="de-DE" sz="1600" dirty="0">
+                <a:hlinkClick r:id="rId10"/>
+              </a:rPr>
+              <a:t>http://192.168.1.73/getconfigvalue?password</a:t>
+            </a:r>
+            <a:r>
+              <a:rPr lang="de-DE" sz="1600" dirty="0"/>
+              <a:t> </a:t>
+            </a:r>
+          </a:p>
+          <a:p>
+            <a:endParaRPr lang="de-DE" sz="1600" dirty="0"/>
+          </a:p>
+          <a:p>
+            <a:endParaRPr lang="de-DE" sz="1600" dirty="0"/>
+          </a:p>
+          <a:p>
+            <a:endParaRPr lang="de-DE" sz="1600" dirty="0"/>
+          </a:p>
+          <a:p>
+            <a:endParaRPr lang="de-DE" sz="1600" dirty="0"/>
+          </a:p>
+          <a:p>
+            <a:endParaRPr lang="de-DE" sz="1600" dirty="0"/>
+          </a:p>
+          <a:p>
+            <a:endParaRPr lang="de-DE" sz="1600" dirty="0"/>
+          </a:p>
+        </p:txBody>
+      </p:sp>
+    </p:spTree>
+    <p:extLst>
+      <p:ext uri="{BB962C8B-B14F-4D97-AF65-F5344CB8AC3E}">
+        <p14:creationId xmlns:p14="http://schemas.microsoft.com/office/powerpoint/2010/main" val="1108982593"/>
+      </p:ext>
+    </p:extLst>
+  </p:cSld>
+  <p:clrMapOvr>
+    <a:masterClrMapping/>
+  </p:clrMapOvr>
+</p:sld>
+</file>
+
+<file path=ppt/slides/slide8.xml><?xml version="1.0" encoding="utf-8"?>
+<p:sld xmlns:a="http://schemas.openxmlformats.org/drawingml/2006/main" xmlns:r="http://schemas.openxmlformats.org/officeDocument/2006/relationships" xmlns:p="http://schemas.openxmlformats.org/presentationml/2006/main">
+  <p:cSld>
+    <p:spTree>
+      <p:nvGrpSpPr>
+        <p:cNvPr id="1" name=""/>
+        <p:cNvGrpSpPr/>
+        <p:nvPr/>
+      </p:nvGrpSpPr>
+      <p:grpSpPr>
+        <a:xfrm>
+          <a:off x="0" y="0"/>
+          <a:ext cx="0" cy="0"/>
+          <a:chOff x="0" y="0"/>
+          <a:chExt cx="0" cy="0"/>
+        </a:xfrm>
+      </p:grpSpPr>
+      <p:sp>
+        <p:nvSpPr>
+          <p:cNvPr id="2" name="Titel 1">
+            <a:extLst>
+              <a:ext uri="{FF2B5EF4-FFF2-40B4-BE49-F238E27FC236}">
+                <a16:creationId xmlns:a16="http://schemas.microsoft.com/office/drawing/2014/main" id="{17296256-048F-4D15-9FF7-37241709E82B}"/>
+              </a:ext>
+            </a:extLst>
+          </p:cNvPr>
+          <p:cNvSpPr>
+            <a:spLocks noGrp="1"/>
+          </p:cNvSpPr>
+          <p:nvPr>
+            <p:ph type="title"/>
+          </p:nvPr>
+        </p:nvSpPr>
+        <p:spPr/>
+        <p:txBody>
+          <a:bodyPr/>
+          <a:lstStyle/>
+          <a:p>
+            <a:r>
+              <a:rPr lang="de-DE" dirty="0" err="1"/>
+              <a:t>Miflora</a:t>
+            </a:r>
+            <a:r>
+              <a:rPr lang="de-DE" dirty="0"/>
+              <a:t> Leonding</a:t>
+            </a:r>
+          </a:p>
+        </p:txBody>
+      </p:sp>
+      <p:sp>
+        <p:nvSpPr>
+          <p:cNvPr id="3" name="Textplatzhalter 2">
+            <a:extLst>
+              <a:ext uri="{FF2B5EF4-FFF2-40B4-BE49-F238E27FC236}">
+                <a16:creationId xmlns:a16="http://schemas.microsoft.com/office/drawing/2014/main" id="{AE9CEDFF-D8DF-414B-82EC-65DA6495BFAA}"/>
+              </a:ext>
+            </a:extLst>
+          </p:cNvPr>
+          <p:cNvSpPr>
+            <a:spLocks noGrp="1"/>
+          </p:cNvSpPr>
+          <p:nvPr>
+            <p:ph type="body" sz="quarter" idx="10"/>
+          </p:nvPr>
+        </p:nvSpPr>
+        <p:spPr/>
+        <p:txBody>
+          <a:bodyPr/>
+          <a:lstStyle/>
+          <a:p>
+            <a:r>
+              <a:rPr lang="de-DE" sz="1600" dirty="0">
+                <a:hlinkClick r:id="rId2"/>
+              </a:rPr>
+              <a:t>http://192.168.0.60/getconfig</a:t>
+            </a:r>
+            <a:endParaRPr lang="de-DE" sz="1600" dirty="0"/>
+          </a:p>
+          <a:p>
+            <a:endParaRPr lang="de-DE" sz="1600" dirty="0"/>
+          </a:p>
+          <a:p>
+            <a:r>
+              <a:rPr lang="de-DE" sz="1600" dirty="0">
+                <a:hlinkClick r:id="rId3"/>
+              </a:rPr>
+              <a:t>http://192.168.0.60/setconfig?mqttbroker=ssdpi&amp;mqttport=8883</a:t>
+            </a:r>
+            <a:endParaRPr lang="de-DE" sz="1600" dirty="0"/>
+          </a:p>
+          <a:p>
+            <a:r>
+              <a:rPr lang="de-DE" sz="1600" dirty="0">
+                <a:hlinkClick r:id="rId4"/>
+              </a:rPr>
+              <a:t>http://192.168.0.60/setconfig?mqttuser=openhabian&amp;mqttpassword=piKla87Sie57</a:t>
+            </a:r>
+            <a:r>
+              <a:rPr lang="de-DE" sz="1600" dirty="0"/>
+              <a:t> </a:t>
+            </a:r>
+          </a:p>
+          <a:p>
+            <a:endParaRPr lang="de-DE" sz="1600" dirty="0"/>
+          </a:p>
+          <a:p>
+            <a:r>
+              <a:rPr lang="de-DE" sz="1600" dirty="0">
+                <a:hlinkClick r:id="rId5"/>
+              </a:rPr>
+              <a:t>http://192.168.0.60/getconfigvalue?mqttbroker</a:t>
+            </a:r>
+            <a:r>
+              <a:rPr lang="de-DE" sz="1600" dirty="0"/>
+              <a:t> </a:t>
+            </a:r>
+          </a:p>
+          <a:p>
+            <a:r>
+              <a:rPr lang="de-DE" sz="1600" dirty="0">
+                <a:hlinkClick r:id="rId6"/>
+              </a:rPr>
+              <a:t>http://192.168.0.60/getconfigvalue?mqttpassword</a:t>
+            </a:r>
+            <a:r>
+              <a:rPr lang="de-DE" sz="1600" dirty="0"/>
+              <a:t> </a:t>
+            </a:r>
+          </a:p>
+          <a:p>
+            <a:r>
+              <a:rPr lang="de-DE" sz="1600" dirty="0">
+                <a:hlinkClick r:id="rId7"/>
+              </a:rPr>
+              <a:t>http://192.168.0.60/getconfigvalue?mqttport</a:t>
+            </a:r>
+            <a:r>
+              <a:rPr lang="de-DE" sz="1600" dirty="0"/>
+              <a:t> </a:t>
+            </a:r>
+          </a:p>
+          <a:p>
+            <a:r>
+              <a:rPr lang="de-DE" sz="1600" dirty="0">
+                <a:hlinkClick r:id="rId8"/>
+              </a:rPr>
+              <a:t>http://192.168.0.60/getconfigvalue?ssid</a:t>
+            </a:r>
+            <a:r>
+              <a:rPr lang="de-DE" sz="1600" dirty="0"/>
+              <a:t>  </a:t>
+            </a:r>
+          </a:p>
+          <a:p>
+            <a:r>
+              <a:rPr lang="de-DE" sz="1600" dirty="0">
+                <a:hlinkClick r:id="rId9"/>
+              </a:rPr>
+              <a:t>http://192.168.0.60/getconfigvalue?password</a:t>
+            </a:r>
+            <a:r>
+              <a:rPr lang="de-DE" sz="1600" dirty="0"/>
+              <a:t> </a:t>
+            </a:r>
+          </a:p>
+          <a:p>
+            <a:endParaRPr lang="de-DE" sz="1600" dirty="0"/>
+          </a:p>
+          <a:p>
+            <a:endParaRPr lang="de-DE" sz="1600" dirty="0"/>
+          </a:p>
+          <a:p>
+            <a:endParaRPr lang="de-DE" sz="1600" dirty="0"/>
+          </a:p>
+          <a:p>
+            <a:endParaRPr lang="de-DE" sz="1600" dirty="0"/>
+          </a:p>
+          <a:p>
+            <a:endParaRPr lang="de-DE" sz="1600" dirty="0"/>
+          </a:p>
+          <a:p>
+            <a:endParaRPr lang="de-DE" sz="1600" dirty="0"/>
+          </a:p>
+        </p:txBody>
+      </p:sp>
+    </p:spTree>
+    <p:extLst>
+      <p:ext uri="{BB962C8B-B14F-4D97-AF65-F5344CB8AC3E}">
+        <p14:creationId xmlns:p14="http://schemas.microsoft.com/office/powerpoint/2010/main" val="2009656255"/>
+      </p:ext>
+    </p:extLst>
+  </p:cSld>
+  <p:clrMapOvr>
+    <a:masterClrMapping/>
+  </p:clrMapOvr>
+</p:sld>
+</file>
+
+<file path=ppt/slides/slide9.xml><?xml version="1.0" encoding="utf-8"?>
+<p:sld xmlns:a="http://schemas.openxmlformats.org/drawingml/2006/main" xmlns:r="http://schemas.openxmlformats.org/officeDocument/2006/relationships" xmlns:p="http://schemas.openxmlformats.org/presentationml/2006/main">
+  <p:cSld>
+    <p:spTree>
+      <p:nvGrpSpPr>
+        <p:cNvPr id="1" name=""/>
+        <p:cNvGrpSpPr/>
+        <p:nvPr/>
+      </p:nvGrpSpPr>
+      <p:grpSpPr>
+        <a:xfrm>
+          <a:off x="0" y="0"/>
+          <a:ext cx="0" cy="0"/>
+          <a:chOff x="0" y="0"/>
+          <a:chExt cx="0" cy="0"/>
+        </a:xfrm>
+      </p:grpSpPr>
+      <p:sp>
+        <p:nvSpPr>
+          <p:cNvPr id="2" name="Titel 1">
+            <a:extLst>
+              <a:ext uri="{FF2B5EF4-FFF2-40B4-BE49-F238E27FC236}">
+                <a16:creationId xmlns:a16="http://schemas.microsoft.com/office/drawing/2014/main" id="{0B74C02A-71C1-4A5F-BF29-4C1AC36D8B4B}"/>
+              </a:ext>
+            </a:extLst>
+          </p:cNvPr>
+          <p:cNvSpPr>
+            <a:spLocks noGrp="1"/>
+          </p:cNvSpPr>
+          <p:nvPr>
+            <p:ph type="title"/>
+          </p:nvPr>
+        </p:nvSpPr>
+        <p:spPr/>
+        <p:txBody>
+          <a:bodyPr/>
+          <a:lstStyle/>
+          <a:p>
+            <a:endParaRPr lang="de-DE"/>
+          </a:p>
+        </p:txBody>
+      </p:sp>
+      <p:sp>
+        <p:nvSpPr>
+          <p:cNvPr id="3" name="Textplatzhalter 2">
+            <a:extLst>
+              <a:ext uri="{FF2B5EF4-FFF2-40B4-BE49-F238E27FC236}">
+                <a16:creationId xmlns:a16="http://schemas.microsoft.com/office/drawing/2014/main" id="{F6A1990D-B561-428E-9FBD-9207AA884B95}"/>
+              </a:ext>
+            </a:extLst>
+          </p:cNvPr>
+          <p:cNvSpPr>
+            <a:spLocks noGrp="1"/>
+          </p:cNvSpPr>
+          <p:nvPr>
+            <p:ph type="body" sz="quarter" idx="10"/>
+          </p:nvPr>
+        </p:nvSpPr>
+        <p:spPr/>
+        <p:txBody>
+          <a:bodyPr/>
+          <a:lstStyle/>
+          <a:p>
+            <a:endParaRPr lang="de-DE"/>
+          </a:p>
+        </p:txBody>
+      </p:sp>
+      <p:pic>
+        <p:nvPicPr>
+          <p:cNvPr id="4" name="Grafik 3">
+            <a:extLst>
+              <a:ext uri="{FF2B5EF4-FFF2-40B4-BE49-F238E27FC236}">
+                <a16:creationId xmlns:a16="http://schemas.microsoft.com/office/drawing/2014/main" id="{EE39AA67-7170-49E6-A631-CECD5DDBBDF6}"/>
+              </a:ext>
+            </a:extLst>
+          </p:cNvPr>
+          <p:cNvPicPr>
+            <a:picLocks noChangeAspect="1"/>
+          </p:cNvPicPr>
+          <p:nvPr/>
+        </p:nvPicPr>
+        <p:blipFill>
+          <a:blip r:embed="rId2"/>
+          <a:stretch>
+            <a:fillRect/>
+          </a:stretch>
+        </p:blipFill>
+        <p:spPr>
+          <a:xfrm>
+            <a:off x="0" y="1148024"/>
+            <a:ext cx="9144000" cy="4561951"/>
+          </a:xfrm>
+          <a:prstGeom prst="rect">
+            <a:avLst/>
+          </a:prstGeom>
+        </p:spPr>
+      </p:pic>
+    </p:spTree>
+    <p:extLst>
+      <p:ext uri="{BB962C8B-B14F-4D97-AF65-F5344CB8AC3E}">
+        <p14:creationId xmlns:p14="http://schemas.microsoft.com/office/powerpoint/2010/main" val="945607563"/>
       </p:ext>
     </p:extLst>
   </p:cSld>

--- a/001_Things.pptx
+++ b/001_Things.pptx
@@ -291,7 +291,7 @@
               <a:pPr>
                 <a:defRPr/>
               </a:pPr>
-              <a:t>12.09.2019</a:t>
+              <a:t>14.09.2019</a:t>
             </a:fld>
             <a:endParaRPr lang="de-AT"/>
           </a:p>
@@ -506,7 +506,7 @@
               <a:pPr>
                 <a:defRPr/>
               </a:pPr>
-              <a:t>12.09.2019</a:t>
+              <a:t>14.09.2019</a:t>
             </a:fld>
             <a:endParaRPr lang="de-AT"/>
           </a:p>
@@ -2191,19 +2191,12 @@
               <a:rPr lang="de-DE" sz="1600" dirty="0">
                 <a:hlinkClick r:id="rId2"/>
               </a:rPr>
-              <a:t>http://192.168.10.1/setconfig?ssid=linksysAtHome&amp;password</a:t>
-            </a:r>
-            <a:r>
-              <a:rPr lang="de-DE" sz="1600">
-                <a:hlinkClick r:id="rId2"/>
-              </a:rPr>
-              <a:t>=YJXPF4WAC7</a:t>
-            </a:r>
-            <a:r>
-              <a:rPr lang="de-DE" sz="1600"/>
+              <a:t>http://192.168.10.1/setconfig?ssid=linksysAtHome&amp;password=YJXPF4WAC7</a:t>
+            </a:r>
+            <a:r>
+              <a:rPr lang="de-DE" sz="1600" dirty="0"/>
               <a:t> </a:t>
             </a:r>
-            <a:endParaRPr lang="de-DE" sz="1600" dirty="0"/>
           </a:p>
           <a:p>
             <a:r>
@@ -2212,6 +2205,9 @@
               </a:rPr>
               <a:t>http://192.168.10.1/setconfig?ssid=A1-B5035B&amp;password=52809766B6</a:t>
             </a:r>
+            <a:endParaRPr lang="de-DE" sz="1600" dirty="0"/>
+          </a:p>
+          <a:p>
             <a:endParaRPr lang="de-DE" sz="1600" dirty="0"/>
           </a:p>
           <a:p>

--- a/001_Things.pptx
+++ b/001_Things.pptx
@@ -5,10 +5,10 @@
     <p:sldMasterId id="2147483686" r:id="rId1"/>
   </p:sldMasterIdLst>
   <p:notesMasterIdLst>
-    <p:notesMasterId r:id="rId14"/>
+    <p:notesMasterId r:id="rId15"/>
   </p:notesMasterIdLst>
   <p:handoutMasterIdLst>
-    <p:handoutMasterId r:id="rId15"/>
+    <p:handoutMasterId r:id="rId16"/>
   </p:handoutMasterIdLst>
   <p:sldIdLst>
     <p:sldId id="859" r:id="rId2"/>
@@ -20,9 +20,10 @@
     <p:sldId id="875" r:id="rId8"/>
     <p:sldId id="876" r:id="rId9"/>
     <p:sldId id="879" r:id="rId10"/>
-    <p:sldId id="871" r:id="rId11"/>
-    <p:sldId id="872" r:id="rId12"/>
-    <p:sldId id="870" r:id="rId13"/>
+    <p:sldId id="880" r:id="rId11"/>
+    <p:sldId id="871" r:id="rId12"/>
+    <p:sldId id="872" r:id="rId13"/>
+    <p:sldId id="870" r:id="rId14"/>
   </p:sldIdLst>
   <p:sldSz cx="9144000" cy="6858000" type="screen4x3"/>
   <p:notesSz cx="6797675" cy="9926638"/>
@@ -291,7 +292,7 @@
               <a:pPr>
                 <a:defRPr/>
               </a:pPr>
-              <a:t>14.09.2019</a:t>
+              <a:t>22.09.2019</a:t>
             </a:fld>
             <a:endParaRPr lang="de-AT"/>
           </a:p>
@@ -506,7 +507,7 @@
               <a:pPr>
                 <a:defRPr/>
               </a:pPr>
-              <a:t>14.09.2019</a:t>
+              <a:t>22.09.2019</a:t>
             </a:fld>
             <a:endParaRPr lang="de-AT"/>
           </a:p>
@@ -2332,6 +2333,217 @@
           <p:cNvPr id="2" name="Titel 1">
             <a:extLst>
               <a:ext uri="{FF2B5EF4-FFF2-40B4-BE49-F238E27FC236}">
+                <a16:creationId xmlns:a16="http://schemas.microsoft.com/office/drawing/2014/main" id="{17296256-048F-4D15-9FF7-37241709E82B}"/>
+              </a:ext>
+            </a:extLst>
+          </p:cNvPr>
+          <p:cNvSpPr>
+            <a:spLocks noGrp="1"/>
+          </p:cNvSpPr>
+          <p:nvPr>
+            <p:ph type="title"/>
+          </p:nvPr>
+        </p:nvSpPr>
+        <p:spPr/>
+        <p:txBody>
+          <a:bodyPr/>
+          <a:lstStyle/>
+          <a:p>
+            <a:r>
+              <a:rPr lang="de-DE" dirty="0" err="1"/>
+              <a:t>MqttGateway</a:t>
+            </a:r>
+            <a:r>
+              <a:rPr lang="de-DE" dirty="0"/>
+              <a:t> </a:t>
+            </a:r>
+            <a:r>
+              <a:rPr lang="de-DE" dirty="0">
+                <a:sym typeface="Wingdings" panose="05000000000000000000" pitchFamily="2" charset="2"/>
+              </a:rPr>
+              <a:t> </a:t>
+            </a:r>
+            <a:r>
+              <a:rPr lang="de-DE" dirty="0" err="1">
+                <a:sym typeface="Wingdings" panose="05000000000000000000" pitchFamily="2" charset="2"/>
+              </a:rPr>
+              <a:t>MiFlora</a:t>
+            </a:r>
+            <a:endParaRPr lang="de-DE" dirty="0"/>
+          </a:p>
+        </p:txBody>
+      </p:sp>
+      <p:sp>
+        <p:nvSpPr>
+          <p:cNvPr id="3" name="Textplatzhalter 2">
+            <a:extLst>
+              <a:ext uri="{FF2B5EF4-FFF2-40B4-BE49-F238E27FC236}">
+                <a16:creationId xmlns:a16="http://schemas.microsoft.com/office/drawing/2014/main" id="{AE9CEDFF-D8DF-414B-82EC-65DA6495BFAA}"/>
+              </a:ext>
+            </a:extLst>
+          </p:cNvPr>
+          <p:cNvSpPr>
+            <a:spLocks noGrp="1"/>
+          </p:cNvSpPr>
+          <p:nvPr>
+            <p:ph type="body" sz="quarter" idx="10"/>
+          </p:nvPr>
+        </p:nvSpPr>
+        <p:spPr/>
+        <p:txBody>
+          <a:bodyPr/>
+          <a:lstStyle/>
+          <a:p>
+            <a:r>
+              <a:rPr lang="de-DE" sz="1600" dirty="0">
+                <a:hlinkClick r:id="rId2"/>
+              </a:rPr>
+              <a:t>http://192.168.0.60/getconfig</a:t>
+            </a:r>
+            <a:endParaRPr lang="de-DE" sz="1600" dirty="0"/>
+          </a:p>
+          <a:p>
+            <a:endParaRPr lang="de-DE" sz="1600" dirty="0"/>
+          </a:p>
+          <a:p>
+            <a:r>
+              <a:rPr lang="de-DE" sz="1600" dirty="0">
+                <a:hlinkClick r:id="rId3"/>
+              </a:rPr>
+              <a:t>http://192.168.0.60/setconfig?mqttbroker=ssdpi&amp;mqttport=8883</a:t>
+            </a:r>
+            <a:endParaRPr lang="de-DE" sz="1600" dirty="0"/>
+          </a:p>
+          <a:p>
+            <a:r>
+              <a:rPr lang="de-DE" sz="1600" dirty="0">
+                <a:hlinkClick r:id="rId4"/>
+              </a:rPr>
+              <a:t>http://192.168.0.60/setconfig?mqttuser=openhabian&amp;mqttpassword=piKla87Sie57</a:t>
+            </a:r>
+            <a:r>
+              <a:rPr lang="de-DE" sz="1600" dirty="0"/>
+              <a:t> </a:t>
+            </a:r>
+          </a:p>
+          <a:p>
+            <a:endParaRPr lang="de-DE" sz="1600" dirty="0"/>
+          </a:p>
+          <a:p>
+            <a:r>
+              <a:rPr lang="de-DE" sz="1600" dirty="0">
+                <a:hlinkClick r:id="rId5"/>
+              </a:rPr>
+              <a:t>http://192.168.0.60/getconfigvalue?mqttbroker</a:t>
+            </a:r>
+            <a:r>
+              <a:rPr lang="de-DE" sz="1600" dirty="0"/>
+              <a:t> </a:t>
+            </a:r>
+          </a:p>
+          <a:p>
+            <a:r>
+              <a:rPr lang="de-DE" sz="1600" dirty="0">
+                <a:hlinkClick r:id="rId6"/>
+              </a:rPr>
+              <a:t>http://192.168.0.60/getconfigvalue?mqttpassword</a:t>
+            </a:r>
+            <a:r>
+              <a:rPr lang="de-DE" sz="1600" dirty="0"/>
+              <a:t> </a:t>
+            </a:r>
+          </a:p>
+          <a:p>
+            <a:r>
+              <a:rPr lang="de-DE" sz="1600" dirty="0">
+                <a:hlinkClick r:id="rId7"/>
+              </a:rPr>
+              <a:t>http://192.168.0.60/getconfigvalue?mqttport</a:t>
+            </a:r>
+            <a:r>
+              <a:rPr lang="de-DE" sz="1600" dirty="0"/>
+              <a:t> </a:t>
+            </a:r>
+          </a:p>
+          <a:p>
+            <a:r>
+              <a:rPr lang="de-DE" sz="1600" dirty="0">
+                <a:hlinkClick r:id="rId8"/>
+              </a:rPr>
+              <a:t>http://192.168.0.60/getconfigvalue?ssid</a:t>
+            </a:r>
+            <a:r>
+              <a:rPr lang="de-DE" sz="1600" dirty="0"/>
+              <a:t>  </a:t>
+            </a:r>
+          </a:p>
+          <a:p>
+            <a:r>
+              <a:rPr lang="de-DE" sz="1600" dirty="0">
+                <a:hlinkClick r:id="rId9"/>
+              </a:rPr>
+              <a:t>http://192.168.0.60/getconfigvalue?password</a:t>
+            </a:r>
+            <a:r>
+              <a:rPr lang="de-DE" sz="1600" dirty="0"/>
+              <a:t> </a:t>
+            </a:r>
+          </a:p>
+          <a:p>
+            <a:endParaRPr lang="de-DE" sz="1600" dirty="0"/>
+          </a:p>
+          <a:p>
+            <a:endParaRPr lang="de-DE" sz="1600" dirty="0"/>
+          </a:p>
+          <a:p>
+            <a:endParaRPr lang="de-DE" sz="1600" dirty="0"/>
+          </a:p>
+          <a:p>
+            <a:endParaRPr lang="de-DE" sz="1600" dirty="0"/>
+          </a:p>
+          <a:p>
+            <a:endParaRPr lang="de-DE" sz="1600" dirty="0"/>
+          </a:p>
+          <a:p>
+            <a:endParaRPr lang="de-DE" sz="1600" dirty="0"/>
+          </a:p>
+        </p:txBody>
+      </p:sp>
+    </p:spTree>
+    <p:extLst>
+      <p:ext uri="{BB962C8B-B14F-4D97-AF65-F5344CB8AC3E}">
+        <p14:creationId xmlns:p14="http://schemas.microsoft.com/office/powerpoint/2010/main" val="3743503886"/>
+      </p:ext>
+    </p:extLst>
+  </p:cSld>
+  <p:clrMapOvr>
+    <a:masterClrMapping/>
+  </p:clrMapOvr>
+</p:sld>
+</file>
+
+<file path=ppt/slides/slide11.xml><?xml version="1.0" encoding="utf-8"?>
+<p:sld xmlns:a="http://schemas.openxmlformats.org/drawingml/2006/main" xmlns:r="http://schemas.openxmlformats.org/officeDocument/2006/relationships" xmlns:p="http://schemas.openxmlformats.org/presentationml/2006/main">
+  <p:cSld>
+    <p:spTree>
+      <p:nvGrpSpPr>
+        <p:cNvPr id="1" name=""/>
+        <p:cNvGrpSpPr/>
+        <p:nvPr/>
+      </p:nvGrpSpPr>
+      <p:grpSpPr>
+        <a:xfrm>
+          <a:off x="0" y="0"/>
+          <a:ext cx="0" cy="0"/>
+          <a:chOff x="0" y="0"/>
+          <a:chExt cx="0" cy="0"/>
+        </a:xfrm>
+      </p:grpSpPr>
+      <p:sp>
+        <p:nvSpPr>
+          <p:cNvPr id="2" name="Titel 1">
+            <a:extLst>
+              <a:ext uri="{FF2B5EF4-FFF2-40B4-BE49-F238E27FC236}">
                 <a16:creationId xmlns:a16="http://schemas.microsoft.com/office/drawing/2014/main" id="{590F3F6B-2547-4B53-8B03-99A460FB6506}"/>
               </a:ext>
             </a:extLst>
@@ -2574,7 +2786,7 @@
 </p:sld>
 </file>
 
-<file path=ppt/slides/slide11.xml><?xml version="1.0" encoding="utf-8"?>
+<file path=ppt/slides/slide12.xml><?xml version="1.0" encoding="utf-8"?>
 <p:sld xmlns:a="http://schemas.openxmlformats.org/drawingml/2006/main" xmlns:r="http://schemas.openxmlformats.org/officeDocument/2006/relationships" xmlns:p="http://schemas.openxmlformats.org/presentationml/2006/main">
   <p:cSld>
     <p:spTree>
@@ -2705,7 +2917,7 @@
 </p:sld>
 </file>
 
-<file path=ppt/slides/slide12.xml><?xml version="1.0" encoding="utf-8"?>
+<file path=ppt/slides/slide13.xml><?xml version="1.0" encoding="utf-8"?>
 <p:sld xmlns:a="http://schemas.openxmlformats.org/drawingml/2006/main" xmlns:r="http://schemas.openxmlformats.org/officeDocument/2006/relationships" xmlns:p="http://schemas.openxmlformats.org/presentationml/2006/main">
   <p:cSld>
     <p:spTree>

--- a/001_Things.pptx
+++ b/001_Things.pptx
@@ -292,7 +292,7 @@
               <a:pPr>
                 <a:defRPr/>
               </a:pPr>
-              <a:t>22.09.2019</a:t>
+              <a:t>19.10.2019</a:t>
             </a:fld>
             <a:endParaRPr lang="de-AT"/>
           </a:p>
@@ -507,7 +507,7 @@
               <a:pPr>
                 <a:defRPr/>
               </a:pPr>
-              <a:t>22.09.2019</a:t>
+              <a:t>19.10.2019</a:t>
             </a:fld>
             <a:endParaRPr lang="de-AT"/>
           </a:p>
@@ -4169,111 +4169,81 @@
           <a:lstStyle/>
           <a:p>
             <a:r>
-              <a:rPr lang="de-DE" sz="1600" dirty="0">
-                <a:hlinkClick r:id="rId2"/>
-              </a:rPr>
-              <a:t>http://192.168.1.73/getconfig</a:t>
-            </a:r>
-            <a:endParaRPr lang="de-DE" sz="1600" dirty="0"/>
-          </a:p>
-          <a:p>
-            <a:endParaRPr lang="de-DE" sz="1600" dirty="0"/>
-          </a:p>
-          <a:p>
-            <a:r>
-              <a:rPr lang="de-DE" sz="1600" dirty="0">
-                <a:hlinkClick r:id="rId3"/>
-              </a:rPr>
-              <a:t>http://192.168.1.73/setconfig?mqttbroker=leonding.synology.me&amp;mqttport=8883</a:t>
-            </a:r>
-            <a:endParaRPr lang="de-DE" sz="1600" dirty="0"/>
-          </a:p>
-          <a:p>
-            <a:r>
-              <a:rPr lang="de-DE" sz="1600" dirty="0">
-                <a:hlinkClick r:id="rId4"/>
-              </a:rPr>
-              <a:t>http://192.168.1.73/setconfig?mqttbroker=leonding.synology.me&amp;mqttport=8883</a:t>
-            </a:r>
-            <a:endParaRPr lang="de-DE" sz="1600" dirty="0"/>
-          </a:p>
-          <a:p>
-            <a:r>
-              <a:rPr lang="de-DE" sz="1600" dirty="0">
-                <a:hlinkClick r:id="rId5"/>
-              </a:rPr>
-              <a:t>http://192.168.1.73/setconfig?mqttuser=openhabian&amp;mqttpassword=piKla87Sie57</a:t>
-            </a:r>
-            <a:r>
               <a:rPr lang="de-DE" sz="1600" dirty="0"/>
-              <a:t> </a:t>
-            </a:r>
-          </a:p>
-          <a:p>
-            <a:endParaRPr lang="de-DE" sz="1600" dirty="0"/>
-          </a:p>
-          <a:p>
-            <a:r>
-              <a:rPr lang="de-DE" sz="1600" dirty="0">
-                <a:hlinkClick r:id="rId6"/>
-              </a:rPr>
-              <a:t>http://192.168.1.73/getconfigvalue?mqttbroker</a:t>
-            </a:r>
+              <a:t>http://192.168.10.1/config?thingname=miflorahellmonsoedt</a:t>
+            </a:r>
+          </a:p>
+          <a:p>
             <a:r>
               <a:rPr lang="de-DE" sz="1600" dirty="0"/>
-              <a:t> </a:t>
-            </a:r>
-          </a:p>
-          <a:p>
-            <a:r>
-              <a:rPr lang="de-DE" sz="1600" dirty="0">
-                <a:hlinkClick r:id="rId7"/>
-              </a:rPr>
-              <a:t>http://192.168.1.73/getconfigvalue?mqttpassword</a:t>
-            </a:r>
+              <a:t>http://192.168.10.1/config?ssid=linksysAtHome</a:t>
+            </a:r>
+          </a:p>
+          <a:p>
             <a:r>
               <a:rPr lang="de-DE" sz="1600" dirty="0"/>
-              <a:t> </a:t>
-            </a:r>
-          </a:p>
-          <a:p>
-            <a:r>
-              <a:rPr lang="de-DE" sz="1600" dirty="0">
-                <a:hlinkClick r:id="rId8"/>
-              </a:rPr>
-              <a:t>http://192.168.1.73/getconfigvalue?mqttport</a:t>
-            </a:r>
+              <a:t>http://192.168.10.1/config?password=YJXPF4WAC7 </a:t>
+            </a:r>
+          </a:p>
+          <a:p>
             <a:r>
               <a:rPr lang="de-DE" sz="1600" dirty="0"/>
-              <a:t> </a:t>
-            </a:r>
-          </a:p>
-          <a:p>
-            <a:r>
-              <a:rPr lang="de-DE" sz="1600" dirty="0">
-                <a:hlinkClick r:id="rId9"/>
-              </a:rPr>
-              <a:t>http://192.168.1.73/getconfigvalue?ssid</a:t>
-            </a:r>
+              <a:t>http://192.168.10.1/config?httpmqttgateway=leonding.synology.me </a:t>
+            </a:r>
+          </a:p>
+          <a:p>
             <a:r>
               <a:rPr lang="de-DE" sz="1600" dirty="0"/>
-              <a:t>  </a:t>
-            </a:r>
-          </a:p>
-          <a:p>
-            <a:r>
-              <a:rPr lang="de-DE" sz="1600" dirty="0">
-                <a:hlinkClick r:id="rId10"/>
-              </a:rPr>
-              <a:t>http://192.168.1.73/getconfigvalue?password</a:t>
-            </a:r>
+              <a:t>http://192.168.10.1/config?httpuser=gerald</a:t>
+            </a:r>
+          </a:p>
+          <a:p>
             <a:r>
               <a:rPr lang="de-DE" sz="1600" dirty="0"/>
-              <a:t> </a:t>
-            </a:r>
-          </a:p>
-          <a:p>
-            <a:endParaRPr lang="de-DE" sz="1600" dirty="0"/>
+              <a:t>http://192.168.10.1/config?httppassword=piKla87Sie57  </a:t>
+            </a:r>
+          </a:p>
+          <a:p>
+            <a:endParaRPr lang="de-DE" sz="1600" dirty="0"/>
+          </a:p>
+          <a:p>
+            <a:r>
+              <a:rPr lang="de-DE" sz="1600" dirty="0"/>
+              <a:t>http://192.168.10.1/config</a:t>
+            </a:r>
+          </a:p>
+          <a:p>
+            <a:endParaRPr lang="de-DE" sz="1600" dirty="0"/>
+          </a:p>
+          <a:p>
+            <a:r>
+              <a:rPr lang="de-DE" sz="1600" dirty="0"/>
+              <a:t>http://192.168.10.1/config?ssid  </a:t>
+            </a:r>
+          </a:p>
+          <a:p>
+            <a:r>
+              <a:rPr lang="de-DE" sz="1600" dirty="0"/>
+              <a:t>http://192.168.10.1/config?password </a:t>
+            </a:r>
+          </a:p>
+          <a:p>
+            <a:r>
+              <a:rPr lang="de-DE" sz="1600" dirty="0"/>
+              <a:t>http://192.168.10.1/config?httpmqttgateway </a:t>
+            </a:r>
+          </a:p>
+          <a:p>
+            <a:r>
+              <a:rPr lang="de-DE" sz="1600" dirty="0"/>
+              <a:t>http://192.168.10.1/config?httpuser</a:t>
+            </a:r>
+          </a:p>
+          <a:p>
+            <a:r>
+              <a:rPr lang="de-DE" sz="1600" dirty="0"/>
+              <a:t>http://192.168.10.1/config?httppassword  </a:t>
+            </a:r>
           </a:p>
           <a:p>
             <a:endParaRPr lang="de-DE" sz="1600" dirty="0"/>

--- a/001_Things.pptx
+++ b/001_Things.pptx
@@ -5,10 +5,10 @@
     <p:sldMasterId id="2147483686" r:id="rId1"/>
   </p:sldMasterIdLst>
   <p:notesMasterIdLst>
-    <p:notesMasterId r:id="rId15"/>
+    <p:notesMasterId r:id="rId16"/>
   </p:notesMasterIdLst>
   <p:handoutMasterIdLst>
-    <p:handoutMasterId r:id="rId16"/>
+    <p:handoutMasterId r:id="rId17"/>
   </p:handoutMasterIdLst>
   <p:sldIdLst>
     <p:sldId id="859" r:id="rId2"/>
@@ -21,9 +21,10 @@
     <p:sldId id="876" r:id="rId9"/>
     <p:sldId id="879" r:id="rId10"/>
     <p:sldId id="880" r:id="rId11"/>
-    <p:sldId id="871" r:id="rId12"/>
-    <p:sldId id="872" r:id="rId13"/>
-    <p:sldId id="870" r:id="rId14"/>
+    <p:sldId id="881" r:id="rId12"/>
+    <p:sldId id="871" r:id="rId13"/>
+    <p:sldId id="872" r:id="rId14"/>
+    <p:sldId id="870" r:id="rId15"/>
   </p:sldIdLst>
   <p:sldSz cx="9144000" cy="6858000" type="screen4x3"/>
   <p:notesSz cx="6797675" cy="9926638"/>
@@ -292,7 +293,7 @@
               <a:pPr>
                 <a:defRPr/>
               </a:pPr>
-              <a:t>19.10.2019</a:t>
+              <a:t>28.10.2019</a:t>
             </a:fld>
             <a:endParaRPr lang="de-AT"/>
           </a:p>
@@ -507,7 +508,7 @@
               <a:pPr>
                 <a:defRPr/>
               </a:pPr>
-              <a:t>19.10.2019</a:t>
+              <a:t>28.10.2019</a:t>
             </a:fld>
             <a:endParaRPr lang="de-AT"/>
           </a:p>
@@ -2544,6 +2545,178 @@
           <p:cNvPr id="2" name="Titel 1">
             <a:extLst>
               <a:ext uri="{FF2B5EF4-FFF2-40B4-BE49-F238E27FC236}">
+                <a16:creationId xmlns:a16="http://schemas.microsoft.com/office/drawing/2014/main" id="{1F2011E7-703F-4FCC-99CC-793C2775F69A}"/>
+              </a:ext>
+            </a:extLst>
+          </p:cNvPr>
+          <p:cNvSpPr>
+            <a:spLocks noGrp="1"/>
+          </p:cNvSpPr>
+          <p:nvPr>
+            <p:ph type="title"/>
+          </p:nvPr>
+        </p:nvSpPr>
+        <p:spPr/>
+        <p:txBody>
+          <a:bodyPr/>
+          <a:lstStyle/>
+          <a:p>
+            <a:r>
+              <a:rPr lang="de-DE" dirty="0"/>
+              <a:t>Office</a:t>
+            </a:r>
+          </a:p>
+        </p:txBody>
+      </p:sp>
+      <p:sp>
+        <p:nvSpPr>
+          <p:cNvPr id="3" name="Textplatzhalter 2">
+            <a:extLst>
+              <a:ext uri="{FF2B5EF4-FFF2-40B4-BE49-F238E27FC236}">
+                <a16:creationId xmlns:a16="http://schemas.microsoft.com/office/drawing/2014/main" id="{DC496E0F-DEDB-4063-A7F0-9D5114B6563B}"/>
+              </a:ext>
+            </a:extLst>
+          </p:cNvPr>
+          <p:cNvSpPr>
+            <a:spLocks noGrp="1"/>
+          </p:cNvSpPr>
+          <p:nvPr>
+            <p:ph type="body" sz="quarter" idx="10"/>
+          </p:nvPr>
+        </p:nvSpPr>
+        <p:spPr>
+          <a:xfrm>
+            <a:off x="468313" y="1052736"/>
+            <a:ext cx="8207375" cy="4608165"/>
+          </a:xfrm>
+        </p:spPr>
+        <p:txBody>
+          <a:bodyPr/>
+          <a:lstStyle/>
+          <a:p>
+            <a:r>
+              <a:rPr lang="de-DE" sz="1600" dirty="0"/>
+              <a:t>http://192.168.0.45/config?thingname=office</a:t>
+            </a:r>
+          </a:p>
+          <a:p>
+            <a:r>
+              <a:rPr lang="de-DE" sz="1600" dirty="0"/>
+              <a:t>http://192.168.0.45/config?ssid=A1-B5035B</a:t>
+            </a:r>
+          </a:p>
+          <a:p>
+            <a:r>
+              <a:rPr lang="de-DE" sz="1600" dirty="0"/>
+              <a:t>http://192.168.0.45/config?password=52809766B6 </a:t>
+            </a:r>
+          </a:p>
+          <a:p>
+            <a:r>
+              <a:rPr lang="de-DE" sz="1600" dirty="0"/>
+              <a:t>http://192.168.0.45/config?mqttbroker=ssdpi</a:t>
+            </a:r>
+          </a:p>
+          <a:p>
+            <a:r>
+              <a:rPr lang="de-DE" sz="1600" dirty="0"/>
+              <a:t>http://192.168.0.45/config?mqttpassword=piKla87Sie57</a:t>
+            </a:r>
+          </a:p>
+          <a:p>
+            <a:endParaRPr lang="de-DE" sz="1600" dirty="0"/>
+          </a:p>
+          <a:p>
+            <a:r>
+              <a:rPr lang="de-DE" sz="1600" dirty="0"/>
+              <a:t>http://192.168.0.45/config</a:t>
+            </a:r>
+          </a:p>
+          <a:p>
+            <a:endParaRPr lang="de-DE" sz="1600" dirty="0"/>
+          </a:p>
+          <a:p>
+            <a:r>
+              <a:rPr lang="de-DE" sz="1600" dirty="0"/>
+              <a:t>http://192.168.0.45/config?ssid  </a:t>
+            </a:r>
+          </a:p>
+          <a:p>
+            <a:r>
+              <a:rPr lang="de-DE" sz="1600" dirty="0"/>
+              <a:t>http://192.168.0.45/config?password </a:t>
+            </a:r>
+          </a:p>
+          <a:p>
+            <a:r>
+              <a:rPr lang="de-DE" sz="1600" dirty="0"/>
+              <a:t>http://192.168.0.45/config?mqttbroker </a:t>
+            </a:r>
+          </a:p>
+          <a:p>
+            <a:r>
+              <a:rPr lang="de-DE" sz="1600" dirty="0"/>
+              <a:t>http://192.168.0.45/config?mqttpassword</a:t>
+            </a:r>
+          </a:p>
+          <a:p>
+            <a:endParaRPr lang="de-DE" sz="1600" dirty="0"/>
+          </a:p>
+          <a:p>
+            <a:r>
+              <a:rPr lang="de-DE" sz="1600" dirty="0"/>
+              <a:t>http://192.168.0.45/sensor?co2</a:t>
+            </a:r>
+          </a:p>
+          <a:p>
+            <a:r>
+              <a:rPr lang="de-DE" sz="1600" dirty="0"/>
+              <a:t>http://192.168.0.45/sensor?temperature</a:t>
+            </a:r>
+          </a:p>
+          <a:p>
+            <a:r>
+              <a:rPr lang="de-DE" sz="1600" dirty="0"/>
+              <a:t>http://192.168.0.45/sensor?humidity</a:t>
+            </a:r>
+          </a:p>
+        </p:txBody>
+      </p:sp>
+    </p:spTree>
+    <p:extLst>
+      <p:ext uri="{BB962C8B-B14F-4D97-AF65-F5344CB8AC3E}">
+        <p14:creationId xmlns:p14="http://schemas.microsoft.com/office/powerpoint/2010/main" val="3103062863"/>
+      </p:ext>
+    </p:extLst>
+  </p:cSld>
+  <p:clrMapOvr>
+    <a:masterClrMapping/>
+  </p:clrMapOvr>
+</p:sld>
+</file>
+
+<file path=ppt/slides/slide12.xml><?xml version="1.0" encoding="utf-8"?>
+<p:sld xmlns:a="http://schemas.openxmlformats.org/drawingml/2006/main" xmlns:r="http://schemas.openxmlformats.org/officeDocument/2006/relationships" xmlns:p="http://schemas.openxmlformats.org/presentationml/2006/main">
+  <p:cSld>
+    <p:spTree>
+      <p:nvGrpSpPr>
+        <p:cNvPr id="1" name=""/>
+        <p:cNvGrpSpPr/>
+        <p:nvPr/>
+      </p:nvGrpSpPr>
+      <p:grpSpPr>
+        <a:xfrm>
+          <a:off x="0" y="0"/>
+          <a:ext cx="0" cy="0"/>
+          <a:chOff x="0" y="0"/>
+          <a:chExt cx="0" cy="0"/>
+        </a:xfrm>
+      </p:grpSpPr>
+      <p:sp>
+        <p:nvSpPr>
+          <p:cNvPr id="2" name="Titel 1">
+            <a:extLst>
+              <a:ext uri="{FF2B5EF4-FFF2-40B4-BE49-F238E27FC236}">
                 <a16:creationId xmlns:a16="http://schemas.microsoft.com/office/drawing/2014/main" id="{590F3F6B-2547-4B53-8B03-99A460FB6506}"/>
               </a:ext>
             </a:extLst>
@@ -2786,7 +2959,7 @@
 </p:sld>
 </file>
 
-<file path=ppt/slides/slide12.xml><?xml version="1.0" encoding="utf-8"?>
+<file path=ppt/slides/slide13.xml><?xml version="1.0" encoding="utf-8"?>
 <p:sld xmlns:a="http://schemas.openxmlformats.org/drawingml/2006/main" xmlns:r="http://schemas.openxmlformats.org/officeDocument/2006/relationships" xmlns:p="http://schemas.openxmlformats.org/presentationml/2006/main">
   <p:cSld>
     <p:spTree>
@@ -2917,7 +3090,7 @@
 </p:sld>
 </file>
 
-<file path=ppt/slides/slide13.xml><?xml version="1.0" encoding="utf-8"?>
+<file path=ppt/slides/slide14.xml><?xml version="1.0" encoding="utf-8"?>
 <p:sld xmlns:a="http://schemas.openxmlformats.org/drawingml/2006/main" xmlns:r="http://schemas.openxmlformats.org/officeDocument/2006/relationships" xmlns:p="http://schemas.openxmlformats.org/presentationml/2006/main">
   <p:cSld>
     <p:spTree>

--- a/001_Things.pptx
+++ b/001_Things.pptx
@@ -5,31 +5,35 @@
     <p:sldMasterId id="2147483686" r:id="rId1"/>
   </p:sldMasterIdLst>
   <p:notesMasterIdLst>
-    <p:notesMasterId r:id="rId21"/>
+    <p:notesMasterId r:id="rId25"/>
   </p:notesMasterIdLst>
   <p:handoutMasterIdLst>
-    <p:handoutMasterId r:id="rId22"/>
+    <p:handoutMasterId r:id="rId26"/>
   </p:handoutMasterIdLst>
   <p:sldIdLst>
-    <p:sldId id="859" r:id="rId2"/>
-    <p:sldId id="873" r:id="rId3"/>
-    <p:sldId id="874" r:id="rId4"/>
-    <p:sldId id="887" r:id="rId5"/>
-    <p:sldId id="878" r:id="rId6"/>
-    <p:sldId id="886" r:id="rId7"/>
-    <p:sldId id="877" r:id="rId8"/>
-    <p:sldId id="875" r:id="rId9"/>
-    <p:sldId id="876" r:id="rId10"/>
-    <p:sldId id="879" r:id="rId11"/>
-    <p:sldId id="880" r:id="rId12"/>
-    <p:sldId id="884" r:id="rId13"/>
-    <p:sldId id="885" r:id="rId14"/>
-    <p:sldId id="881" r:id="rId15"/>
-    <p:sldId id="883" r:id="rId16"/>
-    <p:sldId id="882" r:id="rId17"/>
-    <p:sldId id="871" r:id="rId18"/>
-    <p:sldId id="872" r:id="rId19"/>
-    <p:sldId id="870" r:id="rId20"/>
+    <p:sldId id="888" r:id="rId2"/>
+    <p:sldId id="889" r:id="rId3"/>
+    <p:sldId id="890" r:id="rId4"/>
+    <p:sldId id="859" r:id="rId5"/>
+    <p:sldId id="891" r:id="rId6"/>
+    <p:sldId id="873" r:id="rId7"/>
+    <p:sldId id="874" r:id="rId8"/>
+    <p:sldId id="887" r:id="rId9"/>
+    <p:sldId id="878" r:id="rId10"/>
+    <p:sldId id="886" r:id="rId11"/>
+    <p:sldId id="877" r:id="rId12"/>
+    <p:sldId id="875" r:id="rId13"/>
+    <p:sldId id="876" r:id="rId14"/>
+    <p:sldId id="879" r:id="rId15"/>
+    <p:sldId id="880" r:id="rId16"/>
+    <p:sldId id="884" r:id="rId17"/>
+    <p:sldId id="885" r:id="rId18"/>
+    <p:sldId id="881" r:id="rId19"/>
+    <p:sldId id="883" r:id="rId20"/>
+    <p:sldId id="882" r:id="rId21"/>
+    <p:sldId id="871" r:id="rId22"/>
+    <p:sldId id="872" r:id="rId23"/>
+    <p:sldId id="870" r:id="rId24"/>
   </p:sldIdLst>
   <p:sldSz cx="9144000" cy="6858000" type="screen4x3"/>
   <p:notesSz cx="6797675" cy="9926638"/>
@@ -298,7 +302,7 @@
               <a:pPr>
                 <a:defRPr/>
               </a:pPr>
-              <a:t>16.05.2020</a:t>
+              <a:t>12.07.2020</a:t>
             </a:fld>
             <a:endParaRPr lang="de-AT"/>
           </a:p>
@@ -513,7 +517,7 @@
               <a:pPr>
                 <a:defRPr/>
               </a:pPr>
-              <a:t>15.05.2020</a:t>
+              <a:t>12.07.2020</a:t>
             </a:fld>
             <a:endParaRPr lang="de-AT"/>
           </a:p>
@@ -2150,7 +2154,7 @@
           <p:cNvPr id="2" name="Titel 1">
             <a:extLst>
               <a:ext uri="{FF2B5EF4-FFF2-40B4-BE49-F238E27FC236}">
-                <a16:creationId xmlns:a16="http://schemas.microsoft.com/office/drawing/2014/main" id="{53EE354F-13A6-4A5A-8C48-46A4F15AF604}"/>
+                <a16:creationId xmlns:a16="http://schemas.microsoft.com/office/drawing/2014/main" id="{7DEFEDD0-B26D-4153-A9BE-E1BF75FBFB40}"/>
               </a:ext>
             </a:extLst>
           </p:cNvPr>
@@ -2168,13 +2172,8 @@
           <a:p>
             <a:r>
               <a:rPr lang="de-DE" dirty="0"/>
-              <a:t>ESP konfigurieren per </a:t>
-            </a:r>
-            <a:r>
-              <a:rPr lang="de-DE" dirty="0" err="1"/>
-              <a:t>ConfigEspViaAp</a:t>
-            </a:r>
-            <a:endParaRPr lang="de-DE" dirty="0"/>
+              <a:t>Thing in Betrieb nehmen</a:t>
+            </a:r>
           </a:p>
         </p:txBody>
       </p:sp>
@@ -2183,7 +2182,7 @@
           <p:cNvPr id="3" name="Textplatzhalter 2">
             <a:extLst>
               <a:ext uri="{FF2B5EF4-FFF2-40B4-BE49-F238E27FC236}">
-                <a16:creationId xmlns:a16="http://schemas.microsoft.com/office/drawing/2014/main" id="{E697CBCA-B7EA-4F7A-8F2A-BDC8AD51A2C5}"/>
+                <a16:creationId xmlns:a16="http://schemas.microsoft.com/office/drawing/2014/main" id="{896EB11C-930D-4339-A7CA-76E46EF7E074}"/>
               </a:ext>
             </a:extLst>
           </p:cNvPr>
@@ -2200,47 +2199,44 @@
           <a:lstStyle/>
           <a:p>
             <a:r>
-              <a:rPr lang="de-DE" sz="1600" dirty="0"/>
-              <a:t>Programm</a:t>
-            </a:r>
-          </a:p>
-          <a:p>
-            <a:endParaRPr lang="de-DE" sz="1600" dirty="0"/>
-          </a:p>
-          <a:p>
-            <a:r>
-              <a:rPr lang="de-DE" sz="1600" dirty="0"/>
-              <a:t>http://192.168.10.1/config?thingname=ds18b20</a:t>
-            </a:r>
-          </a:p>
-          <a:p>
-            <a:r>
-              <a:rPr lang="de-DE" sz="1600" dirty="0"/>
-              <a:t>http://192.168.10.1/config?ssid=A1-B5035B</a:t>
-            </a:r>
-          </a:p>
-          <a:p>
-            <a:r>
-              <a:rPr lang="de-DE" sz="1600" dirty="0"/>
-              <a:t>http://192.168.10.1/config?password=52809766B6 </a:t>
-            </a:r>
-          </a:p>
-          <a:p>
-            <a:r>
-              <a:rPr lang="de-DE" sz="1600" dirty="0"/>
-              <a:t>http://192.168.10.1/config?mqttbroker=192.168.0.2</a:t>
-            </a:r>
-          </a:p>
-          <a:p>
-            <a:r>
-              <a:rPr lang="de-DE" sz="1600" dirty="0"/>
-              <a:t>http://192.168.10.1/config?mqttuser=gerald</a:t>
-            </a:r>
-          </a:p>
-          <a:p>
-            <a:r>
-              <a:rPr lang="de-DE" sz="1600" dirty="0"/>
-              <a:t>http://192.168.10.1/config?mqttpassword=mosquittoKla87Sie57</a:t>
+              <a:rPr lang="de-DE" dirty="0"/>
+              <a:t>Kann sich Thing nicht im WLAN anmelden</a:t>
+            </a:r>
+          </a:p>
+          <a:p>
+            <a:pPr lvl="1"/>
+            <a:r>
+              <a:rPr lang="de-DE" dirty="0"/>
+              <a:t>Keine oder falsche </a:t>
+            </a:r>
+            <a:r>
+              <a:rPr lang="de-DE" dirty="0" err="1"/>
+              <a:t>Credentials</a:t>
+            </a:r>
+            <a:endParaRPr lang="de-DE" dirty="0"/>
+          </a:p>
+          <a:p>
+            <a:pPr lvl="1"/>
+            <a:r>
+              <a:rPr lang="de-DE" dirty="0"/>
+              <a:t>Thing eröffnet Accesspoint zwecks Konfiguration</a:t>
+            </a:r>
+          </a:p>
+          <a:p>
+            <a:pPr lvl="1"/>
+            <a:endParaRPr lang="de-DE" dirty="0"/>
+          </a:p>
+          <a:p>
+            <a:r>
+              <a:rPr lang="de-DE" dirty="0"/>
+              <a:t>Konnte sich Thing anmelden</a:t>
+            </a:r>
+          </a:p>
+          <a:p>
+            <a:pPr lvl="1"/>
+            <a:r>
+              <a:rPr lang="de-DE" dirty="0"/>
+              <a:t>Ermittlung der IP-Adresse über Router oder UDP-Protokoll</a:t>
             </a:r>
           </a:p>
         </p:txBody>
@@ -2248,7 +2244,7 @@
     </p:spTree>
     <p:extLst>
       <p:ext uri="{BB962C8B-B14F-4D97-AF65-F5344CB8AC3E}">
-        <p14:creationId xmlns:p14="http://schemas.microsoft.com/office/powerpoint/2010/main" val="500606022"/>
+        <p14:creationId xmlns:p14="http://schemas.microsoft.com/office/powerpoint/2010/main" val="3963272364"/>
       </p:ext>
     </p:extLst>
   </p:cSld>
@@ -2280,7 +2276,7 @@
           <p:cNvPr id="2" name="Titel 1">
             <a:extLst>
               <a:ext uri="{FF2B5EF4-FFF2-40B4-BE49-F238E27FC236}">
-                <a16:creationId xmlns:a16="http://schemas.microsoft.com/office/drawing/2014/main" id="{0B74C02A-71C1-4A5F-BF29-4C1AC36D8B4B}"/>
+                <a16:creationId xmlns:a16="http://schemas.microsoft.com/office/drawing/2014/main" id="{9098DF3E-95E9-4956-9956-CEF45BC2FDE4}"/>
               </a:ext>
             </a:extLst>
           </p:cNvPr>
@@ -2296,7 +2292,10 @@
           <a:bodyPr/>
           <a:lstStyle/>
           <a:p>
-            <a:endParaRPr lang="de-DE"/>
+            <a:r>
+              <a:rPr lang="de-DE" dirty="0"/>
+              <a:t>DS18B20-Demo</a:t>
+            </a:r>
           </a:p>
         </p:txBody>
       </p:sp>
@@ -2305,7 +2304,7 @@
           <p:cNvPr id="3" name="Textplatzhalter 2">
             <a:extLst>
               <a:ext uri="{FF2B5EF4-FFF2-40B4-BE49-F238E27FC236}">
-                <a16:creationId xmlns:a16="http://schemas.microsoft.com/office/drawing/2014/main" id="{F6A1990D-B561-428E-9FBD-9207AA884B95}"/>
+                <a16:creationId xmlns:a16="http://schemas.microsoft.com/office/drawing/2014/main" id="{B4EA5ABA-AE5E-4396-B8CB-BDD7FE41D57C}"/>
               </a:ext>
             </a:extLst>
           </p:cNvPr>
@@ -2321,44 +2320,195 @@
           <a:bodyPr/>
           <a:lstStyle/>
           <a:p>
-            <a:endParaRPr lang="de-DE"/>
+            <a:r>
+              <a:rPr lang="de-DE" dirty="0" err="1"/>
+              <a:t>SingleWire</a:t>
+            </a:r>
+            <a:r>
+              <a:rPr lang="de-DE" dirty="0"/>
+              <a:t> Temperatur</a:t>
+            </a:r>
+          </a:p>
+          <a:p>
+            <a:endParaRPr lang="de-DE" dirty="0"/>
+          </a:p>
+          <a:p>
+            <a:pPr marL="625475" lvl="1" indent="0">
+              <a:buNone/>
+            </a:pPr>
+            <a:r>
+              <a:rPr lang="de-DE" sz="1200" dirty="0"/>
+              <a:t>http://192.168.0.55/config?thingname=ds18b20</a:t>
+            </a:r>
+          </a:p>
+          <a:p>
+            <a:pPr marL="625475" lvl="1" indent="0">
+              <a:buNone/>
+            </a:pPr>
+            <a:r>
+              <a:rPr lang="de-DE" sz="1200" dirty="0"/>
+              <a:t>http://192.168.0.55/config?ssid=A1-B5035B</a:t>
+            </a:r>
+          </a:p>
+          <a:p>
+            <a:pPr marL="625475" lvl="1" indent="0">
+              <a:buNone/>
+            </a:pPr>
+            <a:r>
+              <a:rPr lang="de-DE" sz="1200" dirty="0"/>
+              <a:t>http://192.168.0.55/config?password=52809766B6 </a:t>
+            </a:r>
+          </a:p>
+          <a:p>
+            <a:pPr marL="625475" lvl="1" indent="0">
+              <a:buNone/>
+            </a:pPr>
+            <a:r>
+              <a:rPr lang="de-DE" sz="1200" dirty="0"/>
+              <a:t>http://192.168.0.55/config?mqttbroker=192.168.0.2</a:t>
+            </a:r>
+          </a:p>
+          <a:p>
+            <a:pPr marL="625475" lvl="1" indent="0">
+              <a:buNone/>
+            </a:pPr>
+            <a:r>
+              <a:rPr lang="de-DE" sz="1200" dirty="0"/>
+              <a:t>http://192.168.0.55/config?mqttuser=gerald</a:t>
+            </a:r>
+          </a:p>
+          <a:p>
+            <a:pPr marL="625475" lvl="1" indent="0">
+              <a:buNone/>
+            </a:pPr>
+            <a:r>
+              <a:rPr lang="de-DE" sz="1200" dirty="0"/>
+              <a:t>http://192.168.0.55/config?mqttpassword=mosquittoKla87Sie57</a:t>
+            </a:r>
+          </a:p>
+          <a:p>
+            <a:pPr marL="625475" lvl="1" indent="0">
+              <a:buNone/>
+            </a:pPr>
+            <a:r>
+              <a:rPr lang="de-DE" sz="1200" dirty="0"/>
+              <a:t>http://192.168.0.55/config?mqttport=1883</a:t>
+            </a:r>
+          </a:p>
+          <a:p>
+            <a:pPr marL="625475" lvl="1" indent="0">
+              <a:buNone/>
+            </a:pPr>
+            <a:endParaRPr lang="de-DE" sz="1200" dirty="0"/>
+          </a:p>
+          <a:p>
+            <a:pPr marL="625475" lvl="1" indent="0">
+              <a:buNone/>
+            </a:pPr>
+            <a:r>
+              <a:rPr lang="de-DE" sz="1200" dirty="0"/>
+              <a:t>http://192.168.0.55/config</a:t>
+            </a:r>
+          </a:p>
+          <a:p>
+            <a:pPr marL="625475" lvl="1" indent="0">
+              <a:buNone/>
+            </a:pPr>
+            <a:endParaRPr lang="de-DE" sz="1200" dirty="0"/>
+          </a:p>
+          <a:p>
+            <a:pPr marL="625475" lvl="1" indent="0">
+              <a:buNone/>
+            </a:pPr>
+            <a:r>
+              <a:rPr lang="de-DE" sz="1200" dirty="0"/>
+              <a:t>http://192.168.0.55/config?ssid  </a:t>
+            </a:r>
+          </a:p>
+          <a:p>
+            <a:pPr marL="625475" lvl="1" indent="0">
+              <a:buNone/>
+            </a:pPr>
+            <a:r>
+              <a:rPr lang="de-DE" sz="1200" dirty="0"/>
+              <a:t>http://192.168.0.55/config?password </a:t>
+            </a:r>
+          </a:p>
+          <a:p>
+            <a:pPr marL="625475" lvl="1" indent="0">
+              <a:buNone/>
+            </a:pPr>
+            <a:r>
+              <a:rPr lang="de-DE" sz="1200" dirty="0"/>
+              <a:t>http://192.168.0.55/config?mqttbroker </a:t>
+            </a:r>
+          </a:p>
+          <a:p>
+            <a:pPr marL="625475" lvl="1" indent="0">
+              <a:buNone/>
+            </a:pPr>
+            <a:r>
+              <a:rPr lang="de-DE" sz="1200" dirty="0"/>
+              <a:t>http://192.168.0.55/config?mqttuser</a:t>
+            </a:r>
+          </a:p>
+          <a:p>
+            <a:pPr marL="625475" lvl="1" indent="0">
+              <a:buNone/>
+            </a:pPr>
+            <a:r>
+              <a:rPr lang="de-DE" sz="1200" dirty="0"/>
+              <a:t>http://192.168.0.55/config?mqttpassword</a:t>
+            </a:r>
+          </a:p>
+          <a:p>
+            <a:pPr marL="625475" lvl="1" indent="0">
+              <a:buNone/>
+            </a:pPr>
+            <a:endParaRPr lang="de-DE" sz="1200" dirty="0"/>
+          </a:p>
+          <a:p>
+            <a:pPr marL="625475" lvl="1" indent="0">
+              <a:buNone/>
+            </a:pPr>
+            <a:r>
+              <a:rPr lang="de-DE" sz="1200" dirty="0"/>
+              <a:t>http://192.168.0.55/sensor?temperature</a:t>
+            </a:r>
+          </a:p>
+          <a:p>
+            <a:pPr marL="625475" lvl="1" indent="0">
+              <a:buNone/>
+            </a:pPr>
+            <a:endParaRPr lang="de-DE" sz="1200" dirty="0"/>
+          </a:p>
+          <a:p>
+            <a:pPr marL="625475" lvl="1" indent="0">
+              <a:buNone/>
+            </a:pPr>
+            <a:r>
+              <a:rPr lang="de-DE" sz="1200" dirty="0"/>
+              <a:t>http://192.168.0.55/restart</a:t>
+            </a:r>
+          </a:p>
+          <a:p>
+            <a:pPr marL="625475" lvl="1" indent="0">
+              <a:buNone/>
+            </a:pPr>
+            <a:endParaRPr lang="de-DE" sz="1200" dirty="0"/>
+          </a:p>
+          <a:p>
+            <a:pPr marL="625475" lvl="1" indent="0">
+              <a:buNone/>
+            </a:pPr>
+            <a:endParaRPr lang="de-DE" sz="1200" dirty="0"/>
           </a:p>
         </p:txBody>
       </p:sp>
-      <p:pic>
-        <p:nvPicPr>
-          <p:cNvPr id="4" name="Grafik 3">
-            <a:extLst>
-              <a:ext uri="{FF2B5EF4-FFF2-40B4-BE49-F238E27FC236}">
-                <a16:creationId xmlns:a16="http://schemas.microsoft.com/office/drawing/2014/main" id="{EE39AA67-7170-49E6-A631-CECD5DDBBDF6}"/>
-              </a:ext>
-            </a:extLst>
-          </p:cNvPr>
-          <p:cNvPicPr>
-            <a:picLocks noChangeAspect="1"/>
-          </p:cNvPicPr>
-          <p:nvPr/>
-        </p:nvPicPr>
-        <p:blipFill>
-          <a:blip r:embed="rId2"/>
-          <a:stretch>
-            <a:fillRect/>
-          </a:stretch>
-        </p:blipFill>
-        <p:spPr>
-          <a:xfrm>
-            <a:off x="0" y="1148024"/>
-            <a:ext cx="9144000" cy="4561951"/>
-          </a:xfrm>
-          <a:prstGeom prst="rect">
-            <a:avLst/>
-          </a:prstGeom>
-        </p:spPr>
-      </p:pic>
     </p:spTree>
     <p:extLst>
       <p:ext uri="{BB962C8B-B14F-4D97-AF65-F5344CB8AC3E}">
-        <p14:creationId xmlns:p14="http://schemas.microsoft.com/office/powerpoint/2010/main" val="945607563"/>
+        <p14:creationId xmlns:p14="http://schemas.microsoft.com/office/powerpoint/2010/main" val="420974753"/>
       </p:ext>
     </p:extLst>
   </p:cSld>
@@ -2408,23 +2558,7 @@
           <a:p>
             <a:r>
               <a:rPr lang="de-DE" dirty="0" err="1"/>
-              <a:t>MqttGateway</a:t>
-            </a:r>
-            <a:r>
-              <a:rPr lang="de-DE" dirty="0"/>
-              <a:t> </a:t>
-            </a:r>
-            <a:r>
-              <a:rPr lang="de-DE" dirty="0">
-                <a:sym typeface="Wingdings" panose="05000000000000000000" pitchFamily="2" charset="2"/>
-              </a:rPr>
-              <a:t> </a:t>
-            </a:r>
-            <a:r>
-              <a:rPr lang="de-DE" dirty="0" err="1">
-                <a:sym typeface="Wingdings" panose="05000000000000000000" pitchFamily="2" charset="2"/>
-              </a:rPr>
-              <a:t>MiFlora</a:t>
+              <a:t>SsrDemo</a:t>
             </a:r>
             <a:endParaRPr lang="de-DE" dirty="0"/>
           </a:p>
@@ -2455,6 +2589,841 @@
               <a:rPr lang="de-DE" sz="1600" dirty="0">
                 <a:hlinkClick r:id="rId2"/>
               </a:rPr>
+              <a:t>http://192.168.0.79/getconfig</a:t>
+            </a:r>
+            <a:endParaRPr lang="de-DE" sz="1600" dirty="0"/>
+          </a:p>
+          <a:p>
+            <a:endParaRPr lang="de-DE" sz="1600" dirty="0"/>
+          </a:p>
+          <a:p>
+            <a:r>
+              <a:rPr lang="de-DE" sz="1600" dirty="0">
+                <a:hlinkClick r:id="rId3"/>
+              </a:rPr>
+              <a:t>http://192.168.0.79/setconfig?mqttbroker=ssdpi&amp;mqttport=8883</a:t>
+            </a:r>
+            <a:endParaRPr lang="de-DE" sz="1600" dirty="0"/>
+          </a:p>
+          <a:p>
+            <a:r>
+              <a:rPr lang="de-DE" sz="1600" dirty="0">
+                <a:hlinkClick r:id="rId4"/>
+              </a:rPr>
+              <a:t>http://192.168.0.79/setconfig?mqttuser=openhabian&amp;mqttpassword=piKla87Sie57</a:t>
+            </a:r>
+            <a:r>
+              <a:rPr lang="de-DE" sz="1600" dirty="0"/>
+              <a:t> </a:t>
+            </a:r>
+          </a:p>
+          <a:p>
+            <a:r>
+              <a:rPr lang="de-DE" sz="1600" dirty="0">
+                <a:hlinkClick r:id="rId5"/>
+              </a:rPr>
+              <a:t>http://192.168.0.79/setconfig?ntpserver=192.168.0.2&amp;thingname=ssrdemo</a:t>
+            </a:r>
+            <a:endParaRPr lang="de-DE" sz="1600" dirty="0"/>
+          </a:p>
+          <a:p>
+            <a:endParaRPr lang="de-DE" sz="1600" dirty="0"/>
+          </a:p>
+          <a:p>
+            <a:r>
+              <a:rPr lang="de-DE" sz="1600" dirty="0">
+                <a:hlinkClick r:id="rId6"/>
+              </a:rPr>
+              <a:t>http://192.168.0.79/setactor?switch=1</a:t>
+            </a:r>
+            <a:r>
+              <a:rPr lang="de-DE" sz="1600" dirty="0"/>
+              <a:t> </a:t>
+            </a:r>
+          </a:p>
+          <a:p>
+            <a:r>
+              <a:rPr lang="de-DE" sz="1800" dirty="0">
+                <a:hlinkClick r:id="rId7"/>
+              </a:rPr>
+              <a:t>http://192.168.0.79/getactor?switch</a:t>
+            </a:r>
+            <a:r>
+              <a:rPr lang="de-DE" sz="1800" dirty="0"/>
+              <a:t> </a:t>
+            </a:r>
+          </a:p>
+          <a:p>
+            <a:endParaRPr lang="de-DE" sz="1800" dirty="0"/>
+          </a:p>
+          <a:p>
+            <a:r>
+              <a:rPr lang="de-DE" sz="1800" dirty="0">
+                <a:hlinkClick r:id="rId8"/>
+              </a:rPr>
+              <a:t>http://192.168.0.79/getconfig?thingname</a:t>
+            </a:r>
+            <a:r>
+              <a:rPr lang="de-DE" sz="1800" dirty="0"/>
+              <a:t> </a:t>
+            </a:r>
+          </a:p>
+          <a:p>
+            <a:endParaRPr lang="de-DE" sz="1800" dirty="0"/>
+          </a:p>
+        </p:txBody>
+      </p:sp>
+    </p:spTree>
+    <p:extLst>
+      <p:ext uri="{BB962C8B-B14F-4D97-AF65-F5344CB8AC3E}">
+        <p14:creationId xmlns:p14="http://schemas.microsoft.com/office/powerpoint/2010/main" val="3504643302"/>
+      </p:ext>
+    </p:extLst>
+  </p:cSld>
+  <p:clrMapOvr>
+    <a:masterClrMapping/>
+  </p:clrMapOvr>
+</p:sld>
+</file>
+
+<file path=ppt/slides/slide12.xml><?xml version="1.0" encoding="utf-8"?>
+<p:sld xmlns:a="http://schemas.openxmlformats.org/drawingml/2006/main" xmlns:r="http://schemas.openxmlformats.org/officeDocument/2006/relationships" xmlns:p="http://schemas.openxmlformats.org/presentationml/2006/main">
+  <p:cSld>
+    <p:spTree>
+      <p:nvGrpSpPr>
+        <p:cNvPr id="1" name=""/>
+        <p:cNvGrpSpPr/>
+        <p:nvPr/>
+      </p:nvGrpSpPr>
+      <p:grpSpPr>
+        <a:xfrm>
+          <a:off x="0" y="0"/>
+          <a:ext cx="0" cy="0"/>
+          <a:chOff x="0" y="0"/>
+          <a:chExt cx="0" cy="0"/>
+        </a:xfrm>
+      </p:grpSpPr>
+      <p:sp>
+        <p:nvSpPr>
+          <p:cNvPr id="2" name="Titel 1">
+            <a:extLst>
+              <a:ext uri="{FF2B5EF4-FFF2-40B4-BE49-F238E27FC236}">
+                <a16:creationId xmlns:a16="http://schemas.microsoft.com/office/drawing/2014/main" id="{17296256-048F-4D15-9FF7-37241709E82B}"/>
+              </a:ext>
+            </a:extLst>
+          </p:cNvPr>
+          <p:cNvSpPr>
+            <a:spLocks noGrp="1"/>
+          </p:cNvSpPr>
+          <p:nvPr>
+            <p:ph type="title"/>
+          </p:nvPr>
+        </p:nvSpPr>
+        <p:spPr/>
+        <p:txBody>
+          <a:bodyPr/>
+          <a:lstStyle/>
+          <a:p>
+            <a:r>
+              <a:rPr lang="de-DE" dirty="0" err="1"/>
+              <a:t>Miflora</a:t>
+            </a:r>
+            <a:r>
+              <a:rPr lang="de-DE" dirty="0"/>
+              <a:t> </a:t>
+            </a:r>
+            <a:r>
+              <a:rPr lang="de-DE" dirty="0" err="1"/>
+              <a:t>Hellmonsödt</a:t>
+            </a:r>
+            <a:endParaRPr lang="de-DE" dirty="0"/>
+          </a:p>
+        </p:txBody>
+      </p:sp>
+      <p:sp>
+        <p:nvSpPr>
+          <p:cNvPr id="3" name="Textplatzhalter 2">
+            <a:extLst>
+              <a:ext uri="{FF2B5EF4-FFF2-40B4-BE49-F238E27FC236}">
+                <a16:creationId xmlns:a16="http://schemas.microsoft.com/office/drawing/2014/main" id="{AE9CEDFF-D8DF-414B-82EC-65DA6495BFAA}"/>
+              </a:ext>
+            </a:extLst>
+          </p:cNvPr>
+          <p:cNvSpPr>
+            <a:spLocks noGrp="1"/>
+          </p:cNvSpPr>
+          <p:nvPr>
+            <p:ph type="body" sz="quarter" idx="10"/>
+          </p:nvPr>
+        </p:nvSpPr>
+        <p:spPr/>
+        <p:txBody>
+          <a:bodyPr/>
+          <a:lstStyle/>
+          <a:p>
+            <a:r>
+              <a:rPr lang="de-DE" sz="1600" dirty="0"/>
+              <a:t>Netzwerkkonfiguration merkt sich ESP intern</a:t>
+            </a:r>
+          </a:p>
+          <a:p>
+            <a:pPr lvl="1"/>
+            <a:r>
+              <a:rPr lang="de-DE" sz="1400" dirty="0"/>
+              <a:t>http://192.168.10.1/config?ssid=linksysAtHome</a:t>
+            </a:r>
+          </a:p>
+          <a:p>
+            <a:pPr lvl="1"/>
+            <a:r>
+              <a:rPr lang="de-DE" sz="1400" dirty="0"/>
+              <a:t>http://192.168.10.1/config?password=YJXPF4WAC7 </a:t>
+            </a:r>
+          </a:p>
+          <a:p>
+            <a:pPr lvl="1"/>
+            <a:r>
+              <a:rPr lang="de-DE" sz="1400" dirty="0">
+                <a:hlinkClick r:id="rId2"/>
+              </a:rPr>
+              <a:t>http://192.168.10.1/config</a:t>
+            </a:r>
+            <a:r>
+              <a:rPr lang="de-DE" sz="1400" dirty="0"/>
+              <a:t> </a:t>
+            </a:r>
+          </a:p>
+          <a:p>
+            <a:pPr lvl="1"/>
+            <a:endParaRPr lang="de-DE" sz="1600" dirty="0"/>
+          </a:p>
+          <a:p>
+            <a:r>
+              <a:rPr lang="de-DE" sz="1600" dirty="0"/>
+              <a:t>Verbindung testen nach Neustart von </a:t>
+            </a:r>
+            <a:r>
+              <a:rPr lang="de-DE" sz="1600" dirty="0" err="1"/>
+              <a:t>Config</a:t>
+            </a:r>
+            <a:r>
+              <a:rPr lang="de-DE" sz="1600" dirty="0"/>
+              <a:t>-ESP mit Netzwerkzugang</a:t>
+            </a:r>
+          </a:p>
+          <a:p>
+            <a:r>
+              <a:rPr lang="de-DE" sz="1600" dirty="0" err="1"/>
+              <a:t>Miflora</a:t>
+            </a:r>
+            <a:r>
+              <a:rPr lang="de-DE" sz="1600" dirty="0"/>
+              <a:t> hochladen und Rest konfigurieren</a:t>
+            </a:r>
+          </a:p>
+          <a:p>
+            <a:pPr lvl="1"/>
+            <a:r>
+              <a:rPr lang="de-DE" sz="1400" dirty="0"/>
+              <a:t>http://192.168.0.33/config</a:t>
+            </a:r>
+          </a:p>
+          <a:p>
+            <a:pPr lvl="1"/>
+            <a:r>
+              <a:rPr lang="de-DE" sz="1400" dirty="0"/>
+              <a:t>http://192.168.0.33/config?thingname=miflorahellmonsoedt</a:t>
+            </a:r>
+          </a:p>
+          <a:p>
+            <a:pPr lvl="1"/>
+            <a:r>
+              <a:rPr lang="de-DE" sz="1400" dirty="0"/>
+              <a:t>http://192.168.0.33/config?httpmqttgateway=leonding.synology.me/esplogs/mqtt</a:t>
+            </a:r>
+          </a:p>
+          <a:p>
+            <a:pPr lvl="1"/>
+            <a:r>
+              <a:rPr lang="de-DE" sz="1400" dirty="0"/>
+              <a:t>http://192.168.0.33/config?httpuser=gerald</a:t>
+            </a:r>
+          </a:p>
+          <a:p>
+            <a:pPr lvl="1"/>
+            <a:r>
+              <a:rPr lang="de-DE" sz="1400" dirty="0"/>
+              <a:t>http://192.168.0.33/config?httppassword=piKla87Sie57  </a:t>
+            </a:r>
+          </a:p>
+          <a:p>
+            <a:pPr lvl="1"/>
+            <a:endParaRPr lang="de-DE" sz="1400" dirty="0"/>
+          </a:p>
+          <a:p>
+            <a:pPr lvl="1"/>
+            <a:r>
+              <a:rPr lang="de-DE" sz="1400" dirty="0"/>
+              <a:t>http://192.168.0.33/config?ssid  </a:t>
+            </a:r>
+          </a:p>
+          <a:p>
+            <a:pPr lvl="1"/>
+            <a:r>
+              <a:rPr lang="de-DE" sz="1400" dirty="0"/>
+              <a:t>http://192.168.0.33/config?password </a:t>
+            </a:r>
+          </a:p>
+          <a:p>
+            <a:pPr lvl="1"/>
+            <a:r>
+              <a:rPr lang="de-DE" sz="1400" dirty="0"/>
+              <a:t>http://192.168.0.33/config?httpmqttgateway </a:t>
+            </a:r>
+          </a:p>
+          <a:p>
+            <a:pPr lvl="1"/>
+            <a:r>
+              <a:rPr lang="de-DE" sz="1400" dirty="0"/>
+              <a:t>http://192.168.0.33/config?httpuser</a:t>
+            </a:r>
+          </a:p>
+          <a:p>
+            <a:pPr lvl="1"/>
+            <a:r>
+              <a:rPr lang="de-DE" sz="1400" dirty="0"/>
+              <a:t>http://192.168.0.33/config?httppassword</a:t>
+            </a:r>
+          </a:p>
+        </p:txBody>
+      </p:sp>
+    </p:spTree>
+    <p:extLst>
+      <p:ext uri="{BB962C8B-B14F-4D97-AF65-F5344CB8AC3E}">
+        <p14:creationId xmlns:p14="http://schemas.microsoft.com/office/powerpoint/2010/main" val="1108982593"/>
+      </p:ext>
+    </p:extLst>
+  </p:cSld>
+  <p:clrMapOvr>
+    <a:masterClrMapping/>
+  </p:clrMapOvr>
+</p:sld>
+</file>
+
+<file path=ppt/slides/slide13.xml><?xml version="1.0" encoding="utf-8"?>
+<p:sld xmlns:a="http://schemas.openxmlformats.org/drawingml/2006/main" xmlns:r="http://schemas.openxmlformats.org/officeDocument/2006/relationships" xmlns:p="http://schemas.openxmlformats.org/presentationml/2006/main">
+  <p:cSld>
+    <p:spTree>
+      <p:nvGrpSpPr>
+        <p:cNvPr id="1" name=""/>
+        <p:cNvGrpSpPr/>
+        <p:nvPr/>
+      </p:nvGrpSpPr>
+      <p:grpSpPr>
+        <a:xfrm>
+          <a:off x="0" y="0"/>
+          <a:ext cx="0" cy="0"/>
+          <a:chOff x="0" y="0"/>
+          <a:chExt cx="0" cy="0"/>
+        </a:xfrm>
+      </p:grpSpPr>
+      <p:sp>
+        <p:nvSpPr>
+          <p:cNvPr id="2" name="Titel 1">
+            <a:extLst>
+              <a:ext uri="{FF2B5EF4-FFF2-40B4-BE49-F238E27FC236}">
+                <a16:creationId xmlns:a16="http://schemas.microsoft.com/office/drawing/2014/main" id="{17296256-048F-4D15-9FF7-37241709E82B}"/>
+              </a:ext>
+            </a:extLst>
+          </p:cNvPr>
+          <p:cNvSpPr>
+            <a:spLocks noGrp="1"/>
+          </p:cNvSpPr>
+          <p:nvPr>
+            <p:ph type="title"/>
+          </p:nvPr>
+        </p:nvSpPr>
+        <p:spPr/>
+        <p:txBody>
+          <a:bodyPr/>
+          <a:lstStyle/>
+          <a:p>
+            <a:r>
+              <a:rPr lang="de-DE" dirty="0" err="1"/>
+              <a:t>Miflora</a:t>
+            </a:r>
+            <a:r>
+              <a:rPr lang="de-DE" dirty="0"/>
+              <a:t> Leonding</a:t>
+            </a:r>
+          </a:p>
+        </p:txBody>
+      </p:sp>
+      <p:sp>
+        <p:nvSpPr>
+          <p:cNvPr id="3" name="Textplatzhalter 2">
+            <a:extLst>
+              <a:ext uri="{FF2B5EF4-FFF2-40B4-BE49-F238E27FC236}">
+                <a16:creationId xmlns:a16="http://schemas.microsoft.com/office/drawing/2014/main" id="{AE9CEDFF-D8DF-414B-82EC-65DA6495BFAA}"/>
+              </a:ext>
+            </a:extLst>
+          </p:cNvPr>
+          <p:cNvSpPr>
+            <a:spLocks noGrp="1"/>
+          </p:cNvSpPr>
+          <p:nvPr>
+            <p:ph type="body" sz="quarter" idx="10"/>
+          </p:nvPr>
+        </p:nvSpPr>
+        <p:spPr/>
+        <p:txBody>
+          <a:bodyPr/>
+          <a:lstStyle/>
+          <a:p>
+            <a:endParaRPr lang="de-DE" sz="1600" dirty="0"/>
+          </a:p>
+          <a:p>
+            <a:endParaRPr lang="de-DE" sz="1600" dirty="0"/>
+          </a:p>
+          <a:p>
+            <a:endParaRPr lang="de-DE" sz="1600" dirty="0"/>
+          </a:p>
+          <a:p>
+            <a:endParaRPr lang="de-DE" sz="1600" dirty="0"/>
+          </a:p>
+          <a:p>
+            <a:endParaRPr lang="de-DE" sz="1600" dirty="0"/>
+          </a:p>
+          <a:p>
+            <a:endParaRPr lang="de-DE" sz="1600" dirty="0"/>
+          </a:p>
+        </p:txBody>
+      </p:sp>
+      <p:sp>
+        <p:nvSpPr>
+          <p:cNvPr id="4" name="Rechteck 3">
+            <a:extLst>
+              <a:ext uri="{FF2B5EF4-FFF2-40B4-BE49-F238E27FC236}">
+                <a16:creationId xmlns:a16="http://schemas.microsoft.com/office/drawing/2014/main" id="{030CC9D4-F3A2-4474-8C4F-996593D5764C}"/>
+              </a:ext>
+            </a:extLst>
+          </p:cNvPr>
+          <p:cNvSpPr/>
+          <p:nvPr/>
+        </p:nvSpPr>
+        <p:spPr>
+          <a:xfrm>
+            <a:off x="457200" y="981075"/>
+            <a:ext cx="6400800" cy="3970318"/>
+          </a:xfrm>
+          <a:prstGeom prst="rect">
+            <a:avLst/>
+          </a:prstGeom>
+        </p:spPr>
+        <p:txBody>
+          <a:bodyPr wrap="square">
+            <a:spAutoFit/>
+          </a:bodyPr>
+          <a:lstStyle/>
+          <a:p>
+            <a:pPr marL="0" lvl="1" indent="0">
+              <a:buSzPct val="80000"/>
+              <a:buNone/>
+            </a:pPr>
+            <a:r>
+              <a:rPr lang="de-DE" sz="1400" dirty="0"/>
+              <a:t>Netzwerkkonfiguration merkt sich ESP intern</a:t>
+            </a:r>
+          </a:p>
+          <a:p>
+            <a:pPr marL="0" lvl="1" indent="0">
+              <a:buSzPct val="80000"/>
+              <a:buNone/>
+            </a:pPr>
+            <a:r>
+              <a:rPr lang="de-DE" sz="1400" dirty="0"/>
+              <a:t>http://192.168.0.40/config?ssid=linksysAtHome</a:t>
+            </a:r>
+          </a:p>
+          <a:p>
+            <a:pPr marL="0" lvl="1" indent="0">
+              <a:buSzPct val="80000"/>
+              <a:buNone/>
+            </a:pPr>
+            <a:r>
+              <a:rPr lang="de-DE" sz="1400" dirty="0"/>
+              <a:t>http://192.168.0.40/config?password=YJXPF4WAC7 </a:t>
+            </a:r>
+          </a:p>
+          <a:p>
+            <a:pPr marL="0" lvl="1" indent="0">
+              <a:buSzPct val="80000"/>
+              <a:buNone/>
+            </a:pPr>
+            <a:r>
+              <a:rPr lang="de-DE" sz="1400" dirty="0"/>
+              <a:t>http://192.168.0.40/config </a:t>
+            </a:r>
+          </a:p>
+          <a:p>
+            <a:pPr marL="0" lvl="1" indent="0">
+              <a:buSzPct val="80000"/>
+              <a:buNone/>
+            </a:pPr>
+            <a:endParaRPr lang="de-DE" sz="1400" dirty="0"/>
+          </a:p>
+          <a:p>
+            <a:pPr marL="0" lvl="1" indent="0">
+              <a:buSzPct val="80000"/>
+              <a:buNone/>
+            </a:pPr>
+            <a:r>
+              <a:rPr lang="de-DE" sz="1400" dirty="0"/>
+              <a:t>Verbindung testen nach Neustart von </a:t>
+            </a:r>
+            <a:r>
+              <a:rPr lang="de-DE" sz="1400" dirty="0" err="1"/>
+              <a:t>Config</a:t>
+            </a:r>
+            <a:r>
+              <a:rPr lang="de-DE" sz="1400" dirty="0"/>
+              <a:t>-ESP mit Netzwerkzugang</a:t>
+            </a:r>
+          </a:p>
+          <a:p>
+            <a:pPr marL="0" lvl="1" indent="0">
+              <a:buSzPct val="80000"/>
+              <a:buNone/>
+            </a:pPr>
+            <a:r>
+              <a:rPr lang="de-DE" sz="1400" dirty="0" err="1"/>
+              <a:t>Miflora</a:t>
+            </a:r>
+            <a:r>
+              <a:rPr lang="de-DE" sz="1400" dirty="0"/>
+              <a:t> hochladen und Rest konfigurieren</a:t>
+            </a:r>
+          </a:p>
+          <a:p>
+            <a:pPr marL="0" lvl="1" indent="0">
+              <a:buSzPct val="80000"/>
+              <a:buNone/>
+            </a:pPr>
+            <a:r>
+              <a:rPr lang="de-DE" sz="1400" dirty="0"/>
+              <a:t>http://192.168.0.40/config</a:t>
+            </a:r>
+          </a:p>
+          <a:p>
+            <a:pPr marL="0" lvl="1" indent="0">
+              <a:buSzPct val="80000"/>
+              <a:buNone/>
+            </a:pPr>
+            <a:r>
+              <a:rPr lang="de-DE" sz="1400" dirty="0"/>
+              <a:t>http://192.168.0.40/config?thingname=miflorahmoeg</a:t>
+            </a:r>
+          </a:p>
+          <a:p>
+            <a:pPr marL="0" lvl="1" indent="0">
+              <a:buSzPct val="80000"/>
+              <a:buNone/>
+            </a:pPr>
+            <a:r>
+              <a:rPr lang="de-DE" sz="1400" dirty="0"/>
+              <a:t>http://192.168.0.40/config?httpmqttgateway=leobw.synology.me/esplogs/mqtt</a:t>
+            </a:r>
+          </a:p>
+          <a:p>
+            <a:pPr marL="0" lvl="1" indent="0">
+              <a:buSzPct val="80000"/>
+              <a:buNone/>
+            </a:pPr>
+            <a:r>
+              <a:rPr lang="de-DE" sz="1400" dirty="0"/>
+              <a:t>http://192.168.0.40/config?httpuser=gerald</a:t>
+            </a:r>
+          </a:p>
+          <a:p>
+            <a:pPr marL="0" lvl="1" indent="0">
+              <a:buSzPct val="80000"/>
+              <a:buNone/>
+            </a:pPr>
+            <a:r>
+              <a:rPr lang="de-DE" sz="1400" dirty="0"/>
+              <a:t>http://192.168.0.40/config?httppassword=piKla87Sie57  </a:t>
+            </a:r>
+          </a:p>
+          <a:p>
+            <a:pPr marL="0" lvl="1" indent="0">
+              <a:buSzPct val="80000"/>
+              <a:buNone/>
+            </a:pPr>
+            <a:endParaRPr lang="de-DE" sz="1400" dirty="0"/>
+          </a:p>
+          <a:p>
+            <a:pPr marL="0" lvl="1" indent="0">
+              <a:buSzPct val="80000"/>
+              <a:buNone/>
+            </a:pPr>
+            <a:r>
+              <a:rPr lang="de-DE" sz="1400" dirty="0"/>
+              <a:t>http://192.168.0.40/config?ssid  </a:t>
+            </a:r>
+          </a:p>
+          <a:p>
+            <a:pPr marL="0" lvl="1" indent="0">
+              <a:buSzPct val="80000"/>
+              <a:buNone/>
+            </a:pPr>
+            <a:r>
+              <a:rPr lang="de-DE" sz="1400" dirty="0"/>
+              <a:t>http://192.168.0.40/config?password </a:t>
+            </a:r>
+          </a:p>
+          <a:p>
+            <a:pPr marL="0" lvl="1" indent="0">
+              <a:buSzPct val="80000"/>
+              <a:buNone/>
+            </a:pPr>
+            <a:r>
+              <a:rPr lang="de-DE" sz="1400" dirty="0"/>
+              <a:t>http://192.168.0.40/config?httpmqttgateway </a:t>
+            </a:r>
+          </a:p>
+          <a:p>
+            <a:pPr marL="0" lvl="1" indent="0">
+              <a:buSzPct val="80000"/>
+              <a:buNone/>
+            </a:pPr>
+            <a:r>
+              <a:rPr lang="de-DE" sz="1400" dirty="0"/>
+              <a:t>http://192.168.0.40/config?httpuser</a:t>
+            </a:r>
+          </a:p>
+          <a:p>
+            <a:pPr marL="0" lvl="1" indent="0">
+              <a:buSzPct val="80000"/>
+              <a:buNone/>
+            </a:pPr>
+            <a:r>
+              <a:rPr lang="de-DE" sz="1400"/>
+              <a:t>http://192.168.0.40/config?httppassword</a:t>
+            </a:r>
+            <a:endParaRPr lang="de-DE" sz="1400" dirty="0"/>
+          </a:p>
+        </p:txBody>
+      </p:sp>
+    </p:spTree>
+    <p:extLst>
+      <p:ext uri="{BB962C8B-B14F-4D97-AF65-F5344CB8AC3E}">
+        <p14:creationId xmlns:p14="http://schemas.microsoft.com/office/powerpoint/2010/main" val="2009656255"/>
+      </p:ext>
+    </p:extLst>
+  </p:cSld>
+  <p:clrMapOvr>
+    <a:masterClrMapping/>
+  </p:clrMapOvr>
+</p:sld>
+</file>
+
+<file path=ppt/slides/slide14.xml><?xml version="1.0" encoding="utf-8"?>
+<p:sld xmlns:a="http://schemas.openxmlformats.org/drawingml/2006/main" xmlns:r="http://schemas.openxmlformats.org/officeDocument/2006/relationships" xmlns:p="http://schemas.openxmlformats.org/presentationml/2006/main">
+  <p:cSld>
+    <p:spTree>
+      <p:nvGrpSpPr>
+        <p:cNvPr id="1" name=""/>
+        <p:cNvGrpSpPr/>
+        <p:nvPr/>
+      </p:nvGrpSpPr>
+      <p:grpSpPr>
+        <a:xfrm>
+          <a:off x="0" y="0"/>
+          <a:ext cx="0" cy="0"/>
+          <a:chOff x="0" y="0"/>
+          <a:chExt cx="0" cy="0"/>
+        </a:xfrm>
+      </p:grpSpPr>
+      <p:sp>
+        <p:nvSpPr>
+          <p:cNvPr id="2" name="Titel 1">
+            <a:extLst>
+              <a:ext uri="{FF2B5EF4-FFF2-40B4-BE49-F238E27FC236}">
+                <a16:creationId xmlns:a16="http://schemas.microsoft.com/office/drawing/2014/main" id="{0B74C02A-71C1-4A5F-BF29-4C1AC36D8B4B}"/>
+              </a:ext>
+            </a:extLst>
+          </p:cNvPr>
+          <p:cNvSpPr>
+            <a:spLocks noGrp="1"/>
+          </p:cNvSpPr>
+          <p:nvPr>
+            <p:ph type="title"/>
+          </p:nvPr>
+        </p:nvSpPr>
+        <p:spPr/>
+        <p:txBody>
+          <a:bodyPr/>
+          <a:lstStyle/>
+          <a:p>
+            <a:endParaRPr lang="de-DE"/>
+          </a:p>
+        </p:txBody>
+      </p:sp>
+      <p:sp>
+        <p:nvSpPr>
+          <p:cNvPr id="3" name="Textplatzhalter 2">
+            <a:extLst>
+              <a:ext uri="{FF2B5EF4-FFF2-40B4-BE49-F238E27FC236}">
+                <a16:creationId xmlns:a16="http://schemas.microsoft.com/office/drawing/2014/main" id="{F6A1990D-B561-428E-9FBD-9207AA884B95}"/>
+              </a:ext>
+            </a:extLst>
+          </p:cNvPr>
+          <p:cNvSpPr>
+            <a:spLocks noGrp="1"/>
+          </p:cNvSpPr>
+          <p:nvPr>
+            <p:ph type="body" sz="quarter" idx="10"/>
+          </p:nvPr>
+        </p:nvSpPr>
+        <p:spPr/>
+        <p:txBody>
+          <a:bodyPr/>
+          <a:lstStyle/>
+          <a:p>
+            <a:endParaRPr lang="de-DE"/>
+          </a:p>
+        </p:txBody>
+      </p:sp>
+      <p:pic>
+        <p:nvPicPr>
+          <p:cNvPr id="4" name="Grafik 3">
+            <a:extLst>
+              <a:ext uri="{FF2B5EF4-FFF2-40B4-BE49-F238E27FC236}">
+                <a16:creationId xmlns:a16="http://schemas.microsoft.com/office/drawing/2014/main" id="{EE39AA67-7170-49E6-A631-CECD5DDBBDF6}"/>
+              </a:ext>
+            </a:extLst>
+          </p:cNvPr>
+          <p:cNvPicPr>
+            <a:picLocks noChangeAspect="1"/>
+          </p:cNvPicPr>
+          <p:nvPr/>
+        </p:nvPicPr>
+        <p:blipFill>
+          <a:blip r:embed="rId2"/>
+          <a:stretch>
+            <a:fillRect/>
+          </a:stretch>
+        </p:blipFill>
+        <p:spPr>
+          <a:xfrm>
+            <a:off x="0" y="1148024"/>
+            <a:ext cx="9144000" cy="4561951"/>
+          </a:xfrm>
+          <a:prstGeom prst="rect">
+            <a:avLst/>
+          </a:prstGeom>
+        </p:spPr>
+      </p:pic>
+    </p:spTree>
+    <p:extLst>
+      <p:ext uri="{BB962C8B-B14F-4D97-AF65-F5344CB8AC3E}">
+        <p14:creationId xmlns:p14="http://schemas.microsoft.com/office/powerpoint/2010/main" val="945607563"/>
+      </p:ext>
+    </p:extLst>
+  </p:cSld>
+  <p:clrMapOvr>
+    <a:masterClrMapping/>
+  </p:clrMapOvr>
+</p:sld>
+</file>
+
+<file path=ppt/slides/slide15.xml><?xml version="1.0" encoding="utf-8"?>
+<p:sld xmlns:a="http://schemas.openxmlformats.org/drawingml/2006/main" xmlns:r="http://schemas.openxmlformats.org/officeDocument/2006/relationships" xmlns:p="http://schemas.openxmlformats.org/presentationml/2006/main">
+  <p:cSld>
+    <p:spTree>
+      <p:nvGrpSpPr>
+        <p:cNvPr id="1" name=""/>
+        <p:cNvGrpSpPr/>
+        <p:nvPr/>
+      </p:nvGrpSpPr>
+      <p:grpSpPr>
+        <a:xfrm>
+          <a:off x="0" y="0"/>
+          <a:ext cx="0" cy="0"/>
+          <a:chOff x="0" y="0"/>
+          <a:chExt cx="0" cy="0"/>
+        </a:xfrm>
+      </p:grpSpPr>
+      <p:sp>
+        <p:nvSpPr>
+          <p:cNvPr id="2" name="Titel 1">
+            <a:extLst>
+              <a:ext uri="{FF2B5EF4-FFF2-40B4-BE49-F238E27FC236}">
+                <a16:creationId xmlns:a16="http://schemas.microsoft.com/office/drawing/2014/main" id="{17296256-048F-4D15-9FF7-37241709E82B}"/>
+              </a:ext>
+            </a:extLst>
+          </p:cNvPr>
+          <p:cNvSpPr>
+            <a:spLocks noGrp="1"/>
+          </p:cNvSpPr>
+          <p:nvPr>
+            <p:ph type="title"/>
+          </p:nvPr>
+        </p:nvSpPr>
+        <p:spPr/>
+        <p:txBody>
+          <a:bodyPr/>
+          <a:lstStyle/>
+          <a:p>
+            <a:r>
+              <a:rPr lang="de-DE" dirty="0" err="1"/>
+              <a:t>MqttGateway</a:t>
+            </a:r>
+            <a:r>
+              <a:rPr lang="de-DE" dirty="0"/>
+              <a:t> </a:t>
+            </a:r>
+            <a:r>
+              <a:rPr lang="de-DE" dirty="0">
+                <a:sym typeface="Wingdings" panose="05000000000000000000" pitchFamily="2" charset="2"/>
+              </a:rPr>
+              <a:t> </a:t>
+            </a:r>
+            <a:r>
+              <a:rPr lang="de-DE" dirty="0" err="1">
+                <a:sym typeface="Wingdings" panose="05000000000000000000" pitchFamily="2" charset="2"/>
+              </a:rPr>
+              <a:t>MiFlora</a:t>
+            </a:r>
+            <a:endParaRPr lang="de-DE" dirty="0"/>
+          </a:p>
+        </p:txBody>
+      </p:sp>
+      <p:sp>
+        <p:nvSpPr>
+          <p:cNvPr id="3" name="Textplatzhalter 2">
+            <a:extLst>
+              <a:ext uri="{FF2B5EF4-FFF2-40B4-BE49-F238E27FC236}">
+                <a16:creationId xmlns:a16="http://schemas.microsoft.com/office/drawing/2014/main" id="{AE9CEDFF-D8DF-414B-82EC-65DA6495BFAA}"/>
+              </a:ext>
+            </a:extLst>
+          </p:cNvPr>
+          <p:cNvSpPr>
+            <a:spLocks noGrp="1"/>
+          </p:cNvSpPr>
+          <p:nvPr>
+            <p:ph type="body" sz="quarter" idx="10"/>
+          </p:nvPr>
+        </p:nvSpPr>
+        <p:spPr/>
+        <p:txBody>
+          <a:bodyPr/>
+          <a:lstStyle/>
+          <a:p>
+            <a:r>
+              <a:rPr lang="de-DE" sz="1600" dirty="0">
+                <a:hlinkClick r:id="rId2"/>
+              </a:rPr>
               <a:t>http://192.168.0.60/getconfig</a:t>
             </a:r>
             <a:endParaRPr lang="de-DE" sz="1600" dirty="0"/>
@@ -2579,7 +3548,7 @@
 </p:sld>
 </file>
 
-<file path=ppt/slides/slide12.xml><?xml version="1.0" encoding="utf-8"?>
+<file path=ppt/slides/slide16.xml><?xml version="1.0" encoding="utf-8"?>
 <p:sld xmlns:a="http://schemas.openxmlformats.org/drawingml/2006/main" xmlns:r="http://schemas.openxmlformats.org/officeDocument/2006/relationships" xmlns:p="http://schemas.openxmlformats.org/presentationml/2006/main">
   <p:cSld>
     <p:spTree>
@@ -2798,7 +3767,7 @@
 </p:sld>
 </file>
 
-<file path=ppt/slides/slide13.xml><?xml version="1.0" encoding="utf-8"?>
+<file path=ppt/slides/slide17.xml><?xml version="1.0" encoding="utf-8"?>
 <p:sld xmlns:a="http://schemas.openxmlformats.org/drawingml/2006/main" xmlns:r="http://schemas.openxmlformats.org/officeDocument/2006/relationships" xmlns:p="http://schemas.openxmlformats.org/presentationml/2006/main">
   <p:cSld>
     <p:spTree>
@@ -2986,7 +3955,7 @@
 </p:sld>
 </file>
 
-<file path=ppt/slides/slide14.xml><?xml version="1.0" encoding="utf-8"?>
+<file path=ppt/slides/slide18.xml><?xml version="1.0" encoding="utf-8"?>
 <p:sld xmlns:a="http://schemas.openxmlformats.org/drawingml/2006/main" xmlns:r="http://schemas.openxmlformats.org/officeDocument/2006/relationships" xmlns:p="http://schemas.openxmlformats.org/presentationml/2006/main">
   <p:cSld>
     <p:spTree>
@@ -3188,7 +4157,7 @@
 </p:sld>
 </file>
 
-<file path=ppt/slides/slide15.xml><?xml version="1.0" encoding="utf-8"?>
+<file path=ppt/slides/slide19.xml><?xml version="1.0" encoding="utf-8"?>
 <p:sld xmlns:a="http://schemas.openxmlformats.org/drawingml/2006/main" xmlns:r="http://schemas.openxmlformats.org/officeDocument/2006/relationships" xmlns:p="http://schemas.openxmlformats.org/presentationml/2006/main">
   <p:cSld>
     <p:spTree>
@@ -3388,7 +4357,172 @@
 </p:sld>
 </file>
 
-<file path=ppt/slides/slide16.xml><?xml version="1.0" encoding="utf-8"?>
+<file path=ppt/slides/slide2.xml><?xml version="1.0" encoding="utf-8"?>
+<p:sld xmlns:a="http://schemas.openxmlformats.org/drawingml/2006/main" xmlns:r="http://schemas.openxmlformats.org/officeDocument/2006/relationships" xmlns:p="http://schemas.openxmlformats.org/presentationml/2006/main">
+  <p:cSld>
+    <p:spTree>
+      <p:nvGrpSpPr>
+        <p:cNvPr id="1" name=""/>
+        <p:cNvGrpSpPr/>
+        <p:nvPr/>
+      </p:nvGrpSpPr>
+      <p:grpSpPr>
+        <a:xfrm>
+          <a:off x="0" y="0"/>
+          <a:ext cx="0" cy="0"/>
+          <a:chOff x="0" y="0"/>
+          <a:chExt cx="0" cy="0"/>
+        </a:xfrm>
+      </p:grpSpPr>
+      <p:sp>
+        <p:nvSpPr>
+          <p:cNvPr id="2" name="Titel 1">
+            <a:extLst>
+              <a:ext uri="{FF2B5EF4-FFF2-40B4-BE49-F238E27FC236}">
+                <a16:creationId xmlns:a16="http://schemas.microsoft.com/office/drawing/2014/main" id="{A9F6D9DC-682D-44EE-AB7B-C210B4E92B79}"/>
+              </a:ext>
+            </a:extLst>
+          </p:cNvPr>
+          <p:cNvSpPr>
+            <a:spLocks noGrp="1"/>
+          </p:cNvSpPr>
+          <p:nvPr>
+            <p:ph type="title"/>
+          </p:nvPr>
+        </p:nvSpPr>
+        <p:spPr/>
+        <p:txBody>
+          <a:bodyPr/>
+          <a:lstStyle/>
+          <a:p>
+            <a:r>
+              <a:rPr lang="de-DE" dirty="0"/>
+              <a:t>Accesspoint konfigurieren (</a:t>
+            </a:r>
+            <a:r>
+              <a:rPr lang="de-DE" dirty="0" err="1"/>
+              <a:t>Hellmonsödt</a:t>
+            </a:r>
+            <a:r>
+              <a:rPr lang="de-DE" dirty="0"/>
+              <a:t>)</a:t>
+            </a:r>
+          </a:p>
+        </p:txBody>
+      </p:sp>
+      <p:sp>
+        <p:nvSpPr>
+          <p:cNvPr id="3" name="Textplatzhalter 2">
+            <a:extLst>
+              <a:ext uri="{FF2B5EF4-FFF2-40B4-BE49-F238E27FC236}">
+                <a16:creationId xmlns:a16="http://schemas.microsoft.com/office/drawing/2014/main" id="{F64BD144-609D-4E8D-A075-1788B3616104}"/>
+              </a:ext>
+            </a:extLst>
+          </p:cNvPr>
+          <p:cNvSpPr>
+            <a:spLocks noGrp="1"/>
+          </p:cNvSpPr>
+          <p:nvPr>
+            <p:ph type="body" sz="quarter" idx="10"/>
+          </p:nvPr>
+        </p:nvSpPr>
+        <p:spPr/>
+        <p:txBody>
+          <a:bodyPr/>
+          <a:lstStyle/>
+          <a:p>
+            <a:r>
+              <a:rPr lang="de-DE" sz="2000" dirty="0">
+                <a:hlinkClick r:id="rId2"/>
+              </a:rPr>
+              <a:t>http://192.168.10.1/config</a:t>
+            </a:r>
+            <a:r>
+              <a:rPr lang="de-DE" sz="2000" dirty="0"/>
+              <a:t> </a:t>
+            </a:r>
+          </a:p>
+          <a:p>
+            <a:endParaRPr lang="de-DE" sz="2000" dirty="0">
+              <a:hlinkClick r:id="rId3"/>
+            </a:endParaRPr>
+          </a:p>
+          <a:p>
+            <a:r>
+              <a:rPr lang="de-DE" sz="2000" dirty="0">
+                <a:hlinkClick r:id="rId3"/>
+              </a:rPr>
+              <a:t>http://192.168.10.1/config?thingname=sensorbox</a:t>
+            </a:r>
+            <a:r>
+              <a:rPr lang="de-DE" sz="2000" dirty="0"/>
+              <a:t> </a:t>
+            </a:r>
+          </a:p>
+          <a:p>
+            <a:r>
+              <a:rPr lang="de-DE" sz="2000" dirty="0">
+                <a:hlinkClick r:id="rId4"/>
+              </a:rPr>
+              <a:t>http://192.168.10.1/config?ssid=linksysAtHome</a:t>
+            </a:r>
+            <a:r>
+              <a:rPr lang="de-DE" sz="2000" dirty="0"/>
+              <a:t> </a:t>
+            </a:r>
+          </a:p>
+          <a:p>
+            <a:r>
+              <a:rPr lang="de-DE" sz="2000" dirty="0">
+                <a:hlinkClick r:id="rId5"/>
+              </a:rPr>
+              <a:t>http://192.168.10.1/config?password=YJXPF4WAC7</a:t>
+            </a:r>
+            <a:r>
+              <a:rPr lang="de-DE" sz="2000" dirty="0"/>
+              <a:t> </a:t>
+            </a:r>
+          </a:p>
+          <a:p>
+            <a:endParaRPr lang="de-DE" sz="2000" dirty="0"/>
+          </a:p>
+          <a:p>
+            <a:r>
+              <a:rPr lang="de-DE" sz="2000" dirty="0"/>
+              <a:t>http://192.168.10.1/config?mqttbroker=192.168.0.2</a:t>
+            </a:r>
+          </a:p>
+          <a:p>
+            <a:r>
+              <a:rPr lang="de-DE" sz="2000" dirty="0"/>
+              <a:t>http://192.168.10.1/config?mqttuser=gerald</a:t>
+            </a:r>
+          </a:p>
+          <a:p>
+            <a:r>
+              <a:rPr lang="de-DE" sz="2000" dirty="0"/>
+              <a:t>http://192.168.10.1/config?mqttpassword=mosquittoKla87Sie57</a:t>
+            </a:r>
+          </a:p>
+          <a:p>
+            <a:endParaRPr lang="de-DE" sz="2000" dirty="0"/>
+          </a:p>
+        </p:txBody>
+      </p:sp>
+    </p:spTree>
+    <p:extLst>
+      <p:ext uri="{BB962C8B-B14F-4D97-AF65-F5344CB8AC3E}">
+        <p14:creationId xmlns:p14="http://schemas.microsoft.com/office/powerpoint/2010/main" val="842552671"/>
+      </p:ext>
+    </p:extLst>
+  </p:cSld>
+  <p:clrMapOvr>
+    <a:masterClrMapping/>
+  </p:clrMapOvr>
+</p:sld>
+</file>
+
+<file path=ppt/slides/slide20.xml><?xml version="1.0" encoding="utf-8"?>
 <p:sld xmlns:a="http://schemas.openxmlformats.org/drawingml/2006/main" xmlns:r="http://schemas.openxmlformats.org/officeDocument/2006/relationships" xmlns:p="http://schemas.openxmlformats.org/presentationml/2006/main">
   <p:cSld>
     <p:spTree>
@@ -3590,7 +4724,7 @@
 </p:sld>
 </file>
 
-<file path=ppt/slides/slide17.xml><?xml version="1.0" encoding="utf-8"?>
+<file path=ppt/slides/slide21.xml><?xml version="1.0" encoding="utf-8"?>
 <p:sld xmlns:a="http://schemas.openxmlformats.org/drawingml/2006/main" xmlns:r="http://schemas.openxmlformats.org/officeDocument/2006/relationships" xmlns:p="http://schemas.openxmlformats.org/presentationml/2006/main">
   <p:cSld>
     <p:spTree>
@@ -3854,7 +4988,7 @@
 </p:sld>
 </file>
 
-<file path=ppt/slides/slide18.xml><?xml version="1.0" encoding="utf-8"?>
+<file path=ppt/slides/slide22.xml><?xml version="1.0" encoding="utf-8"?>
 <p:sld xmlns:a="http://schemas.openxmlformats.org/drawingml/2006/main" xmlns:r="http://schemas.openxmlformats.org/officeDocument/2006/relationships" xmlns:p="http://schemas.openxmlformats.org/presentationml/2006/main">
   <p:cSld>
     <p:spTree>
@@ -3985,7 +5119,7 @@
 </p:sld>
 </file>
 
-<file path=ppt/slides/slide19.xml><?xml version="1.0" encoding="utf-8"?>
+<file path=ppt/slides/slide23.xml><?xml version="1.0" encoding="utf-8"?>
 <p:sld xmlns:a="http://schemas.openxmlformats.org/drawingml/2006/main" xmlns:r="http://schemas.openxmlformats.org/officeDocument/2006/relationships" xmlns:p="http://schemas.openxmlformats.org/presentationml/2006/main">
   <p:cSld>
     <p:spTree>
@@ -4065,7 +5199,491 @@
 </p:sld>
 </file>
 
-<file path=ppt/slides/slide2.xml><?xml version="1.0" encoding="utf-8"?>
+<file path=ppt/slides/slide3.xml><?xml version="1.0" encoding="utf-8"?>
+<p:sld xmlns:a="http://schemas.openxmlformats.org/drawingml/2006/main" xmlns:r="http://schemas.openxmlformats.org/officeDocument/2006/relationships" xmlns:p="http://schemas.openxmlformats.org/presentationml/2006/main">
+  <p:cSld>
+    <p:spTree>
+      <p:nvGrpSpPr>
+        <p:cNvPr id="1" name=""/>
+        <p:cNvGrpSpPr/>
+        <p:nvPr/>
+      </p:nvGrpSpPr>
+      <p:grpSpPr>
+        <a:xfrm>
+          <a:off x="0" y="0"/>
+          <a:ext cx="0" cy="0"/>
+          <a:chOff x="0" y="0"/>
+          <a:chExt cx="0" cy="0"/>
+        </a:xfrm>
+      </p:grpSpPr>
+      <p:sp>
+        <p:nvSpPr>
+          <p:cNvPr id="2" name="Titel 1">
+            <a:extLst>
+              <a:ext uri="{FF2B5EF4-FFF2-40B4-BE49-F238E27FC236}">
+                <a16:creationId xmlns:a16="http://schemas.microsoft.com/office/drawing/2014/main" id="{A9F6D9DC-682D-44EE-AB7B-C210B4E92B79}"/>
+              </a:ext>
+            </a:extLst>
+          </p:cNvPr>
+          <p:cNvSpPr>
+            <a:spLocks noGrp="1"/>
+          </p:cNvSpPr>
+          <p:nvPr>
+            <p:ph type="title"/>
+          </p:nvPr>
+        </p:nvSpPr>
+        <p:spPr/>
+        <p:txBody>
+          <a:bodyPr/>
+          <a:lstStyle/>
+          <a:p>
+            <a:r>
+              <a:rPr lang="de-DE" dirty="0"/>
+              <a:t>Accesspoint konfigurieren (Leonding)</a:t>
+            </a:r>
+          </a:p>
+        </p:txBody>
+      </p:sp>
+      <p:sp>
+        <p:nvSpPr>
+          <p:cNvPr id="3" name="Textplatzhalter 2">
+            <a:extLst>
+              <a:ext uri="{FF2B5EF4-FFF2-40B4-BE49-F238E27FC236}">
+                <a16:creationId xmlns:a16="http://schemas.microsoft.com/office/drawing/2014/main" id="{F64BD144-609D-4E8D-A075-1788B3616104}"/>
+              </a:ext>
+            </a:extLst>
+          </p:cNvPr>
+          <p:cNvSpPr>
+            <a:spLocks noGrp="1"/>
+          </p:cNvSpPr>
+          <p:nvPr>
+            <p:ph type="body" sz="quarter" idx="10"/>
+          </p:nvPr>
+        </p:nvSpPr>
+        <p:spPr/>
+        <p:txBody>
+          <a:bodyPr/>
+          <a:lstStyle/>
+          <a:p>
+            <a:r>
+              <a:rPr lang="de-DE" sz="2000" dirty="0">
+                <a:hlinkClick r:id="rId2"/>
+              </a:rPr>
+              <a:t>http://192.168.10.1/config</a:t>
+            </a:r>
+            <a:r>
+              <a:rPr lang="de-DE" sz="2000" dirty="0"/>
+              <a:t> </a:t>
+            </a:r>
+          </a:p>
+          <a:p>
+            <a:endParaRPr lang="de-DE" sz="2000" dirty="0">
+              <a:hlinkClick r:id="rId3"/>
+            </a:endParaRPr>
+          </a:p>
+          <a:p>
+            <a:r>
+              <a:rPr lang="de-DE" sz="2000" dirty="0">
+                <a:hlinkClick r:id="rId3"/>
+              </a:rPr>
+              <a:t>http://192.168.10.1/config?thingname=sensorbox</a:t>
+            </a:r>
+            <a:r>
+              <a:rPr lang="de-DE" sz="2000" dirty="0"/>
+              <a:t> </a:t>
+            </a:r>
+          </a:p>
+          <a:p>
+            <a:r>
+              <a:rPr lang="de-DE" sz="2000" dirty="0">
+                <a:hlinkClick r:id="rId4"/>
+              </a:rPr>
+              <a:t>http://192.168.10.1/config?ssid=A1-B5035B</a:t>
+            </a:r>
+            <a:r>
+              <a:rPr lang="de-DE" sz="2000" dirty="0"/>
+              <a:t> </a:t>
+            </a:r>
+          </a:p>
+          <a:p>
+            <a:r>
+              <a:rPr lang="de-DE" sz="2000" dirty="0">
+                <a:hlinkClick r:id="rId5"/>
+              </a:rPr>
+              <a:t>http://192.168.10.1/config?password=52809766B6</a:t>
+            </a:r>
+            <a:r>
+              <a:rPr lang="de-DE" sz="2000" dirty="0"/>
+              <a:t> </a:t>
+            </a:r>
+          </a:p>
+          <a:p>
+            <a:endParaRPr lang="de-DE" sz="2000" dirty="0"/>
+          </a:p>
+          <a:p>
+            <a:pPr marL="269875" lvl="1" indent="-269875">
+              <a:buSzPct val="80000"/>
+              <a:buFont typeface="Wingdings" pitchFamily="2" charset="2"/>
+              <a:buChar char="§"/>
+            </a:pPr>
+            <a:r>
+              <a:rPr lang="de-DE" sz="2000" dirty="0">
+                <a:hlinkClick r:id="rId6"/>
+              </a:rPr>
+              <a:t>http://192.168.10.1/config?mqttbroker=192.168.0.2</a:t>
+            </a:r>
+            <a:r>
+              <a:rPr lang="de-DE" sz="2000" dirty="0"/>
+              <a:t> </a:t>
+            </a:r>
+          </a:p>
+          <a:p>
+            <a:pPr marL="269875" lvl="1" indent="-269875">
+              <a:buSzPct val="80000"/>
+              <a:buFont typeface="Wingdings" pitchFamily="2" charset="2"/>
+              <a:buChar char="§"/>
+            </a:pPr>
+            <a:r>
+              <a:rPr lang="de-DE" sz="2000" dirty="0">
+                <a:hlinkClick r:id="rId7"/>
+              </a:rPr>
+              <a:t>http://192.168.10.1/config?mqttuser=gerald</a:t>
+            </a:r>
+            <a:r>
+              <a:rPr lang="de-DE" sz="2000" dirty="0"/>
+              <a:t> </a:t>
+            </a:r>
+          </a:p>
+          <a:p>
+            <a:pPr marL="269875" lvl="1" indent="-269875">
+              <a:buSzPct val="80000"/>
+              <a:buFont typeface="Wingdings" pitchFamily="2" charset="2"/>
+              <a:buChar char="§"/>
+            </a:pPr>
+            <a:r>
+              <a:rPr lang="de-DE" sz="2000" dirty="0">
+                <a:hlinkClick r:id="rId8"/>
+              </a:rPr>
+              <a:t>http://192.168.10.1/config?mqttpassword=mosquittoKla87Sie57</a:t>
+            </a:r>
+            <a:r>
+              <a:rPr lang="de-DE" sz="2000" dirty="0"/>
+              <a:t> </a:t>
+            </a:r>
+          </a:p>
+          <a:p>
+            <a:pPr marL="269875" lvl="1" indent="-269875">
+              <a:buSzPct val="80000"/>
+              <a:buFont typeface="Wingdings" pitchFamily="2" charset="2"/>
+              <a:buChar char="§"/>
+            </a:pPr>
+            <a:r>
+              <a:rPr lang="de-DE" sz="2000" dirty="0">
+                <a:hlinkClick r:id="rId9"/>
+              </a:rPr>
+              <a:t>http://192.168.10.1/config?mqttport=1883</a:t>
+            </a:r>
+            <a:r>
+              <a:rPr lang="de-DE" sz="2000" dirty="0"/>
+              <a:t> </a:t>
+            </a:r>
+          </a:p>
+          <a:p>
+            <a:endParaRPr lang="de-DE" sz="2000" dirty="0"/>
+          </a:p>
+        </p:txBody>
+      </p:sp>
+    </p:spTree>
+    <p:extLst>
+      <p:ext uri="{BB962C8B-B14F-4D97-AF65-F5344CB8AC3E}">
+        <p14:creationId xmlns:p14="http://schemas.microsoft.com/office/powerpoint/2010/main" val="4248598478"/>
+      </p:ext>
+    </p:extLst>
+  </p:cSld>
+  <p:clrMapOvr>
+    <a:masterClrMapping/>
+  </p:clrMapOvr>
+</p:sld>
+</file>
+
+<file path=ppt/slides/slide4.xml><?xml version="1.0" encoding="utf-8"?>
+<p:sld xmlns:a="http://schemas.openxmlformats.org/drawingml/2006/main" xmlns:r="http://schemas.openxmlformats.org/officeDocument/2006/relationships" xmlns:p="http://schemas.openxmlformats.org/presentationml/2006/main">
+  <p:cSld>
+    <p:spTree>
+      <p:nvGrpSpPr>
+        <p:cNvPr id="1" name=""/>
+        <p:cNvGrpSpPr/>
+        <p:nvPr/>
+      </p:nvGrpSpPr>
+      <p:grpSpPr>
+        <a:xfrm>
+          <a:off x="0" y="0"/>
+          <a:ext cx="0" cy="0"/>
+          <a:chOff x="0" y="0"/>
+          <a:chExt cx="0" cy="0"/>
+        </a:xfrm>
+      </p:grpSpPr>
+      <p:sp>
+        <p:nvSpPr>
+          <p:cNvPr id="2" name="Titel 1">
+            <a:extLst>
+              <a:ext uri="{FF2B5EF4-FFF2-40B4-BE49-F238E27FC236}">
+                <a16:creationId xmlns:a16="http://schemas.microsoft.com/office/drawing/2014/main" id="{53EE354F-13A6-4A5A-8C48-46A4F15AF604}"/>
+              </a:ext>
+            </a:extLst>
+          </p:cNvPr>
+          <p:cNvSpPr>
+            <a:spLocks noGrp="1"/>
+          </p:cNvSpPr>
+          <p:nvPr>
+            <p:ph type="title"/>
+          </p:nvPr>
+        </p:nvSpPr>
+        <p:spPr/>
+        <p:txBody>
+          <a:bodyPr/>
+          <a:lstStyle/>
+          <a:p>
+            <a:r>
+              <a:rPr lang="de-DE" dirty="0"/>
+              <a:t>ESP konfigurieren per </a:t>
+            </a:r>
+            <a:r>
+              <a:rPr lang="de-DE" dirty="0" err="1"/>
+              <a:t>ConfigEspViaAp</a:t>
+            </a:r>
+            <a:endParaRPr lang="de-DE" dirty="0"/>
+          </a:p>
+        </p:txBody>
+      </p:sp>
+      <p:sp>
+        <p:nvSpPr>
+          <p:cNvPr id="3" name="Textplatzhalter 2">
+            <a:extLst>
+              <a:ext uri="{FF2B5EF4-FFF2-40B4-BE49-F238E27FC236}">
+                <a16:creationId xmlns:a16="http://schemas.microsoft.com/office/drawing/2014/main" id="{E697CBCA-B7EA-4F7A-8F2A-BDC8AD51A2C5}"/>
+              </a:ext>
+            </a:extLst>
+          </p:cNvPr>
+          <p:cNvSpPr>
+            <a:spLocks noGrp="1"/>
+          </p:cNvSpPr>
+          <p:nvPr>
+            <p:ph type="body" sz="quarter" idx="10"/>
+          </p:nvPr>
+        </p:nvSpPr>
+        <p:spPr/>
+        <p:txBody>
+          <a:bodyPr/>
+          <a:lstStyle/>
+          <a:p>
+            <a:r>
+              <a:rPr lang="de-DE" sz="1600" dirty="0"/>
+              <a:t>Programm</a:t>
+            </a:r>
+          </a:p>
+          <a:p>
+            <a:endParaRPr lang="de-DE" sz="1600" dirty="0"/>
+          </a:p>
+          <a:p>
+            <a:r>
+              <a:rPr lang="de-DE" sz="1600" dirty="0"/>
+              <a:t>http://192.168.10.1/config?thingname=ds18b20</a:t>
+            </a:r>
+          </a:p>
+          <a:p>
+            <a:r>
+              <a:rPr lang="de-DE" sz="1600" dirty="0"/>
+              <a:t>http://192.168.10.1/config?ssid=A1-B5035B</a:t>
+            </a:r>
+          </a:p>
+          <a:p>
+            <a:r>
+              <a:rPr lang="de-DE" sz="1600" dirty="0"/>
+              <a:t>http://192.168.10.1/config?password=52809766B6 </a:t>
+            </a:r>
+          </a:p>
+          <a:p>
+            <a:r>
+              <a:rPr lang="de-DE" sz="1600" dirty="0"/>
+              <a:t>http://192.168.10.1/config?mqttbroker=192.168.0.2</a:t>
+            </a:r>
+          </a:p>
+          <a:p>
+            <a:r>
+              <a:rPr lang="de-DE" sz="1600" dirty="0"/>
+              <a:t>http://192.168.10.1/config?mqttuser=gerald</a:t>
+            </a:r>
+          </a:p>
+          <a:p>
+            <a:r>
+              <a:rPr lang="de-DE" sz="1600" dirty="0"/>
+              <a:t>http://192.168.10.1/config?mqttpassword=mosquittoKla87Sie57</a:t>
+            </a:r>
+          </a:p>
+        </p:txBody>
+      </p:sp>
+    </p:spTree>
+    <p:extLst>
+      <p:ext uri="{BB962C8B-B14F-4D97-AF65-F5344CB8AC3E}">
+        <p14:creationId xmlns:p14="http://schemas.microsoft.com/office/powerpoint/2010/main" val="500606022"/>
+      </p:ext>
+    </p:extLst>
+  </p:cSld>
+  <p:clrMapOvr>
+    <a:masterClrMapping/>
+  </p:clrMapOvr>
+</p:sld>
+</file>
+
+<file path=ppt/slides/slide5.xml><?xml version="1.0" encoding="utf-8"?>
+<p:sld xmlns:a="http://schemas.openxmlformats.org/drawingml/2006/main" xmlns:r="http://schemas.openxmlformats.org/officeDocument/2006/relationships" xmlns:p="http://schemas.openxmlformats.org/presentationml/2006/main">
+  <p:cSld>
+    <p:spTree>
+      <p:nvGrpSpPr>
+        <p:cNvPr id="1" name=""/>
+        <p:cNvGrpSpPr/>
+        <p:nvPr/>
+      </p:nvGrpSpPr>
+      <p:grpSpPr>
+        <a:xfrm>
+          <a:off x="0" y="0"/>
+          <a:ext cx="0" cy="0"/>
+          <a:chOff x="0" y="0"/>
+          <a:chExt cx="0" cy="0"/>
+        </a:xfrm>
+      </p:grpSpPr>
+      <p:sp>
+        <p:nvSpPr>
+          <p:cNvPr id="2" name="Titel 1">
+            <a:extLst>
+              <a:ext uri="{FF2B5EF4-FFF2-40B4-BE49-F238E27FC236}">
+                <a16:creationId xmlns:a16="http://schemas.microsoft.com/office/drawing/2014/main" id="{729C0867-69A6-4BEF-A8A9-6CB18E611A51}"/>
+              </a:ext>
+            </a:extLst>
+          </p:cNvPr>
+          <p:cNvSpPr>
+            <a:spLocks noGrp="1"/>
+          </p:cNvSpPr>
+          <p:nvPr>
+            <p:ph type="title"/>
+          </p:nvPr>
+        </p:nvSpPr>
+        <p:spPr/>
+        <p:txBody>
+          <a:bodyPr/>
+          <a:lstStyle/>
+          <a:p>
+            <a:r>
+              <a:rPr lang="de-DE" dirty="0" err="1"/>
+              <a:t>SensorBox</a:t>
+            </a:r>
+            <a:endParaRPr lang="de-DE" dirty="0"/>
+          </a:p>
+        </p:txBody>
+      </p:sp>
+      <p:sp>
+        <p:nvSpPr>
+          <p:cNvPr id="3" name="Textplatzhalter 2">
+            <a:extLst>
+              <a:ext uri="{FF2B5EF4-FFF2-40B4-BE49-F238E27FC236}">
+                <a16:creationId xmlns:a16="http://schemas.microsoft.com/office/drawing/2014/main" id="{110EB0BE-FCE0-47EB-81BA-EF892D93063A}"/>
+              </a:ext>
+            </a:extLst>
+          </p:cNvPr>
+          <p:cNvSpPr>
+            <a:spLocks noGrp="1"/>
+          </p:cNvSpPr>
+          <p:nvPr>
+            <p:ph type="body" sz="quarter" idx="10"/>
+          </p:nvPr>
+        </p:nvSpPr>
+        <p:spPr/>
+        <p:txBody>
+          <a:bodyPr/>
+          <a:lstStyle/>
+          <a:p>
+            <a:r>
+              <a:rPr lang="de-DE" sz="1600" dirty="0"/>
+              <a:t>http://192.168.10.1/config </a:t>
+            </a:r>
+          </a:p>
+          <a:p>
+            <a:endParaRPr lang="de-DE" sz="1600" dirty="0"/>
+          </a:p>
+          <a:p>
+            <a:r>
+              <a:rPr lang="de-DE" sz="1600" dirty="0"/>
+              <a:t>http://192.168.10.1/config?thingname=sensorbox </a:t>
+            </a:r>
+          </a:p>
+          <a:p>
+            <a:r>
+              <a:rPr lang="de-DE" sz="1600" dirty="0"/>
+              <a:t>http://192.168.10.1/config?ssid=linksysAtHome </a:t>
+            </a:r>
+          </a:p>
+          <a:p>
+            <a:r>
+              <a:rPr lang="de-DE" sz="1600" dirty="0"/>
+              <a:t>http://192.168.10.1/config?password=YJXPF4WAC7 </a:t>
+            </a:r>
+          </a:p>
+          <a:p>
+            <a:endParaRPr lang="de-DE" sz="1600" dirty="0"/>
+          </a:p>
+          <a:p>
+            <a:r>
+              <a:rPr lang="de-DE" sz="1600" dirty="0"/>
+              <a:t>http://192.168.10.1/config?mqttbroker=mqtts://192.168.0.2 </a:t>
+            </a:r>
+          </a:p>
+          <a:p>
+            <a:r>
+              <a:rPr lang="de-DE" sz="1600" dirty="0"/>
+              <a:t>http://192.168.10.1/config?mqttuser=gerald </a:t>
+            </a:r>
+          </a:p>
+          <a:p>
+            <a:r>
+              <a:rPr lang="de-DE" sz="1600" dirty="0"/>
+              <a:t>http://192.168.10.1/config?mqttpassword=mosquittoKla87Sie57 </a:t>
+            </a:r>
+          </a:p>
+          <a:p>
+            <a:r>
+              <a:rPr lang="de-DE" sz="1600" dirty="0"/>
+              <a:t>http://192.168.10.1/config?mqttport=8883 </a:t>
+            </a:r>
+          </a:p>
+          <a:p>
+            <a:endParaRPr lang="de-DE" sz="1600" dirty="0"/>
+          </a:p>
+          <a:p>
+            <a:r>
+              <a:rPr lang="de-DE" sz="1600" dirty="0"/>
+              <a:t>http://192.168.10.1/config?loggerip=192.168.0.2 </a:t>
+            </a:r>
+          </a:p>
+          <a:p>
+            <a:endParaRPr lang="de-DE" sz="1600" dirty="0"/>
+          </a:p>
+        </p:txBody>
+      </p:sp>
+    </p:spTree>
+    <p:extLst>
+      <p:ext uri="{BB962C8B-B14F-4D97-AF65-F5344CB8AC3E}">
+        <p14:creationId xmlns:p14="http://schemas.microsoft.com/office/powerpoint/2010/main" val="2004281477"/>
+      </p:ext>
+    </p:extLst>
+  </p:cSld>
+  <p:clrMapOvr>
+    <a:masterClrMapping/>
+  </p:clrMapOvr>
+</p:sld>
+</file>
+
+<file path=ppt/slides/slide6.xml><?xml version="1.0" encoding="utf-8"?>
 <p:sld xmlns:a="http://schemas.openxmlformats.org/drawingml/2006/main" xmlns:r="http://schemas.openxmlformats.org/officeDocument/2006/relationships" xmlns:p="http://schemas.openxmlformats.org/presentationml/2006/main">
   <p:cSld>
     <p:spTree>
@@ -4268,1003 +5886,6 @@
     <p:extLst>
       <p:ext uri="{BB962C8B-B14F-4D97-AF65-F5344CB8AC3E}">
         <p14:creationId xmlns:p14="http://schemas.microsoft.com/office/powerpoint/2010/main" val="2364123978"/>
-      </p:ext>
-    </p:extLst>
-  </p:cSld>
-  <p:clrMapOvr>
-    <a:masterClrMapping/>
-  </p:clrMapOvr>
-</p:sld>
-</file>
-
-<file path=ppt/slides/slide3.xml><?xml version="1.0" encoding="utf-8"?>
-<p:sld xmlns:a="http://schemas.openxmlformats.org/drawingml/2006/main" xmlns:r="http://schemas.openxmlformats.org/officeDocument/2006/relationships" xmlns:p="http://schemas.openxmlformats.org/presentationml/2006/main">
-  <p:cSld>
-    <p:spTree>
-      <p:nvGrpSpPr>
-        <p:cNvPr id="1" name=""/>
-        <p:cNvGrpSpPr/>
-        <p:nvPr/>
-      </p:nvGrpSpPr>
-      <p:grpSpPr>
-        <a:xfrm>
-          <a:off x="0" y="0"/>
-          <a:ext cx="0" cy="0"/>
-          <a:chOff x="0" y="0"/>
-          <a:chExt cx="0" cy="0"/>
-        </a:xfrm>
-      </p:grpSpPr>
-      <p:sp>
-        <p:nvSpPr>
-          <p:cNvPr id="2" name="Titel 1">
-            <a:extLst>
-              <a:ext uri="{FF2B5EF4-FFF2-40B4-BE49-F238E27FC236}">
-                <a16:creationId xmlns:a16="http://schemas.microsoft.com/office/drawing/2014/main" id="{17296256-048F-4D15-9FF7-37241709E82B}"/>
-              </a:ext>
-            </a:extLst>
-          </p:cNvPr>
-          <p:cNvSpPr>
-            <a:spLocks noGrp="1"/>
-          </p:cNvSpPr>
-          <p:nvPr>
-            <p:ph type="title"/>
-          </p:nvPr>
-        </p:nvSpPr>
-        <p:spPr/>
-        <p:txBody>
-          <a:bodyPr/>
-          <a:lstStyle/>
-          <a:p>
-            <a:r>
-              <a:rPr lang="de-DE" dirty="0" err="1"/>
-              <a:t>Gardenhouse</a:t>
-            </a:r>
-            <a:endParaRPr lang="de-DE" dirty="0"/>
-          </a:p>
-        </p:txBody>
-      </p:sp>
-      <p:sp>
-        <p:nvSpPr>
-          <p:cNvPr id="3" name="Textplatzhalter 2">
-            <a:extLst>
-              <a:ext uri="{FF2B5EF4-FFF2-40B4-BE49-F238E27FC236}">
-                <a16:creationId xmlns:a16="http://schemas.microsoft.com/office/drawing/2014/main" id="{AE9CEDFF-D8DF-414B-82EC-65DA6495BFAA}"/>
-              </a:ext>
-            </a:extLst>
-          </p:cNvPr>
-          <p:cNvSpPr>
-            <a:spLocks noGrp="1"/>
-          </p:cNvSpPr>
-          <p:nvPr>
-            <p:ph type="body" sz="quarter" idx="10"/>
-          </p:nvPr>
-        </p:nvSpPr>
-        <p:spPr>
-          <a:xfrm>
-            <a:off x="468313" y="1052736"/>
-            <a:ext cx="8207375" cy="4608165"/>
-          </a:xfrm>
-        </p:spPr>
-        <p:txBody>
-          <a:bodyPr/>
-          <a:lstStyle/>
-          <a:p>
-            <a:pPr marL="0" lvl="1" indent="0">
-              <a:buSzPct val="80000"/>
-              <a:buNone/>
-            </a:pPr>
-            <a:r>
-              <a:rPr lang="de-DE" sz="1400" dirty="0"/>
-              <a:t>http://192.168.0.50/config?thingname=gardenhouse</a:t>
-            </a:r>
-          </a:p>
-          <a:p>
-            <a:pPr marL="0" lvl="1" indent="0">
-              <a:buSzPct val="80000"/>
-              <a:buNone/>
-            </a:pPr>
-            <a:r>
-              <a:rPr lang="de-DE" sz="1400" dirty="0"/>
-              <a:t>http://192.168.0.50/config?ssid=A1-B5035B</a:t>
-            </a:r>
-          </a:p>
-          <a:p>
-            <a:pPr marL="0" lvl="1" indent="0">
-              <a:buSzPct val="80000"/>
-              <a:buNone/>
-            </a:pPr>
-            <a:r>
-              <a:rPr lang="de-DE" sz="1400" dirty="0"/>
-              <a:t>http://192.168.0.50/config?password=52809766B6 </a:t>
-            </a:r>
-          </a:p>
-          <a:p>
-            <a:pPr marL="0" lvl="1" indent="0">
-              <a:buSzPct val="80000"/>
-              <a:buNone/>
-            </a:pPr>
-            <a:r>
-              <a:rPr lang="de-DE" sz="1400" dirty="0"/>
-              <a:t>http://192.168.0.50/config?mqttbroker=192.168.0.2</a:t>
-            </a:r>
-          </a:p>
-          <a:p>
-            <a:pPr marL="0" lvl="1" indent="0">
-              <a:buSzPct val="80000"/>
-              <a:buNone/>
-            </a:pPr>
-            <a:r>
-              <a:rPr lang="de-DE" sz="1400" dirty="0"/>
-              <a:t>http://192.168.0.50/config?mqttuser=gerald</a:t>
-            </a:r>
-          </a:p>
-          <a:p>
-            <a:pPr marL="0" lvl="1" indent="0">
-              <a:buSzPct val="80000"/>
-              <a:buNone/>
-            </a:pPr>
-            <a:r>
-              <a:rPr lang="de-DE" sz="1400" dirty="0"/>
-              <a:t>http://192.168.0.50/config?mqttpassword=mosquittoKla87Sie57</a:t>
-            </a:r>
-          </a:p>
-          <a:p>
-            <a:pPr marL="0" lvl="1" indent="0">
-              <a:buSzPct val="80000"/>
-              <a:buNone/>
-            </a:pPr>
-            <a:r>
-              <a:rPr lang="de-DE" sz="1400" dirty="0"/>
-              <a:t>http://192.168.0.50/config?mqttport=1883</a:t>
-            </a:r>
-          </a:p>
-          <a:p>
-            <a:pPr marL="0" lvl="1" indent="0">
-              <a:buSzPct val="80000"/>
-              <a:buNone/>
-            </a:pPr>
-            <a:endParaRPr lang="de-DE" sz="1400" dirty="0"/>
-          </a:p>
-          <a:p>
-            <a:pPr marL="0" lvl="1" indent="0">
-              <a:buSzPct val="80000"/>
-              <a:buNone/>
-            </a:pPr>
-            <a:r>
-              <a:rPr lang="de-DE" sz="1400" dirty="0"/>
-              <a:t>http://192.168.0.50/config</a:t>
-            </a:r>
-          </a:p>
-          <a:p>
-            <a:pPr marL="0" lvl="1" indent="0">
-              <a:buSzPct val="80000"/>
-              <a:buNone/>
-            </a:pPr>
-            <a:endParaRPr lang="de-DE" sz="1400" dirty="0"/>
-          </a:p>
-          <a:p>
-            <a:pPr marL="0" lvl="1" indent="0">
-              <a:buSzPct val="80000"/>
-              <a:buNone/>
-            </a:pPr>
-            <a:r>
-              <a:rPr lang="de-DE" sz="1400" dirty="0"/>
-              <a:t>http://192.168.0.50/config?ssid  </a:t>
-            </a:r>
-          </a:p>
-          <a:p>
-            <a:pPr marL="0" lvl="1" indent="0">
-              <a:buSzPct val="80000"/>
-              <a:buNone/>
-            </a:pPr>
-            <a:r>
-              <a:rPr lang="de-DE" sz="1400" dirty="0"/>
-              <a:t>http://192.168.0.50/config?password </a:t>
-            </a:r>
-          </a:p>
-          <a:p>
-            <a:pPr marL="0" lvl="1" indent="0">
-              <a:buSzPct val="80000"/>
-              <a:buNone/>
-            </a:pPr>
-            <a:r>
-              <a:rPr lang="de-DE" sz="1400" dirty="0"/>
-              <a:t>http://192.168.0.50/config?mqttbroker </a:t>
-            </a:r>
-          </a:p>
-          <a:p>
-            <a:pPr marL="0" lvl="1" indent="0">
-              <a:buSzPct val="80000"/>
-              <a:buNone/>
-            </a:pPr>
-            <a:r>
-              <a:rPr lang="de-DE" sz="1400" dirty="0"/>
-              <a:t>http://192.168.0.50/config?mqttuser</a:t>
-            </a:r>
-          </a:p>
-          <a:p>
-            <a:pPr marL="0" lvl="1" indent="0">
-              <a:buSzPct val="80000"/>
-              <a:buNone/>
-            </a:pPr>
-            <a:r>
-              <a:rPr lang="de-DE" sz="1400" dirty="0"/>
-              <a:t>http://192.168.0.50/config?mqttpassword</a:t>
-            </a:r>
-          </a:p>
-          <a:p>
-            <a:pPr marL="0" lvl="1" indent="0">
-              <a:buSzPct val="80000"/>
-              <a:buNone/>
-            </a:pPr>
-            <a:endParaRPr lang="de-DE" sz="1400" dirty="0"/>
-          </a:p>
-          <a:p>
-            <a:pPr marL="0" lvl="1" indent="0">
-              <a:buSzPct val="80000"/>
-              <a:buNone/>
-            </a:pPr>
-            <a:r>
-              <a:rPr lang="de-DE" sz="1400" dirty="0"/>
-              <a:t>http://192.168.0.50/sensor?waterlevel</a:t>
-            </a:r>
-          </a:p>
-          <a:p>
-            <a:pPr marL="0" lvl="1" indent="0">
-              <a:buSzPct val="80000"/>
-              <a:buNone/>
-            </a:pPr>
-            <a:r>
-              <a:rPr lang="de-DE" sz="1400" dirty="0"/>
-              <a:t>http://192.168.0.50/actor?powerpump</a:t>
-            </a:r>
-          </a:p>
-          <a:p>
-            <a:pPr marL="0" lvl="1" indent="0">
-              <a:buSzPct val="80000"/>
-              <a:buNone/>
-            </a:pPr>
-            <a:r>
-              <a:rPr lang="de-DE" sz="1400" dirty="0"/>
-              <a:t>http://192.168.0.50/actor?powermiddle</a:t>
-            </a:r>
-          </a:p>
-          <a:p>
-            <a:pPr marL="0" lvl="1" indent="0">
-              <a:buSzPct val="80000"/>
-              <a:buNone/>
-            </a:pPr>
-            <a:r>
-              <a:rPr lang="de-DE" sz="1400" dirty="0"/>
-              <a:t>http://192.168.0.50/actor?powerright</a:t>
-            </a:r>
-          </a:p>
-        </p:txBody>
-      </p:sp>
-    </p:spTree>
-    <p:extLst>
-      <p:ext uri="{BB962C8B-B14F-4D97-AF65-F5344CB8AC3E}">
-        <p14:creationId xmlns:p14="http://schemas.microsoft.com/office/powerpoint/2010/main" val="64974923"/>
-      </p:ext>
-    </p:extLst>
-  </p:cSld>
-  <p:clrMapOvr>
-    <a:masterClrMapping/>
-  </p:clrMapOvr>
-</p:sld>
-</file>
-
-<file path=ppt/slides/slide4.xml><?xml version="1.0" encoding="utf-8"?>
-<p:sld xmlns:a="http://schemas.openxmlformats.org/drawingml/2006/main" xmlns:r="http://schemas.openxmlformats.org/officeDocument/2006/relationships" xmlns:p="http://schemas.openxmlformats.org/presentationml/2006/main">
-  <p:cSld>
-    <p:spTree>
-      <p:nvGrpSpPr>
-        <p:cNvPr id="1" name=""/>
-        <p:cNvGrpSpPr/>
-        <p:nvPr/>
-      </p:nvGrpSpPr>
-      <p:grpSpPr>
-        <a:xfrm>
-          <a:off x="0" y="0"/>
-          <a:ext cx="0" cy="0"/>
-          <a:chOff x="0" y="0"/>
-          <a:chExt cx="0" cy="0"/>
-        </a:xfrm>
-      </p:grpSpPr>
-      <p:sp>
-        <p:nvSpPr>
-          <p:cNvPr id="2" name="Titel 1">
-            <a:extLst>
-              <a:ext uri="{FF2B5EF4-FFF2-40B4-BE49-F238E27FC236}">
-                <a16:creationId xmlns:a16="http://schemas.microsoft.com/office/drawing/2014/main" id="{17296256-048F-4D15-9FF7-37241709E82B}"/>
-              </a:ext>
-            </a:extLst>
-          </p:cNvPr>
-          <p:cNvSpPr>
-            <a:spLocks noGrp="1"/>
-          </p:cNvSpPr>
-          <p:nvPr>
-            <p:ph type="title"/>
-          </p:nvPr>
-        </p:nvSpPr>
-        <p:spPr/>
-        <p:txBody>
-          <a:bodyPr/>
-          <a:lstStyle/>
-          <a:p>
-            <a:r>
-              <a:rPr lang="de-DE" dirty="0"/>
-              <a:t>PH-Sensor</a:t>
-            </a:r>
-          </a:p>
-        </p:txBody>
-      </p:sp>
-      <p:sp>
-        <p:nvSpPr>
-          <p:cNvPr id="3" name="Textplatzhalter 2">
-            <a:extLst>
-              <a:ext uri="{FF2B5EF4-FFF2-40B4-BE49-F238E27FC236}">
-                <a16:creationId xmlns:a16="http://schemas.microsoft.com/office/drawing/2014/main" id="{AE9CEDFF-D8DF-414B-82EC-65DA6495BFAA}"/>
-              </a:ext>
-            </a:extLst>
-          </p:cNvPr>
-          <p:cNvSpPr>
-            <a:spLocks noGrp="1"/>
-          </p:cNvSpPr>
-          <p:nvPr>
-            <p:ph type="body" sz="quarter" idx="10"/>
-          </p:nvPr>
-        </p:nvSpPr>
-        <p:spPr>
-          <a:xfrm>
-            <a:off x="468313" y="1052736"/>
-            <a:ext cx="8207375" cy="4608165"/>
-          </a:xfrm>
-        </p:spPr>
-        <p:txBody>
-          <a:bodyPr/>
-          <a:lstStyle/>
-          <a:p>
-            <a:pPr marL="0" lvl="1" indent="0">
-              <a:buSzPct val="80000"/>
-              <a:buNone/>
-            </a:pPr>
-            <a:r>
-              <a:rPr lang="de-DE" sz="1400" dirty="0"/>
-              <a:t>http://192.168.0.69/config?thingname=phdemo</a:t>
-            </a:r>
-          </a:p>
-          <a:p>
-            <a:pPr marL="0" lvl="1" indent="0">
-              <a:buSzPct val="80000"/>
-              <a:buNone/>
-            </a:pPr>
-            <a:r>
-              <a:rPr lang="de-DE" sz="1400" dirty="0"/>
-              <a:t>http://192.168.0.69/config?ssid=A1-B5035B</a:t>
-            </a:r>
-          </a:p>
-          <a:p>
-            <a:pPr marL="0" lvl="1" indent="0">
-              <a:buSzPct val="80000"/>
-              <a:buNone/>
-            </a:pPr>
-            <a:r>
-              <a:rPr lang="de-DE" sz="1400" dirty="0"/>
-              <a:t>http://192.168.0.69/config?password=52809766B6 </a:t>
-            </a:r>
-          </a:p>
-          <a:p>
-            <a:pPr marL="0" lvl="1" indent="0">
-              <a:buSzPct val="80000"/>
-              <a:buNone/>
-            </a:pPr>
-            <a:r>
-              <a:rPr lang="de-DE" sz="1400" dirty="0"/>
-              <a:t>http://192.168.0.69/config?mqttbroker=192.168.0.2</a:t>
-            </a:r>
-          </a:p>
-          <a:p>
-            <a:pPr marL="0" lvl="1" indent="0">
-              <a:buSzPct val="80000"/>
-              <a:buNone/>
-            </a:pPr>
-            <a:r>
-              <a:rPr lang="de-DE" sz="1400" dirty="0"/>
-              <a:t>http://192.168.0.69/config?mqttuser=gerald</a:t>
-            </a:r>
-          </a:p>
-          <a:p>
-            <a:pPr marL="0" lvl="1" indent="0">
-              <a:buSzPct val="80000"/>
-              <a:buNone/>
-            </a:pPr>
-            <a:r>
-              <a:rPr lang="de-DE" sz="1400" dirty="0"/>
-              <a:t>http://192.168.0.69/config?mqttpassword=mosquittoKla87Sie57</a:t>
-            </a:r>
-          </a:p>
-          <a:p>
-            <a:pPr marL="0" lvl="1" indent="0">
-              <a:buSzPct val="80000"/>
-              <a:buNone/>
-            </a:pPr>
-            <a:r>
-              <a:rPr lang="de-DE" sz="1400" dirty="0"/>
-              <a:t>http://192.168.0.69/config?mqttport=1883</a:t>
-            </a:r>
-          </a:p>
-          <a:p>
-            <a:pPr marL="0" lvl="1" indent="0">
-              <a:buSzPct val="80000"/>
-              <a:buNone/>
-            </a:pPr>
-            <a:endParaRPr lang="de-DE" sz="1400" dirty="0"/>
-          </a:p>
-          <a:p>
-            <a:pPr marL="0" lvl="1" indent="0">
-              <a:buSzPct val="80000"/>
-              <a:buNone/>
-            </a:pPr>
-            <a:r>
-              <a:rPr lang="de-DE" sz="1400" dirty="0"/>
-              <a:t>http://192.168.0.69/config</a:t>
-            </a:r>
-          </a:p>
-          <a:p>
-            <a:pPr marL="0" lvl="1" indent="0">
-              <a:buSzPct val="80000"/>
-              <a:buNone/>
-            </a:pPr>
-            <a:endParaRPr lang="de-DE" sz="1400" dirty="0"/>
-          </a:p>
-          <a:p>
-            <a:pPr marL="0" lvl="1" indent="0">
-              <a:buSzPct val="80000"/>
-              <a:buNone/>
-            </a:pPr>
-            <a:r>
-              <a:rPr lang="de-DE" sz="1400" dirty="0"/>
-              <a:t>http://192.168.0.69/config?ssid  </a:t>
-            </a:r>
-          </a:p>
-          <a:p>
-            <a:pPr marL="0" lvl="1" indent="0">
-              <a:buSzPct val="80000"/>
-              <a:buNone/>
-            </a:pPr>
-            <a:r>
-              <a:rPr lang="de-DE" sz="1400" dirty="0"/>
-              <a:t>http://192.168.0.69/config?password </a:t>
-            </a:r>
-          </a:p>
-          <a:p>
-            <a:pPr marL="0" lvl="1" indent="0">
-              <a:buSzPct val="80000"/>
-              <a:buNone/>
-            </a:pPr>
-            <a:r>
-              <a:rPr lang="de-DE" sz="1400" dirty="0"/>
-              <a:t>http://192.168.0.69/config?mqttbroker </a:t>
-            </a:r>
-          </a:p>
-          <a:p>
-            <a:pPr marL="0" lvl="1" indent="0">
-              <a:buSzPct val="80000"/>
-              <a:buNone/>
-            </a:pPr>
-            <a:r>
-              <a:rPr lang="de-DE" sz="1400" dirty="0"/>
-              <a:t>http://192.168.0.69/config?mqttuser</a:t>
-            </a:r>
-          </a:p>
-          <a:p>
-            <a:pPr marL="0" lvl="1" indent="0">
-              <a:buSzPct val="80000"/>
-              <a:buNone/>
-            </a:pPr>
-            <a:r>
-              <a:rPr lang="de-DE" sz="1400" dirty="0"/>
-              <a:t>http://192.168.0.69/config?mqttpassword</a:t>
-            </a:r>
-          </a:p>
-          <a:p>
-            <a:pPr marL="0" lvl="1" indent="0">
-              <a:buSzPct val="80000"/>
-              <a:buNone/>
-            </a:pPr>
-            <a:endParaRPr lang="de-DE" sz="1400" dirty="0"/>
-          </a:p>
-          <a:p>
-            <a:pPr marL="0" lvl="1" indent="0">
-              <a:buSzPct val="80000"/>
-              <a:buNone/>
-            </a:pPr>
-            <a:r>
-              <a:rPr lang="de-DE" sz="1400" dirty="0"/>
-              <a:t>http://192.168.0.69/sensor?ph</a:t>
-            </a:r>
-          </a:p>
-        </p:txBody>
-      </p:sp>
-    </p:spTree>
-    <p:extLst>
-      <p:ext uri="{BB962C8B-B14F-4D97-AF65-F5344CB8AC3E}">
-        <p14:creationId xmlns:p14="http://schemas.microsoft.com/office/powerpoint/2010/main" val="1460199035"/>
-      </p:ext>
-    </p:extLst>
-  </p:cSld>
-  <p:clrMapOvr>
-    <a:masterClrMapping/>
-  </p:clrMapOvr>
-</p:sld>
-</file>
-
-<file path=ppt/slides/slide5.xml><?xml version="1.0" encoding="utf-8"?>
-<p:sld xmlns:a="http://schemas.openxmlformats.org/drawingml/2006/main" xmlns:r="http://schemas.openxmlformats.org/officeDocument/2006/relationships" xmlns:p="http://schemas.openxmlformats.org/presentationml/2006/main">
-  <p:cSld>
-    <p:spTree>
-      <p:nvGrpSpPr>
-        <p:cNvPr id="1" name=""/>
-        <p:cNvGrpSpPr/>
-        <p:nvPr/>
-      </p:nvGrpSpPr>
-      <p:grpSpPr>
-        <a:xfrm>
-          <a:off x="0" y="0"/>
-          <a:ext cx="0" cy="0"/>
-          <a:chOff x="0" y="0"/>
-          <a:chExt cx="0" cy="0"/>
-        </a:xfrm>
-      </p:grpSpPr>
-      <p:sp>
-        <p:nvSpPr>
-          <p:cNvPr id="2" name="Titel 1">
-            <a:extLst>
-              <a:ext uri="{FF2B5EF4-FFF2-40B4-BE49-F238E27FC236}">
-                <a16:creationId xmlns:a16="http://schemas.microsoft.com/office/drawing/2014/main" id="{17296256-048F-4D15-9FF7-37241709E82B}"/>
-              </a:ext>
-            </a:extLst>
-          </p:cNvPr>
-          <p:cNvSpPr>
-            <a:spLocks noGrp="1"/>
-          </p:cNvSpPr>
-          <p:nvPr>
-            <p:ph type="title"/>
-          </p:nvPr>
-        </p:nvSpPr>
-        <p:spPr/>
-        <p:txBody>
-          <a:bodyPr/>
-          <a:lstStyle/>
-          <a:p>
-            <a:r>
-              <a:rPr lang="de-DE" dirty="0" err="1"/>
-              <a:t>Cistern</a:t>
-            </a:r>
-            <a:endParaRPr lang="de-DE" dirty="0"/>
-          </a:p>
-        </p:txBody>
-      </p:sp>
-      <p:sp>
-        <p:nvSpPr>
-          <p:cNvPr id="3" name="Textplatzhalter 2">
-            <a:extLst>
-              <a:ext uri="{FF2B5EF4-FFF2-40B4-BE49-F238E27FC236}">
-                <a16:creationId xmlns:a16="http://schemas.microsoft.com/office/drawing/2014/main" id="{AE9CEDFF-D8DF-414B-82EC-65DA6495BFAA}"/>
-              </a:ext>
-            </a:extLst>
-          </p:cNvPr>
-          <p:cNvSpPr>
-            <a:spLocks noGrp="1"/>
-          </p:cNvSpPr>
-          <p:nvPr>
-            <p:ph type="body" sz="quarter" idx="10"/>
-          </p:nvPr>
-        </p:nvSpPr>
-        <p:spPr>
-          <a:xfrm>
-            <a:off x="468313" y="1052736"/>
-            <a:ext cx="8207375" cy="4608165"/>
-          </a:xfrm>
-        </p:spPr>
-        <p:txBody>
-          <a:bodyPr/>
-          <a:lstStyle/>
-          <a:p>
-            <a:r>
-              <a:rPr lang="de-DE" sz="1200" dirty="0"/>
-              <a:t>http://192.168.0.63/config?thingname=cistern</a:t>
-            </a:r>
-          </a:p>
-          <a:p>
-            <a:r>
-              <a:rPr lang="de-DE" sz="1200" dirty="0"/>
-              <a:t>http://192.168.0.63/config?ssid=A1-B5035B</a:t>
-            </a:r>
-          </a:p>
-          <a:p>
-            <a:r>
-              <a:rPr lang="de-DE" sz="1200" dirty="0"/>
-              <a:t>http://192.168.0.63/config?password=52809766B6 </a:t>
-            </a:r>
-          </a:p>
-          <a:p>
-            <a:r>
-              <a:rPr lang="de-DE" sz="1200" dirty="0"/>
-              <a:t>http://192.168.0.63/config?mqttbroker=192.168.0.2</a:t>
-            </a:r>
-          </a:p>
-          <a:p>
-            <a:r>
-              <a:rPr lang="de-DE" sz="1200" dirty="0"/>
-              <a:t>http://192.168.0.63/config?mqttuser=gerald</a:t>
-            </a:r>
-          </a:p>
-          <a:p>
-            <a:r>
-              <a:rPr lang="de-DE" sz="1200" dirty="0"/>
-              <a:t>http://192.168.0.63/config?mqttpassword=mosquittoKla87Sie57</a:t>
-            </a:r>
-          </a:p>
-          <a:p>
-            <a:r>
-              <a:rPr lang="de-DE" sz="1200" dirty="0"/>
-              <a:t>http://192.168.0.63/config?mqttport=1883</a:t>
-            </a:r>
-          </a:p>
-          <a:p>
-            <a:endParaRPr lang="de-DE" sz="1200" dirty="0"/>
-          </a:p>
-          <a:p>
-            <a:r>
-              <a:rPr lang="de-DE" sz="1200" dirty="0"/>
-              <a:t>http://192.168.0.63/config</a:t>
-            </a:r>
-          </a:p>
-          <a:p>
-            <a:endParaRPr lang="de-DE" sz="1200" dirty="0"/>
-          </a:p>
-          <a:p>
-            <a:r>
-              <a:rPr lang="de-DE" sz="1200" dirty="0"/>
-              <a:t>http://192.168.0.63/sensor</a:t>
-            </a:r>
-          </a:p>
-          <a:p>
-            <a:r>
-              <a:rPr lang="de-DE" sz="1200" dirty="0"/>
-              <a:t>http://192.168.0.63/actor  </a:t>
-            </a:r>
-          </a:p>
-          <a:p>
-            <a:endParaRPr lang="de-DE" sz="1200" dirty="0"/>
-          </a:p>
-          <a:p>
-            <a:r>
-              <a:rPr lang="de-DE" sz="1200" dirty="0"/>
-              <a:t>http://192.168.0.63/sensor?weight  </a:t>
-            </a:r>
-          </a:p>
-          <a:p>
-            <a:r>
-              <a:rPr lang="de-DE" sz="1200" dirty="0"/>
-              <a:t>http://192.168.0.63/sensor?power</a:t>
-            </a:r>
-          </a:p>
-          <a:p>
-            <a:endParaRPr lang="de-DE" sz="1200" dirty="0"/>
-          </a:p>
-          <a:p>
-            <a:r>
-              <a:rPr lang="de-DE" sz="1200" dirty="0"/>
-              <a:t>http://192.168.0.63/actor?powerpump</a:t>
-            </a:r>
-          </a:p>
-          <a:p>
-            <a:r>
-              <a:rPr lang="de-DE" sz="1200" dirty="0"/>
-              <a:t>http://192.168.0.63/actor?powerpump=ON</a:t>
-            </a:r>
-          </a:p>
-          <a:p>
-            <a:r>
-              <a:rPr lang="de-DE" sz="1200" dirty="0"/>
-              <a:t>http://192.168.0.63/actor?powerpump=OFF</a:t>
-            </a:r>
-          </a:p>
-          <a:p>
-            <a:endParaRPr lang="de-DE" sz="1200" dirty="0"/>
-          </a:p>
-          <a:p>
-            <a:r>
-              <a:rPr lang="de-DE" sz="1200" dirty="0"/>
-              <a:t>http://192.168.0.63/actor?powervalve</a:t>
-            </a:r>
-          </a:p>
-          <a:p>
-            <a:r>
-              <a:rPr lang="de-DE" sz="1200" dirty="0"/>
-              <a:t>http://192.168.0.63/actor?powervalve=ON</a:t>
-            </a:r>
-          </a:p>
-          <a:p>
-            <a:r>
-              <a:rPr lang="de-DE" sz="1200" dirty="0"/>
-              <a:t>http://192.168.0.63/actor?powervalve=OFF</a:t>
-            </a:r>
-            <a:endParaRPr lang="de-DE" sz="1400" dirty="0"/>
-          </a:p>
-        </p:txBody>
-      </p:sp>
-    </p:spTree>
-    <p:extLst>
-      <p:ext uri="{BB962C8B-B14F-4D97-AF65-F5344CB8AC3E}">
-        <p14:creationId xmlns:p14="http://schemas.microsoft.com/office/powerpoint/2010/main" val="276220864"/>
-      </p:ext>
-    </p:extLst>
-  </p:cSld>
-  <p:clrMapOvr>
-    <a:masterClrMapping/>
-  </p:clrMapOvr>
-</p:sld>
-</file>
-
-<file path=ppt/slides/slide6.xml><?xml version="1.0" encoding="utf-8"?>
-<p:sld xmlns:a="http://schemas.openxmlformats.org/drawingml/2006/main" xmlns:r="http://schemas.openxmlformats.org/officeDocument/2006/relationships" xmlns:p="http://schemas.openxmlformats.org/presentationml/2006/main">
-  <p:cSld>
-    <p:spTree>
-      <p:nvGrpSpPr>
-        <p:cNvPr id="1" name=""/>
-        <p:cNvGrpSpPr/>
-        <p:nvPr/>
-      </p:nvGrpSpPr>
-      <p:grpSpPr>
-        <a:xfrm>
-          <a:off x="0" y="0"/>
-          <a:ext cx="0" cy="0"/>
-          <a:chOff x="0" y="0"/>
-          <a:chExt cx="0" cy="0"/>
-        </a:xfrm>
-      </p:grpSpPr>
-      <p:sp>
-        <p:nvSpPr>
-          <p:cNvPr id="2" name="Titel 1">
-            <a:extLst>
-              <a:ext uri="{FF2B5EF4-FFF2-40B4-BE49-F238E27FC236}">
-                <a16:creationId xmlns:a16="http://schemas.microsoft.com/office/drawing/2014/main" id="{9098DF3E-95E9-4956-9956-CEF45BC2FDE4}"/>
-              </a:ext>
-            </a:extLst>
-          </p:cNvPr>
-          <p:cNvSpPr>
-            <a:spLocks noGrp="1"/>
-          </p:cNvSpPr>
-          <p:nvPr>
-            <p:ph type="title"/>
-          </p:nvPr>
-        </p:nvSpPr>
-        <p:spPr/>
-        <p:txBody>
-          <a:bodyPr/>
-          <a:lstStyle/>
-          <a:p>
-            <a:r>
-              <a:rPr lang="de-DE" dirty="0"/>
-              <a:t>DS18B20-Demo</a:t>
-            </a:r>
-          </a:p>
-        </p:txBody>
-      </p:sp>
-      <p:sp>
-        <p:nvSpPr>
-          <p:cNvPr id="3" name="Textplatzhalter 2">
-            <a:extLst>
-              <a:ext uri="{FF2B5EF4-FFF2-40B4-BE49-F238E27FC236}">
-                <a16:creationId xmlns:a16="http://schemas.microsoft.com/office/drawing/2014/main" id="{B4EA5ABA-AE5E-4396-B8CB-BDD7FE41D57C}"/>
-              </a:ext>
-            </a:extLst>
-          </p:cNvPr>
-          <p:cNvSpPr>
-            <a:spLocks noGrp="1"/>
-          </p:cNvSpPr>
-          <p:nvPr>
-            <p:ph type="body" sz="quarter" idx="10"/>
-          </p:nvPr>
-        </p:nvSpPr>
-        <p:spPr/>
-        <p:txBody>
-          <a:bodyPr/>
-          <a:lstStyle/>
-          <a:p>
-            <a:r>
-              <a:rPr lang="de-DE" dirty="0" err="1"/>
-              <a:t>SingleWire</a:t>
-            </a:r>
-            <a:r>
-              <a:rPr lang="de-DE" dirty="0"/>
-              <a:t> Temperatur</a:t>
-            </a:r>
-          </a:p>
-          <a:p>
-            <a:endParaRPr lang="de-DE" dirty="0"/>
-          </a:p>
-          <a:p>
-            <a:pPr marL="625475" lvl="1" indent="0">
-              <a:buNone/>
-            </a:pPr>
-            <a:r>
-              <a:rPr lang="de-DE" sz="1200" dirty="0"/>
-              <a:t>http://192.168.0.55/config?thingname=ds18b20</a:t>
-            </a:r>
-          </a:p>
-          <a:p>
-            <a:pPr marL="625475" lvl="1" indent="0">
-              <a:buNone/>
-            </a:pPr>
-            <a:r>
-              <a:rPr lang="de-DE" sz="1200" dirty="0"/>
-              <a:t>http://192.168.0.55/config?ssid=A1-B5035B</a:t>
-            </a:r>
-          </a:p>
-          <a:p>
-            <a:pPr marL="625475" lvl="1" indent="0">
-              <a:buNone/>
-            </a:pPr>
-            <a:r>
-              <a:rPr lang="de-DE" sz="1200" dirty="0"/>
-              <a:t>http://192.168.0.55/config?password=52809766B6 </a:t>
-            </a:r>
-          </a:p>
-          <a:p>
-            <a:pPr marL="625475" lvl="1" indent="0">
-              <a:buNone/>
-            </a:pPr>
-            <a:r>
-              <a:rPr lang="de-DE" sz="1200" dirty="0"/>
-              <a:t>http://192.168.0.55/config?mqttbroker=192.168.0.2</a:t>
-            </a:r>
-          </a:p>
-          <a:p>
-            <a:pPr marL="625475" lvl="1" indent="0">
-              <a:buNone/>
-            </a:pPr>
-            <a:r>
-              <a:rPr lang="de-DE" sz="1200" dirty="0"/>
-              <a:t>http://192.168.0.55/config?mqttuser=gerald</a:t>
-            </a:r>
-          </a:p>
-          <a:p>
-            <a:pPr marL="625475" lvl="1" indent="0">
-              <a:buNone/>
-            </a:pPr>
-            <a:r>
-              <a:rPr lang="de-DE" sz="1200" dirty="0"/>
-              <a:t>http://192.168.0.55/config?mqttpassword=mosquittoKla87Sie57</a:t>
-            </a:r>
-          </a:p>
-          <a:p>
-            <a:pPr marL="625475" lvl="1" indent="0">
-              <a:buNone/>
-            </a:pPr>
-            <a:r>
-              <a:rPr lang="de-DE" sz="1200" dirty="0"/>
-              <a:t>http://192.168.0.55/config?mqttport=1883</a:t>
-            </a:r>
-          </a:p>
-          <a:p>
-            <a:pPr marL="625475" lvl="1" indent="0">
-              <a:buNone/>
-            </a:pPr>
-            <a:endParaRPr lang="de-DE" sz="1200" dirty="0"/>
-          </a:p>
-          <a:p>
-            <a:pPr marL="625475" lvl="1" indent="0">
-              <a:buNone/>
-            </a:pPr>
-            <a:r>
-              <a:rPr lang="de-DE" sz="1200" dirty="0"/>
-              <a:t>http://192.168.0.55/config</a:t>
-            </a:r>
-          </a:p>
-          <a:p>
-            <a:pPr marL="625475" lvl="1" indent="0">
-              <a:buNone/>
-            </a:pPr>
-            <a:endParaRPr lang="de-DE" sz="1200" dirty="0"/>
-          </a:p>
-          <a:p>
-            <a:pPr marL="625475" lvl="1" indent="0">
-              <a:buNone/>
-            </a:pPr>
-            <a:r>
-              <a:rPr lang="de-DE" sz="1200" dirty="0"/>
-              <a:t>http://192.168.0.55/config?ssid  </a:t>
-            </a:r>
-          </a:p>
-          <a:p>
-            <a:pPr marL="625475" lvl="1" indent="0">
-              <a:buNone/>
-            </a:pPr>
-            <a:r>
-              <a:rPr lang="de-DE" sz="1200" dirty="0"/>
-              <a:t>http://192.168.0.55/config?password </a:t>
-            </a:r>
-          </a:p>
-          <a:p>
-            <a:pPr marL="625475" lvl="1" indent="0">
-              <a:buNone/>
-            </a:pPr>
-            <a:r>
-              <a:rPr lang="de-DE" sz="1200" dirty="0"/>
-              <a:t>http://192.168.0.55/config?mqttbroker </a:t>
-            </a:r>
-          </a:p>
-          <a:p>
-            <a:pPr marL="625475" lvl="1" indent="0">
-              <a:buNone/>
-            </a:pPr>
-            <a:r>
-              <a:rPr lang="de-DE" sz="1200" dirty="0"/>
-              <a:t>http://192.168.0.55/config?mqttuser</a:t>
-            </a:r>
-          </a:p>
-          <a:p>
-            <a:pPr marL="625475" lvl="1" indent="0">
-              <a:buNone/>
-            </a:pPr>
-            <a:r>
-              <a:rPr lang="de-DE" sz="1200" dirty="0"/>
-              <a:t>http://192.168.0.55/config?mqttpassword</a:t>
-            </a:r>
-          </a:p>
-          <a:p>
-            <a:pPr marL="625475" lvl="1" indent="0">
-              <a:buNone/>
-            </a:pPr>
-            <a:endParaRPr lang="de-DE" sz="1200" dirty="0"/>
-          </a:p>
-          <a:p>
-            <a:pPr marL="625475" lvl="1" indent="0">
-              <a:buNone/>
-            </a:pPr>
-            <a:r>
-              <a:rPr lang="de-DE" sz="1200" dirty="0"/>
-              <a:t>http://192.168.0.55/sensor?temperature</a:t>
-            </a:r>
-          </a:p>
-          <a:p>
-            <a:pPr marL="625475" lvl="1" indent="0">
-              <a:buNone/>
-            </a:pPr>
-            <a:endParaRPr lang="de-DE" sz="1200" dirty="0"/>
-          </a:p>
-          <a:p>
-            <a:pPr marL="625475" lvl="1" indent="0">
-              <a:buNone/>
-            </a:pPr>
-            <a:r>
-              <a:rPr lang="de-DE" sz="1200" dirty="0"/>
-              <a:t>http://192.168.0.55/restart</a:t>
-            </a:r>
-          </a:p>
-          <a:p>
-            <a:pPr marL="625475" lvl="1" indent="0">
-              <a:buNone/>
-            </a:pPr>
-            <a:endParaRPr lang="de-DE" sz="1200" dirty="0"/>
-          </a:p>
-          <a:p>
-            <a:pPr marL="625475" lvl="1" indent="0">
-              <a:buNone/>
-            </a:pPr>
-            <a:endParaRPr lang="de-DE" sz="1200" dirty="0"/>
-          </a:p>
-        </p:txBody>
-      </p:sp>
-    </p:spTree>
-    <p:extLst>
-      <p:ext uri="{BB962C8B-B14F-4D97-AF65-F5344CB8AC3E}">
-        <p14:creationId xmlns:p14="http://schemas.microsoft.com/office/powerpoint/2010/main" val="420974753"/>
       </p:ext>
     </p:extLst>
   </p:cSld>
@@ -5314,7 +5935,7 @@
           <a:p>
             <a:r>
               <a:rPr lang="de-DE" dirty="0" err="1"/>
-              <a:t>SsrDemo</a:t>
+              <a:t>Gardenhouse</a:t>
             </a:r>
             <a:endParaRPr lang="de-DE" dirty="0"/>
           </a:p>
@@ -5336,103 +5957,212 @@
             <p:ph type="body" sz="quarter" idx="10"/>
           </p:nvPr>
         </p:nvSpPr>
-        <p:spPr/>
+        <p:spPr>
+          <a:xfrm>
+            <a:off x="468313" y="1052736"/>
+            <a:ext cx="8207375" cy="4608165"/>
+          </a:xfrm>
+        </p:spPr>
         <p:txBody>
           <a:bodyPr/>
           <a:lstStyle/>
           <a:p>
-            <a:r>
-              <a:rPr lang="de-DE" sz="1600" dirty="0">
-                <a:hlinkClick r:id="rId2"/>
-              </a:rPr>
-              <a:t>http://192.168.0.79/getconfig</a:t>
-            </a:r>
-            <a:endParaRPr lang="de-DE" sz="1600" dirty="0"/>
-          </a:p>
-          <a:p>
-            <a:endParaRPr lang="de-DE" sz="1600" dirty="0"/>
-          </a:p>
-          <a:p>
-            <a:r>
-              <a:rPr lang="de-DE" sz="1600" dirty="0">
-                <a:hlinkClick r:id="rId3"/>
-              </a:rPr>
-              <a:t>http://192.168.0.79/setconfig?mqttbroker=ssdpi&amp;mqttport=8883</a:t>
-            </a:r>
-            <a:endParaRPr lang="de-DE" sz="1600" dirty="0"/>
-          </a:p>
-          <a:p>
-            <a:r>
-              <a:rPr lang="de-DE" sz="1600" dirty="0">
-                <a:hlinkClick r:id="rId4"/>
-              </a:rPr>
-              <a:t>http://192.168.0.79/setconfig?mqttuser=openhabian&amp;mqttpassword=piKla87Sie57</a:t>
-            </a:r>
-            <a:r>
-              <a:rPr lang="de-DE" sz="1600" dirty="0"/>
-              <a:t> </a:t>
-            </a:r>
-          </a:p>
-          <a:p>
-            <a:r>
-              <a:rPr lang="de-DE" sz="1600" dirty="0">
-                <a:hlinkClick r:id="rId5"/>
-              </a:rPr>
-              <a:t>http://192.168.0.79/setconfig?ntpserver=192.168.0.2&amp;thingname=ssrdemo</a:t>
-            </a:r>
-            <a:endParaRPr lang="de-DE" sz="1600" dirty="0"/>
-          </a:p>
-          <a:p>
-            <a:endParaRPr lang="de-DE" sz="1600" dirty="0"/>
-          </a:p>
-          <a:p>
-            <a:r>
-              <a:rPr lang="de-DE" sz="1600" dirty="0">
-                <a:hlinkClick r:id="rId6"/>
-              </a:rPr>
-              <a:t>http://192.168.0.79/setactor?switch=1</a:t>
-            </a:r>
-            <a:r>
-              <a:rPr lang="de-DE" sz="1600" dirty="0"/>
-              <a:t> </a:t>
-            </a:r>
-          </a:p>
-          <a:p>
-            <a:r>
-              <a:rPr lang="de-DE" sz="1800" dirty="0">
-                <a:hlinkClick r:id="rId7"/>
-              </a:rPr>
-              <a:t>http://192.168.0.79/getactor?switch</a:t>
-            </a:r>
-            <a:r>
-              <a:rPr lang="de-DE" sz="1800" dirty="0"/>
-              <a:t> </a:t>
-            </a:r>
-          </a:p>
-          <a:p>
-            <a:endParaRPr lang="de-DE" sz="1800" dirty="0"/>
-          </a:p>
-          <a:p>
-            <a:r>
-              <a:rPr lang="de-DE" sz="1800" dirty="0">
-                <a:hlinkClick r:id="rId8"/>
-              </a:rPr>
-              <a:t>http://192.168.0.79/getconfig?thingname</a:t>
-            </a:r>
-            <a:r>
-              <a:rPr lang="de-DE" sz="1800" dirty="0"/>
-              <a:t> </a:t>
-            </a:r>
-          </a:p>
-          <a:p>
-            <a:endParaRPr lang="de-DE" sz="1800" dirty="0"/>
+            <a:pPr marL="0" lvl="1" indent="0">
+              <a:buSzPct val="80000"/>
+              <a:buNone/>
+            </a:pPr>
+            <a:r>
+              <a:rPr lang="de-DE" sz="1400" dirty="0"/>
+              <a:t>http://192.168.0.50/config?thingname=gardenhouse</a:t>
+            </a:r>
+          </a:p>
+          <a:p>
+            <a:pPr marL="0" lvl="1" indent="0">
+              <a:buSzPct val="80000"/>
+              <a:buNone/>
+            </a:pPr>
+            <a:r>
+              <a:rPr lang="de-DE" sz="1400" dirty="0"/>
+              <a:t>http://192.168.0.50/config?ssid=A1-B5035B</a:t>
+            </a:r>
+          </a:p>
+          <a:p>
+            <a:pPr marL="0" lvl="1" indent="0">
+              <a:buSzPct val="80000"/>
+              <a:buNone/>
+            </a:pPr>
+            <a:r>
+              <a:rPr lang="de-DE" sz="1400" dirty="0"/>
+              <a:t>http://192.168.0.50/config?password=52809766B6 </a:t>
+            </a:r>
+          </a:p>
+          <a:p>
+            <a:pPr marL="0" lvl="1" indent="0">
+              <a:buSzPct val="80000"/>
+              <a:buNone/>
+            </a:pPr>
+            <a:r>
+              <a:rPr lang="de-DE" sz="1400" dirty="0"/>
+              <a:t>http://192.168.0.50/config?mqttbroker=192.168.0.2</a:t>
+            </a:r>
+          </a:p>
+          <a:p>
+            <a:pPr marL="0" lvl="1" indent="0">
+              <a:buSzPct val="80000"/>
+              <a:buNone/>
+            </a:pPr>
+            <a:r>
+              <a:rPr lang="de-DE" sz="1400" dirty="0"/>
+              <a:t>http://192.168.0.50/config?mqttuser=gerald</a:t>
+            </a:r>
+          </a:p>
+          <a:p>
+            <a:pPr marL="0" lvl="1" indent="0">
+              <a:buSzPct val="80000"/>
+              <a:buNone/>
+            </a:pPr>
+            <a:r>
+              <a:rPr lang="de-DE" sz="1400" dirty="0"/>
+              <a:t>http://192.168.0.50/config?mqttpassword=mosquittoKla87Sie57</a:t>
+            </a:r>
+          </a:p>
+          <a:p>
+            <a:pPr marL="0" lvl="1" indent="0">
+              <a:buSzPct val="80000"/>
+              <a:buNone/>
+            </a:pPr>
+            <a:r>
+              <a:rPr lang="de-DE" sz="1400" dirty="0"/>
+              <a:t>http://192.168.0.50/config?mqttport=1883</a:t>
+            </a:r>
+          </a:p>
+          <a:p>
+            <a:pPr marL="0" lvl="1" indent="0">
+              <a:buSzPct val="80000"/>
+              <a:buNone/>
+            </a:pPr>
+            <a:endParaRPr lang="de-DE" sz="1400" dirty="0"/>
+          </a:p>
+          <a:p>
+            <a:pPr marL="0" lvl="1" indent="0">
+              <a:buSzPct val="80000"/>
+              <a:buNone/>
+            </a:pPr>
+            <a:r>
+              <a:rPr lang="de-DE" sz="1400" dirty="0"/>
+              <a:t>http://192.168.0.50/config</a:t>
+            </a:r>
+          </a:p>
+          <a:p>
+            <a:pPr marL="0" lvl="1" indent="0">
+              <a:buSzPct val="80000"/>
+              <a:buNone/>
+            </a:pPr>
+            <a:endParaRPr lang="de-DE" sz="1400" dirty="0"/>
+          </a:p>
+          <a:p>
+            <a:pPr marL="0" lvl="1" indent="0">
+              <a:buSzPct val="80000"/>
+              <a:buNone/>
+            </a:pPr>
+            <a:r>
+              <a:rPr lang="de-DE" sz="1400" dirty="0"/>
+              <a:t>http://192.168.0.50/config?ssid  </a:t>
+            </a:r>
+          </a:p>
+          <a:p>
+            <a:pPr marL="0" lvl="1" indent="0">
+              <a:buSzPct val="80000"/>
+              <a:buNone/>
+            </a:pPr>
+            <a:r>
+              <a:rPr lang="de-DE" sz="1400" dirty="0"/>
+              <a:t>http://192.168.0.50/config?password </a:t>
+            </a:r>
+          </a:p>
+          <a:p>
+            <a:pPr marL="0" lvl="1" indent="0">
+              <a:buSzPct val="80000"/>
+              <a:buNone/>
+            </a:pPr>
+            <a:r>
+              <a:rPr lang="de-DE" sz="1400" dirty="0"/>
+              <a:t>http://192.168.0.50/config?mqttbroker </a:t>
+            </a:r>
+          </a:p>
+          <a:p>
+            <a:pPr marL="0" lvl="1" indent="0">
+              <a:buSzPct val="80000"/>
+              <a:buNone/>
+            </a:pPr>
+            <a:r>
+              <a:rPr lang="de-DE" sz="1400" dirty="0"/>
+              <a:t>http://192.168.0.50/config?mqttuser</a:t>
+            </a:r>
+          </a:p>
+          <a:p>
+            <a:pPr marL="0" lvl="1" indent="0">
+              <a:buSzPct val="80000"/>
+              <a:buNone/>
+            </a:pPr>
+            <a:r>
+              <a:rPr lang="de-DE" sz="1400" dirty="0"/>
+              <a:t>http://192.168.0.50/config?mqttpassword</a:t>
+            </a:r>
+          </a:p>
+          <a:p>
+            <a:pPr marL="0" lvl="1" indent="0">
+              <a:buSzPct val="80000"/>
+              <a:buNone/>
+            </a:pPr>
+            <a:endParaRPr lang="de-DE" sz="1400" dirty="0"/>
+          </a:p>
+          <a:p>
+            <a:pPr marL="0" lvl="1" indent="0">
+              <a:buSzPct val="80000"/>
+              <a:buNone/>
+            </a:pPr>
+            <a:r>
+              <a:rPr lang="de-DE" sz="1400" dirty="0"/>
+              <a:t>http://192.168.0.50/sensor?waterlevel</a:t>
+            </a:r>
+          </a:p>
+          <a:p>
+            <a:pPr marL="0" lvl="1" indent="0">
+              <a:buSzPct val="80000"/>
+              <a:buNone/>
+            </a:pPr>
+            <a:r>
+              <a:rPr lang="de-DE" sz="1400" dirty="0"/>
+              <a:t>http://192.168.0.50/actor?powerpump</a:t>
+            </a:r>
+          </a:p>
+          <a:p>
+            <a:pPr marL="0" lvl="1" indent="0">
+              <a:buSzPct val="80000"/>
+              <a:buNone/>
+            </a:pPr>
+            <a:r>
+              <a:rPr lang="de-DE" sz="1400" dirty="0"/>
+              <a:t>http://192.168.0.50/actor?powermiddle</a:t>
+            </a:r>
+          </a:p>
+          <a:p>
+            <a:pPr marL="0" lvl="1" indent="0">
+              <a:buSzPct val="80000"/>
+              <a:buNone/>
+            </a:pPr>
+            <a:r>
+              <a:rPr lang="de-DE" sz="1400" dirty="0"/>
+              <a:t>http://192.168.0.50/actor?powerright</a:t>
+            </a:r>
           </a:p>
         </p:txBody>
       </p:sp>
     </p:spTree>
     <p:extLst>
       <p:ext uri="{BB962C8B-B14F-4D97-AF65-F5344CB8AC3E}">
-        <p14:creationId xmlns:p14="http://schemas.microsoft.com/office/powerpoint/2010/main" val="3504643302"/>
+        <p14:creationId xmlns:p14="http://schemas.microsoft.com/office/powerpoint/2010/main" val="64974923"/>
       </p:ext>
     </p:extLst>
   </p:cSld>
@@ -5481,18 +6211,9 @@
           <a:lstStyle/>
           <a:p>
             <a:r>
-              <a:rPr lang="de-DE" dirty="0" err="1"/>
-              <a:t>Miflora</a:t>
-            </a:r>
-            <a:r>
               <a:rPr lang="de-DE" dirty="0"/>
-              <a:t> </a:t>
-            </a:r>
-            <a:r>
-              <a:rPr lang="de-DE" dirty="0" err="1"/>
-              <a:t>Hellmonsödt</a:t>
-            </a:r>
-            <a:endParaRPr lang="de-DE" dirty="0"/>
+              <a:t>PH-Sensor</a:t>
+            </a:r>
           </a:p>
         </p:txBody>
       </p:sp>
@@ -5512,143 +6233,174 @@
             <p:ph type="body" sz="quarter" idx="10"/>
           </p:nvPr>
         </p:nvSpPr>
-        <p:spPr/>
+        <p:spPr>
+          <a:xfrm>
+            <a:off x="468313" y="1052736"/>
+            <a:ext cx="8207375" cy="4608165"/>
+          </a:xfrm>
+        </p:spPr>
         <p:txBody>
           <a:bodyPr/>
           <a:lstStyle/>
           <a:p>
-            <a:r>
-              <a:rPr lang="de-DE" sz="1600" dirty="0"/>
-              <a:t>Netzwerkkonfiguration merkt sich ESP intern</a:t>
-            </a:r>
-          </a:p>
-          <a:p>
-            <a:pPr lvl="1"/>
+            <a:pPr marL="0" lvl="1" indent="0">
+              <a:buSzPct val="80000"/>
+              <a:buNone/>
+            </a:pPr>
             <a:r>
               <a:rPr lang="de-DE" sz="1400" dirty="0"/>
-              <a:t>http://192.168.10.1/config?ssid=linksysAtHome</a:t>
-            </a:r>
-          </a:p>
-          <a:p>
-            <a:pPr lvl="1"/>
+              <a:t>http://192.168.0.69/config?thingname=phdemo</a:t>
+            </a:r>
+          </a:p>
+          <a:p>
+            <a:pPr marL="0" lvl="1" indent="0">
+              <a:buSzPct val="80000"/>
+              <a:buNone/>
+            </a:pPr>
             <a:r>
               <a:rPr lang="de-DE" sz="1400" dirty="0"/>
-              <a:t>http://192.168.10.1/config?password=YJXPF4WAC7 </a:t>
-            </a:r>
-          </a:p>
-          <a:p>
-            <a:pPr lvl="1"/>
-            <a:r>
-              <a:rPr lang="de-DE" sz="1400" dirty="0">
-                <a:hlinkClick r:id="rId2"/>
-              </a:rPr>
-              <a:t>http://192.168.10.1/config</a:t>
-            </a:r>
+              <a:t>http://192.168.0.69/config?ssid=A1-B5035B</a:t>
+            </a:r>
+          </a:p>
+          <a:p>
+            <a:pPr marL="0" lvl="1" indent="0">
+              <a:buSzPct val="80000"/>
+              <a:buNone/>
+            </a:pPr>
             <a:r>
               <a:rPr lang="de-DE" sz="1400" dirty="0"/>
-              <a:t> </a:t>
-            </a:r>
-          </a:p>
-          <a:p>
-            <a:pPr lvl="1"/>
-            <a:endParaRPr lang="de-DE" sz="1600" dirty="0"/>
-          </a:p>
-          <a:p>
-            <a:r>
-              <a:rPr lang="de-DE" sz="1600" dirty="0"/>
-              <a:t>Verbindung testen nach Neustart von </a:t>
-            </a:r>
-            <a:r>
-              <a:rPr lang="de-DE" sz="1600" dirty="0" err="1"/>
-              <a:t>Config</a:t>
-            </a:r>
-            <a:r>
-              <a:rPr lang="de-DE" sz="1600" dirty="0"/>
-              <a:t>-ESP mit Netzwerkzugang</a:t>
-            </a:r>
-          </a:p>
-          <a:p>
-            <a:r>
-              <a:rPr lang="de-DE" sz="1600" dirty="0" err="1"/>
-              <a:t>Miflora</a:t>
-            </a:r>
-            <a:r>
-              <a:rPr lang="de-DE" sz="1600" dirty="0"/>
-              <a:t> hochladen und Rest konfigurieren</a:t>
-            </a:r>
-          </a:p>
-          <a:p>
-            <a:pPr lvl="1"/>
+              <a:t>http://192.168.0.69/config?password=52809766B6 </a:t>
+            </a:r>
+          </a:p>
+          <a:p>
+            <a:pPr marL="0" lvl="1" indent="0">
+              <a:buSzPct val="80000"/>
+              <a:buNone/>
+            </a:pPr>
             <a:r>
               <a:rPr lang="de-DE" sz="1400" dirty="0"/>
-              <a:t>http://192.168.0.33/config</a:t>
-            </a:r>
-          </a:p>
-          <a:p>
-            <a:pPr lvl="1"/>
+              <a:t>http://192.168.0.69/config?mqttbroker=192.168.0.2</a:t>
+            </a:r>
+          </a:p>
+          <a:p>
+            <a:pPr marL="0" lvl="1" indent="0">
+              <a:buSzPct val="80000"/>
+              <a:buNone/>
+            </a:pPr>
             <a:r>
               <a:rPr lang="de-DE" sz="1400" dirty="0"/>
-              <a:t>http://192.168.0.33/config?thingname=miflorahellmonsoedt</a:t>
-            </a:r>
-          </a:p>
-          <a:p>
-            <a:pPr lvl="1"/>
+              <a:t>http://192.168.0.69/config?mqttuser=gerald</a:t>
+            </a:r>
+          </a:p>
+          <a:p>
+            <a:pPr marL="0" lvl="1" indent="0">
+              <a:buSzPct val="80000"/>
+              <a:buNone/>
+            </a:pPr>
             <a:r>
               <a:rPr lang="de-DE" sz="1400" dirty="0"/>
-              <a:t>http://192.168.0.33/config?httpmqttgateway=leonding.synology.me/esplogs/mqtt</a:t>
-            </a:r>
-          </a:p>
-          <a:p>
-            <a:pPr lvl="1"/>
+              <a:t>http://192.168.0.69/config?mqttpassword=mosquittoKla87Sie57</a:t>
+            </a:r>
+          </a:p>
+          <a:p>
+            <a:pPr marL="0" lvl="1" indent="0">
+              <a:buSzPct val="80000"/>
+              <a:buNone/>
+            </a:pPr>
             <a:r>
               <a:rPr lang="de-DE" sz="1400" dirty="0"/>
-              <a:t>http://192.168.0.33/config?httpuser=gerald</a:t>
-            </a:r>
-          </a:p>
-          <a:p>
-            <a:pPr lvl="1"/>
+              <a:t>http://192.168.0.69/config?mqttport=1883</a:t>
+            </a:r>
+          </a:p>
+          <a:p>
+            <a:pPr marL="0" lvl="1" indent="0">
+              <a:buSzPct val="80000"/>
+              <a:buNone/>
+            </a:pPr>
+            <a:endParaRPr lang="de-DE" sz="1400" dirty="0"/>
+          </a:p>
+          <a:p>
+            <a:pPr marL="0" lvl="1" indent="0">
+              <a:buSzPct val="80000"/>
+              <a:buNone/>
+            </a:pPr>
             <a:r>
               <a:rPr lang="de-DE" sz="1400" dirty="0"/>
-              <a:t>http://192.168.0.33/config?httppassword=piKla87Sie57  </a:t>
-            </a:r>
-          </a:p>
-          <a:p>
-            <a:pPr lvl="1"/>
+              <a:t>http://192.168.0.69/config</a:t>
+            </a:r>
+          </a:p>
+          <a:p>
+            <a:pPr marL="0" lvl="1" indent="0">
+              <a:buSzPct val="80000"/>
+              <a:buNone/>
+            </a:pPr>
             <a:endParaRPr lang="de-DE" sz="1400" dirty="0"/>
           </a:p>
           <a:p>
-            <a:pPr lvl="1"/>
+            <a:pPr marL="0" lvl="1" indent="0">
+              <a:buSzPct val="80000"/>
+              <a:buNone/>
+            </a:pPr>
             <a:r>
               <a:rPr lang="de-DE" sz="1400" dirty="0"/>
-              <a:t>http://192.168.0.33/config?ssid  </a:t>
-            </a:r>
-          </a:p>
-          <a:p>
-            <a:pPr lvl="1"/>
+              <a:t>http://192.168.0.69/config?ssid  </a:t>
+            </a:r>
+          </a:p>
+          <a:p>
+            <a:pPr marL="0" lvl="1" indent="0">
+              <a:buSzPct val="80000"/>
+              <a:buNone/>
+            </a:pPr>
             <a:r>
               <a:rPr lang="de-DE" sz="1400" dirty="0"/>
-              <a:t>http://192.168.0.33/config?password </a:t>
-            </a:r>
-          </a:p>
-          <a:p>
-            <a:pPr lvl="1"/>
+              <a:t>http://192.168.0.69/config?password </a:t>
+            </a:r>
+          </a:p>
+          <a:p>
+            <a:pPr marL="0" lvl="1" indent="0">
+              <a:buSzPct val="80000"/>
+              <a:buNone/>
+            </a:pPr>
             <a:r>
               <a:rPr lang="de-DE" sz="1400" dirty="0"/>
-              <a:t>http://192.168.0.33/config?httpmqttgateway </a:t>
-            </a:r>
-          </a:p>
-          <a:p>
-            <a:pPr lvl="1"/>
+              <a:t>http://192.168.0.69/config?mqttbroker </a:t>
+            </a:r>
+          </a:p>
+          <a:p>
+            <a:pPr marL="0" lvl="1" indent="0">
+              <a:buSzPct val="80000"/>
+              <a:buNone/>
+            </a:pPr>
             <a:r>
               <a:rPr lang="de-DE" sz="1400" dirty="0"/>
-              <a:t>http://192.168.0.33/config?httpuser</a:t>
-            </a:r>
-          </a:p>
-          <a:p>
-            <a:pPr lvl="1"/>
+              <a:t>http://192.168.0.69/config?mqttuser</a:t>
+            </a:r>
+          </a:p>
+          <a:p>
+            <a:pPr marL="0" lvl="1" indent="0">
+              <a:buSzPct val="80000"/>
+              <a:buNone/>
+            </a:pPr>
             <a:r>
               <a:rPr lang="de-DE" sz="1400" dirty="0"/>
-              <a:t>http://192.168.0.33/config?httppassword</a:t>
+              <a:t>http://192.168.0.69/config?mqttpassword</a:t>
+            </a:r>
+          </a:p>
+          <a:p>
+            <a:pPr marL="0" lvl="1" indent="0">
+              <a:buSzPct val="80000"/>
+              <a:buNone/>
+            </a:pPr>
+            <a:endParaRPr lang="de-DE" sz="1400" dirty="0"/>
+          </a:p>
+          <a:p>
+            <a:pPr marL="0" lvl="1" indent="0">
+              <a:buSzPct val="80000"/>
+              <a:buNone/>
+            </a:pPr>
+            <a:r>
+              <a:rPr lang="de-DE" sz="1400" dirty="0"/>
+              <a:t>http://192.168.0.69/sensor?ph</a:t>
             </a:r>
           </a:p>
         </p:txBody>
@@ -5656,7 +6408,7 @@
     </p:spTree>
     <p:extLst>
       <p:ext uri="{BB962C8B-B14F-4D97-AF65-F5344CB8AC3E}">
-        <p14:creationId xmlns:p14="http://schemas.microsoft.com/office/powerpoint/2010/main" val="1108982593"/>
+        <p14:creationId xmlns:p14="http://schemas.microsoft.com/office/powerpoint/2010/main" val="1460199035"/>
       </p:ext>
     </p:extLst>
   </p:cSld>
@@ -5706,12 +6458,9 @@
           <a:p>
             <a:r>
               <a:rPr lang="de-DE" dirty="0" err="1"/>
-              <a:t>Miflora</a:t>
-            </a:r>
-            <a:r>
-              <a:rPr lang="de-DE" dirty="0"/>
-              <a:t> Leonding</a:t>
-            </a:r>
+              <a:t>Cistern</a:t>
+            </a:r>
+            <a:endParaRPr lang="de-DE" dirty="0"/>
           </a:p>
         </p:txBody>
       </p:sp>
@@ -5731,240 +6480,136 @@
             <p:ph type="body" sz="quarter" idx="10"/>
           </p:nvPr>
         </p:nvSpPr>
-        <p:spPr/>
+        <p:spPr>
+          <a:xfrm>
+            <a:off x="468313" y="1052736"/>
+            <a:ext cx="8207375" cy="4608165"/>
+          </a:xfrm>
+        </p:spPr>
         <p:txBody>
           <a:bodyPr/>
           <a:lstStyle/>
           <a:p>
-            <a:endParaRPr lang="de-DE" sz="1600" dirty="0"/>
-          </a:p>
-          <a:p>
-            <a:endParaRPr lang="de-DE" sz="1600" dirty="0"/>
-          </a:p>
-          <a:p>
-            <a:endParaRPr lang="de-DE" sz="1600" dirty="0"/>
-          </a:p>
-          <a:p>
-            <a:endParaRPr lang="de-DE" sz="1600" dirty="0"/>
-          </a:p>
-          <a:p>
-            <a:endParaRPr lang="de-DE" sz="1600" dirty="0"/>
-          </a:p>
-          <a:p>
-            <a:endParaRPr lang="de-DE" sz="1600" dirty="0"/>
-          </a:p>
-        </p:txBody>
-      </p:sp>
-      <p:sp>
-        <p:nvSpPr>
-          <p:cNvPr id="4" name="Rechteck 3">
-            <a:extLst>
-              <a:ext uri="{FF2B5EF4-FFF2-40B4-BE49-F238E27FC236}">
-                <a16:creationId xmlns:a16="http://schemas.microsoft.com/office/drawing/2014/main" id="{030CC9D4-F3A2-4474-8C4F-996593D5764C}"/>
-              </a:ext>
-            </a:extLst>
-          </p:cNvPr>
-          <p:cNvSpPr/>
-          <p:nvPr/>
-        </p:nvSpPr>
-        <p:spPr>
-          <a:xfrm>
-            <a:off x="457200" y="981075"/>
-            <a:ext cx="6400800" cy="3970318"/>
-          </a:xfrm>
-          <a:prstGeom prst="rect">
-            <a:avLst/>
-          </a:prstGeom>
-        </p:spPr>
-        <p:txBody>
-          <a:bodyPr wrap="square">
-            <a:spAutoFit/>
-          </a:bodyPr>
-          <a:lstStyle/>
-          <a:p>
-            <a:pPr marL="0" lvl="1" indent="0">
-              <a:buSzPct val="80000"/>
-              <a:buNone/>
-            </a:pPr>
-            <a:r>
-              <a:rPr lang="de-DE" sz="1400" dirty="0"/>
-              <a:t>Netzwerkkonfiguration merkt sich ESP intern</a:t>
-            </a:r>
-          </a:p>
-          <a:p>
-            <a:pPr marL="0" lvl="1" indent="0">
-              <a:buSzPct val="80000"/>
-              <a:buNone/>
-            </a:pPr>
-            <a:r>
-              <a:rPr lang="de-DE" sz="1400" dirty="0"/>
-              <a:t>http://192.168.0.40/config?ssid=linksysAtHome</a:t>
-            </a:r>
-          </a:p>
-          <a:p>
-            <a:pPr marL="0" lvl="1" indent="0">
-              <a:buSzPct val="80000"/>
-              <a:buNone/>
-            </a:pPr>
-            <a:r>
-              <a:rPr lang="de-DE" sz="1400" dirty="0"/>
-              <a:t>http://192.168.0.40/config?password=YJXPF4WAC7 </a:t>
-            </a:r>
-          </a:p>
-          <a:p>
-            <a:pPr marL="0" lvl="1" indent="0">
-              <a:buSzPct val="80000"/>
-              <a:buNone/>
-            </a:pPr>
-            <a:r>
-              <a:rPr lang="de-DE" sz="1400" dirty="0"/>
-              <a:t>http://192.168.0.40/config </a:t>
-            </a:r>
-          </a:p>
-          <a:p>
-            <a:pPr marL="0" lvl="1" indent="0">
-              <a:buSzPct val="80000"/>
-              <a:buNone/>
-            </a:pPr>
-            <a:endParaRPr lang="de-DE" sz="1400" dirty="0"/>
-          </a:p>
-          <a:p>
-            <a:pPr marL="0" lvl="1" indent="0">
-              <a:buSzPct val="80000"/>
-              <a:buNone/>
-            </a:pPr>
-            <a:r>
-              <a:rPr lang="de-DE" sz="1400" dirty="0"/>
-              <a:t>Verbindung testen nach Neustart von </a:t>
-            </a:r>
-            <a:r>
-              <a:rPr lang="de-DE" sz="1400" dirty="0" err="1"/>
-              <a:t>Config</a:t>
-            </a:r>
-            <a:r>
-              <a:rPr lang="de-DE" sz="1400" dirty="0"/>
-              <a:t>-ESP mit Netzwerkzugang</a:t>
-            </a:r>
-          </a:p>
-          <a:p>
-            <a:pPr marL="0" lvl="1" indent="0">
-              <a:buSzPct val="80000"/>
-              <a:buNone/>
-            </a:pPr>
-            <a:r>
-              <a:rPr lang="de-DE" sz="1400" dirty="0" err="1"/>
-              <a:t>Miflora</a:t>
-            </a:r>
-            <a:r>
-              <a:rPr lang="de-DE" sz="1400" dirty="0"/>
-              <a:t> hochladen und Rest konfigurieren</a:t>
-            </a:r>
-          </a:p>
-          <a:p>
-            <a:pPr marL="0" lvl="1" indent="0">
-              <a:buSzPct val="80000"/>
-              <a:buNone/>
-            </a:pPr>
-            <a:r>
-              <a:rPr lang="de-DE" sz="1400" dirty="0"/>
-              <a:t>http://192.168.0.40/config</a:t>
-            </a:r>
-          </a:p>
-          <a:p>
-            <a:pPr marL="0" lvl="1" indent="0">
-              <a:buSzPct val="80000"/>
-              <a:buNone/>
-            </a:pPr>
-            <a:r>
-              <a:rPr lang="de-DE" sz="1400" dirty="0"/>
-              <a:t>http://192.168.0.40/config?thingname=miflorahmoeg</a:t>
-            </a:r>
-          </a:p>
-          <a:p>
-            <a:pPr marL="0" lvl="1" indent="0">
-              <a:buSzPct val="80000"/>
-              <a:buNone/>
-            </a:pPr>
-            <a:r>
-              <a:rPr lang="de-DE" sz="1400" dirty="0"/>
-              <a:t>http://192.168.0.40/config?httpmqttgateway=leobw.synology.me/esplogs/mqtt</a:t>
-            </a:r>
-          </a:p>
-          <a:p>
-            <a:pPr marL="0" lvl="1" indent="0">
-              <a:buSzPct val="80000"/>
-              <a:buNone/>
-            </a:pPr>
-            <a:r>
-              <a:rPr lang="de-DE" sz="1400" dirty="0"/>
-              <a:t>http://192.168.0.40/config?httpuser=gerald</a:t>
-            </a:r>
-          </a:p>
-          <a:p>
-            <a:pPr marL="0" lvl="1" indent="0">
-              <a:buSzPct val="80000"/>
-              <a:buNone/>
-            </a:pPr>
-            <a:r>
-              <a:rPr lang="de-DE" sz="1400" dirty="0"/>
-              <a:t>http://192.168.0.40/config?httppassword=piKla87Sie57  </a:t>
-            </a:r>
-          </a:p>
-          <a:p>
-            <a:pPr marL="0" lvl="1" indent="0">
-              <a:buSzPct val="80000"/>
-              <a:buNone/>
-            </a:pPr>
-            <a:endParaRPr lang="de-DE" sz="1400" dirty="0"/>
-          </a:p>
-          <a:p>
-            <a:pPr marL="0" lvl="1" indent="0">
-              <a:buSzPct val="80000"/>
-              <a:buNone/>
-            </a:pPr>
-            <a:r>
-              <a:rPr lang="de-DE" sz="1400" dirty="0"/>
-              <a:t>http://192.168.0.40/config?ssid  </a:t>
-            </a:r>
-          </a:p>
-          <a:p>
-            <a:pPr marL="0" lvl="1" indent="0">
-              <a:buSzPct val="80000"/>
-              <a:buNone/>
-            </a:pPr>
-            <a:r>
-              <a:rPr lang="de-DE" sz="1400" dirty="0"/>
-              <a:t>http://192.168.0.40/config?password </a:t>
-            </a:r>
-          </a:p>
-          <a:p>
-            <a:pPr marL="0" lvl="1" indent="0">
-              <a:buSzPct val="80000"/>
-              <a:buNone/>
-            </a:pPr>
-            <a:r>
-              <a:rPr lang="de-DE" sz="1400" dirty="0"/>
-              <a:t>http://192.168.0.40/config?httpmqttgateway </a:t>
-            </a:r>
-          </a:p>
-          <a:p>
-            <a:pPr marL="0" lvl="1" indent="0">
-              <a:buSzPct val="80000"/>
-              <a:buNone/>
-            </a:pPr>
-            <a:r>
-              <a:rPr lang="de-DE" sz="1400" dirty="0"/>
-              <a:t>http://192.168.0.40/config?httpuser</a:t>
-            </a:r>
-          </a:p>
-          <a:p>
-            <a:pPr marL="0" lvl="1" indent="0">
-              <a:buSzPct val="80000"/>
-              <a:buNone/>
-            </a:pPr>
-            <a:r>
-              <a:rPr lang="de-DE" sz="1400"/>
-              <a:t>http://192.168.0.40/config?httppassword</a:t>
+            <a:r>
+              <a:rPr lang="de-DE" sz="1200" dirty="0"/>
+              <a:t>http://192.168.0.63/config?thingname=cistern</a:t>
+            </a:r>
+          </a:p>
+          <a:p>
+            <a:r>
+              <a:rPr lang="de-DE" sz="1200" dirty="0"/>
+              <a:t>http://192.168.0.63/config?ssid=A1-B5035B</a:t>
+            </a:r>
+          </a:p>
+          <a:p>
+            <a:r>
+              <a:rPr lang="de-DE" sz="1200" dirty="0"/>
+              <a:t>http://192.168.0.63/config?password=52809766B6 </a:t>
+            </a:r>
+          </a:p>
+          <a:p>
+            <a:r>
+              <a:rPr lang="de-DE" sz="1200" dirty="0"/>
+              <a:t>http://192.168.0.63/config?mqttbroker=192.168.0.2</a:t>
+            </a:r>
+          </a:p>
+          <a:p>
+            <a:r>
+              <a:rPr lang="de-DE" sz="1200" dirty="0"/>
+              <a:t>http://192.168.0.63/config?mqttuser=gerald</a:t>
+            </a:r>
+          </a:p>
+          <a:p>
+            <a:r>
+              <a:rPr lang="de-DE" sz="1200" dirty="0"/>
+              <a:t>http://192.168.0.63/config?mqttpassword=mosquittoKla87Sie57</a:t>
+            </a:r>
+          </a:p>
+          <a:p>
+            <a:r>
+              <a:rPr lang="de-DE" sz="1200" dirty="0"/>
+              <a:t>http://192.168.0.63/config?mqttport=1883</a:t>
+            </a:r>
+          </a:p>
+          <a:p>
+            <a:endParaRPr lang="de-DE" sz="1200" dirty="0"/>
+          </a:p>
+          <a:p>
+            <a:r>
+              <a:rPr lang="de-DE" sz="1200" dirty="0"/>
+              <a:t>http://192.168.0.63/config</a:t>
+            </a:r>
+          </a:p>
+          <a:p>
+            <a:endParaRPr lang="de-DE" sz="1200" dirty="0"/>
+          </a:p>
+          <a:p>
+            <a:r>
+              <a:rPr lang="de-DE" sz="1200" dirty="0"/>
+              <a:t>http://192.168.0.63/sensor</a:t>
+            </a:r>
+          </a:p>
+          <a:p>
+            <a:r>
+              <a:rPr lang="de-DE" sz="1200" dirty="0"/>
+              <a:t>http://192.168.0.63/actor  </a:t>
+            </a:r>
+          </a:p>
+          <a:p>
+            <a:endParaRPr lang="de-DE" sz="1200" dirty="0"/>
+          </a:p>
+          <a:p>
+            <a:r>
+              <a:rPr lang="de-DE" sz="1200" dirty="0"/>
+              <a:t>http://192.168.0.63/sensor?weight  </a:t>
+            </a:r>
+          </a:p>
+          <a:p>
+            <a:r>
+              <a:rPr lang="de-DE" sz="1200" dirty="0"/>
+              <a:t>http://192.168.0.63/sensor?power</a:t>
+            </a:r>
+          </a:p>
+          <a:p>
+            <a:endParaRPr lang="de-DE" sz="1200" dirty="0"/>
+          </a:p>
+          <a:p>
+            <a:r>
+              <a:rPr lang="de-DE" sz="1200" dirty="0"/>
+              <a:t>http://192.168.0.63/actor?powerpump</a:t>
+            </a:r>
+          </a:p>
+          <a:p>
+            <a:r>
+              <a:rPr lang="de-DE" sz="1200" dirty="0"/>
+              <a:t>http://192.168.0.63/actor?powerpump=ON</a:t>
+            </a:r>
+          </a:p>
+          <a:p>
+            <a:r>
+              <a:rPr lang="de-DE" sz="1200" dirty="0"/>
+              <a:t>http://192.168.0.63/actor?powerpump=OFF</a:t>
+            </a:r>
+          </a:p>
+          <a:p>
+            <a:endParaRPr lang="de-DE" sz="1200" dirty="0"/>
+          </a:p>
+          <a:p>
+            <a:r>
+              <a:rPr lang="de-DE" sz="1200" dirty="0"/>
+              <a:t>http://192.168.0.63/actor?powervalve</a:t>
+            </a:r>
+          </a:p>
+          <a:p>
+            <a:r>
+              <a:rPr lang="de-DE" sz="1200" dirty="0"/>
+              <a:t>http://192.168.0.63/actor?powervalve=ON</a:t>
+            </a:r>
+          </a:p>
+          <a:p>
+            <a:r>
+              <a:rPr lang="de-DE" sz="1200" dirty="0"/>
+              <a:t>http://192.168.0.63/actor?powervalve=OFF</a:t>
             </a:r>
             <a:endParaRPr lang="de-DE" sz="1400" dirty="0"/>
           </a:p>
@@ -5973,7 +6618,7 @@
     </p:spTree>
     <p:extLst>
       <p:ext uri="{BB962C8B-B14F-4D97-AF65-F5344CB8AC3E}">
-        <p14:creationId xmlns:p14="http://schemas.microsoft.com/office/powerpoint/2010/main" val="2009656255"/>
+        <p14:creationId xmlns:p14="http://schemas.microsoft.com/office/powerpoint/2010/main" val="276220864"/>
       </p:ext>
     </p:extLst>
   </p:cSld>

--- a/001_Things.pptx
+++ b/001_Things.pptx
@@ -5,10 +5,10 @@
     <p:sldMasterId id="2147483686" r:id="rId1"/>
   </p:sldMasterIdLst>
   <p:notesMasterIdLst>
-    <p:notesMasterId r:id="rId25"/>
+    <p:notesMasterId r:id="rId26"/>
   </p:notesMasterIdLst>
   <p:handoutMasterIdLst>
-    <p:handoutMasterId r:id="rId26"/>
+    <p:handoutMasterId r:id="rId27"/>
   </p:handoutMasterIdLst>
   <p:sldIdLst>
     <p:sldId id="888" r:id="rId2"/>
@@ -16,24 +16,25 @@
     <p:sldId id="890" r:id="rId4"/>
     <p:sldId id="859" r:id="rId5"/>
     <p:sldId id="891" r:id="rId6"/>
-    <p:sldId id="873" r:id="rId7"/>
-    <p:sldId id="874" r:id="rId8"/>
-    <p:sldId id="887" r:id="rId9"/>
-    <p:sldId id="878" r:id="rId10"/>
-    <p:sldId id="886" r:id="rId11"/>
-    <p:sldId id="877" r:id="rId12"/>
-    <p:sldId id="875" r:id="rId13"/>
-    <p:sldId id="876" r:id="rId14"/>
-    <p:sldId id="879" r:id="rId15"/>
-    <p:sldId id="880" r:id="rId16"/>
-    <p:sldId id="884" r:id="rId17"/>
-    <p:sldId id="885" r:id="rId18"/>
-    <p:sldId id="881" r:id="rId19"/>
-    <p:sldId id="883" r:id="rId20"/>
-    <p:sldId id="882" r:id="rId21"/>
-    <p:sldId id="871" r:id="rId22"/>
-    <p:sldId id="872" r:id="rId23"/>
-    <p:sldId id="870" r:id="rId24"/>
+    <p:sldId id="892" r:id="rId7"/>
+    <p:sldId id="873" r:id="rId8"/>
+    <p:sldId id="874" r:id="rId9"/>
+    <p:sldId id="887" r:id="rId10"/>
+    <p:sldId id="878" r:id="rId11"/>
+    <p:sldId id="886" r:id="rId12"/>
+    <p:sldId id="877" r:id="rId13"/>
+    <p:sldId id="875" r:id="rId14"/>
+    <p:sldId id="876" r:id="rId15"/>
+    <p:sldId id="879" r:id="rId16"/>
+    <p:sldId id="880" r:id="rId17"/>
+    <p:sldId id="884" r:id="rId18"/>
+    <p:sldId id="885" r:id="rId19"/>
+    <p:sldId id="881" r:id="rId20"/>
+    <p:sldId id="883" r:id="rId21"/>
+    <p:sldId id="882" r:id="rId22"/>
+    <p:sldId id="871" r:id="rId23"/>
+    <p:sldId id="872" r:id="rId24"/>
+    <p:sldId id="870" r:id="rId25"/>
   </p:sldIdLst>
   <p:sldSz cx="9144000" cy="6858000" type="screen4x3"/>
   <p:notesSz cx="6797675" cy="9926638"/>
@@ -302,7 +303,7 @@
               <a:pPr>
                 <a:defRPr/>
               </a:pPr>
-              <a:t>12.07.2020</a:t>
+              <a:t>17.10.2020</a:t>
             </a:fld>
             <a:endParaRPr lang="de-AT"/>
           </a:p>
@@ -517,7 +518,7 @@
               <a:pPr>
                 <a:defRPr/>
               </a:pPr>
-              <a:t>12.07.2020</a:t>
+              <a:t>17.10.2020</a:t>
             </a:fld>
             <a:endParaRPr lang="de-AT"/>
           </a:p>
@@ -2276,7 +2277,7 @@
           <p:cNvPr id="2" name="Titel 1">
             <a:extLst>
               <a:ext uri="{FF2B5EF4-FFF2-40B4-BE49-F238E27FC236}">
-                <a16:creationId xmlns:a16="http://schemas.microsoft.com/office/drawing/2014/main" id="{9098DF3E-95E9-4956-9956-CEF45BC2FDE4}"/>
+                <a16:creationId xmlns:a16="http://schemas.microsoft.com/office/drawing/2014/main" id="{17296256-048F-4D15-9FF7-37241709E82B}"/>
               </a:ext>
             </a:extLst>
           </p:cNvPr>
@@ -2293,9 +2294,10 @@
           <a:lstStyle/>
           <a:p>
             <a:r>
-              <a:rPr lang="de-DE" dirty="0"/>
-              <a:t>DS18B20-Demo</a:t>
-            </a:r>
+              <a:rPr lang="de-DE" dirty="0" err="1"/>
+              <a:t>Cistern</a:t>
+            </a:r>
+            <a:endParaRPr lang="de-DE" dirty="0"/>
           </a:p>
         </p:txBody>
       </p:sp>
@@ -2304,7 +2306,7 @@
           <p:cNvPr id="3" name="Textplatzhalter 2">
             <a:extLst>
               <a:ext uri="{FF2B5EF4-FFF2-40B4-BE49-F238E27FC236}">
-                <a16:creationId xmlns:a16="http://schemas.microsoft.com/office/drawing/2014/main" id="{B4EA5ABA-AE5E-4396-B8CB-BDD7FE41D57C}"/>
+                <a16:creationId xmlns:a16="http://schemas.microsoft.com/office/drawing/2014/main" id="{AE9CEDFF-D8DF-414B-82EC-65DA6495BFAA}"/>
               </a:ext>
             </a:extLst>
           </p:cNvPr>
@@ -2315,200 +2317,145 @@
             <p:ph type="body" sz="quarter" idx="10"/>
           </p:nvPr>
         </p:nvSpPr>
-        <p:spPr/>
+        <p:spPr>
+          <a:xfrm>
+            <a:off x="468313" y="1052736"/>
+            <a:ext cx="8207375" cy="4608165"/>
+          </a:xfrm>
+        </p:spPr>
         <p:txBody>
           <a:bodyPr/>
           <a:lstStyle/>
           <a:p>
             <a:r>
-              <a:rPr lang="de-DE" dirty="0" err="1"/>
-              <a:t>SingleWire</a:t>
-            </a:r>
-            <a:r>
-              <a:rPr lang="de-DE" dirty="0"/>
-              <a:t> Temperatur</a:t>
-            </a:r>
-          </a:p>
-          <a:p>
-            <a:endParaRPr lang="de-DE" dirty="0"/>
-          </a:p>
-          <a:p>
-            <a:pPr marL="625475" lvl="1" indent="0">
-              <a:buNone/>
-            </a:pPr>
-            <a:r>
-              <a:rPr lang="de-DE" sz="1200" dirty="0"/>
-              <a:t>http://192.168.0.55/config?thingname=ds18b20</a:t>
-            </a:r>
-          </a:p>
-          <a:p>
-            <a:pPr marL="625475" lvl="1" indent="0">
-              <a:buNone/>
-            </a:pPr>
-            <a:r>
-              <a:rPr lang="de-DE" sz="1200" dirty="0"/>
-              <a:t>http://192.168.0.55/config?ssid=A1-B5035B</a:t>
-            </a:r>
-          </a:p>
-          <a:p>
-            <a:pPr marL="625475" lvl="1" indent="0">
-              <a:buNone/>
-            </a:pPr>
-            <a:r>
-              <a:rPr lang="de-DE" sz="1200" dirty="0"/>
-              <a:t>http://192.168.0.55/config?password=52809766B6 </a:t>
-            </a:r>
-          </a:p>
-          <a:p>
-            <a:pPr marL="625475" lvl="1" indent="0">
-              <a:buNone/>
-            </a:pPr>
-            <a:r>
-              <a:rPr lang="de-DE" sz="1200" dirty="0"/>
-              <a:t>http://192.168.0.55/config?mqttbroker=192.168.0.2</a:t>
-            </a:r>
-          </a:p>
-          <a:p>
-            <a:pPr marL="625475" lvl="1" indent="0">
-              <a:buNone/>
-            </a:pPr>
-            <a:r>
-              <a:rPr lang="de-DE" sz="1200" dirty="0"/>
-              <a:t>http://192.168.0.55/config?mqttuser=gerald</a:t>
-            </a:r>
-          </a:p>
-          <a:p>
-            <a:pPr marL="625475" lvl="1" indent="0">
-              <a:buNone/>
-            </a:pPr>
-            <a:r>
-              <a:rPr lang="de-DE" sz="1200" dirty="0"/>
-              <a:t>http://192.168.0.55/config?mqttpassword=mosquittoKla87Sie57</a:t>
-            </a:r>
-          </a:p>
-          <a:p>
-            <a:pPr marL="625475" lvl="1" indent="0">
-              <a:buNone/>
-            </a:pPr>
-            <a:r>
-              <a:rPr lang="de-DE" sz="1200" dirty="0"/>
-              <a:t>http://192.168.0.55/config?mqttport=1883</a:t>
-            </a:r>
-          </a:p>
-          <a:p>
-            <a:pPr marL="625475" lvl="1" indent="0">
-              <a:buNone/>
-            </a:pPr>
+              <a:rPr lang="de-DE" sz="1200" dirty="0"/>
+              <a:t>http://192.168.0.63/config?thingname=cistern</a:t>
+            </a:r>
+          </a:p>
+          <a:p>
+            <a:r>
+              <a:rPr lang="de-DE" sz="1200" dirty="0"/>
+              <a:t>http://192.168.0.63/config?ssid=????????</a:t>
+            </a:r>
+          </a:p>
+          <a:p>
+            <a:r>
+              <a:rPr lang="de-DE" sz="1200" dirty="0"/>
+              <a:t>http://192.168.0.63/config?password=???????? </a:t>
+            </a:r>
+          </a:p>
+          <a:p>
+            <a:r>
+              <a:rPr lang="de-DE" sz="1200" dirty="0"/>
+              <a:t>http://192.168.0.63/config?mqttbroker=192.168.0.2</a:t>
+            </a:r>
+          </a:p>
+          <a:p>
+            <a:r>
+              <a:rPr lang="de-DE" sz="1200" dirty="0"/>
+              <a:t>http://192.168.0.63/config?mqttuser=????????</a:t>
+            </a:r>
+          </a:p>
+          <a:p>
+            <a:r>
+              <a:rPr lang="de-DE" sz="1200" dirty="0"/>
+              <a:t>http://192.168.0.63/config?mqttpassword=????????</a:t>
+            </a:r>
+          </a:p>
+          <a:p>
+            <a:r>
+              <a:rPr lang="de-DE" sz="1200" dirty="0"/>
+              <a:t>http://192.168.0.63/config?mqttport=1883</a:t>
+            </a:r>
+          </a:p>
+          <a:p>
             <a:endParaRPr lang="de-DE" sz="1200" dirty="0"/>
           </a:p>
           <a:p>
-            <a:pPr marL="625475" lvl="1" indent="0">
-              <a:buNone/>
-            </a:pPr>
-            <a:r>
-              <a:rPr lang="de-DE" sz="1200" dirty="0"/>
-              <a:t>http://192.168.0.55/config</a:t>
-            </a:r>
-          </a:p>
-          <a:p>
-            <a:pPr marL="625475" lvl="1" indent="0">
-              <a:buNone/>
-            </a:pPr>
+            <a:r>
+              <a:rPr lang="de-DE" sz="1200" dirty="0"/>
+              <a:t>http://192.168.0.63/config</a:t>
+            </a:r>
+          </a:p>
+          <a:p>
             <a:endParaRPr lang="de-DE" sz="1200" dirty="0"/>
           </a:p>
           <a:p>
-            <a:pPr marL="625475" lvl="1" indent="0">
-              <a:buNone/>
-            </a:pPr>
-            <a:r>
-              <a:rPr lang="de-DE" sz="1200" dirty="0"/>
-              <a:t>http://192.168.0.55/config?ssid  </a:t>
-            </a:r>
-          </a:p>
-          <a:p>
-            <a:pPr marL="625475" lvl="1" indent="0">
-              <a:buNone/>
-            </a:pPr>
-            <a:r>
-              <a:rPr lang="de-DE" sz="1200" dirty="0"/>
-              <a:t>http://192.168.0.55/config?password </a:t>
-            </a:r>
-          </a:p>
-          <a:p>
-            <a:pPr marL="625475" lvl="1" indent="0">
-              <a:buNone/>
-            </a:pPr>
-            <a:r>
-              <a:rPr lang="de-DE" sz="1200" dirty="0"/>
-              <a:t>http://192.168.0.55/config?mqttbroker </a:t>
-            </a:r>
-          </a:p>
-          <a:p>
-            <a:pPr marL="625475" lvl="1" indent="0">
-              <a:buNone/>
-            </a:pPr>
-            <a:r>
-              <a:rPr lang="de-DE" sz="1200" dirty="0"/>
-              <a:t>http://192.168.0.55/config?mqttuser</a:t>
-            </a:r>
-          </a:p>
-          <a:p>
-            <a:pPr marL="625475" lvl="1" indent="0">
-              <a:buNone/>
-            </a:pPr>
-            <a:r>
-              <a:rPr lang="de-DE" sz="1200" dirty="0"/>
-              <a:t>http://192.168.0.55/config?mqttpassword</a:t>
-            </a:r>
-          </a:p>
-          <a:p>
-            <a:pPr marL="625475" lvl="1" indent="0">
-              <a:buNone/>
-            </a:pPr>
+            <a:r>
+              <a:rPr lang="de-DE" sz="1200" dirty="0"/>
+              <a:t>http://192.168.0.63/sensor</a:t>
+            </a:r>
+          </a:p>
+          <a:p>
+            <a:r>
+              <a:rPr lang="de-DE" sz="1200" dirty="0"/>
+              <a:t>http://192.168.0.63/actor  </a:t>
+            </a:r>
+          </a:p>
+          <a:p>
             <a:endParaRPr lang="de-DE" sz="1200" dirty="0"/>
           </a:p>
           <a:p>
-            <a:pPr marL="625475" lvl="1" indent="0">
-              <a:buNone/>
-            </a:pPr>
-            <a:r>
-              <a:rPr lang="de-DE" sz="1200" dirty="0"/>
-              <a:t>http://192.168.0.55/sensor?temperature</a:t>
-            </a:r>
-          </a:p>
-          <a:p>
-            <a:pPr marL="625475" lvl="1" indent="0">
-              <a:buNone/>
-            </a:pPr>
+            <a:r>
+              <a:rPr lang="de-DE" sz="1200" dirty="0"/>
+              <a:t>http://192.168.0.63/sensor?weight  </a:t>
+            </a:r>
+          </a:p>
+          <a:p>
+            <a:r>
+              <a:rPr lang="de-DE" sz="1200" dirty="0"/>
+              <a:t>http://192.168.0.63/sensor?power</a:t>
+            </a:r>
+          </a:p>
+          <a:p>
             <a:endParaRPr lang="de-DE" sz="1200" dirty="0"/>
           </a:p>
           <a:p>
-            <a:pPr marL="625475" lvl="1" indent="0">
-              <a:buNone/>
-            </a:pPr>
-            <a:r>
-              <a:rPr lang="de-DE" sz="1200" dirty="0"/>
-              <a:t>http://192.168.0.55/restart</a:t>
-            </a:r>
-          </a:p>
-          <a:p>
-            <a:pPr marL="625475" lvl="1" indent="0">
-              <a:buNone/>
-            </a:pPr>
+            <a:r>
+              <a:rPr lang="de-DE" sz="1200" dirty="0"/>
+              <a:t>http://192.168.0.63/actor?powerpump</a:t>
+            </a:r>
+          </a:p>
+          <a:p>
+            <a:r>
+              <a:rPr lang="de-DE" sz="1200" dirty="0"/>
+              <a:t>http://192.168.0.63/actor?powerpump=ON</a:t>
+            </a:r>
+          </a:p>
+          <a:p>
+            <a:r>
+              <a:rPr lang="de-DE" sz="1200" dirty="0"/>
+              <a:t>http://192.168.0.63/actor?powerpump=OFF</a:t>
+            </a:r>
+          </a:p>
+          <a:p>
             <a:endParaRPr lang="de-DE" sz="1200" dirty="0"/>
           </a:p>
           <a:p>
-            <a:pPr marL="625475" lvl="1" indent="0">
-              <a:buNone/>
-            </a:pPr>
-            <a:endParaRPr lang="de-DE" sz="1200" dirty="0"/>
+            <a:r>
+              <a:rPr lang="de-DE" sz="1200" dirty="0"/>
+              <a:t>http://192.168.0.63/actor?powervalve</a:t>
+            </a:r>
+          </a:p>
+          <a:p>
+            <a:r>
+              <a:rPr lang="de-DE" sz="1200" dirty="0"/>
+              <a:t>http://192.168.0.63/actor?powervalve=ON</a:t>
+            </a:r>
+          </a:p>
+          <a:p>
+            <a:r>
+              <a:rPr lang="de-DE" sz="1200" dirty="0"/>
+              <a:t>http://192.168.0.63/actor?powervalve=OFF</a:t>
+            </a:r>
+            <a:endParaRPr lang="de-DE" sz="1400" dirty="0"/>
           </a:p>
         </p:txBody>
       </p:sp>
     </p:spTree>
     <p:extLst>
       <p:ext uri="{BB962C8B-B14F-4D97-AF65-F5344CB8AC3E}">
-        <p14:creationId xmlns:p14="http://schemas.microsoft.com/office/powerpoint/2010/main" val="420974753"/>
+        <p14:creationId xmlns:p14="http://schemas.microsoft.com/office/powerpoint/2010/main" val="276220864"/>
       </p:ext>
     </p:extLst>
   </p:cSld>
@@ -2540,7 +2487,7 @@
           <p:cNvPr id="2" name="Titel 1">
             <a:extLst>
               <a:ext uri="{FF2B5EF4-FFF2-40B4-BE49-F238E27FC236}">
-                <a16:creationId xmlns:a16="http://schemas.microsoft.com/office/drawing/2014/main" id="{17296256-048F-4D15-9FF7-37241709E82B}"/>
+                <a16:creationId xmlns:a16="http://schemas.microsoft.com/office/drawing/2014/main" id="{9098DF3E-95E9-4956-9956-CEF45BC2FDE4}"/>
               </a:ext>
             </a:extLst>
           </p:cNvPr>
@@ -2557,10 +2504,9 @@
           <a:lstStyle/>
           <a:p>
             <a:r>
-              <a:rPr lang="de-DE" dirty="0" err="1"/>
-              <a:t>SsrDemo</a:t>
-            </a:r>
-            <a:endParaRPr lang="de-DE" dirty="0"/>
+              <a:rPr lang="de-DE" dirty="0"/>
+              <a:t>DS18B20-Demo</a:t>
+            </a:r>
           </a:p>
         </p:txBody>
       </p:sp>
@@ -2569,7 +2515,7 @@
           <p:cNvPr id="3" name="Textplatzhalter 2">
             <a:extLst>
               <a:ext uri="{FF2B5EF4-FFF2-40B4-BE49-F238E27FC236}">
-                <a16:creationId xmlns:a16="http://schemas.microsoft.com/office/drawing/2014/main" id="{AE9CEDFF-D8DF-414B-82EC-65DA6495BFAA}"/>
+                <a16:creationId xmlns:a16="http://schemas.microsoft.com/office/drawing/2014/main" id="{B4EA5ABA-AE5E-4396-B8CB-BDD7FE41D57C}"/>
               </a:ext>
             </a:extLst>
           </p:cNvPr>
@@ -2586,97 +2532,194 @@
           <a:lstStyle/>
           <a:p>
             <a:r>
-              <a:rPr lang="de-DE" sz="1600" dirty="0">
-                <a:hlinkClick r:id="rId2"/>
-              </a:rPr>
-              <a:t>http://192.168.0.79/getconfig</a:t>
-            </a:r>
-            <a:endParaRPr lang="de-DE" sz="1600" dirty="0"/>
-          </a:p>
-          <a:p>
-            <a:endParaRPr lang="de-DE" sz="1600" dirty="0"/>
-          </a:p>
-          <a:p>
-            <a:r>
-              <a:rPr lang="de-DE" sz="1600" dirty="0">
-                <a:hlinkClick r:id="rId3"/>
-              </a:rPr>
-              <a:t>http://192.168.0.79/setconfig?mqttbroker=ssdpi&amp;mqttport=8883</a:t>
-            </a:r>
-            <a:endParaRPr lang="de-DE" sz="1600" dirty="0"/>
-          </a:p>
-          <a:p>
-            <a:r>
-              <a:rPr lang="de-DE" sz="1600" dirty="0">
-                <a:hlinkClick r:id="rId4"/>
-              </a:rPr>
-              <a:t>http://192.168.0.79/setconfig?mqttuser=openhabian&amp;mqttpassword=piKla87Sie57</a:t>
-            </a:r>
-            <a:r>
-              <a:rPr lang="de-DE" sz="1600" dirty="0"/>
-              <a:t> </a:t>
-            </a:r>
-          </a:p>
-          <a:p>
-            <a:r>
-              <a:rPr lang="de-DE" sz="1600" dirty="0">
-                <a:hlinkClick r:id="rId5"/>
-              </a:rPr>
-              <a:t>http://192.168.0.79/setconfig?ntpserver=192.168.0.2&amp;thingname=ssrdemo</a:t>
-            </a:r>
-            <a:endParaRPr lang="de-DE" sz="1600" dirty="0"/>
-          </a:p>
-          <a:p>
-            <a:endParaRPr lang="de-DE" sz="1600" dirty="0"/>
-          </a:p>
-          <a:p>
-            <a:r>
-              <a:rPr lang="de-DE" sz="1600" dirty="0">
-                <a:hlinkClick r:id="rId6"/>
-              </a:rPr>
-              <a:t>http://192.168.0.79/setactor?switch=1</a:t>
-            </a:r>
-            <a:r>
-              <a:rPr lang="de-DE" sz="1600" dirty="0"/>
-              <a:t> </a:t>
-            </a:r>
-          </a:p>
-          <a:p>
-            <a:r>
-              <a:rPr lang="de-DE" sz="1800" dirty="0">
-                <a:hlinkClick r:id="rId7"/>
-              </a:rPr>
-              <a:t>http://192.168.0.79/getactor?switch</a:t>
-            </a:r>
-            <a:r>
-              <a:rPr lang="de-DE" sz="1800" dirty="0"/>
-              <a:t> </a:t>
-            </a:r>
-          </a:p>
-          <a:p>
-            <a:endParaRPr lang="de-DE" sz="1800" dirty="0"/>
-          </a:p>
-          <a:p>
-            <a:r>
-              <a:rPr lang="de-DE" sz="1800" dirty="0">
-                <a:hlinkClick r:id="rId8"/>
-              </a:rPr>
-              <a:t>http://192.168.0.79/getconfig?thingname</a:t>
-            </a:r>
-            <a:r>
-              <a:rPr lang="de-DE" sz="1800" dirty="0"/>
-              <a:t> </a:t>
-            </a:r>
-          </a:p>
-          <a:p>
-            <a:endParaRPr lang="de-DE" sz="1800" dirty="0"/>
+              <a:rPr lang="de-DE" dirty="0" err="1"/>
+              <a:t>SingleWire</a:t>
+            </a:r>
+            <a:r>
+              <a:rPr lang="de-DE" dirty="0"/>
+              <a:t> Temperatur</a:t>
+            </a:r>
+          </a:p>
+          <a:p>
+            <a:endParaRPr lang="de-DE" dirty="0"/>
+          </a:p>
+          <a:p>
+            <a:pPr marL="625475" lvl="1" indent="0">
+              <a:buNone/>
+            </a:pPr>
+            <a:r>
+              <a:rPr lang="de-DE" sz="1200" dirty="0"/>
+              <a:t>http://192.168.0.55/config?thingname=ds18b20</a:t>
+            </a:r>
+          </a:p>
+          <a:p>
+            <a:pPr marL="625475" lvl="1" indent="0">
+              <a:buNone/>
+            </a:pPr>
+            <a:r>
+              <a:rPr lang="de-DE" sz="1200" dirty="0"/>
+              <a:t>http://192.168.0.55/config?ssid=????????</a:t>
+            </a:r>
+          </a:p>
+          <a:p>
+            <a:pPr marL="625475" lvl="1" indent="0">
+              <a:buNone/>
+            </a:pPr>
+            <a:r>
+              <a:rPr lang="de-DE" sz="1200" dirty="0"/>
+              <a:t>http://192.168.0.55/config?password=???????? </a:t>
+            </a:r>
+          </a:p>
+          <a:p>
+            <a:pPr marL="625475" lvl="1" indent="0">
+              <a:buNone/>
+            </a:pPr>
+            <a:r>
+              <a:rPr lang="de-DE" sz="1200" dirty="0"/>
+              <a:t>http://192.168.0.55/config?mqttbroker=192.168.0.2</a:t>
+            </a:r>
+          </a:p>
+          <a:p>
+            <a:pPr marL="625475" lvl="1" indent="0">
+              <a:buNone/>
+            </a:pPr>
+            <a:r>
+              <a:rPr lang="de-DE" sz="1200" dirty="0"/>
+              <a:t>http://192.168.0.55/config?mqttuser=????????</a:t>
+            </a:r>
+          </a:p>
+          <a:p>
+            <a:pPr marL="625475" lvl="1" indent="0">
+              <a:buNone/>
+            </a:pPr>
+            <a:r>
+              <a:rPr lang="de-DE" sz="1200" dirty="0"/>
+              <a:t>http://192.168.0.55/config?mqttpassword=????????</a:t>
+            </a:r>
+          </a:p>
+          <a:p>
+            <a:pPr marL="625475" lvl="1" indent="0">
+              <a:buNone/>
+            </a:pPr>
+            <a:r>
+              <a:rPr lang="de-DE" sz="1200" dirty="0"/>
+              <a:t>http://192.168.0.55/config?mqttport=1883</a:t>
+            </a:r>
+          </a:p>
+          <a:p>
+            <a:pPr marL="625475" lvl="1" indent="0">
+              <a:buNone/>
+            </a:pPr>
+            <a:endParaRPr lang="de-DE" sz="1200" dirty="0"/>
+          </a:p>
+          <a:p>
+            <a:pPr marL="625475" lvl="1" indent="0">
+              <a:buNone/>
+            </a:pPr>
+            <a:r>
+              <a:rPr lang="de-DE" sz="1200" dirty="0"/>
+              <a:t>http://192.168.0.55/config</a:t>
+            </a:r>
+          </a:p>
+          <a:p>
+            <a:pPr marL="625475" lvl="1" indent="0">
+              <a:buNone/>
+            </a:pPr>
+            <a:endParaRPr lang="de-DE" sz="1200" dirty="0"/>
+          </a:p>
+          <a:p>
+            <a:pPr marL="625475" lvl="1" indent="0">
+              <a:buNone/>
+            </a:pPr>
+            <a:r>
+              <a:rPr lang="de-DE" sz="1200" dirty="0"/>
+              <a:t>http://192.168.0.55/config?ssid  </a:t>
+            </a:r>
+          </a:p>
+          <a:p>
+            <a:pPr marL="625475" lvl="1" indent="0">
+              <a:buNone/>
+            </a:pPr>
+            <a:r>
+              <a:rPr lang="de-DE" sz="1200" dirty="0"/>
+              <a:t>http://192.168.0.55/config?password </a:t>
+            </a:r>
+          </a:p>
+          <a:p>
+            <a:pPr marL="625475" lvl="1" indent="0">
+              <a:buNone/>
+            </a:pPr>
+            <a:r>
+              <a:rPr lang="de-DE" sz="1200" dirty="0"/>
+              <a:t>http://192.168.0.55/config?mqttbroker </a:t>
+            </a:r>
+          </a:p>
+          <a:p>
+            <a:pPr marL="625475" lvl="1" indent="0">
+              <a:buNone/>
+            </a:pPr>
+            <a:r>
+              <a:rPr lang="de-DE" sz="1200" dirty="0"/>
+              <a:t>http://192.168.0.55/config?mqttuser</a:t>
+            </a:r>
+          </a:p>
+          <a:p>
+            <a:pPr marL="625475" lvl="1" indent="0">
+              <a:buNone/>
+            </a:pPr>
+            <a:r>
+              <a:rPr lang="de-DE" sz="1200" dirty="0"/>
+              <a:t>http://192.168.0.55/config?mqttpassword</a:t>
+            </a:r>
+          </a:p>
+          <a:p>
+            <a:pPr marL="625475" lvl="1" indent="0">
+              <a:buNone/>
+            </a:pPr>
+            <a:endParaRPr lang="de-DE" sz="1200" dirty="0"/>
+          </a:p>
+          <a:p>
+            <a:pPr marL="625475" lvl="1" indent="0">
+              <a:buNone/>
+            </a:pPr>
+            <a:r>
+              <a:rPr lang="de-DE" sz="1200" dirty="0"/>
+              <a:t>http://192.168.0.55/sensor?temperature</a:t>
+            </a:r>
+          </a:p>
+          <a:p>
+            <a:pPr marL="625475" lvl="1" indent="0">
+              <a:buNone/>
+            </a:pPr>
+            <a:endParaRPr lang="de-DE" sz="1200" dirty="0"/>
+          </a:p>
+          <a:p>
+            <a:pPr marL="625475" lvl="1" indent="0">
+              <a:buNone/>
+            </a:pPr>
+            <a:r>
+              <a:rPr lang="de-DE" sz="1200" dirty="0"/>
+              <a:t>http://192.168.0.55/restart</a:t>
+            </a:r>
+          </a:p>
+          <a:p>
+            <a:pPr marL="625475" lvl="1" indent="0">
+              <a:buNone/>
+            </a:pPr>
+            <a:endParaRPr lang="de-DE" sz="1200" dirty="0"/>
+          </a:p>
+          <a:p>
+            <a:pPr marL="625475" lvl="1" indent="0">
+              <a:buNone/>
+            </a:pPr>
+            <a:endParaRPr lang="de-DE" sz="1200" dirty="0"/>
           </a:p>
         </p:txBody>
       </p:sp>
     </p:spTree>
     <p:extLst>
       <p:ext uri="{BB962C8B-B14F-4D97-AF65-F5344CB8AC3E}">
-        <p14:creationId xmlns:p14="http://schemas.microsoft.com/office/powerpoint/2010/main" val="3504643302"/>
+        <p14:creationId xmlns:p14="http://schemas.microsoft.com/office/powerpoint/2010/main" val="420974753"/>
       </p:ext>
     </p:extLst>
   </p:cSld>
@@ -2726,15 +2769,7 @@
           <a:p>
             <a:r>
               <a:rPr lang="de-DE" dirty="0" err="1"/>
-              <a:t>Miflora</a:t>
-            </a:r>
-            <a:r>
-              <a:rPr lang="de-DE" dirty="0"/>
-              <a:t> </a:t>
-            </a:r>
-            <a:r>
-              <a:rPr lang="de-DE" dirty="0" err="1"/>
-              <a:t>Hellmonsödt</a:t>
+              <a:t>SsrDemo</a:t>
             </a:r>
             <a:endParaRPr lang="de-DE" dirty="0"/>
           </a:p>
@@ -2762,145 +2797,97 @@
           <a:lstStyle/>
           <a:p>
             <a:r>
-              <a:rPr lang="de-DE" sz="1600" dirty="0"/>
-              <a:t>Netzwerkkonfiguration merkt sich ESP intern</a:t>
-            </a:r>
-          </a:p>
-          <a:p>
-            <a:pPr lvl="1"/>
-            <a:r>
-              <a:rPr lang="de-DE" sz="1400" dirty="0"/>
-              <a:t>http://192.168.10.1/config?ssid=linksysAtHome</a:t>
-            </a:r>
-          </a:p>
-          <a:p>
-            <a:pPr lvl="1"/>
-            <a:r>
-              <a:rPr lang="de-DE" sz="1400" dirty="0"/>
-              <a:t>http://192.168.10.1/config?password=YJXPF4WAC7 </a:t>
-            </a:r>
-          </a:p>
-          <a:p>
-            <a:pPr lvl="1"/>
-            <a:r>
-              <a:rPr lang="de-DE" sz="1400" dirty="0">
+              <a:rPr lang="de-DE" sz="1600" dirty="0">
                 <a:hlinkClick r:id="rId2"/>
               </a:rPr>
-              <a:t>http://192.168.10.1/config</a:t>
-            </a:r>
-            <a:r>
-              <a:rPr lang="de-DE" sz="1400" dirty="0"/>
+              <a:t>http://192.168.0.79/getconfig</a:t>
+            </a:r>
+            <a:endParaRPr lang="de-DE" sz="1600" dirty="0"/>
+          </a:p>
+          <a:p>
+            <a:endParaRPr lang="de-DE" sz="1600" dirty="0"/>
+          </a:p>
+          <a:p>
+            <a:r>
+              <a:rPr lang="de-DE" sz="1600" dirty="0">
+                <a:hlinkClick r:id="rId3"/>
+              </a:rPr>
+              <a:t>http://192.168.0.79/setconfig?mqttbroker=ssdpi&amp;mqttport=8883</a:t>
+            </a:r>
+            <a:endParaRPr lang="de-DE" sz="1600" dirty="0"/>
+          </a:p>
+          <a:p>
+            <a:r>
+              <a:rPr lang="de-DE" sz="1600" dirty="0">
+                <a:hlinkClick r:id="rId4"/>
+              </a:rPr>
+              <a:t>http://192.168.0.79/setconfig?mqttuser=openhabian&amp;mqttpassword=piKla87Sie57</a:t>
+            </a:r>
+            <a:r>
+              <a:rPr lang="de-DE" sz="1600" dirty="0"/>
               <a:t> </a:t>
             </a:r>
           </a:p>
           <a:p>
-            <a:pPr lvl="1"/>
+            <a:r>
+              <a:rPr lang="de-DE" sz="1600" dirty="0">
+                <a:hlinkClick r:id="rId5"/>
+              </a:rPr>
+              <a:t>http://192.168.0.79/setconfig?ntpserver=192.168.0.2&amp;thingname=ssrdemo</a:t>
+            </a:r>
             <a:endParaRPr lang="de-DE" sz="1600" dirty="0"/>
           </a:p>
           <a:p>
+            <a:endParaRPr lang="de-DE" sz="1600" dirty="0"/>
+          </a:p>
+          <a:p>
+            <a:r>
+              <a:rPr lang="de-DE" sz="1600" dirty="0">
+                <a:hlinkClick r:id="rId6"/>
+              </a:rPr>
+              <a:t>http://192.168.0.79/setactor?switch=1</a:t>
+            </a:r>
             <a:r>
               <a:rPr lang="de-DE" sz="1600" dirty="0"/>
-              <a:t>Verbindung testen nach Neustart von </a:t>
-            </a:r>
-            <a:r>
-              <a:rPr lang="de-DE" sz="1600" dirty="0" err="1"/>
-              <a:t>Config</a:t>
-            </a:r>
-            <a:r>
-              <a:rPr lang="de-DE" sz="1600" dirty="0"/>
-              <a:t>-ESP mit Netzwerkzugang</a:t>
-            </a:r>
-          </a:p>
-          <a:p>
-            <a:r>
-              <a:rPr lang="de-DE" sz="1600" dirty="0" err="1"/>
-              <a:t>Miflora</a:t>
-            </a:r>
-            <a:r>
-              <a:rPr lang="de-DE" sz="1600" dirty="0"/>
-              <a:t> hochladen und Rest konfigurieren</a:t>
-            </a:r>
-          </a:p>
-          <a:p>
-            <a:pPr lvl="1"/>
-            <a:r>
-              <a:rPr lang="de-DE" sz="1400" dirty="0"/>
-              <a:t>http://192.168.0.33/config</a:t>
-            </a:r>
-          </a:p>
-          <a:p>
-            <a:pPr lvl="1"/>
-            <a:r>
-              <a:rPr lang="de-DE" sz="1400" dirty="0"/>
-              <a:t>http://192.168.0.33/config?thingname=miflorahellmonsoedt</a:t>
-            </a:r>
-          </a:p>
-          <a:p>
-            <a:pPr lvl="1"/>
-            <a:r>
-              <a:rPr lang="de-DE" sz="1400" dirty="0"/>
-              <a:t>http://192.168.0.33/config?httpmqttgateway=leonding.synology.me/esplogs/mqtt</a:t>
-            </a:r>
-          </a:p>
-          <a:p>
-            <a:pPr lvl="1"/>
-            <a:r>
-              <a:rPr lang="de-DE" sz="1400" dirty="0"/>
-              <a:t>http://192.168.0.33/config?httpuser=gerald</a:t>
-            </a:r>
-          </a:p>
-          <a:p>
-            <a:pPr lvl="1"/>
-            <a:r>
-              <a:rPr lang="de-DE" sz="1400" dirty="0"/>
-              <a:t>http://192.168.0.33/config?httppassword=piKla87Sie57  </a:t>
-            </a:r>
-          </a:p>
-          <a:p>
-            <a:pPr lvl="1"/>
-            <a:endParaRPr lang="de-DE" sz="1400" dirty="0"/>
-          </a:p>
-          <a:p>
-            <a:pPr lvl="1"/>
-            <a:r>
-              <a:rPr lang="de-DE" sz="1400" dirty="0"/>
-              <a:t>http://192.168.0.33/config?ssid  </a:t>
-            </a:r>
-          </a:p>
-          <a:p>
-            <a:pPr lvl="1"/>
-            <a:r>
-              <a:rPr lang="de-DE" sz="1400" dirty="0"/>
-              <a:t>http://192.168.0.33/config?password </a:t>
-            </a:r>
-          </a:p>
-          <a:p>
-            <a:pPr lvl="1"/>
-            <a:r>
-              <a:rPr lang="de-DE" sz="1400" dirty="0"/>
-              <a:t>http://192.168.0.33/config?httpmqttgateway </a:t>
-            </a:r>
-          </a:p>
-          <a:p>
-            <a:pPr lvl="1"/>
-            <a:r>
-              <a:rPr lang="de-DE" sz="1400" dirty="0"/>
-              <a:t>http://192.168.0.33/config?httpuser</a:t>
-            </a:r>
-          </a:p>
-          <a:p>
-            <a:pPr lvl="1"/>
-            <a:r>
-              <a:rPr lang="de-DE" sz="1400" dirty="0"/>
-              <a:t>http://192.168.0.33/config?httppassword</a:t>
-            </a:r>
+              <a:t> </a:t>
+            </a:r>
+          </a:p>
+          <a:p>
+            <a:r>
+              <a:rPr lang="de-DE" sz="1800" dirty="0">
+                <a:hlinkClick r:id="rId7"/>
+              </a:rPr>
+              <a:t>http://192.168.0.79/getactor?switch</a:t>
+            </a:r>
+            <a:r>
+              <a:rPr lang="de-DE" sz="1800" dirty="0"/>
+              <a:t> </a:t>
+            </a:r>
+          </a:p>
+          <a:p>
+            <a:endParaRPr lang="de-DE" sz="1800" dirty="0"/>
+          </a:p>
+          <a:p>
+            <a:r>
+              <a:rPr lang="de-DE" sz="1800" dirty="0">
+                <a:hlinkClick r:id="rId8"/>
+              </a:rPr>
+              <a:t>http://192.168.0.79/getconfig?thingname</a:t>
+            </a:r>
+            <a:r>
+              <a:rPr lang="de-DE" sz="1800" dirty="0"/>
+              <a:t> </a:t>
+            </a:r>
+          </a:p>
+          <a:p>
+            <a:endParaRPr lang="de-DE" sz="1800" dirty="0"/>
           </a:p>
         </p:txBody>
       </p:sp>
     </p:spTree>
     <p:extLst>
       <p:ext uri="{BB962C8B-B14F-4D97-AF65-F5344CB8AC3E}">
-        <p14:creationId xmlns:p14="http://schemas.microsoft.com/office/powerpoint/2010/main" val="1108982593"/>
+        <p14:creationId xmlns:p14="http://schemas.microsoft.com/office/powerpoint/2010/main" val="3504643302"/>
       </p:ext>
     </p:extLst>
   </p:cSld>
@@ -2954,6 +2941,230 @@
             </a:r>
             <a:r>
               <a:rPr lang="de-DE" dirty="0"/>
+              <a:t> </a:t>
+            </a:r>
+            <a:r>
+              <a:rPr lang="de-DE" dirty="0" err="1"/>
+              <a:t>Hellmonsödt</a:t>
+            </a:r>
+            <a:endParaRPr lang="de-DE" dirty="0"/>
+          </a:p>
+        </p:txBody>
+      </p:sp>
+      <p:sp>
+        <p:nvSpPr>
+          <p:cNvPr id="3" name="Textplatzhalter 2">
+            <a:extLst>
+              <a:ext uri="{FF2B5EF4-FFF2-40B4-BE49-F238E27FC236}">
+                <a16:creationId xmlns:a16="http://schemas.microsoft.com/office/drawing/2014/main" id="{AE9CEDFF-D8DF-414B-82EC-65DA6495BFAA}"/>
+              </a:ext>
+            </a:extLst>
+          </p:cNvPr>
+          <p:cNvSpPr>
+            <a:spLocks noGrp="1"/>
+          </p:cNvSpPr>
+          <p:nvPr>
+            <p:ph type="body" sz="quarter" idx="10"/>
+          </p:nvPr>
+        </p:nvSpPr>
+        <p:spPr/>
+        <p:txBody>
+          <a:bodyPr/>
+          <a:lstStyle/>
+          <a:p>
+            <a:r>
+              <a:rPr lang="de-DE" sz="1600" dirty="0"/>
+              <a:t>Netzwerkkonfiguration merkt sich ESP intern</a:t>
+            </a:r>
+          </a:p>
+          <a:p>
+            <a:pPr lvl="1"/>
+            <a:r>
+              <a:rPr lang="de-DE" sz="1400" dirty="0"/>
+              <a:t>http://192.168.10.1/config?ssid=linksysAtHome</a:t>
+            </a:r>
+          </a:p>
+          <a:p>
+            <a:pPr lvl="1"/>
+            <a:r>
+              <a:rPr lang="de-DE" sz="1400" dirty="0"/>
+              <a:t>http://192.168.10.1/config?password=YJXPF4WAC7 </a:t>
+            </a:r>
+          </a:p>
+          <a:p>
+            <a:pPr lvl="1"/>
+            <a:r>
+              <a:rPr lang="de-DE" sz="1400" dirty="0">
+                <a:hlinkClick r:id="rId2"/>
+              </a:rPr>
+              <a:t>http://192.168.10.1/config</a:t>
+            </a:r>
+            <a:r>
+              <a:rPr lang="de-DE" sz="1400" dirty="0"/>
+              <a:t> </a:t>
+            </a:r>
+          </a:p>
+          <a:p>
+            <a:pPr lvl="1"/>
+            <a:endParaRPr lang="de-DE" sz="1600" dirty="0"/>
+          </a:p>
+          <a:p>
+            <a:r>
+              <a:rPr lang="de-DE" sz="1600" dirty="0"/>
+              <a:t>Verbindung testen nach Neustart von </a:t>
+            </a:r>
+            <a:r>
+              <a:rPr lang="de-DE" sz="1600" dirty="0" err="1"/>
+              <a:t>Config</a:t>
+            </a:r>
+            <a:r>
+              <a:rPr lang="de-DE" sz="1600" dirty="0"/>
+              <a:t>-ESP mit Netzwerkzugang</a:t>
+            </a:r>
+          </a:p>
+          <a:p>
+            <a:r>
+              <a:rPr lang="de-DE" sz="1600" dirty="0" err="1"/>
+              <a:t>Miflora</a:t>
+            </a:r>
+            <a:r>
+              <a:rPr lang="de-DE" sz="1600" dirty="0"/>
+              <a:t> hochladen und Rest konfigurieren</a:t>
+            </a:r>
+          </a:p>
+          <a:p>
+            <a:pPr lvl="1"/>
+            <a:r>
+              <a:rPr lang="de-DE" sz="1400" dirty="0"/>
+              <a:t>http://192.168.0.33/config</a:t>
+            </a:r>
+          </a:p>
+          <a:p>
+            <a:pPr lvl="1"/>
+            <a:r>
+              <a:rPr lang="de-DE" sz="1400" dirty="0"/>
+              <a:t>http://192.168.0.33/config?thingname=miflorahellmonsoedt</a:t>
+            </a:r>
+          </a:p>
+          <a:p>
+            <a:pPr lvl="1"/>
+            <a:r>
+              <a:rPr lang="de-DE" sz="1400" dirty="0"/>
+              <a:t>http://192.168.0.33/config?httpmqttgateway=leonding.synology.me/esplogs/mqtt</a:t>
+            </a:r>
+          </a:p>
+          <a:p>
+            <a:pPr lvl="1"/>
+            <a:r>
+              <a:rPr lang="de-DE" sz="1400" dirty="0"/>
+              <a:t>http://192.168.0.33/config?httpuser=????????</a:t>
+            </a:r>
+          </a:p>
+          <a:p>
+            <a:pPr lvl="1"/>
+            <a:r>
+              <a:rPr lang="de-DE" sz="1400" dirty="0"/>
+              <a:t>http://192.168.0.33/config?httppassword=piKla87Sie57  </a:t>
+            </a:r>
+          </a:p>
+          <a:p>
+            <a:pPr lvl="1"/>
+            <a:endParaRPr lang="de-DE" sz="1400" dirty="0"/>
+          </a:p>
+          <a:p>
+            <a:pPr lvl="1"/>
+            <a:r>
+              <a:rPr lang="de-DE" sz="1400" dirty="0"/>
+              <a:t>http://192.168.0.33/config?ssid  </a:t>
+            </a:r>
+          </a:p>
+          <a:p>
+            <a:pPr lvl="1"/>
+            <a:r>
+              <a:rPr lang="de-DE" sz="1400" dirty="0"/>
+              <a:t>http://192.168.0.33/config?password </a:t>
+            </a:r>
+          </a:p>
+          <a:p>
+            <a:pPr lvl="1"/>
+            <a:r>
+              <a:rPr lang="de-DE" sz="1400" dirty="0"/>
+              <a:t>http://192.168.0.33/config?httpmqttgateway </a:t>
+            </a:r>
+          </a:p>
+          <a:p>
+            <a:pPr lvl="1"/>
+            <a:r>
+              <a:rPr lang="de-DE" sz="1400" dirty="0"/>
+              <a:t>http://192.168.0.33/config?httpuser</a:t>
+            </a:r>
+          </a:p>
+          <a:p>
+            <a:pPr lvl="1"/>
+            <a:r>
+              <a:rPr lang="de-DE" sz="1400" dirty="0"/>
+              <a:t>http://192.168.0.33/config?httppassword</a:t>
+            </a:r>
+          </a:p>
+        </p:txBody>
+      </p:sp>
+    </p:spTree>
+    <p:extLst>
+      <p:ext uri="{BB962C8B-B14F-4D97-AF65-F5344CB8AC3E}">
+        <p14:creationId xmlns:p14="http://schemas.microsoft.com/office/powerpoint/2010/main" val="1108982593"/>
+      </p:ext>
+    </p:extLst>
+  </p:cSld>
+  <p:clrMapOvr>
+    <a:masterClrMapping/>
+  </p:clrMapOvr>
+</p:sld>
+</file>
+
+<file path=ppt/slides/slide14.xml><?xml version="1.0" encoding="utf-8"?>
+<p:sld xmlns:a="http://schemas.openxmlformats.org/drawingml/2006/main" xmlns:r="http://schemas.openxmlformats.org/officeDocument/2006/relationships" xmlns:p="http://schemas.openxmlformats.org/presentationml/2006/main">
+  <p:cSld>
+    <p:spTree>
+      <p:nvGrpSpPr>
+        <p:cNvPr id="1" name=""/>
+        <p:cNvGrpSpPr/>
+        <p:nvPr/>
+      </p:nvGrpSpPr>
+      <p:grpSpPr>
+        <a:xfrm>
+          <a:off x="0" y="0"/>
+          <a:ext cx="0" cy="0"/>
+          <a:chOff x="0" y="0"/>
+          <a:chExt cx="0" cy="0"/>
+        </a:xfrm>
+      </p:grpSpPr>
+      <p:sp>
+        <p:nvSpPr>
+          <p:cNvPr id="2" name="Titel 1">
+            <a:extLst>
+              <a:ext uri="{FF2B5EF4-FFF2-40B4-BE49-F238E27FC236}">
+                <a16:creationId xmlns:a16="http://schemas.microsoft.com/office/drawing/2014/main" id="{17296256-048F-4D15-9FF7-37241709E82B}"/>
+              </a:ext>
+            </a:extLst>
+          </p:cNvPr>
+          <p:cNvSpPr>
+            <a:spLocks noGrp="1"/>
+          </p:cNvSpPr>
+          <p:nvPr>
+            <p:ph type="title"/>
+          </p:nvPr>
+        </p:nvSpPr>
+        <p:spPr/>
+        <p:txBody>
+          <a:bodyPr/>
+          <a:lstStyle/>
+          <a:p>
+            <a:r>
+              <a:rPr lang="de-DE" dirty="0" err="1"/>
+              <a:t>Miflora</a:t>
+            </a:r>
+            <a:r>
+              <a:rPr lang="de-DE" dirty="0"/>
               <a:t> Leonding</a:t>
             </a:r>
           </a:p>
@@ -3141,7 +3352,7 @@
             </a:pPr>
             <a:r>
               <a:rPr lang="de-DE" sz="1400" dirty="0"/>
-              <a:t>http://192.168.0.40/config?httpuser=gerald</a:t>
+              <a:t>http://192.168.0.40/config?httpuser=????????</a:t>
             </a:r>
           </a:p>
           <a:p>
@@ -3207,10 +3418,9 @@
               <a:buNone/>
             </a:pPr>
             <a:r>
-              <a:rPr lang="de-DE" sz="1400"/>
+              <a:rPr lang="de-DE" sz="1400" dirty="0"/>
               <a:t>http://192.168.0.40/config?httppassword</a:t>
             </a:r>
-            <a:endParaRPr lang="de-DE" sz="1400" dirty="0"/>
           </a:p>
         </p:txBody>
       </p:sp>
@@ -3227,7 +3437,7 @@
 </p:sld>
 </file>
 
-<file path=ppt/slides/slide14.xml><?xml version="1.0" encoding="utf-8"?>
+<file path=ppt/slides/slide15.xml><?xml version="1.0" encoding="utf-8"?>
 <p:sld xmlns:a="http://schemas.openxmlformats.org/drawingml/2006/main" xmlns:r="http://schemas.openxmlformats.org/officeDocument/2006/relationships" xmlns:p="http://schemas.openxmlformats.org/presentationml/2006/main">
   <p:cSld>
     <p:spTree>
@@ -3337,7 +3547,7 @@
 </p:sld>
 </file>
 
-<file path=ppt/slides/slide15.xml><?xml version="1.0" encoding="utf-8"?>
+<file path=ppt/slides/slide16.xml><?xml version="1.0" encoding="utf-8"?>
 <p:sld xmlns:a="http://schemas.openxmlformats.org/drawingml/2006/main" xmlns:r="http://schemas.openxmlformats.org/officeDocument/2006/relationships" xmlns:p="http://schemas.openxmlformats.org/presentationml/2006/main">
   <p:cSld>
     <p:spTree>
@@ -3539,225 +3749,6 @@
     <p:extLst>
       <p:ext uri="{BB962C8B-B14F-4D97-AF65-F5344CB8AC3E}">
         <p14:creationId xmlns:p14="http://schemas.microsoft.com/office/powerpoint/2010/main" val="3743503886"/>
-      </p:ext>
-    </p:extLst>
-  </p:cSld>
-  <p:clrMapOvr>
-    <a:masterClrMapping/>
-  </p:clrMapOvr>
-</p:sld>
-</file>
-
-<file path=ppt/slides/slide16.xml><?xml version="1.0" encoding="utf-8"?>
-<p:sld xmlns:a="http://schemas.openxmlformats.org/drawingml/2006/main" xmlns:r="http://schemas.openxmlformats.org/officeDocument/2006/relationships" xmlns:p="http://schemas.openxmlformats.org/presentationml/2006/main">
-  <p:cSld>
-    <p:spTree>
-      <p:nvGrpSpPr>
-        <p:cNvPr id="1" name=""/>
-        <p:cNvGrpSpPr/>
-        <p:nvPr/>
-      </p:nvGrpSpPr>
-      <p:grpSpPr>
-        <a:xfrm>
-          <a:off x="0" y="0"/>
-          <a:ext cx="0" cy="0"/>
-          <a:chOff x="0" y="0"/>
-          <a:chExt cx="0" cy="0"/>
-        </a:xfrm>
-      </p:grpSpPr>
-      <p:sp>
-        <p:nvSpPr>
-          <p:cNvPr id="2" name="Titel 1">
-            <a:extLst>
-              <a:ext uri="{FF2B5EF4-FFF2-40B4-BE49-F238E27FC236}">
-                <a16:creationId xmlns:a16="http://schemas.microsoft.com/office/drawing/2014/main" id="{E839FFE6-27F0-42E7-9D20-CD53FEED50DF}"/>
-              </a:ext>
-            </a:extLst>
-          </p:cNvPr>
-          <p:cNvSpPr>
-            <a:spLocks noGrp="1"/>
-          </p:cNvSpPr>
-          <p:nvPr>
-            <p:ph type="title"/>
-          </p:nvPr>
-        </p:nvSpPr>
-        <p:spPr/>
-        <p:txBody>
-          <a:bodyPr/>
-          <a:lstStyle/>
-          <a:p>
-            <a:r>
-              <a:rPr lang="de-DE" dirty="0" err="1"/>
-              <a:t>tadeot</a:t>
-            </a:r>
-            <a:endParaRPr lang="de-DE" dirty="0"/>
-          </a:p>
-        </p:txBody>
-      </p:sp>
-      <p:sp>
-        <p:nvSpPr>
-          <p:cNvPr id="3" name="Textplatzhalter 2">
-            <a:extLst>
-              <a:ext uri="{FF2B5EF4-FFF2-40B4-BE49-F238E27FC236}">
-                <a16:creationId xmlns:a16="http://schemas.microsoft.com/office/drawing/2014/main" id="{89E1D435-FF7C-4223-99CF-3FB17F49E2E1}"/>
-              </a:ext>
-            </a:extLst>
-          </p:cNvPr>
-          <p:cNvSpPr>
-            <a:spLocks noGrp="1"/>
-          </p:cNvSpPr>
-          <p:nvPr>
-            <p:ph type="body" sz="quarter" idx="10"/>
-          </p:nvPr>
-        </p:nvSpPr>
-        <p:spPr/>
-        <p:txBody>
-          <a:bodyPr/>
-          <a:lstStyle/>
-          <a:p>
-            <a:r>
-              <a:rPr lang="de-DE" sz="1100" dirty="0"/>
-              <a:t>http://192.168.0.95/config?thingname=tadeot</a:t>
-            </a:r>
-          </a:p>
-          <a:p>
-            <a:r>
-              <a:rPr lang="de-DE" sz="1100" dirty="0"/>
-              <a:t>http://192.168.0.95/config?ssid=A1-B5035B</a:t>
-            </a:r>
-          </a:p>
-          <a:p>
-            <a:r>
-              <a:rPr lang="de-DE" sz="1100" dirty="0"/>
-              <a:t>http://192.168.0.95/config?password=52809766B6 </a:t>
-            </a:r>
-          </a:p>
-          <a:p>
-            <a:r>
-              <a:rPr lang="de-DE" sz="1100" dirty="0"/>
-              <a:t>http://192.168.0.95/config?mqttbroker=192.168.0.2</a:t>
-            </a:r>
-          </a:p>
-          <a:p>
-            <a:r>
-              <a:rPr lang="de-DE" sz="1100" dirty="0"/>
-              <a:t>http://192.168.0.95/config?mqttuser=gerald</a:t>
-            </a:r>
-          </a:p>
-          <a:p>
-            <a:r>
-              <a:rPr lang="de-DE" sz="1100" dirty="0"/>
-              <a:t>http://192.168.0.95/config?mqttpassword=mosquittoKla87Sie57</a:t>
-            </a:r>
-          </a:p>
-          <a:p>
-            <a:r>
-              <a:rPr lang="de-DE" sz="1100" dirty="0"/>
-              <a:t>http://192.168.0.95/config?mqttport=1883</a:t>
-            </a:r>
-          </a:p>
-          <a:p>
-            <a:endParaRPr lang="de-DE" sz="1100" dirty="0"/>
-          </a:p>
-          <a:p>
-            <a:r>
-              <a:rPr lang="de-DE" sz="1100" dirty="0"/>
-              <a:t>http://192.168.0.95/config</a:t>
-            </a:r>
-          </a:p>
-          <a:p>
-            <a:endParaRPr lang="de-DE" sz="1100" dirty="0"/>
-          </a:p>
-          <a:p>
-            <a:r>
-              <a:rPr lang="de-DE" sz="1100" dirty="0"/>
-              <a:t>http://192.168.0.95/config?ssid  </a:t>
-            </a:r>
-          </a:p>
-          <a:p>
-            <a:r>
-              <a:rPr lang="de-DE" sz="1100" dirty="0"/>
-              <a:t>http://192.168.0.95/config?password </a:t>
-            </a:r>
-          </a:p>
-          <a:p>
-            <a:r>
-              <a:rPr lang="de-DE" sz="1100" dirty="0"/>
-              <a:t>http://192.168.0.95/config?mqttbroker </a:t>
-            </a:r>
-          </a:p>
-          <a:p>
-            <a:r>
-              <a:rPr lang="de-DE" sz="1100" dirty="0"/>
-              <a:t>http://192.168.0.95/config?mqttuser</a:t>
-            </a:r>
-          </a:p>
-          <a:p>
-            <a:r>
-              <a:rPr lang="de-DE" sz="1100" dirty="0"/>
-              <a:t>http://192.168.0.95/config?mqttpassword</a:t>
-            </a:r>
-          </a:p>
-          <a:p>
-            <a:endParaRPr lang="de-DE" sz="1100" dirty="0"/>
-          </a:p>
-          <a:p>
-            <a:r>
-              <a:rPr lang="de-DE" sz="1100" dirty="0"/>
-              <a:t>http://192.168.0.95/sensor?co2</a:t>
-            </a:r>
-          </a:p>
-          <a:p>
-            <a:r>
-              <a:rPr lang="de-DE" sz="1100" dirty="0"/>
-              <a:t>http://192.168.0.95/sensor?temperature</a:t>
-            </a:r>
-          </a:p>
-          <a:p>
-            <a:r>
-              <a:rPr lang="de-DE" sz="1100" dirty="0"/>
-              <a:t>http://192.168.0.95/sensor?humidity</a:t>
-            </a:r>
-          </a:p>
-          <a:p>
-            <a:r>
-              <a:rPr lang="de-DE" sz="1100" dirty="0"/>
-              <a:t>http://192.168.0.95/sensor?noise</a:t>
-            </a:r>
-          </a:p>
-          <a:p>
-            <a:r>
-              <a:rPr lang="de-DE" sz="1100" dirty="0"/>
-              <a:t>http://192.168.0.95/sensor?luminosity</a:t>
-            </a:r>
-          </a:p>
-          <a:p>
-            <a:r>
-              <a:rPr lang="de-DE" sz="1100" dirty="0"/>
-              <a:t>http://192.168.0.95/sensor?motion</a:t>
-            </a:r>
-          </a:p>
-          <a:p>
-            <a:endParaRPr lang="de-DE" sz="1100" dirty="0"/>
-          </a:p>
-          <a:p>
-            <a:r>
-              <a:rPr lang="de-DE" sz="1100" dirty="0"/>
-              <a:t>http://192.168.0.95/restart</a:t>
-            </a:r>
-          </a:p>
-          <a:p>
-            <a:endParaRPr lang="de-DE" sz="1100" dirty="0"/>
-          </a:p>
-          <a:p>
-            <a:endParaRPr lang="de-DE" sz="1100" dirty="0"/>
-          </a:p>
-        </p:txBody>
-      </p:sp>
-    </p:spTree>
-    <p:extLst>
-      <p:ext uri="{BB962C8B-B14F-4D97-AF65-F5344CB8AC3E}">
-        <p14:creationId xmlns:p14="http://schemas.microsoft.com/office/powerpoint/2010/main" val="3471155555"/>
       </p:ext>
     </p:extLst>
   </p:cSld>
@@ -3806,9 +3797,10 @@
           <a:lstStyle/>
           <a:p>
             <a:r>
-              <a:rPr lang="de-DE" dirty="0"/>
-              <a:t>Ds18b20</a:t>
-            </a:r>
+              <a:rPr lang="de-DE" dirty="0" err="1"/>
+              <a:t>tadeot</a:t>
+            </a:r>
+            <a:endParaRPr lang="de-DE" dirty="0"/>
           </a:p>
         </p:txBody>
       </p:sp>
@@ -3835,19 +3827,19 @@
           <a:p>
             <a:r>
               <a:rPr lang="de-DE" sz="1100" dirty="0"/>
-              <a:t>http://192.168.0.95/config?thingname=ds18b20</a:t>
+              <a:t>http://192.168.0.95/config?thingname=tadeot</a:t>
             </a:r>
           </a:p>
           <a:p>
             <a:r>
               <a:rPr lang="de-DE" sz="1100" dirty="0"/>
-              <a:t>http://192.168.0.95/config?ssid=A1-B5035B</a:t>
+              <a:t>http://192.168.0.95/config?ssid=????????</a:t>
             </a:r>
           </a:p>
           <a:p>
             <a:r>
               <a:rPr lang="de-DE" sz="1100" dirty="0"/>
-              <a:t>http://192.168.0.95/config?password=52809766B6 </a:t>
+              <a:t>http://192.168.0.95/config?password=???????? </a:t>
             </a:r>
           </a:p>
           <a:p>
@@ -3859,13 +3851,13 @@
           <a:p>
             <a:r>
               <a:rPr lang="de-DE" sz="1100" dirty="0"/>
-              <a:t>http://192.168.0.95/config?mqttuser=gerald</a:t>
+              <a:t>http://192.168.0.95/config?mqttuser=????????</a:t>
             </a:r>
           </a:p>
           <a:p>
             <a:r>
               <a:rPr lang="de-DE" sz="1100" dirty="0"/>
-              <a:t>http://192.168.0.95/config?mqttpassword=mosquittoKla87Sie57</a:t>
+              <a:t>http://192.168.0.95/config?mqttpassword=????????</a:t>
             </a:r>
           </a:p>
           <a:p>
@@ -3922,7 +3914,37 @@
           <a:p>
             <a:r>
               <a:rPr lang="de-DE" sz="1100" dirty="0"/>
+              <a:t>http://192.168.0.95/sensor?co2</a:t>
+            </a:r>
+          </a:p>
+          <a:p>
+            <a:r>
+              <a:rPr lang="de-DE" sz="1100" dirty="0"/>
               <a:t>http://192.168.0.95/sensor?temperature</a:t>
+            </a:r>
+          </a:p>
+          <a:p>
+            <a:r>
+              <a:rPr lang="de-DE" sz="1100" dirty="0"/>
+              <a:t>http://192.168.0.95/sensor?humidity</a:t>
+            </a:r>
+          </a:p>
+          <a:p>
+            <a:r>
+              <a:rPr lang="de-DE" sz="1100" dirty="0"/>
+              <a:t>http://192.168.0.95/sensor?noise</a:t>
+            </a:r>
+          </a:p>
+          <a:p>
+            <a:r>
+              <a:rPr lang="de-DE" sz="1100" dirty="0"/>
+              <a:t>http://192.168.0.95/sensor?luminosity</a:t>
+            </a:r>
+          </a:p>
+          <a:p>
+            <a:r>
+              <a:rPr lang="de-DE" sz="1100" dirty="0"/>
+              <a:t>http://192.168.0.95/sensor?motion</a:t>
             </a:r>
           </a:p>
           <a:p>
@@ -3945,7 +3967,7 @@
     </p:spTree>
     <p:extLst>
       <p:ext uri="{BB962C8B-B14F-4D97-AF65-F5344CB8AC3E}">
-        <p14:creationId xmlns:p14="http://schemas.microsoft.com/office/powerpoint/2010/main" val="242239599"/>
+        <p14:creationId xmlns:p14="http://schemas.microsoft.com/office/powerpoint/2010/main" val="3471155555"/>
       </p:ext>
     </p:extLst>
   </p:cSld>
@@ -3977,7 +3999,7 @@
           <p:cNvPr id="2" name="Titel 1">
             <a:extLst>
               <a:ext uri="{FF2B5EF4-FFF2-40B4-BE49-F238E27FC236}">
-                <a16:creationId xmlns:a16="http://schemas.microsoft.com/office/drawing/2014/main" id="{1F2011E7-703F-4FCC-99CC-793C2775F69A}"/>
+                <a16:creationId xmlns:a16="http://schemas.microsoft.com/office/drawing/2014/main" id="{E839FFE6-27F0-42E7-9D20-CD53FEED50DF}"/>
               </a:ext>
             </a:extLst>
           </p:cNvPr>
@@ -3995,7 +4017,7 @@
           <a:p>
             <a:r>
               <a:rPr lang="de-DE" dirty="0"/>
-              <a:t>Office</a:t>
+              <a:t>Ds18b20</a:t>
             </a:r>
           </a:p>
         </p:txBody>
@@ -4005,7 +4027,7 @@
           <p:cNvPr id="3" name="Textplatzhalter 2">
             <a:extLst>
               <a:ext uri="{FF2B5EF4-FFF2-40B4-BE49-F238E27FC236}">
-                <a16:creationId xmlns:a16="http://schemas.microsoft.com/office/drawing/2014/main" id="{DC496E0F-DEDB-4063-A7F0-9D5114B6563B}"/>
+                <a16:creationId xmlns:a16="http://schemas.microsoft.com/office/drawing/2014/main" id="{89E1D435-FF7C-4223-99CF-3FB17F49E2E1}"/>
               </a:ext>
             </a:extLst>
           </p:cNvPr>
@@ -4016,138 +4038,124 @@
             <p:ph type="body" sz="quarter" idx="10"/>
           </p:nvPr>
         </p:nvSpPr>
-        <p:spPr>
-          <a:xfrm>
-            <a:off x="323528" y="980728"/>
-            <a:ext cx="8207375" cy="4608165"/>
-          </a:xfrm>
-        </p:spPr>
+        <p:spPr/>
         <p:txBody>
           <a:bodyPr/>
           <a:lstStyle/>
           <a:p>
             <a:r>
-              <a:rPr lang="de-DE" sz="1200" dirty="0"/>
-              <a:t>http://192.168.0.61/config?thingname=office</a:t>
-            </a:r>
-          </a:p>
-          <a:p>
-            <a:r>
-              <a:rPr lang="de-DE" sz="1200" dirty="0"/>
-              <a:t>http://192.168.0.61/config?ssid=A1-B5035B</a:t>
-            </a:r>
-          </a:p>
-          <a:p>
-            <a:r>
-              <a:rPr lang="de-DE" sz="1200" dirty="0"/>
-              <a:t>http://192.168.0.61/config?password=52809766B6 </a:t>
-            </a:r>
-          </a:p>
-          <a:p>
-            <a:r>
-              <a:rPr lang="de-DE" sz="1200" dirty="0"/>
-              <a:t>http://192.168.0.61/config?mqttbroker=192.168.0.2</a:t>
-            </a:r>
-          </a:p>
-          <a:p>
-            <a:r>
-              <a:rPr lang="de-DE" sz="1200" dirty="0"/>
-              <a:t>http://192.168.0.61/config?mqttuser=gerald</a:t>
-            </a:r>
-          </a:p>
-          <a:p>
-            <a:r>
-              <a:rPr lang="de-DE" sz="1200" dirty="0"/>
-              <a:t>http://192.168.0.61/config?mqttpassword=mosquittoKla87Sie57</a:t>
-            </a:r>
-          </a:p>
-          <a:p>
-            <a:r>
-              <a:rPr lang="de-DE" sz="1200" dirty="0"/>
-              <a:t>http://192.168.0.61/config?mqttport=1883</a:t>
-            </a:r>
-          </a:p>
-          <a:p>
-            <a:endParaRPr lang="de-DE" sz="1200" dirty="0"/>
-          </a:p>
-          <a:p>
-            <a:r>
-              <a:rPr lang="de-DE" sz="1200" dirty="0"/>
-              <a:t>http://192.168.0.61/config</a:t>
-            </a:r>
-          </a:p>
-          <a:p>
-            <a:endParaRPr lang="de-DE" sz="1200" dirty="0"/>
-          </a:p>
-          <a:p>
-            <a:r>
-              <a:rPr lang="de-DE" sz="1200" dirty="0"/>
-              <a:t>http://192.168.0.61/config?ssid  </a:t>
-            </a:r>
-          </a:p>
-          <a:p>
-            <a:r>
-              <a:rPr lang="de-DE" sz="1200" dirty="0"/>
-              <a:t>http://192.168.0.61/config?password </a:t>
-            </a:r>
-          </a:p>
-          <a:p>
-            <a:r>
-              <a:rPr lang="de-DE" sz="1200" dirty="0"/>
-              <a:t>http://192.168.0.61/config?mqttbroker </a:t>
-            </a:r>
-          </a:p>
-          <a:p>
-            <a:r>
-              <a:rPr lang="de-DE" sz="1200" dirty="0"/>
-              <a:t>http://192.168.0.61/config?mqttuser</a:t>
-            </a:r>
-          </a:p>
-          <a:p>
-            <a:r>
-              <a:rPr lang="de-DE" sz="1200" dirty="0"/>
-              <a:t>http://192.168.0.61/config?mqttpassword</a:t>
-            </a:r>
-          </a:p>
-          <a:p>
-            <a:endParaRPr lang="de-DE" sz="1200" dirty="0"/>
-          </a:p>
-          <a:p>
-            <a:r>
-              <a:rPr lang="de-DE" sz="1200" dirty="0"/>
-              <a:t>http://192.168.0.61/sensor?co2</a:t>
-            </a:r>
-          </a:p>
-          <a:p>
-            <a:r>
-              <a:rPr lang="de-DE" sz="1200" dirty="0"/>
-              <a:t>http://192.168.0.61/sensor?temperature</a:t>
-            </a:r>
-          </a:p>
-          <a:p>
-            <a:r>
-              <a:rPr lang="de-DE" sz="1200" dirty="0"/>
-              <a:t>http://192.168.0.61/sensor?humidity</a:t>
-            </a:r>
-          </a:p>
-          <a:p>
-            <a:endParaRPr lang="de-DE" sz="1200" dirty="0"/>
-          </a:p>
-          <a:p>
-            <a:r>
-              <a:rPr lang="de-DE" sz="1200" dirty="0"/>
-              <a:t>http://192.168.0.61/restart</a:t>
-            </a:r>
-          </a:p>
-          <a:p>
-            <a:endParaRPr lang="de-DE" sz="1200" dirty="0"/>
+              <a:rPr lang="de-DE" sz="1100" dirty="0"/>
+              <a:t>http://192.168.0.95/config?thingname=ds18b20</a:t>
+            </a:r>
+          </a:p>
+          <a:p>
+            <a:r>
+              <a:rPr lang="de-DE" sz="1100" dirty="0"/>
+              <a:t>http://192.168.0.95/config?ssid=????????</a:t>
+            </a:r>
+          </a:p>
+          <a:p>
+            <a:r>
+              <a:rPr lang="de-DE" sz="1100" dirty="0"/>
+              <a:t>http://192.168.0.95/config?password=???????? </a:t>
+            </a:r>
+          </a:p>
+          <a:p>
+            <a:r>
+              <a:rPr lang="de-DE" sz="1100" dirty="0"/>
+              <a:t>http://192.168.0.95/config?mqttbroker=192.168.0.2</a:t>
+            </a:r>
+          </a:p>
+          <a:p>
+            <a:r>
+              <a:rPr lang="de-DE" sz="1100" dirty="0"/>
+              <a:t>http://192.168.0.95/config?mqttuser=????????</a:t>
+            </a:r>
+          </a:p>
+          <a:p>
+            <a:r>
+              <a:rPr lang="de-DE" sz="1100" dirty="0"/>
+              <a:t>http://192.168.0.95/config?mqttpassword=????????</a:t>
+            </a:r>
+          </a:p>
+          <a:p>
+            <a:r>
+              <a:rPr lang="de-DE" sz="1100" dirty="0"/>
+              <a:t>http://192.168.0.95/config?mqttport=1883</a:t>
+            </a:r>
+          </a:p>
+          <a:p>
+            <a:endParaRPr lang="de-DE" sz="1100" dirty="0"/>
+          </a:p>
+          <a:p>
+            <a:r>
+              <a:rPr lang="de-DE" sz="1100" dirty="0"/>
+              <a:t>http://192.168.0.95/config</a:t>
+            </a:r>
+          </a:p>
+          <a:p>
+            <a:endParaRPr lang="de-DE" sz="1100" dirty="0"/>
+          </a:p>
+          <a:p>
+            <a:r>
+              <a:rPr lang="de-DE" sz="1100" dirty="0"/>
+              <a:t>http://192.168.0.95/config?ssid  </a:t>
+            </a:r>
+          </a:p>
+          <a:p>
+            <a:r>
+              <a:rPr lang="de-DE" sz="1100" dirty="0"/>
+              <a:t>http://192.168.0.95/config?password </a:t>
+            </a:r>
+          </a:p>
+          <a:p>
+            <a:r>
+              <a:rPr lang="de-DE" sz="1100" dirty="0"/>
+              <a:t>http://192.168.0.95/config?mqttbroker </a:t>
+            </a:r>
+          </a:p>
+          <a:p>
+            <a:r>
+              <a:rPr lang="de-DE" sz="1100" dirty="0"/>
+              <a:t>http://192.168.0.95/config?mqttuser</a:t>
+            </a:r>
+          </a:p>
+          <a:p>
+            <a:r>
+              <a:rPr lang="de-DE" sz="1100" dirty="0"/>
+              <a:t>http://192.168.0.95/config?mqttpassword</a:t>
+            </a:r>
+          </a:p>
+          <a:p>
+            <a:endParaRPr lang="de-DE" sz="1100" dirty="0"/>
+          </a:p>
+          <a:p>
+            <a:r>
+              <a:rPr lang="de-DE" sz="1100" dirty="0"/>
+              <a:t>http://192.168.0.95/sensor?temperature</a:t>
+            </a:r>
+          </a:p>
+          <a:p>
+            <a:endParaRPr lang="de-DE" sz="1100" dirty="0"/>
+          </a:p>
+          <a:p>
+            <a:r>
+              <a:rPr lang="de-DE" sz="1100" dirty="0"/>
+              <a:t>http://192.168.0.95/restart</a:t>
+            </a:r>
+          </a:p>
+          <a:p>
+            <a:endParaRPr lang="de-DE" sz="1100" dirty="0"/>
+          </a:p>
+          <a:p>
+            <a:endParaRPr lang="de-DE" sz="1100" dirty="0"/>
           </a:p>
         </p:txBody>
       </p:sp>
     </p:spTree>
     <p:extLst>
       <p:ext uri="{BB962C8B-B14F-4D97-AF65-F5344CB8AC3E}">
-        <p14:creationId xmlns:p14="http://schemas.microsoft.com/office/powerpoint/2010/main" val="3103062863"/>
+        <p14:creationId xmlns:p14="http://schemas.microsoft.com/office/powerpoint/2010/main" val="242239599"/>
       </p:ext>
     </p:extLst>
   </p:cSld>
@@ -4196,10 +4204,9 @@
           <a:lstStyle/>
           <a:p>
             <a:r>
-              <a:rPr lang="de-DE" dirty="0" err="1"/>
-              <a:t>LivingRoom</a:t>
-            </a:r>
-            <a:endParaRPr lang="de-DE" dirty="0"/>
+              <a:rPr lang="de-DE" dirty="0"/>
+              <a:t>Office</a:t>
+            </a:r>
           </a:p>
         </p:txBody>
       </p:sp>
@@ -4231,43 +4238,43 @@
           <a:p>
             <a:r>
               <a:rPr lang="de-DE" sz="1200" dirty="0"/>
-              <a:t>http://192.168.0.65/config?thingname=office</a:t>
-            </a:r>
-          </a:p>
-          <a:p>
-            <a:r>
-              <a:rPr lang="de-DE" sz="1200" dirty="0"/>
-              <a:t>http://192.168.0.65/config?ssid=A1-B5035B</a:t>
-            </a:r>
-          </a:p>
-          <a:p>
-            <a:r>
-              <a:rPr lang="de-DE" sz="1200" dirty="0"/>
-              <a:t>http://192.168.0.65/config?password=52809766B6 </a:t>
-            </a:r>
-          </a:p>
-          <a:p>
-            <a:r>
-              <a:rPr lang="de-DE" sz="1200" dirty="0"/>
-              <a:t>http://192.168.0.65/config?mqttbroker=leosyn</a:t>
-            </a:r>
-          </a:p>
-          <a:p>
-            <a:r>
-              <a:rPr lang="de-DE" sz="1200" dirty="0"/>
-              <a:t>http://192.168.0.65/config?mqttuser=gerald</a:t>
-            </a:r>
-          </a:p>
-          <a:p>
-            <a:r>
-              <a:rPr lang="de-DE" sz="1200" dirty="0"/>
-              <a:t>http://192.168.0.65/config?mqttpassword=synKla87Sie57</a:t>
-            </a:r>
-          </a:p>
-          <a:p>
-            <a:r>
-              <a:rPr lang="de-DE" sz="1200" dirty="0"/>
-              <a:t>http://192.168.0.65/config?mqttport=1883</a:t>
+              <a:t>http://192.168.0.61/config?thingname=office</a:t>
+            </a:r>
+          </a:p>
+          <a:p>
+            <a:r>
+              <a:rPr lang="de-DE" sz="1200" dirty="0"/>
+              <a:t>http://192.168.0.61/config?ssid=????????</a:t>
+            </a:r>
+          </a:p>
+          <a:p>
+            <a:r>
+              <a:rPr lang="de-DE" sz="1200" dirty="0"/>
+              <a:t>http://192.168.0.61/config?password=???????? </a:t>
+            </a:r>
+          </a:p>
+          <a:p>
+            <a:r>
+              <a:rPr lang="de-DE" sz="1200" dirty="0"/>
+              <a:t>http://192.168.0.61/config?mqttbroker=192.168.0.2</a:t>
+            </a:r>
+          </a:p>
+          <a:p>
+            <a:r>
+              <a:rPr lang="de-DE" sz="1200" dirty="0"/>
+              <a:t>http://192.168.0.61/config?mqttuser=????????</a:t>
+            </a:r>
+          </a:p>
+          <a:p>
+            <a:r>
+              <a:rPr lang="de-DE" sz="1200" dirty="0"/>
+              <a:t>http://192.168.0.61/config?mqttpassword=????????</a:t>
+            </a:r>
+          </a:p>
+          <a:p>
+            <a:r>
+              <a:rPr lang="de-DE" sz="1200" dirty="0"/>
+              <a:t>http://192.168.0.61/config?mqttport=1883</a:t>
             </a:r>
           </a:p>
           <a:p>
@@ -4276,7 +4283,7 @@
           <a:p>
             <a:r>
               <a:rPr lang="de-DE" sz="1200" dirty="0"/>
-              <a:t>http://192.168.0.65/config</a:t>
+              <a:t>http://192.168.0.61/config</a:t>
             </a:r>
           </a:p>
           <a:p>
@@ -4285,31 +4292,31 @@
           <a:p>
             <a:r>
               <a:rPr lang="de-DE" sz="1200" dirty="0"/>
-              <a:t>http://192.168.0.65/config?ssid  </a:t>
-            </a:r>
-          </a:p>
-          <a:p>
-            <a:r>
-              <a:rPr lang="de-DE" sz="1200" dirty="0"/>
-              <a:t>http://192.168.0.65/config?password </a:t>
-            </a:r>
-          </a:p>
-          <a:p>
-            <a:r>
-              <a:rPr lang="de-DE" sz="1200" dirty="0"/>
-              <a:t>http://192.168.0.65/config?mqttbroker </a:t>
-            </a:r>
-          </a:p>
-          <a:p>
-            <a:r>
-              <a:rPr lang="de-DE" sz="1200" dirty="0"/>
-              <a:t>http://192.168.0.65/config?mqttuser</a:t>
-            </a:r>
-          </a:p>
-          <a:p>
-            <a:r>
-              <a:rPr lang="de-DE" sz="1200" dirty="0"/>
-              <a:t>http://192.168.0.65/config?mqttpassword</a:t>
+              <a:t>http://192.168.0.61/config?ssid  </a:t>
+            </a:r>
+          </a:p>
+          <a:p>
+            <a:r>
+              <a:rPr lang="de-DE" sz="1200" dirty="0"/>
+              <a:t>http://192.168.0.61/config?password </a:t>
+            </a:r>
+          </a:p>
+          <a:p>
+            <a:r>
+              <a:rPr lang="de-DE" sz="1200" dirty="0"/>
+              <a:t>http://192.168.0.61/config?mqttbroker </a:t>
+            </a:r>
+          </a:p>
+          <a:p>
+            <a:r>
+              <a:rPr lang="de-DE" sz="1200" dirty="0"/>
+              <a:t>http://192.168.0.61/config?mqttuser</a:t>
+            </a:r>
+          </a:p>
+          <a:p>
+            <a:r>
+              <a:rPr lang="de-DE" sz="1200" dirty="0"/>
+              <a:t>http://192.168.0.61/config?mqttpassword</a:t>
             </a:r>
           </a:p>
           <a:p>
@@ -4318,19 +4325,19 @@
           <a:p>
             <a:r>
               <a:rPr lang="de-DE" sz="1200" dirty="0"/>
-              <a:t>http://192.168.0.65/sensor?co2</a:t>
-            </a:r>
-          </a:p>
-          <a:p>
-            <a:r>
-              <a:rPr lang="de-DE" sz="1200" dirty="0"/>
-              <a:t>http://192.168.0.65/sensor?temperature</a:t>
-            </a:r>
-          </a:p>
-          <a:p>
-            <a:r>
-              <a:rPr lang="de-DE" sz="1200" dirty="0"/>
-              <a:t>http://192.168.0.65/sensor?humidity</a:t>
+              <a:t>http://192.168.0.61/sensor?co2</a:t>
+            </a:r>
+          </a:p>
+          <a:p>
+            <a:r>
+              <a:rPr lang="de-DE" sz="1200" dirty="0"/>
+              <a:t>http://192.168.0.61/sensor?temperature</a:t>
+            </a:r>
+          </a:p>
+          <a:p>
+            <a:r>
+              <a:rPr lang="de-DE" sz="1200" dirty="0"/>
+              <a:t>http://192.168.0.61/sensor?humidity</a:t>
             </a:r>
           </a:p>
           <a:p>
@@ -4339,15 +4346,18 @@
           <a:p>
             <a:r>
               <a:rPr lang="de-DE" sz="1200" dirty="0"/>
-              <a:t>http://192.168.0.65/restart</a:t>
-            </a:r>
+              <a:t>http://192.168.0.61/restart</a:t>
+            </a:r>
+          </a:p>
+          <a:p>
+            <a:endParaRPr lang="de-DE" sz="1200" dirty="0"/>
           </a:p>
         </p:txBody>
       </p:sp>
     </p:spTree>
     <p:extLst>
       <p:ext uri="{BB962C8B-B14F-4D97-AF65-F5344CB8AC3E}">
-        <p14:creationId xmlns:p14="http://schemas.microsoft.com/office/powerpoint/2010/main" val="1705781607"/>
+        <p14:creationId xmlns:p14="http://schemas.microsoft.com/office/powerpoint/2010/main" val="3103062863"/>
       </p:ext>
     </p:extLst>
   </p:cSld>
@@ -4495,13 +4505,13 @@
           <a:p>
             <a:r>
               <a:rPr lang="de-DE" sz="2000" dirty="0"/>
-              <a:t>http://192.168.10.1/config?mqttuser=gerald</a:t>
+              <a:t>http://192.168.10.1/config?mqttuser=????????</a:t>
             </a:r>
           </a:p>
           <a:p>
             <a:r>
               <a:rPr lang="de-DE" sz="2000" dirty="0"/>
-              <a:t>http://192.168.10.1/config?mqttpassword=mosquittoKla87Sie57</a:t>
+              <a:t>http://192.168.10.1/config?mqttpassword=????????</a:t>
             </a:r>
           </a:p>
           <a:p>
@@ -4561,9 +4571,10 @@
           <a:lstStyle/>
           <a:p>
             <a:r>
-              <a:rPr lang="de-DE" dirty="0"/>
-              <a:t>Bmp280</a:t>
-            </a:r>
+              <a:rPr lang="de-DE" dirty="0" err="1"/>
+              <a:t>LivingRoom</a:t>
+            </a:r>
+            <a:endParaRPr lang="de-DE" dirty="0"/>
           </a:p>
         </p:txBody>
       </p:sp>
@@ -4595,19 +4606,218 @@
           <a:p>
             <a:r>
               <a:rPr lang="de-DE" sz="1200" dirty="0"/>
+              <a:t>http://192.168.0.65/config?thingname=office</a:t>
+            </a:r>
+          </a:p>
+          <a:p>
+            <a:r>
+              <a:rPr lang="de-DE" sz="1200" dirty="0"/>
+              <a:t>http://192.168.0.65/config?ssid=????????</a:t>
+            </a:r>
+          </a:p>
+          <a:p>
+            <a:r>
+              <a:rPr lang="de-DE" sz="1200" dirty="0"/>
+              <a:t>http://192.168.0.65/config?password=???????? </a:t>
+            </a:r>
+          </a:p>
+          <a:p>
+            <a:r>
+              <a:rPr lang="de-DE" sz="1200" dirty="0"/>
+              <a:t>http://192.168.0.65/config?mqttbroker=leosyn</a:t>
+            </a:r>
+          </a:p>
+          <a:p>
+            <a:r>
+              <a:rPr lang="de-DE" sz="1200" dirty="0"/>
+              <a:t>http://192.168.0.65/config?mqttuser=????????</a:t>
+            </a:r>
+          </a:p>
+          <a:p>
+            <a:r>
+              <a:rPr lang="de-DE" sz="1200" dirty="0"/>
+              <a:t>http://192.168.0.65/config?mqttpassword=synKla87Sie57</a:t>
+            </a:r>
+          </a:p>
+          <a:p>
+            <a:r>
+              <a:rPr lang="de-DE" sz="1200" dirty="0"/>
+              <a:t>http://192.168.0.65/config?mqttport=1883</a:t>
+            </a:r>
+          </a:p>
+          <a:p>
+            <a:endParaRPr lang="de-DE" sz="1200" dirty="0"/>
+          </a:p>
+          <a:p>
+            <a:r>
+              <a:rPr lang="de-DE" sz="1200" dirty="0"/>
+              <a:t>http://192.168.0.65/config</a:t>
+            </a:r>
+          </a:p>
+          <a:p>
+            <a:endParaRPr lang="de-DE" sz="1200" dirty="0"/>
+          </a:p>
+          <a:p>
+            <a:r>
+              <a:rPr lang="de-DE" sz="1200" dirty="0"/>
+              <a:t>http://192.168.0.65/config?ssid  </a:t>
+            </a:r>
+          </a:p>
+          <a:p>
+            <a:r>
+              <a:rPr lang="de-DE" sz="1200" dirty="0"/>
+              <a:t>http://192.168.0.65/config?password </a:t>
+            </a:r>
+          </a:p>
+          <a:p>
+            <a:r>
+              <a:rPr lang="de-DE" sz="1200" dirty="0"/>
+              <a:t>http://192.168.0.65/config?mqttbroker </a:t>
+            </a:r>
+          </a:p>
+          <a:p>
+            <a:r>
+              <a:rPr lang="de-DE" sz="1200" dirty="0"/>
+              <a:t>http://192.168.0.65/config?mqttuser</a:t>
+            </a:r>
+          </a:p>
+          <a:p>
+            <a:r>
+              <a:rPr lang="de-DE" sz="1200" dirty="0"/>
+              <a:t>http://192.168.0.65/config?mqttpassword</a:t>
+            </a:r>
+          </a:p>
+          <a:p>
+            <a:endParaRPr lang="de-DE" sz="1200" dirty="0"/>
+          </a:p>
+          <a:p>
+            <a:r>
+              <a:rPr lang="de-DE" sz="1200" dirty="0"/>
+              <a:t>http://192.168.0.65/sensor?co2</a:t>
+            </a:r>
+          </a:p>
+          <a:p>
+            <a:r>
+              <a:rPr lang="de-DE" sz="1200" dirty="0"/>
+              <a:t>http://192.168.0.65/sensor?temperature</a:t>
+            </a:r>
+          </a:p>
+          <a:p>
+            <a:r>
+              <a:rPr lang="de-DE" sz="1200" dirty="0"/>
+              <a:t>http://192.168.0.65/sensor?humidity</a:t>
+            </a:r>
+          </a:p>
+          <a:p>
+            <a:endParaRPr lang="de-DE" sz="1200" dirty="0"/>
+          </a:p>
+          <a:p>
+            <a:r>
+              <a:rPr lang="de-DE" sz="1200" dirty="0"/>
+              <a:t>http://192.168.0.65/restart</a:t>
+            </a:r>
+          </a:p>
+        </p:txBody>
+      </p:sp>
+    </p:spTree>
+    <p:extLst>
+      <p:ext uri="{BB962C8B-B14F-4D97-AF65-F5344CB8AC3E}">
+        <p14:creationId xmlns:p14="http://schemas.microsoft.com/office/powerpoint/2010/main" val="1705781607"/>
+      </p:ext>
+    </p:extLst>
+  </p:cSld>
+  <p:clrMapOvr>
+    <a:masterClrMapping/>
+  </p:clrMapOvr>
+</p:sld>
+</file>
+
+<file path=ppt/slides/slide21.xml><?xml version="1.0" encoding="utf-8"?>
+<p:sld xmlns:a="http://schemas.openxmlformats.org/drawingml/2006/main" xmlns:r="http://schemas.openxmlformats.org/officeDocument/2006/relationships" xmlns:p="http://schemas.openxmlformats.org/presentationml/2006/main">
+  <p:cSld>
+    <p:spTree>
+      <p:nvGrpSpPr>
+        <p:cNvPr id="1" name=""/>
+        <p:cNvGrpSpPr/>
+        <p:nvPr/>
+      </p:nvGrpSpPr>
+      <p:grpSpPr>
+        <a:xfrm>
+          <a:off x="0" y="0"/>
+          <a:ext cx="0" cy="0"/>
+          <a:chOff x="0" y="0"/>
+          <a:chExt cx="0" cy="0"/>
+        </a:xfrm>
+      </p:grpSpPr>
+      <p:sp>
+        <p:nvSpPr>
+          <p:cNvPr id="2" name="Titel 1">
+            <a:extLst>
+              <a:ext uri="{FF2B5EF4-FFF2-40B4-BE49-F238E27FC236}">
+                <a16:creationId xmlns:a16="http://schemas.microsoft.com/office/drawing/2014/main" id="{1F2011E7-703F-4FCC-99CC-793C2775F69A}"/>
+              </a:ext>
+            </a:extLst>
+          </p:cNvPr>
+          <p:cNvSpPr>
+            <a:spLocks noGrp="1"/>
+          </p:cNvSpPr>
+          <p:nvPr>
+            <p:ph type="title"/>
+          </p:nvPr>
+        </p:nvSpPr>
+        <p:spPr/>
+        <p:txBody>
+          <a:bodyPr/>
+          <a:lstStyle/>
+          <a:p>
+            <a:r>
+              <a:rPr lang="de-DE" dirty="0"/>
+              <a:t>Bmp280</a:t>
+            </a:r>
+          </a:p>
+        </p:txBody>
+      </p:sp>
+      <p:sp>
+        <p:nvSpPr>
+          <p:cNvPr id="3" name="Textplatzhalter 2">
+            <a:extLst>
+              <a:ext uri="{FF2B5EF4-FFF2-40B4-BE49-F238E27FC236}">
+                <a16:creationId xmlns:a16="http://schemas.microsoft.com/office/drawing/2014/main" id="{DC496E0F-DEDB-4063-A7F0-9D5114B6563B}"/>
+              </a:ext>
+            </a:extLst>
+          </p:cNvPr>
+          <p:cNvSpPr>
+            <a:spLocks noGrp="1"/>
+          </p:cNvSpPr>
+          <p:nvPr>
+            <p:ph type="body" sz="quarter" idx="10"/>
+          </p:nvPr>
+        </p:nvSpPr>
+        <p:spPr>
+          <a:xfrm>
+            <a:off x="323528" y="980728"/>
+            <a:ext cx="8207375" cy="4608165"/>
+          </a:xfrm>
+        </p:spPr>
+        <p:txBody>
+          <a:bodyPr/>
+          <a:lstStyle/>
+          <a:p>
+            <a:r>
+              <a:rPr lang="de-DE" sz="1200" dirty="0"/>
               <a:t>http://192.168.0.62/config?thingname=bmp280demo</a:t>
             </a:r>
           </a:p>
           <a:p>
             <a:r>
               <a:rPr lang="de-DE" sz="1200" dirty="0"/>
-              <a:t>http://192.168.0.62/config?ssid=A1-B5035B</a:t>
-            </a:r>
-          </a:p>
-          <a:p>
-            <a:r>
-              <a:rPr lang="de-DE" sz="1200" dirty="0"/>
-              <a:t>http://192.168.0.62/config?password=52809766B6 </a:t>
+              <a:t>http://192.168.0.62/config?ssid=????????</a:t>
+            </a:r>
+          </a:p>
+          <a:p>
+            <a:r>
+              <a:rPr lang="de-DE" sz="1200" dirty="0"/>
+              <a:t>http://192.168.0.62/config?password=???????? </a:t>
             </a:r>
           </a:p>
           <a:p>
@@ -4619,13 +4829,13 @@
           <a:p>
             <a:r>
               <a:rPr lang="de-DE" sz="1200" dirty="0"/>
-              <a:t>http://192.168.0.62/config?mqttuser=gerald</a:t>
-            </a:r>
-          </a:p>
-          <a:p>
-            <a:r>
-              <a:rPr lang="de-DE" sz="1200" dirty="0"/>
-              <a:t>http://192.168.0.62/config?mqttpassword=mosquittoKla87Sie57</a:t>
+              <a:t>http://192.168.0.62/config?mqttuser=????????</a:t>
+            </a:r>
+          </a:p>
+          <a:p>
+            <a:r>
+              <a:rPr lang="de-DE" sz="1200" dirty="0"/>
+              <a:t>http://192.168.0.62/config?mqttpassword=????????</a:t>
             </a:r>
           </a:p>
           <a:p>
@@ -4724,7 +4934,7 @@
 </p:sld>
 </file>
 
-<file path=ppt/slides/slide21.xml><?xml version="1.0" encoding="utf-8"?>
+<file path=ppt/slides/slide22.xml><?xml version="1.0" encoding="utf-8"?>
 <p:sld xmlns:a="http://schemas.openxmlformats.org/drawingml/2006/main" xmlns:r="http://schemas.openxmlformats.org/officeDocument/2006/relationships" xmlns:p="http://schemas.openxmlformats.org/presentationml/2006/main">
   <p:cSld>
     <p:spTree>
@@ -4988,7 +5198,7 @@
 </p:sld>
 </file>
 
-<file path=ppt/slides/slide22.xml><?xml version="1.0" encoding="utf-8"?>
+<file path=ppt/slides/slide23.xml><?xml version="1.0" encoding="utf-8"?>
 <p:sld xmlns:a="http://schemas.openxmlformats.org/drawingml/2006/main" xmlns:r="http://schemas.openxmlformats.org/officeDocument/2006/relationships" xmlns:p="http://schemas.openxmlformats.org/presentationml/2006/main">
   <p:cSld>
     <p:spTree>
@@ -5119,7 +5329,7 @@
 </p:sld>
 </file>
 
-<file path=ppt/slides/slide23.xml><?xml version="1.0" encoding="utf-8"?>
+<file path=ppt/slides/slide24.xml><?xml version="1.0" encoding="utf-8"?>
 <p:sld xmlns:a="http://schemas.openxmlformats.org/drawingml/2006/main" xmlns:r="http://schemas.openxmlformats.org/officeDocument/2006/relationships" xmlns:p="http://schemas.openxmlformats.org/presentationml/2006/main">
   <p:cSld>
     <p:spTree>
@@ -5298,11 +5508,11 @@
               <a:rPr lang="de-DE" sz="2000" dirty="0">
                 <a:hlinkClick r:id="rId4"/>
               </a:rPr>
-              <a:t>http://192.168.10.1/config?ssid=A1-B5035B</a:t>
+              <a:t>http://192.168.10.1/config?ssid=</a:t>
             </a:r>
             <a:r>
               <a:rPr lang="de-DE" sz="2000" dirty="0"/>
-              <a:t> </a:t>
+              <a:t>???? </a:t>
             </a:r>
           </a:p>
           <a:p>
@@ -5310,11 +5520,11 @@
               <a:rPr lang="de-DE" sz="2000" dirty="0">
                 <a:hlinkClick r:id="rId5"/>
               </a:rPr>
-              <a:t>http://192.168.10.1/config?password=52809766B6</a:t>
+              <a:t>http://192.168.10.1/config?password=</a:t>
             </a:r>
             <a:r>
               <a:rPr lang="de-DE" sz="2000" dirty="0"/>
-              <a:t> </a:t>
+              <a:t>????? </a:t>
             </a:r>
           </a:p>
           <a:p>
@@ -5347,11 +5557,11 @@
               <a:rPr lang="de-DE" sz="2000" dirty="0">
                 <a:hlinkClick r:id="rId7"/>
               </a:rPr>
-              <a:t>http://192.168.10.1/config?mqttuser=gerald</a:t>
+              <a:t>http://192.168.10.1/config?mqttuser=</a:t>
             </a:r>
             <a:r>
               <a:rPr lang="de-DE" sz="2000" dirty="0"/>
-              <a:t> </a:t>
+              <a:t>????? </a:t>
             </a:r>
           </a:p>
           <a:p>
@@ -5364,11 +5574,11 @@
               <a:rPr lang="de-DE" sz="2000" dirty="0">
                 <a:hlinkClick r:id="rId8"/>
               </a:rPr>
-              <a:t>http://192.168.10.1/config?mqttpassword=mosquittoKla87Sie57</a:t>
+              <a:t>http://192.168.10.1/config?mqttpassword=</a:t>
             </a:r>
             <a:r>
               <a:rPr lang="de-DE" sz="2000" dirty="0"/>
-              <a:t> </a:t>
+              <a:t>????? </a:t>
             </a:r>
           </a:p>
           <a:p>
@@ -5494,13 +5704,13 @@
           <a:p>
             <a:r>
               <a:rPr lang="de-DE" sz="1600" dirty="0"/>
-              <a:t>http://192.168.10.1/config?ssid=A1-B5035B</a:t>
+              <a:t>http://192.168.10.1/config?ssid=???????</a:t>
             </a:r>
           </a:p>
           <a:p>
             <a:r>
               <a:rPr lang="de-DE" sz="1600" dirty="0"/>
-              <a:t>http://192.168.10.1/config?password=52809766B6 </a:t>
+              <a:t>http://192.168.10.1/config?password=??????? </a:t>
             </a:r>
           </a:p>
           <a:p>
@@ -5512,13 +5722,13 @@
           <a:p>
             <a:r>
               <a:rPr lang="de-DE" sz="1600" dirty="0"/>
-              <a:t>http://192.168.10.1/config?mqttuser=gerald</a:t>
+              <a:t>http://192.168.10.1/config?mqttuser=?????</a:t>
             </a:r>
           </a:p>
           <a:p>
             <a:r>
               <a:rPr lang="de-DE" sz="1600" dirty="0"/>
-              <a:t>http://192.168.10.1/config?mqttpassword=mosquittoKla87Sie57</a:t>
+              <a:t>http://192.168.10.1/config?mqttpassword=???????????</a:t>
             </a:r>
           </a:p>
         </p:txBody>
@@ -5598,75 +5808,262 @@
             <p:ph type="body" sz="quarter" idx="10"/>
           </p:nvPr>
         </p:nvSpPr>
-        <p:spPr/>
+        <p:spPr>
+          <a:xfrm>
+            <a:off x="397073" y="980728"/>
+            <a:ext cx="8207375" cy="4608165"/>
+          </a:xfrm>
+        </p:spPr>
         <p:txBody>
           <a:bodyPr/>
           <a:lstStyle/>
           <a:p>
             <a:r>
-              <a:rPr lang="de-DE" sz="1600" dirty="0"/>
-              <a:t>http://192.168.10.1/config </a:t>
-            </a:r>
-          </a:p>
-          <a:p>
-            <a:endParaRPr lang="de-DE" sz="1600" dirty="0"/>
-          </a:p>
-          <a:p>
-            <a:r>
-              <a:rPr lang="de-DE" sz="1600" dirty="0"/>
-              <a:t>http://192.168.10.1/config?thingname=sensorbox </a:t>
-            </a:r>
-          </a:p>
-          <a:p>
-            <a:r>
-              <a:rPr lang="de-DE" sz="1600" dirty="0"/>
-              <a:t>http://192.168.10.1/config?ssid=linksysAtHome </a:t>
-            </a:r>
-          </a:p>
-          <a:p>
-            <a:r>
-              <a:rPr lang="de-DE" sz="1600" dirty="0"/>
-              <a:t>http://192.168.10.1/config?password=YJXPF4WAC7 </a:t>
-            </a:r>
-          </a:p>
-          <a:p>
-            <a:endParaRPr lang="de-DE" sz="1600" dirty="0"/>
-          </a:p>
-          <a:p>
-            <a:r>
-              <a:rPr lang="de-DE" sz="1600" dirty="0"/>
-              <a:t>http://192.168.10.1/config?mqttbroker=mqtts://192.168.0.2 </a:t>
-            </a:r>
-          </a:p>
-          <a:p>
-            <a:r>
-              <a:rPr lang="de-DE" sz="1600" dirty="0"/>
-              <a:t>http://192.168.10.1/config?mqttuser=gerald </a:t>
-            </a:r>
-          </a:p>
-          <a:p>
-            <a:r>
-              <a:rPr lang="de-DE" sz="1600" dirty="0"/>
-              <a:t>http://192.168.10.1/config?mqttpassword=mosquittoKla87Sie57 </a:t>
-            </a:r>
-          </a:p>
-          <a:p>
-            <a:r>
-              <a:rPr lang="de-DE" sz="1600" dirty="0"/>
-              <a:t>http://192.168.10.1/config?mqttport=8883 </a:t>
-            </a:r>
-          </a:p>
-          <a:p>
-            <a:endParaRPr lang="de-DE" sz="1600" dirty="0"/>
-          </a:p>
-          <a:p>
-            <a:r>
-              <a:rPr lang="de-DE" sz="1600" dirty="0"/>
-              <a:t>http://192.168.10.1/config?loggerip=192.168.0.2 </a:t>
-            </a:r>
-          </a:p>
-          <a:p>
-            <a:endParaRPr lang="de-DE" sz="1600" dirty="0"/>
+              <a:rPr lang="de-DE" sz="600" dirty="0"/>
+              <a:t>http://192.168.0.63/config </a:t>
+            </a:r>
+          </a:p>
+          <a:p>
+            <a:endParaRPr lang="de-DE" sz="600" dirty="0"/>
+          </a:p>
+          <a:p>
+            <a:r>
+              <a:rPr lang="de-DE" sz="600" dirty="0"/>
+              <a:t>http://192.168.0.63/config?thingname=classroom </a:t>
+            </a:r>
+          </a:p>
+          <a:p>
+            <a:r>
+              <a:rPr lang="de-DE" sz="600" dirty="0"/>
+              <a:t>http://192.168.0.63/config?ssid=???? </a:t>
+            </a:r>
+          </a:p>
+          <a:p>
+            <a:r>
+              <a:rPr lang="de-DE" sz="600" dirty="0"/>
+              <a:t>http://192.168.0.63/config?password=??????? </a:t>
+            </a:r>
+          </a:p>
+          <a:p>
+            <a:r>
+              <a:rPr lang="de-DE" sz="600" dirty="0"/>
+              <a:t>http://192.168.0.63/config?ssid=????? </a:t>
+            </a:r>
+          </a:p>
+          <a:p>
+            <a:r>
+              <a:rPr lang="de-DE" sz="600" dirty="0"/>
+              <a:t>http://192.168.0.63/</a:t>
+            </a:r>
+            <a:r>
+              <a:rPr lang="de-DE" sz="600" dirty="0" err="1"/>
+              <a:t>config?password</a:t>
+            </a:r>
+            <a:r>
+              <a:rPr lang="de-DE" sz="600" dirty="0"/>
+              <a:t>=???????ß</a:t>
+            </a:r>
+          </a:p>
+          <a:p>
+            <a:r>
+              <a:rPr lang="de-DE" sz="600" dirty="0"/>
+              <a:t>http://192.168.0.63/restart </a:t>
+            </a:r>
+          </a:p>
+          <a:p>
+            <a:endParaRPr lang="de-DE" sz="600" dirty="0"/>
+          </a:p>
+          <a:p>
+            <a:r>
+              <a:rPr lang="de-DE" sz="600" dirty="0"/>
+              <a:t>http://192.168.0.63/config?mqttbroker=mqtts://leobw.synology.me </a:t>
+            </a:r>
+          </a:p>
+          <a:p>
+            <a:r>
+              <a:rPr lang="de-DE" sz="600" dirty="0"/>
+              <a:t>http://192.168.0.63/config?mqttuser=???????? </a:t>
+            </a:r>
+          </a:p>
+          <a:p>
+            <a:r>
+              <a:rPr lang="de-DE" sz="600" dirty="0"/>
+              <a:t>http://192.168.0.63/config?mqttpassword=???????????? </a:t>
+            </a:r>
+          </a:p>
+          <a:p>
+            <a:r>
+              <a:rPr lang="de-DE" sz="600" dirty="0"/>
+              <a:t>http://192.168.0.63/config?mqttport=8883 </a:t>
+            </a:r>
+          </a:p>
+          <a:p>
+            <a:r>
+              <a:rPr lang="de-DE" sz="600" dirty="0"/>
+              <a:t>http://192.168.0.63/config?ntpserver=pool.ntp.org</a:t>
+            </a:r>
+          </a:p>
+          <a:p>
+            <a:endParaRPr lang="de-DE" sz="600" dirty="0"/>
+          </a:p>
+          <a:p>
+            <a:r>
+              <a:rPr lang="de-DE" sz="600" dirty="0"/>
+              <a:t>http://192.168.0.63/config?co2yellow=700</a:t>
+            </a:r>
+          </a:p>
+          <a:p>
+            <a:r>
+              <a:rPr lang="de-DE" sz="600" dirty="0"/>
+              <a:t>http://192.168.0.63/config?co2red=1500</a:t>
+            </a:r>
+          </a:p>
+          <a:p>
+            <a:endParaRPr lang="de-DE" sz="600" dirty="0"/>
+          </a:p>
+          <a:p>
+            <a:r>
+              <a:rPr lang="de-DE" sz="600" dirty="0"/>
+              <a:t>http://192.168.0.63/config?co2yellow</a:t>
+            </a:r>
+          </a:p>
+          <a:p>
+            <a:r>
+              <a:rPr lang="de-DE" sz="600" dirty="0"/>
+              <a:t>http://192.168.0.63/config?co2red</a:t>
+            </a:r>
+          </a:p>
+          <a:p>
+            <a:endParaRPr lang="de-DE" sz="600" dirty="0"/>
+          </a:p>
+          <a:p>
+            <a:r>
+              <a:rPr lang="de-DE" sz="600" dirty="0"/>
+              <a:t>http://192.168.0.63/config?loggerip=192.168.0.2 </a:t>
+            </a:r>
+          </a:p>
+          <a:p>
+            <a:endParaRPr lang="de-DE" sz="600" dirty="0"/>
+          </a:p>
+          <a:p>
+            <a:r>
+              <a:rPr lang="de-DE" sz="600" dirty="0"/>
+              <a:t>http://192.168.0.63/sensor?co2</a:t>
+            </a:r>
+          </a:p>
+          <a:p>
+            <a:r>
+              <a:rPr lang="de-DE" sz="600" dirty="0"/>
+              <a:t>http://192.168.0.63/sensor?motion</a:t>
+            </a:r>
+          </a:p>
+          <a:p>
+            <a:r>
+              <a:rPr lang="de-DE" sz="600" dirty="0"/>
+              <a:t>http://192.168.0.63/sensor?temperature</a:t>
+            </a:r>
+          </a:p>
+          <a:p>
+            <a:r>
+              <a:rPr lang="de-DE" sz="600" dirty="0"/>
+              <a:t>http://192.168.0.63/sensor?humidity</a:t>
+            </a:r>
+          </a:p>
+          <a:p>
+            <a:r>
+              <a:rPr lang="de-DE" sz="600" dirty="0"/>
+              <a:t>http://192.168.0.63/sensor?pressure</a:t>
+            </a:r>
+          </a:p>
+          <a:p>
+            <a:r>
+              <a:rPr lang="de-DE" sz="600" dirty="0"/>
+              <a:t>http://192.168.0.63/sensor?noise</a:t>
+            </a:r>
+          </a:p>
+          <a:p>
+            <a:r>
+              <a:rPr lang="de-DE" sz="600" dirty="0"/>
+              <a:t>http://192.168.0.63/sensor?luminosity</a:t>
+            </a:r>
+          </a:p>
+          <a:p>
+            <a:endParaRPr lang="de-DE" sz="600" dirty="0"/>
+          </a:p>
+          <a:p>
+            <a:r>
+              <a:rPr lang="de-DE" sz="600" dirty="0"/>
+              <a:t>http://192.168.0.63/actor?trafficlight</a:t>
+            </a:r>
+          </a:p>
+          <a:p>
+            <a:r>
+              <a:rPr lang="de-DE" sz="600" dirty="0"/>
+              <a:t>http://192.168.0.63/actor?trafficlight=GREEN</a:t>
+            </a:r>
+          </a:p>
+          <a:p>
+            <a:r>
+              <a:rPr lang="de-DE" sz="600" dirty="0"/>
+              <a:t>http://192.168.0.63/actor?trafficlight=YELLOW</a:t>
+            </a:r>
+          </a:p>
+          <a:p>
+            <a:r>
+              <a:rPr lang="de-DE" sz="600" dirty="0"/>
+              <a:t>http://192.168.0.63/actor?trafficlight=ORANGE</a:t>
+            </a:r>
+          </a:p>
+          <a:p>
+            <a:r>
+              <a:rPr lang="de-DE" sz="600" dirty="0"/>
+              <a:t>http://192.168.0.63/actor?trafficlight=RED</a:t>
+            </a:r>
+          </a:p>
+          <a:p>
+            <a:r>
+              <a:rPr lang="de-DE" sz="600" dirty="0"/>
+              <a:t>http://192.168.0.63/actor?trafficlight=OFF</a:t>
+            </a:r>
+          </a:p>
+          <a:p>
+            <a:endParaRPr lang="de-DE" sz="600" dirty="0"/>
+          </a:p>
+          <a:p>
+            <a:r>
+              <a:rPr lang="de-DE" sz="600" dirty="0"/>
+              <a:t>http://192.168.0.63/actor?trafficlight=1</a:t>
+            </a:r>
+          </a:p>
+          <a:p>
+            <a:r>
+              <a:rPr lang="de-DE" sz="600" dirty="0"/>
+              <a:t>http://192.168.0.63/actor?trafficlight=2</a:t>
+            </a:r>
+          </a:p>
+          <a:p>
+            <a:r>
+              <a:rPr lang="de-DE" sz="600" dirty="0"/>
+              <a:t>http://192.168.0.63/actor?trafficlight=3</a:t>
+            </a:r>
+          </a:p>
+          <a:p>
+            <a:r>
+              <a:rPr lang="de-DE" sz="600" dirty="0"/>
+              <a:t>http://192.168.0.63/actor?trafficlight=4</a:t>
+            </a:r>
+          </a:p>
+          <a:p>
+            <a:r>
+              <a:rPr lang="de-DE" sz="600" dirty="0"/>
+              <a:t>http://192.168.0.63/actor?trafficlight=0</a:t>
+            </a:r>
+          </a:p>
+          <a:p>
+            <a:endParaRPr lang="de-DE" sz="600" dirty="0"/>
+          </a:p>
+          <a:p>
+            <a:endParaRPr lang="de-DE" sz="600" dirty="0"/>
           </a:p>
         </p:txBody>
       </p:sp>
@@ -5705,7 +6102,7 @@
           <p:cNvPr id="2" name="Titel 1">
             <a:extLst>
               <a:ext uri="{FF2B5EF4-FFF2-40B4-BE49-F238E27FC236}">
-                <a16:creationId xmlns:a16="http://schemas.microsoft.com/office/drawing/2014/main" id="{63EB5104-6D4F-4BD8-85CD-EB3E8036CBE8}"/>
+                <a16:creationId xmlns:a16="http://schemas.microsoft.com/office/drawing/2014/main" id="{729C0867-69A6-4BEF-A8A9-6CB18E611A51}"/>
               </a:ext>
             </a:extLst>
           </p:cNvPr>
@@ -5723,7 +6120,7 @@
           <a:p>
             <a:r>
               <a:rPr lang="de-DE" dirty="0"/>
-              <a:t>RgbLed_Dht22_Pir_Mhz</a:t>
+              <a:t>Co-Sensorbox</a:t>
             </a:r>
           </a:p>
         </p:txBody>
@@ -5733,7 +6130,7 @@
           <p:cNvPr id="3" name="Textplatzhalter 2">
             <a:extLst>
               <a:ext uri="{FF2B5EF4-FFF2-40B4-BE49-F238E27FC236}">
-                <a16:creationId xmlns:a16="http://schemas.microsoft.com/office/drawing/2014/main" id="{87AA78AF-1855-4EDA-A82A-99CA6571C224}"/>
+                <a16:creationId xmlns:a16="http://schemas.microsoft.com/office/drawing/2014/main" id="{110EB0BE-FCE0-47EB-81BA-EF892D93063A}"/>
               </a:ext>
             </a:extLst>
           </p:cNvPr>
@@ -5749,135 +6146,6 @@
           <a:bodyPr/>
           <a:lstStyle/>
           <a:p>
-            <a:r>
-              <a:rPr lang="de-DE" sz="1600" dirty="0">
-                <a:hlinkClick r:id="rId2"/>
-              </a:rPr>
-              <a:t>http://192.168.0.84/getconfig</a:t>
-            </a:r>
-            <a:endParaRPr lang="de-DE" sz="1600" dirty="0"/>
-          </a:p>
-          <a:p>
-            <a:endParaRPr lang="de-DE" sz="1600" dirty="0"/>
-          </a:p>
-          <a:p>
-            <a:r>
-              <a:rPr lang="de-DE" sz="1600" dirty="0">
-                <a:hlinkClick r:id="rId3"/>
-              </a:rPr>
-              <a:t>http://192.168.0.84/setconfig?mqttbroker=ssdpi&amp;mqttport=8883</a:t>
-            </a:r>
-            <a:endParaRPr lang="de-DE" sz="1600" dirty="0"/>
-          </a:p>
-          <a:p>
-            <a:r>
-              <a:rPr lang="de-DE" sz="1600" dirty="0">
-                <a:hlinkClick r:id="rId4"/>
-              </a:rPr>
-              <a:t>http://192.168.0.84/setconfig?mqttuser=openhabian&amp;mqttpassword=piKla87Sie57</a:t>
-            </a:r>
-            <a:r>
-              <a:rPr lang="de-DE" sz="1600" dirty="0"/>
-              <a:t> </a:t>
-            </a:r>
-          </a:p>
-          <a:p>
-            <a:r>
-              <a:rPr lang="de-DE" sz="1600" dirty="0">
-                <a:hlinkClick r:id="rId5"/>
-              </a:rPr>
-              <a:t>http://192.168.0.84/setconfig?loggerip=192.168.0.10</a:t>
-            </a:r>
-            <a:r>
-              <a:rPr lang="de-DE" sz="1600" dirty="0"/>
-              <a:t>   </a:t>
-            </a:r>
-          </a:p>
-          <a:p>
-            <a:r>
-              <a:rPr lang="de-DE" sz="1600" dirty="0">
-                <a:hlinkClick r:id="rId6"/>
-              </a:rPr>
-              <a:t>http://192.168.0.84/setconfig?thingname=esplivingroom</a:t>
-            </a:r>
-            <a:r>
-              <a:rPr lang="de-DE" sz="1600" dirty="0"/>
-              <a:t> </a:t>
-            </a:r>
-          </a:p>
-          <a:p>
-            <a:endParaRPr lang="de-DE" sz="1600" dirty="0"/>
-          </a:p>
-          <a:p>
-            <a:endParaRPr lang="de-DE" sz="1600" dirty="0"/>
-          </a:p>
-          <a:p>
-            <a:r>
-              <a:rPr lang="de-DE" sz="1600" dirty="0">
-                <a:hlinkClick r:id="rId7"/>
-              </a:rPr>
-              <a:t>http://192.168.0.84/setactor?rgbled=010</a:t>
-            </a:r>
-            <a:endParaRPr lang="de-DE" sz="1600" dirty="0"/>
-          </a:p>
-          <a:p>
-            <a:r>
-              <a:rPr lang="de-DE" sz="1600" dirty="0">
-                <a:hlinkClick r:id="rId8"/>
-              </a:rPr>
-              <a:t>http://192.168.0.84/getsensor?co2</a:t>
-            </a:r>
-            <a:endParaRPr lang="de-DE" sz="1600" dirty="0"/>
-          </a:p>
-          <a:p>
-            <a:r>
-              <a:rPr lang="de-DE" sz="1600" dirty="0">
-                <a:hlinkClick r:id="rId9"/>
-              </a:rPr>
-              <a:t>http://192.168.0.84/getsensor?temperature</a:t>
-            </a:r>
-            <a:endParaRPr lang="de-DE" sz="1600" dirty="0"/>
-          </a:p>
-          <a:p>
-            <a:r>
-              <a:rPr lang="de-DE" sz="1600" dirty="0">
-                <a:hlinkClick r:id="rId10"/>
-              </a:rPr>
-              <a:t>http://192.168.0.84/getsensor?humidity</a:t>
-            </a:r>
-            <a:endParaRPr lang="de-DE" sz="1600" dirty="0"/>
-          </a:p>
-          <a:p>
-            <a:r>
-              <a:rPr lang="de-DE" sz="1600" dirty="0">
-                <a:hlinkClick r:id="rId11"/>
-              </a:rPr>
-              <a:t>http://192.168.0.84/getsensor?pir</a:t>
-            </a:r>
-            <a:endParaRPr lang="de-DE" sz="1600" dirty="0"/>
-          </a:p>
-          <a:p>
-            <a:endParaRPr lang="de-DE" sz="1600" dirty="0"/>
-          </a:p>
-          <a:p>
-            <a:endParaRPr lang="de-DE" sz="1600" dirty="0"/>
-          </a:p>
-          <a:p>
-            <a:endParaRPr lang="de-DE" sz="1600" dirty="0"/>
-          </a:p>
-          <a:p>
-            <a:endParaRPr lang="de-DE" sz="1600" dirty="0"/>
-          </a:p>
-          <a:p>
-            <a:pPr marL="0" indent="0">
-              <a:buNone/>
-            </a:pPr>
-            <a:endParaRPr lang="de-DE" sz="1600" dirty="0"/>
-          </a:p>
-          <a:p>
-            <a:endParaRPr lang="de-DE" sz="1600" dirty="0"/>
-          </a:p>
-          <a:p>
             <a:endParaRPr lang="de-DE" sz="1600" dirty="0"/>
           </a:p>
         </p:txBody>
@@ -5885,7 +6153,7 @@
     </p:spTree>
     <p:extLst>
       <p:ext uri="{BB962C8B-B14F-4D97-AF65-F5344CB8AC3E}">
-        <p14:creationId xmlns:p14="http://schemas.microsoft.com/office/powerpoint/2010/main" val="2364123978"/>
+        <p14:creationId xmlns:p14="http://schemas.microsoft.com/office/powerpoint/2010/main" val="2978694690"/>
       </p:ext>
     </p:extLst>
   </p:cSld>
@@ -5917,7 +6185,7 @@
           <p:cNvPr id="2" name="Titel 1">
             <a:extLst>
               <a:ext uri="{FF2B5EF4-FFF2-40B4-BE49-F238E27FC236}">
-                <a16:creationId xmlns:a16="http://schemas.microsoft.com/office/drawing/2014/main" id="{17296256-048F-4D15-9FF7-37241709E82B}"/>
+                <a16:creationId xmlns:a16="http://schemas.microsoft.com/office/drawing/2014/main" id="{63EB5104-6D4F-4BD8-85CD-EB3E8036CBE8}"/>
               </a:ext>
             </a:extLst>
           </p:cNvPr>
@@ -5934,10 +6202,9 @@
           <a:lstStyle/>
           <a:p>
             <a:r>
-              <a:rPr lang="de-DE" dirty="0" err="1"/>
-              <a:t>Gardenhouse</a:t>
-            </a:r>
-            <a:endParaRPr lang="de-DE" dirty="0"/>
+              <a:rPr lang="de-DE" dirty="0"/>
+              <a:t>RgbLed_Dht22_Pir_Mhz</a:t>
+            </a:r>
           </a:p>
         </p:txBody>
       </p:sp>
@@ -5946,7 +6213,7 @@
           <p:cNvPr id="3" name="Textplatzhalter 2">
             <a:extLst>
               <a:ext uri="{FF2B5EF4-FFF2-40B4-BE49-F238E27FC236}">
-                <a16:creationId xmlns:a16="http://schemas.microsoft.com/office/drawing/2014/main" id="{AE9CEDFF-D8DF-414B-82EC-65DA6495BFAA}"/>
+                <a16:creationId xmlns:a16="http://schemas.microsoft.com/office/drawing/2014/main" id="{87AA78AF-1855-4EDA-A82A-99CA6571C224}"/>
               </a:ext>
             </a:extLst>
           </p:cNvPr>
@@ -5957,212 +6224,148 @@
             <p:ph type="body" sz="quarter" idx="10"/>
           </p:nvPr>
         </p:nvSpPr>
-        <p:spPr>
-          <a:xfrm>
-            <a:off x="468313" y="1052736"/>
-            <a:ext cx="8207375" cy="4608165"/>
-          </a:xfrm>
-        </p:spPr>
+        <p:spPr/>
         <p:txBody>
           <a:bodyPr/>
           <a:lstStyle/>
           <a:p>
-            <a:pPr marL="0" lvl="1" indent="0">
-              <a:buSzPct val="80000"/>
-              <a:buNone/>
-            </a:pPr>
-            <a:r>
-              <a:rPr lang="de-DE" sz="1400" dirty="0"/>
-              <a:t>http://192.168.0.50/config?thingname=gardenhouse</a:t>
-            </a:r>
-          </a:p>
-          <a:p>
-            <a:pPr marL="0" lvl="1" indent="0">
-              <a:buSzPct val="80000"/>
-              <a:buNone/>
-            </a:pPr>
-            <a:r>
-              <a:rPr lang="de-DE" sz="1400" dirty="0"/>
-              <a:t>http://192.168.0.50/config?ssid=A1-B5035B</a:t>
-            </a:r>
-          </a:p>
-          <a:p>
-            <a:pPr marL="0" lvl="1" indent="0">
-              <a:buSzPct val="80000"/>
-              <a:buNone/>
-            </a:pPr>
-            <a:r>
-              <a:rPr lang="de-DE" sz="1400" dirty="0"/>
-              <a:t>http://192.168.0.50/config?password=52809766B6 </a:t>
-            </a:r>
-          </a:p>
-          <a:p>
-            <a:pPr marL="0" lvl="1" indent="0">
-              <a:buSzPct val="80000"/>
-              <a:buNone/>
-            </a:pPr>
-            <a:r>
-              <a:rPr lang="de-DE" sz="1400" dirty="0"/>
-              <a:t>http://192.168.0.50/config?mqttbroker=192.168.0.2</a:t>
-            </a:r>
-          </a:p>
-          <a:p>
-            <a:pPr marL="0" lvl="1" indent="0">
-              <a:buSzPct val="80000"/>
-              <a:buNone/>
-            </a:pPr>
-            <a:r>
-              <a:rPr lang="de-DE" sz="1400" dirty="0"/>
-              <a:t>http://192.168.0.50/config?mqttuser=gerald</a:t>
-            </a:r>
-          </a:p>
-          <a:p>
-            <a:pPr marL="0" lvl="1" indent="0">
-              <a:buSzPct val="80000"/>
-              <a:buNone/>
-            </a:pPr>
-            <a:r>
-              <a:rPr lang="de-DE" sz="1400" dirty="0"/>
-              <a:t>http://192.168.0.50/config?mqttpassword=mosquittoKla87Sie57</a:t>
-            </a:r>
-          </a:p>
-          <a:p>
-            <a:pPr marL="0" lvl="1" indent="0">
-              <a:buSzPct val="80000"/>
-              <a:buNone/>
-            </a:pPr>
-            <a:r>
-              <a:rPr lang="de-DE" sz="1400" dirty="0"/>
-              <a:t>http://192.168.0.50/config?mqttport=1883</a:t>
-            </a:r>
-          </a:p>
-          <a:p>
-            <a:pPr marL="0" lvl="1" indent="0">
-              <a:buSzPct val="80000"/>
-              <a:buNone/>
-            </a:pPr>
-            <a:endParaRPr lang="de-DE" sz="1400" dirty="0"/>
-          </a:p>
-          <a:p>
-            <a:pPr marL="0" lvl="1" indent="0">
-              <a:buSzPct val="80000"/>
-              <a:buNone/>
-            </a:pPr>
-            <a:r>
-              <a:rPr lang="de-DE" sz="1400" dirty="0"/>
-              <a:t>http://192.168.0.50/config</a:t>
-            </a:r>
-          </a:p>
-          <a:p>
-            <a:pPr marL="0" lvl="1" indent="0">
-              <a:buSzPct val="80000"/>
-              <a:buNone/>
-            </a:pPr>
-            <a:endParaRPr lang="de-DE" sz="1400" dirty="0"/>
-          </a:p>
-          <a:p>
-            <a:pPr marL="0" lvl="1" indent="0">
-              <a:buSzPct val="80000"/>
-              <a:buNone/>
-            </a:pPr>
-            <a:r>
-              <a:rPr lang="de-DE" sz="1400" dirty="0"/>
-              <a:t>http://192.168.0.50/config?ssid  </a:t>
-            </a:r>
-          </a:p>
-          <a:p>
-            <a:pPr marL="0" lvl="1" indent="0">
-              <a:buSzPct val="80000"/>
-              <a:buNone/>
-            </a:pPr>
-            <a:r>
-              <a:rPr lang="de-DE" sz="1400" dirty="0"/>
-              <a:t>http://192.168.0.50/config?password </a:t>
-            </a:r>
-          </a:p>
-          <a:p>
-            <a:pPr marL="0" lvl="1" indent="0">
-              <a:buSzPct val="80000"/>
-              <a:buNone/>
-            </a:pPr>
-            <a:r>
-              <a:rPr lang="de-DE" sz="1400" dirty="0"/>
-              <a:t>http://192.168.0.50/config?mqttbroker </a:t>
-            </a:r>
-          </a:p>
-          <a:p>
-            <a:pPr marL="0" lvl="1" indent="0">
-              <a:buSzPct val="80000"/>
-              <a:buNone/>
-            </a:pPr>
-            <a:r>
-              <a:rPr lang="de-DE" sz="1400" dirty="0"/>
-              <a:t>http://192.168.0.50/config?mqttuser</a:t>
-            </a:r>
-          </a:p>
-          <a:p>
-            <a:pPr marL="0" lvl="1" indent="0">
-              <a:buSzPct val="80000"/>
-              <a:buNone/>
-            </a:pPr>
-            <a:r>
-              <a:rPr lang="de-DE" sz="1400" dirty="0"/>
-              <a:t>http://192.168.0.50/config?mqttpassword</a:t>
-            </a:r>
-          </a:p>
-          <a:p>
-            <a:pPr marL="0" lvl="1" indent="0">
-              <a:buSzPct val="80000"/>
-              <a:buNone/>
-            </a:pPr>
-            <a:endParaRPr lang="de-DE" sz="1400" dirty="0"/>
-          </a:p>
-          <a:p>
-            <a:pPr marL="0" lvl="1" indent="0">
-              <a:buSzPct val="80000"/>
-              <a:buNone/>
-            </a:pPr>
-            <a:r>
-              <a:rPr lang="de-DE" sz="1400" dirty="0"/>
-              <a:t>http://192.168.0.50/sensor?waterlevel</a:t>
-            </a:r>
-          </a:p>
-          <a:p>
-            <a:pPr marL="0" lvl="1" indent="0">
-              <a:buSzPct val="80000"/>
-              <a:buNone/>
-            </a:pPr>
-            <a:r>
-              <a:rPr lang="de-DE" sz="1400" dirty="0"/>
-              <a:t>http://192.168.0.50/actor?powerpump</a:t>
-            </a:r>
-          </a:p>
-          <a:p>
-            <a:pPr marL="0" lvl="1" indent="0">
-              <a:buSzPct val="80000"/>
-              <a:buNone/>
-            </a:pPr>
-            <a:r>
-              <a:rPr lang="de-DE" sz="1400" dirty="0"/>
-              <a:t>http://192.168.0.50/actor?powermiddle</a:t>
-            </a:r>
-          </a:p>
-          <a:p>
-            <a:pPr marL="0" lvl="1" indent="0">
-              <a:buSzPct val="80000"/>
-              <a:buNone/>
-            </a:pPr>
-            <a:r>
-              <a:rPr lang="de-DE" sz="1400" dirty="0"/>
-              <a:t>http://192.168.0.50/actor?powerright</a:t>
-            </a:r>
+            <a:r>
+              <a:rPr lang="de-DE" sz="1600" dirty="0">
+                <a:hlinkClick r:id="rId2"/>
+              </a:rPr>
+              <a:t>http://192.168.0.84/getconfig</a:t>
+            </a:r>
+            <a:endParaRPr lang="de-DE" sz="1600" dirty="0"/>
+          </a:p>
+          <a:p>
+            <a:endParaRPr lang="de-DE" sz="1600" dirty="0"/>
+          </a:p>
+          <a:p>
+            <a:r>
+              <a:rPr lang="de-DE" sz="1600" dirty="0">
+                <a:hlinkClick r:id="rId3"/>
+              </a:rPr>
+              <a:t>http://192.168.0.84/setconfig?mqttbroker=ssdpi&amp;mqttport=8883</a:t>
+            </a:r>
+            <a:endParaRPr lang="de-DE" sz="1600" dirty="0"/>
+          </a:p>
+          <a:p>
+            <a:r>
+              <a:rPr lang="de-DE" sz="1600" dirty="0">
+                <a:hlinkClick r:id="rId4"/>
+              </a:rPr>
+              <a:t>http://192.168.0.84/setconfig?mqttuser=openhabian&amp;mqttpassword=piKla87Sie57</a:t>
+            </a:r>
+            <a:r>
+              <a:rPr lang="de-DE" sz="1600" dirty="0"/>
+              <a:t> </a:t>
+            </a:r>
+          </a:p>
+          <a:p>
+            <a:r>
+              <a:rPr lang="de-DE" sz="1600" dirty="0">
+                <a:hlinkClick r:id="rId5"/>
+              </a:rPr>
+              <a:t>http://192.168.0.84/setconfig?loggerip=192.168.0.10</a:t>
+            </a:r>
+            <a:r>
+              <a:rPr lang="de-DE" sz="1600" dirty="0"/>
+              <a:t>   </a:t>
+            </a:r>
+          </a:p>
+          <a:p>
+            <a:r>
+              <a:rPr lang="de-DE" sz="1600" dirty="0">
+                <a:hlinkClick r:id="rId6"/>
+              </a:rPr>
+              <a:t>http://192.168.0.84/setconfig?thingname=esplivingroom</a:t>
+            </a:r>
+            <a:r>
+              <a:rPr lang="de-DE" sz="1600" dirty="0"/>
+              <a:t> </a:t>
+            </a:r>
+          </a:p>
+          <a:p>
+            <a:endParaRPr lang="de-DE" sz="1600" dirty="0"/>
+          </a:p>
+          <a:p>
+            <a:endParaRPr lang="de-DE" sz="1600" dirty="0"/>
+          </a:p>
+          <a:p>
+            <a:r>
+              <a:rPr lang="de-DE" sz="1600" dirty="0">
+                <a:hlinkClick r:id="rId7"/>
+              </a:rPr>
+              <a:t>http://192.168.0.84/setactor?rgbled=010</a:t>
+            </a:r>
+            <a:endParaRPr lang="de-DE" sz="1600" dirty="0"/>
+          </a:p>
+          <a:p>
+            <a:r>
+              <a:rPr lang="de-DE" sz="1600" dirty="0">
+                <a:hlinkClick r:id="rId8"/>
+              </a:rPr>
+              <a:t>http://192.168.0.84/getsensor?co2</a:t>
+            </a:r>
+            <a:endParaRPr lang="de-DE" sz="1600" dirty="0"/>
+          </a:p>
+          <a:p>
+            <a:r>
+              <a:rPr lang="de-DE" sz="1600" dirty="0">
+                <a:hlinkClick r:id="rId9"/>
+              </a:rPr>
+              <a:t>http://192.168.0.84/getsensor?temperature</a:t>
+            </a:r>
+            <a:endParaRPr lang="de-DE" sz="1600" dirty="0"/>
+          </a:p>
+          <a:p>
+            <a:r>
+              <a:rPr lang="de-DE" sz="1600" dirty="0">
+                <a:hlinkClick r:id="rId10"/>
+              </a:rPr>
+              <a:t>http://192.168.0.84/getsensor?humidity</a:t>
+            </a:r>
+            <a:endParaRPr lang="de-DE" sz="1600" dirty="0"/>
+          </a:p>
+          <a:p>
+            <a:r>
+              <a:rPr lang="de-DE" sz="1600" dirty="0">
+                <a:hlinkClick r:id="rId11"/>
+              </a:rPr>
+              <a:t>http://192.168.0.84/getsensor?pir</a:t>
+            </a:r>
+            <a:endParaRPr lang="de-DE" sz="1600" dirty="0"/>
+          </a:p>
+          <a:p>
+            <a:endParaRPr lang="de-DE" sz="1600" dirty="0"/>
+          </a:p>
+          <a:p>
+            <a:endParaRPr lang="de-DE" sz="1600" dirty="0"/>
+          </a:p>
+          <a:p>
+            <a:endParaRPr lang="de-DE" sz="1600" dirty="0"/>
+          </a:p>
+          <a:p>
+            <a:endParaRPr lang="de-DE" sz="1600" dirty="0"/>
+          </a:p>
+          <a:p>
+            <a:pPr marL="0" indent="0">
+              <a:buNone/>
+            </a:pPr>
+            <a:endParaRPr lang="de-DE" sz="1600" dirty="0"/>
+          </a:p>
+          <a:p>
+            <a:endParaRPr lang="de-DE" sz="1600" dirty="0"/>
+          </a:p>
+          <a:p>
+            <a:endParaRPr lang="de-DE" sz="1600" dirty="0"/>
           </a:p>
         </p:txBody>
       </p:sp>
     </p:spTree>
     <p:extLst>
       <p:ext uri="{BB962C8B-B14F-4D97-AF65-F5344CB8AC3E}">
-        <p14:creationId xmlns:p14="http://schemas.microsoft.com/office/powerpoint/2010/main" val="64974923"/>
+        <p14:creationId xmlns:p14="http://schemas.microsoft.com/office/powerpoint/2010/main" val="2364123978"/>
       </p:ext>
     </p:extLst>
   </p:cSld>
@@ -6211,9 +6414,10 @@
           <a:lstStyle/>
           <a:p>
             <a:r>
-              <a:rPr lang="de-DE" dirty="0"/>
-              <a:t>PH-Sensor</a:t>
-            </a:r>
+              <a:rPr lang="de-DE" dirty="0" err="1"/>
+              <a:t>Gardenhouse</a:t>
+            </a:r>
+            <a:endParaRPr lang="de-DE" dirty="0"/>
           </a:p>
         </p:txBody>
       </p:sp>
@@ -6249,7 +6453,7 @@
             </a:pPr>
             <a:r>
               <a:rPr lang="de-DE" sz="1400" dirty="0"/>
-              <a:t>http://192.168.0.69/config?thingname=phdemo</a:t>
+              <a:t>http://192.168.0.50/config?thingname=gardenhouse</a:t>
             </a:r>
           </a:p>
           <a:p>
@@ -6259,7 +6463,7 @@
             </a:pPr>
             <a:r>
               <a:rPr lang="de-DE" sz="1400" dirty="0"/>
-              <a:t>http://192.168.0.69/config?ssid=A1-B5035B</a:t>
+              <a:t>http://192.168.0.50/config?ssid=?????</a:t>
             </a:r>
           </a:p>
           <a:p>
@@ -6269,7 +6473,7 @@
             </a:pPr>
             <a:r>
               <a:rPr lang="de-DE" sz="1400" dirty="0"/>
-              <a:t>http://192.168.0.69/config?password=52809766B6 </a:t>
+              <a:t>http://192.168.0.50/config?password=???????? </a:t>
             </a:r>
           </a:p>
           <a:p>
@@ -6279,7 +6483,7 @@
             </a:pPr>
             <a:r>
               <a:rPr lang="de-DE" sz="1400" dirty="0"/>
-              <a:t>http://192.168.0.69/config?mqttbroker=192.168.0.2</a:t>
+              <a:t>http://192.168.0.50/config?mqttbroker=192.168.0.2</a:t>
             </a:r>
           </a:p>
           <a:p>
@@ -6289,7 +6493,7 @@
             </a:pPr>
             <a:r>
               <a:rPr lang="de-DE" sz="1400" dirty="0"/>
-              <a:t>http://192.168.0.69/config?mqttuser=gerald</a:t>
+              <a:t>http://192.168.0.50/config?mqttuser=????????</a:t>
             </a:r>
           </a:p>
           <a:p>
@@ -6299,7 +6503,7 @@
             </a:pPr>
             <a:r>
               <a:rPr lang="de-DE" sz="1400" dirty="0"/>
-              <a:t>http://192.168.0.69/config?mqttpassword=mosquittoKla87Sie57</a:t>
+              <a:t>http://192.168.0.50/config?mqttpassword=????????</a:t>
             </a:r>
           </a:p>
           <a:p>
@@ -6309,7 +6513,7 @@
             </a:pPr>
             <a:r>
               <a:rPr lang="de-DE" sz="1400" dirty="0"/>
-              <a:t>http://192.168.0.69/config?mqttport=1883</a:t>
+              <a:t>http://192.168.0.50/config?mqttport=1883</a:t>
             </a:r>
           </a:p>
           <a:p>
@@ -6326,7 +6530,7 @@
             </a:pPr>
             <a:r>
               <a:rPr lang="de-DE" sz="1400" dirty="0"/>
-              <a:t>http://192.168.0.69/config</a:t>
+              <a:t>http://192.168.0.50/config</a:t>
             </a:r>
           </a:p>
           <a:p>
@@ -6343,7 +6547,7 @@
             </a:pPr>
             <a:r>
               <a:rPr lang="de-DE" sz="1400" dirty="0"/>
-              <a:t>http://192.168.0.69/config?ssid  </a:t>
+              <a:t>http://192.168.0.50/config?ssid  </a:t>
             </a:r>
           </a:p>
           <a:p>
@@ -6353,7 +6557,7 @@
             </a:pPr>
             <a:r>
               <a:rPr lang="de-DE" sz="1400" dirty="0"/>
-              <a:t>http://192.168.0.69/config?password </a:t>
+              <a:t>http://192.168.0.50/config?password </a:t>
             </a:r>
           </a:p>
           <a:p>
@@ -6363,7 +6567,7 @@
             </a:pPr>
             <a:r>
               <a:rPr lang="de-DE" sz="1400" dirty="0"/>
-              <a:t>http://192.168.0.69/config?mqttbroker </a:t>
+              <a:t>http://192.168.0.50/config?mqttbroker </a:t>
             </a:r>
           </a:p>
           <a:p>
@@ -6373,7 +6577,7 @@
             </a:pPr>
             <a:r>
               <a:rPr lang="de-DE" sz="1400" dirty="0"/>
-              <a:t>http://192.168.0.69/config?mqttuser</a:t>
+              <a:t>http://192.168.0.50/config?mqttuser</a:t>
             </a:r>
           </a:p>
           <a:p>
@@ -6383,7 +6587,7 @@
             </a:pPr>
             <a:r>
               <a:rPr lang="de-DE" sz="1400" dirty="0"/>
-              <a:t>http://192.168.0.69/config?mqttpassword</a:t>
+              <a:t>http://192.168.0.50/config?mqttpassword</a:t>
             </a:r>
           </a:p>
           <a:p>
@@ -6400,7 +6604,37 @@
             </a:pPr>
             <a:r>
               <a:rPr lang="de-DE" sz="1400" dirty="0"/>
-              <a:t>http://192.168.0.69/sensor?ph</a:t>
+              <a:t>http://192.168.0.50/sensor?waterlevel</a:t>
+            </a:r>
+          </a:p>
+          <a:p>
+            <a:pPr marL="0" lvl="1" indent="0">
+              <a:buSzPct val="80000"/>
+              <a:buNone/>
+            </a:pPr>
+            <a:r>
+              <a:rPr lang="de-DE" sz="1400" dirty="0"/>
+              <a:t>http://192.168.0.50/actor?powerpump</a:t>
+            </a:r>
+          </a:p>
+          <a:p>
+            <a:pPr marL="0" lvl="1" indent="0">
+              <a:buSzPct val="80000"/>
+              <a:buNone/>
+            </a:pPr>
+            <a:r>
+              <a:rPr lang="de-DE" sz="1400" dirty="0"/>
+              <a:t>http://192.168.0.50/actor?powermiddle</a:t>
+            </a:r>
+          </a:p>
+          <a:p>
+            <a:pPr marL="0" lvl="1" indent="0">
+              <a:buSzPct val="80000"/>
+              <a:buNone/>
+            </a:pPr>
+            <a:r>
+              <a:rPr lang="de-DE" sz="1400" dirty="0"/>
+              <a:t>http://192.168.0.50/actor?powerright</a:t>
             </a:r>
           </a:p>
         </p:txBody>
@@ -6408,7 +6642,7 @@
     </p:spTree>
     <p:extLst>
       <p:ext uri="{BB962C8B-B14F-4D97-AF65-F5344CB8AC3E}">
-        <p14:creationId xmlns:p14="http://schemas.microsoft.com/office/powerpoint/2010/main" val="1460199035"/>
+        <p14:creationId xmlns:p14="http://schemas.microsoft.com/office/powerpoint/2010/main" val="64974923"/>
       </p:ext>
     </p:extLst>
   </p:cSld>
@@ -6457,10 +6691,9 @@
           <a:lstStyle/>
           <a:p>
             <a:r>
-              <a:rPr lang="de-DE" dirty="0" err="1"/>
-              <a:t>Cistern</a:t>
-            </a:r>
-            <a:endParaRPr lang="de-DE" dirty="0"/>
+              <a:rPr lang="de-DE" dirty="0"/>
+              <a:t>PH-Sensor</a:t>
+            </a:r>
           </a:p>
         </p:txBody>
       </p:sp>
@@ -6490,135 +6723,172 @@
           <a:bodyPr/>
           <a:lstStyle/>
           <a:p>
-            <a:r>
-              <a:rPr lang="de-DE" sz="1200" dirty="0"/>
-              <a:t>http://192.168.0.63/config?thingname=cistern</a:t>
-            </a:r>
-          </a:p>
-          <a:p>
-            <a:r>
-              <a:rPr lang="de-DE" sz="1200" dirty="0"/>
-              <a:t>http://192.168.0.63/config?ssid=A1-B5035B</a:t>
-            </a:r>
-          </a:p>
-          <a:p>
-            <a:r>
-              <a:rPr lang="de-DE" sz="1200" dirty="0"/>
-              <a:t>http://192.168.0.63/config?password=52809766B6 </a:t>
-            </a:r>
-          </a:p>
-          <a:p>
-            <a:r>
-              <a:rPr lang="de-DE" sz="1200" dirty="0"/>
-              <a:t>http://192.168.0.63/config?mqttbroker=192.168.0.2</a:t>
-            </a:r>
-          </a:p>
-          <a:p>
-            <a:r>
-              <a:rPr lang="de-DE" sz="1200" dirty="0"/>
-              <a:t>http://192.168.0.63/config?mqttuser=gerald</a:t>
-            </a:r>
-          </a:p>
-          <a:p>
-            <a:r>
-              <a:rPr lang="de-DE" sz="1200" dirty="0"/>
-              <a:t>http://192.168.0.63/config?mqttpassword=mosquittoKla87Sie57</a:t>
-            </a:r>
-          </a:p>
-          <a:p>
-            <a:r>
-              <a:rPr lang="de-DE" sz="1200" dirty="0"/>
-              <a:t>http://192.168.0.63/config?mqttport=1883</a:t>
-            </a:r>
-          </a:p>
-          <a:p>
-            <a:endParaRPr lang="de-DE" sz="1200" dirty="0"/>
-          </a:p>
-          <a:p>
-            <a:r>
-              <a:rPr lang="de-DE" sz="1200" dirty="0"/>
-              <a:t>http://192.168.0.63/config</a:t>
-            </a:r>
-          </a:p>
-          <a:p>
-            <a:endParaRPr lang="de-DE" sz="1200" dirty="0"/>
-          </a:p>
-          <a:p>
-            <a:r>
-              <a:rPr lang="de-DE" sz="1200" dirty="0"/>
-              <a:t>http://192.168.0.63/sensor</a:t>
-            </a:r>
-          </a:p>
-          <a:p>
-            <a:r>
-              <a:rPr lang="de-DE" sz="1200" dirty="0"/>
-              <a:t>http://192.168.0.63/actor  </a:t>
-            </a:r>
-          </a:p>
-          <a:p>
-            <a:endParaRPr lang="de-DE" sz="1200" dirty="0"/>
-          </a:p>
-          <a:p>
-            <a:r>
-              <a:rPr lang="de-DE" sz="1200" dirty="0"/>
-              <a:t>http://192.168.0.63/sensor?weight  </a:t>
-            </a:r>
-          </a:p>
-          <a:p>
-            <a:r>
-              <a:rPr lang="de-DE" sz="1200" dirty="0"/>
-              <a:t>http://192.168.0.63/sensor?power</a:t>
-            </a:r>
-          </a:p>
-          <a:p>
-            <a:endParaRPr lang="de-DE" sz="1200" dirty="0"/>
-          </a:p>
-          <a:p>
-            <a:r>
-              <a:rPr lang="de-DE" sz="1200" dirty="0"/>
-              <a:t>http://192.168.0.63/actor?powerpump</a:t>
-            </a:r>
-          </a:p>
-          <a:p>
-            <a:r>
-              <a:rPr lang="de-DE" sz="1200" dirty="0"/>
-              <a:t>http://192.168.0.63/actor?powerpump=ON</a:t>
-            </a:r>
-          </a:p>
-          <a:p>
-            <a:r>
-              <a:rPr lang="de-DE" sz="1200" dirty="0"/>
-              <a:t>http://192.168.0.63/actor?powerpump=OFF</a:t>
-            </a:r>
-          </a:p>
-          <a:p>
-            <a:endParaRPr lang="de-DE" sz="1200" dirty="0"/>
-          </a:p>
-          <a:p>
-            <a:r>
-              <a:rPr lang="de-DE" sz="1200" dirty="0"/>
-              <a:t>http://192.168.0.63/actor?powervalve</a:t>
-            </a:r>
-          </a:p>
-          <a:p>
-            <a:r>
-              <a:rPr lang="de-DE" sz="1200" dirty="0"/>
-              <a:t>http://192.168.0.63/actor?powervalve=ON</a:t>
-            </a:r>
-          </a:p>
-          <a:p>
-            <a:r>
-              <a:rPr lang="de-DE" sz="1200" dirty="0"/>
-              <a:t>http://192.168.0.63/actor?powervalve=OFF</a:t>
-            </a:r>
+            <a:pPr marL="0" lvl="1" indent="0">
+              <a:buSzPct val="80000"/>
+              <a:buNone/>
+            </a:pPr>
+            <a:r>
+              <a:rPr lang="de-DE" sz="1400" dirty="0"/>
+              <a:t>http://192.168.0.69/config?thingname=phdemo</a:t>
+            </a:r>
+          </a:p>
+          <a:p>
+            <a:pPr marL="0" lvl="1" indent="0">
+              <a:buSzPct val="80000"/>
+              <a:buNone/>
+            </a:pPr>
+            <a:r>
+              <a:rPr lang="de-DE" sz="1400" dirty="0"/>
+              <a:t>http://192.168.0.69/config?ssid=????????</a:t>
+            </a:r>
+          </a:p>
+          <a:p>
+            <a:pPr marL="0" lvl="1" indent="0">
+              <a:buSzPct val="80000"/>
+              <a:buNone/>
+            </a:pPr>
+            <a:r>
+              <a:rPr lang="de-DE" sz="1400" dirty="0"/>
+              <a:t>http://192.168.0.69/config?password=???????? </a:t>
+            </a:r>
+          </a:p>
+          <a:p>
+            <a:pPr marL="0" lvl="1" indent="0">
+              <a:buSzPct val="80000"/>
+              <a:buNone/>
+            </a:pPr>
+            <a:r>
+              <a:rPr lang="de-DE" sz="1400" dirty="0"/>
+              <a:t>http://192.168.0.69/config?mqttbroker=192.168.0.2</a:t>
+            </a:r>
+          </a:p>
+          <a:p>
+            <a:pPr marL="0" lvl="1" indent="0">
+              <a:buSzPct val="80000"/>
+              <a:buNone/>
+            </a:pPr>
+            <a:r>
+              <a:rPr lang="de-DE" sz="1400" dirty="0"/>
+              <a:t>http://192.168.0.69/config?mqttuser=????????</a:t>
+            </a:r>
+          </a:p>
+          <a:p>
+            <a:pPr marL="0" lvl="1" indent="0">
+              <a:buSzPct val="80000"/>
+              <a:buNone/>
+            </a:pPr>
+            <a:r>
+              <a:rPr lang="de-DE" sz="1400" dirty="0"/>
+              <a:t>http://192.168.0.69/config?mqttpassword=????????</a:t>
+            </a:r>
+          </a:p>
+          <a:p>
+            <a:pPr marL="0" lvl="1" indent="0">
+              <a:buSzPct val="80000"/>
+              <a:buNone/>
+            </a:pPr>
+            <a:r>
+              <a:rPr lang="de-DE" sz="1400" dirty="0"/>
+              <a:t>http://192.168.0.69/config?mqttport=1883</a:t>
+            </a:r>
+          </a:p>
+          <a:p>
+            <a:pPr marL="0" lvl="1" indent="0">
+              <a:buSzPct val="80000"/>
+              <a:buNone/>
+            </a:pPr>
             <a:endParaRPr lang="de-DE" sz="1400" dirty="0"/>
+          </a:p>
+          <a:p>
+            <a:pPr marL="0" lvl="1" indent="0">
+              <a:buSzPct val="80000"/>
+              <a:buNone/>
+            </a:pPr>
+            <a:r>
+              <a:rPr lang="de-DE" sz="1400" dirty="0"/>
+              <a:t>http://192.168.0.69/config</a:t>
+            </a:r>
+          </a:p>
+          <a:p>
+            <a:pPr marL="0" lvl="1" indent="0">
+              <a:buSzPct val="80000"/>
+              <a:buNone/>
+            </a:pPr>
+            <a:endParaRPr lang="de-DE" sz="1400" dirty="0"/>
+          </a:p>
+          <a:p>
+            <a:pPr marL="0" lvl="1" indent="0">
+              <a:buSzPct val="80000"/>
+              <a:buNone/>
+            </a:pPr>
+            <a:r>
+              <a:rPr lang="de-DE" sz="1400" dirty="0"/>
+              <a:t>http://192.168.0.69/config?ssid  </a:t>
+            </a:r>
+          </a:p>
+          <a:p>
+            <a:pPr marL="0" lvl="1" indent="0">
+              <a:buSzPct val="80000"/>
+              <a:buNone/>
+            </a:pPr>
+            <a:r>
+              <a:rPr lang="de-DE" sz="1400" dirty="0"/>
+              <a:t>http://192.168.0.69/config?password </a:t>
+            </a:r>
+          </a:p>
+          <a:p>
+            <a:pPr marL="0" lvl="1" indent="0">
+              <a:buSzPct val="80000"/>
+              <a:buNone/>
+            </a:pPr>
+            <a:r>
+              <a:rPr lang="de-DE" sz="1400" dirty="0"/>
+              <a:t>http://192.168.0.69/config?mqttbroker </a:t>
+            </a:r>
+          </a:p>
+          <a:p>
+            <a:pPr marL="0" lvl="1" indent="0">
+              <a:buSzPct val="80000"/>
+              <a:buNone/>
+            </a:pPr>
+            <a:r>
+              <a:rPr lang="de-DE" sz="1400" dirty="0"/>
+              <a:t>http://192.168.0.69/config?mqttuser</a:t>
+            </a:r>
+          </a:p>
+          <a:p>
+            <a:pPr marL="0" lvl="1" indent="0">
+              <a:buSzPct val="80000"/>
+              <a:buNone/>
+            </a:pPr>
+            <a:r>
+              <a:rPr lang="de-DE" sz="1400" dirty="0"/>
+              <a:t>http://192.168.0.69/config?mqttpassword</a:t>
+            </a:r>
+          </a:p>
+          <a:p>
+            <a:pPr marL="0" lvl="1" indent="0">
+              <a:buSzPct val="80000"/>
+              <a:buNone/>
+            </a:pPr>
+            <a:endParaRPr lang="de-DE" sz="1400" dirty="0"/>
+          </a:p>
+          <a:p>
+            <a:pPr marL="0" lvl="1" indent="0">
+              <a:buSzPct val="80000"/>
+              <a:buNone/>
+            </a:pPr>
+            <a:r>
+              <a:rPr lang="de-DE" sz="1400" dirty="0"/>
+              <a:t>http://192.168.0.69/sensor?ph</a:t>
+            </a:r>
           </a:p>
         </p:txBody>
       </p:sp>
     </p:spTree>
     <p:extLst>
       <p:ext uri="{BB962C8B-B14F-4D97-AF65-F5344CB8AC3E}">
-        <p14:creationId xmlns:p14="http://schemas.microsoft.com/office/powerpoint/2010/main" val="276220864"/>
+        <p14:creationId xmlns:p14="http://schemas.microsoft.com/office/powerpoint/2010/main" val="1460199035"/>
       </p:ext>
     </p:extLst>
   </p:cSld>
